--- a/基于MATLAB实现的模拟电路SPICE工具.pptx
+++ b/基于MATLAB实现的模拟电路SPICE工具.pptx
@@ -18,13 +18,13 @@
     <p:sldId id="285" r:id="rId6"/>
     <p:sldId id="306" r:id="rId7"/>
     <p:sldId id="336" r:id="rId8"/>
-    <p:sldId id="286" r:id="rId9"/>
-    <p:sldId id="337" r:id="rId10"/>
-    <p:sldId id="338" r:id="rId11"/>
-    <p:sldId id="339" r:id="rId12"/>
-    <p:sldId id="340" r:id="rId13"/>
-    <p:sldId id="342" r:id="rId14"/>
-    <p:sldId id="341" r:id="rId15"/>
+    <p:sldId id="359" r:id="rId9"/>
+    <p:sldId id="360" r:id="rId10"/>
+    <p:sldId id="361" r:id="rId11"/>
+    <p:sldId id="286" r:id="rId12"/>
+    <p:sldId id="337" r:id="rId13"/>
+    <p:sldId id="362" r:id="rId14"/>
+    <p:sldId id="342" r:id="rId15"/>
     <p:sldId id="332" r:id="rId16"/>
     <p:sldId id="344" r:id="rId17"/>
     <p:sldId id="346" r:id="rId18"/>
@@ -151,13 +151,13 @@
             <p14:sldId id="285"/>
             <p14:sldId id="306"/>
             <p14:sldId id="336"/>
+            <p14:sldId id="359"/>
+            <p14:sldId id="360"/>
+            <p14:sldId id="361"/>
             <p14:sldId id="286"/>
             <p14:sldId id="337"/>
-            <p14:sldId id="338"/>
-            <p14:sldId id="339"/>
-            <p14:sldId id="340"/>
+            <p14:sldId id="362"/>
             <p14:sldId id="342"/>
-            <p14:sldId id="341"/>
             <p14:sldId id="332"/>
             <p14:sldId id="344"/>
             <p14:sldId id="346"/>
@@ -194,6 +194,18 @@
     </p:ext>
   </p:extLst>
 </p:presentation>
+</file>
+
+<file path=ppt/commentAuthors.xml><?xml version="1.0" encoding="utf-8"?>
+<p:cmAuthorLst xmlns:a="http://schemas.openxmlformats.org/drawingml/2006/main" xmlns:r="http://schemas.openxmlformats.org/officeDocument/2006/relationships" xmlns:p="http://schemas.openxmlformats.org/presentationml/2006/main">
+  <p:cmAuthor id="1" name="Maple_of_Ten" initials="MT" lastIdx="1" clrIdx="0">
+    <p:extLst>
+      <p:ext uri="{19B8F6BF-5375-455C-9EA6-DF929625EA0E}">
+        <p15:presenceInfo xmlns:p15="http://schemas.microsoft.com/office/powerpoint/2012/main" userId="Maple_of_Ten" providerId="None"/>
+      </p:ext>
+    </p:extLst>
+  </p:cmAuthor>
+</p:cmAuthorLst>
 </file>
 
 <file path=ppt/handoutMasters/handoutMaster1.xml><?xml version="1.0" encoding="utf-8"?>
@@ -278,7 +290,7 @@
           <a:p>
             <a:fld id="{0F9B84EA-7D68-4D60-9CB1-D50884785D1C}" type="datetimeFigureOut">
               <a:rPr lang="zh-CN" altLang="en-US" smtClean="0"/>
-              <a:t>2023/5/19</a:t>
+              <a:t>2023/5/20</a:t>
             </a:fld>
             <a:endParaRPr lang="zh-CN" altLang="en-US"/>
           </a:p>
@@ -443,7 +455,7 @@
           <a:p>
             <a:fld id="{D2A48B96-639E-45A3-A0BA-2464DFDB1FAA}" type="datetimeFigureOut">
               <a:rPr lang="zh-CN" altLang="en-US" smtClean="0"/>
-              <a:t>2023/5/19</a:t>
+              <a:t>2023/5/20</a:t>
             </a:fld>
             <a:endParaRPr lang="zh-CN" altLang="en-US"/>
           </a:p>
@@ -858,7 +870,7 @@
     </p:spTree>
     <p:extLst>
       <p:ext uri="{BB962C8B-B14F-4D97-AF65-F5344CB8AC3E}">
-        <p14:creationId xmlns:p14="http://schemas.microsoft.com/office/powerpoint/2010/main" val="896213905"/>
+        <p14:creationId xmlns:p14="http://schemas.microsoft.com/office/powerpoint/2010/main" val="3766999278"/>
       </p:ext>
     </p:extLst>
   </p:cSld>
@@ -940,11 +952,6 @@
         </p:txBody>
       </p:sp>
     </p:spTree>
-    <p:extLst>
-      <p:ext uri="{BB962C8B-B14F-4D97-AF65-F5344CB8AC3E}">
-        <p14:creationId xmlns:p14="http://schemas.microsoft.com/office/powerpoint/2010/main" val="543630827"/>
-      </p:ext>
-    </p:extLst>
   </p:cSld>
   <p:clrMapOvr>
     <a:masterClrMapping/>
@@ -1026,7 +1033,7 @@
     </p:spTree>
     <p:extLst>
       <p:ext uri="{BB962C8B-B14F-4D97-AF65-F5344CB8AC3E}">
-        <p14:creationId xmlns:p14="http://schemas.microsoft.com/office/powerpoint/2010/main" val="3396032897"/>
+        <p14:creationId xmlns:p14="http://schemas.microsoft.com/office/powerpoint/2010/main" val="4056587928"/>
       </p:ext>
     </p:extLst>
   </p:cSld>
@@ -1110,7 +1117,7 @@
     </p:spTree>
     <p:extLst>
       <p:ext uri="{BB962C8B-B14F-4D97-AF65-F5344CB8AC3E}">
-        <p14:creationId xmlns:p14="http://schemas.microsoft.com/office/powerpoint/2010/main" val="442746612"/>
+        <p14:creationId xmlns:p14="http://schemas.microsoft.com/office/powerpoint/2010/main" val="3532492293"/>
       </p:ext>
     </p:extLst>
   </p:cSld>
@@ -1194,7 +1201,7 @@
     </p:spTree>
     <p:extLst>
       <p:ext uri="{BB962C8B-B14F-4D97-AF65-F5344CB8AC3E}">
-        <p14:creationId xmlns:p14="http://schemas.microsoft.com/office/powerpoint/2010/main" val="2255194213"/>
+        <p14:creationId xmlns:p14="http://schemas.microsoft.com/office/powerpoint/2010/main" val="442746612"/>
       </p:ext>
     </p:extLst>
   </p:cSld>
@@ -3000,6 +3007,11 @@
         </p:txBody>
       </p:sp>
     </p:spTree>
+    <p:extLst>
+      <p:ext uri="{BB962C8B-B14F-4D97-AF65-F5344CB8AC3E}">
+        <p14:creationId xmlns:p14="http://schemas.microsoft.com/office/powerpoint/2010/main" val="2447919660"/>
+      </p:ext>
+    </p:extLst>
   </p:cSld>
   <p:clrMapOvr>
     <a:masterClrMapping/>
@@ -3081,7 +3093,7 @@
     </p:spTree>
     <p:extLst>
       <p:ext uri="{BB962C8B-B14F-4D97-AF65-F5344CB8AC3E}">
-        <p14:creationId xmlns:p14="http://schemas.microsoft.com/office/powerpoint/2010/main" val="4056587928"/>
+        <p14:creationId xmlns:p14="http://schemas.microsoft.com/office/powerpoint/2010/main" val="1150447187"/>
       </p:ext>
     </p:extLst>
   </p:cSld>
@@ -3220,7 +3232,7 @@
           <a:p>
             <a:fld id="{82F288E0-7875-42C4-84C8-98DBBD3BF4D2}" type="datetimeFigureOut">
               <a:rPr lang="zh-CN" altLang="en-US" smtClean="0"/>
-              <a:t>2023/5/19</a:t>
+              <a:t>2023/5/20</a:t>
             </a:fld>
             <a:endParaRPr lang="zh-CN" altLang="en-US"/>
           </a:p>
@@ -3366,7 +3378,7 @@
           <a:p>
             <a:fld id="{82F288E0-7875-42C4-84C8-98DBBD3BF4D2}" type="datetimeFigureOut">
               <a:rPr lang="zh-CN" altLang="en-US" smtClean="0"/>
-              <a:t>2023/5/19</a:t>
+              <a:t>2023/5/20</a:t>
             </a:fld>
             <a:endParaRPr lang="zh-CN" altLang="en-US"/>
           </a:p>
@@ -3492,7 +3504,7 @@
           <a:p>
             <a:fld id="{80F42DC0-2E3F-F440-A3AA-64F0AA1F84F2}" type="datetime1">
               <a:rPr lang="zh-CN" altLang="en-US"/>
-              <a:t>2023/5/19</a:t>
+              <a:t>2023/5/20</a:t>
             </a:fld>
             <a:endParaRPr lang="zh-CN" altLang="en-US" sz="1400">
               <a:solidFill>
@@ -3809,7 +3821,7 @@
           <a:p>
             <a:fld id="{82F288E0-7875-42C4-84C8-98DBBD3BF4D2}" type="datetimeFigureOut">
               <a:rPr lang="zh-CN" altLang="en-US" smtClean="0"/>
-              <a:t>2023/5/19</a:t>
+              <a:t>2023/5/20</a:t>
             </a:fld>
             <a:endParaRPr lang="zh-CN" altLang="en-US"/>
           </a:p>
@@ -4033,7 +4045,7 @@
           <a:p>
             <a:fld id="{82F288E0-7875-42C4-84C8-98DBBD3BF4D2}" type="datetimeFigureOut">
               <a:rPr lang="zh-CN" altLang="en-US" smtClean="0"/>
-              <a:t>2023/5/19</a:t>
+              <a:t>2023/5/20</a:t>
             </a:fld>
             <a:endParaRPr lang="zh-CN" altLang="en-US"/>
           </a:p>
@@ -4392,7 +4404,7 @@
           <a:p>
             <a:fld id="{82F288E0-7875-42C4-84C8-98DBBD3BF4D2}" type="datetimeFigureOut">
               <a:rPr lang="zh-CN" altLang="en-US" smtClean="0"/>
-              <a:t>2023/5/19</a:t>
+              <a:t>2023/5/20</a:t>
             </a:fld>
             <a:endParaRPr lang="zh-CN" altLang="en-US"/>
           </a:p>
@@ -4504,7 +4516,7 @@
           <a:p>
             <a:fld id="{82F288E0-7875-42C4-84C8-98DBBD3BF4D2}" type="datetimeFigureOut">
               <a:rPr lang="zh-CN" altLang="en-US" smtClean="0"/>
-              <a:t>2023/5/19</a:t>
+              <a:t>2023/5/20</a:t>
             </a:fld>
             <a:endParaRPr lang="zh-CN" altLang="en-US"/>
           </a:p>
@@ -4594,7 +4606,7 @@
           <a:p>
             <a:fld id="{82F288E0-7875-42C4-84C8-98DBBD3BF4D2}" type="datetimeFigureOut">
               <a:rPr lang="zh-CN" altLang="en-US" smtClean="0"/>
-              <a:t>2023/5/19</a:t>
+              <a:t>2023/5/20</a:t>
             </a:fld>
             <a:endParaRPr lang="zh-CN" altLang="en-US"/>
           </a:p>
@@ -4841,7 +4853,7 @@
           <a:p>
             <a:fld id="{82F288E0-7875-42C4-84C8-98DBBD3BF4D2}" type="datetimeFigureOut">
               <a:rPr lang="zh-CN" altLang="en-US" smtClean="0"/>
-              <a:t>2023/5/19</a:t>
+              <a:t>2023/5/20</a:t>
             </a:fld>
             <a:endParaRPr lang="zh-CN" altLang="en-US"/>
           </a:p>
@@ -5014,7 +5026,7 @@
           <a:p>
             <a:fld id="{82F288E0-7875-42C4-84C8-98DBBD3BF4D2}" type="datetimeFigureOut">
               <a:rPr lang="zh-CN" altLang="en-US" smtClean="0"/>
-              <a:t>2023/5/19</a:t>
+              <a:t>2023/5/20</a:t>
             </a:fld>
             <a:endParaRPr lang="zh-CN" altLang="en-US"/>
           </a:p>
@@ -5225,7 +5237,7 @@
           <a:p>
             <a:fld id="{82F288E0-7875-42C4-84C8-98DBBD3BF4D2}" type="datetimeFigureOut">
               <a:rPr lang="zh-CN" altLang="en-US" smtClean="0"/>
-              <a:t>2023/5/19</a:t>
+              <a:t>2023/5/20</a:t>
             </a:fld>
             <a:endParaRPr lang="zh-CN" altLang="en-US"/>
           </a:p>
@@ -5944,8 +5956,8 @@
         </p:nvSpPr>
         <p:spPr>
           <a:xfrm>
-            <a:off x="659130" y="1088009"/>
-            <a:ext cx="7680198" cy="2754600"/>
+            <a:off x="731901" y="937220"/>
+            <a:ext cx="7680198" cy="2564805"/>
           </a:xfrm>
           <a:prstGeom prst="rect">
             <a:avLst/>
@@ -5958,163 +5970,166 @@
           </a:bodyPr>
           <a:lstStyle/>
           <a:p>
-            <a:pPr>
-              <a:spcBef>
-                <a:spcPts val="900"/>
-              </a:spcBef>
+            <a:pPr marL="342900" indent="-342900">
               <a:spcAft>
-                <a:spcPts val="900"/>
+                <a:spcPts val="1000"/>
               </a:spcAft>
+              <a:buFont typeface="+mj-lt"/>
+              <a:buAutoNum type="arabicPeriod"/>
             </a:pPr>
             <a:r>
-              <a:rPr lang="zh-CN" altLang="en-US" sz="2400" dirty="0">
-                <a:solidFill>
-                  <a:schemeClr val="accent1">
-                    <a:lumMod val="50000"/>
-                  </a:schemeClr>
-                </a:solidFill>
-                <a:effectLst/>
-                <a:latin typeface="Cambria" panose="02040503050406030204" pitchFamily="18" charset="0"/>
-                <a:ea typeface="宋体" panose="02010600030101010101" pitchFamily="2" charset="-122"/>
-                <a:cs typeface="Times New Roman" panose="02020603050405020304" pitchFamily="18" charset="0"/>
-              </a:rPr>
-              <a:t>使用正则表达式匹配解析网表</a:t>
-            </a:r>
-            <a:endParaRPr lang="en-US" altLang="zh-CN" sz="2400" dirty="0">
-              <a:solidFill>
-                <a:schemeClr val="accent1">
-                  <a:lumMod val="50000"/>
-                </a:schemeClr>
-              </a:solidFill>
-              <a:effectLst/>
-              <a:latin typeface="Cambria" panose="02040503050406030204" pitchFamily="18" charset="0"/>
-              <a:ea typeface="宋体" panose="02010600030101010101" pitchFamily="2" charset="-122"/>
-              <a:cs typeface="Times New Roman" panose="02020603050405020304" pitchFamily="18" charset="0"/>
-            </a:endParaRPr>
-          </a:p>
-          <a:p>
-            <a:pPr>
-              <a:spcBef>
-                <a:spcPts val="900"/>
-              </a:spcBef>
-              <a:spcAft>
-                <a:spcPts val="900"/>
-              </a:spcAft>
-            </a:pPr>
-            <a:r>
-              <a:rPr lang="zh-CN" altLang="en-US" sz="2000" dirty="0">
+              <a:rPr lang="zh-CN" altLang="zh-CN" sz="1800" dirty="0">
                 <a:solidFill>
                   <a:schemeClr val="accent1">
                     <a:lumMod val="75000"/>
                   </a:schemeClr>
                 </a:solidFill>
                 <a:latin typeface="Cambria" panose="02040503050406030204" pitchFamily="18" charset="0"/>
-                <a:ea typeface="宋体" panose="02010600030101010101" pitchFamily="2" charset="-122"/>
+                <a:ea typeface="微软雅黑" panose="020B0503020204020204" pitchFamily="34" charset="-122"/>
                 <a:cs typeface="Times New Roman" panose="02020603050405020304" pitchFamily="18" charset="0"/>
               </a:rPr>
-              <a:t>支持科学计数法。操作上语法支持单位解析。简单来说，变量的输入形式基本实现与</a:t>
-            </a:r>
-            <a:r>
-              <a:rPr lang="en-US" altLang="zh-CN" sz="2000" dirty="0" err="1">
+              <a:t>将项目分成前后端来实现分工与合作，工作大体上分为预处理，网表生成，更新网表迭代，绘制图像这些部分划分，模块之间仅靠接口相互依赖，比较有实际的工程意义</a:t>
+            </a:r>
+            <a:r>
+              <a:rPr lang="zh-CN" altLang="en-US" sz="1800" dirty="0">
                 <a:solidFill>
                   <a:schemeClr val="accent1">
                     <a:lumMod val="75000"/>
                   </a:schemeClr>
                 </a:solidFill>
                 <a:latin typeface="Cambria" panose="02040503050406030204" pitchFamily="18" charset="0"/>
-                <a:ea typeface="宋体" panose="02010600030101010101" pitchFamily="2" charset="-122"/>
+                <a:ea typeface="微软雅黑" panose="020B0503020204020204" pitchFamily="34" charset="-122"/>
                 <a:cs typeface="Times New Roman" panose="02020603050405020304" pitchFamily="18" charset="0"/>
               </a:rPr>
-              <a:t>hspice</a:t>
-            </a:r>
-            <a:r>
-              <a:rPr lang="zh-CN" altLang="en-US" sz="2000" dirty="0">
-                <a:solidFill>
-                  <a:schemeClr val="accent1">
-                    <a:lumMod val="75000"/>
-                  </a:schemeClr>
-                </a:solidFill>
-                <a:latin typeface="Cambria" panose="02040503050406030204" pitchFamily="18" charset="0"/>
-                <a:ea typeface="宋体" panose="02010600030101010101" pitchFamily="2" charset="-122"/>
-                <a:cs typeface="Times New Roman" panose="02020603050405020304" pitchFamily="18" charset="0"/>
-              </a:rPr>
-              <a:t>一致。</a:t>
-            </a:r>
-            <a:endParaRPr lang="en-US" altLang="zh-CN" sz="2000" dirty="0">
+              <a:t>。</a:t>
+            </a:r>
+            <a:endParaRPr lang="en-US" altLang="zh-CN" sz="1800" dirty="0">
               <a:solidFill>
                 <a:schemeClr val="accent1">
                   <a:lumMod val="75000"/>
                 </a:schemeClr>
               </a:solidFill>
-              <a:effectLst/>
               <a:latin typeface="Cambria" panose="02040503050406030204" pitchFamily="18" charset="0"/>
-              <a:ea typeface="宋体" panose="02010600030101010101" pitchFamily="2" charset="-122"/>
+              <a:ea typeface="微软雅黑" panose="020B0503020204020204" pitchFamily="34" charset="-122"/>
               <a:cs typeface="Times New Roman" panose="02020603050405020304" pitchFamily="18" charset="0"/>
             </a:endParaRPr>
           </a:p>
           <a:p>
-            <a:pPr>
-              <a:spcBef>
-                <a:spcPts val="900"/>
-              </a:spcBef>
+            <a:pPr marL="342900" indent="-342900">
               <a:spcAft>
-                <a:spcPts val="900"/>
+                <a:spcPts val="1000"/>
               </a:spcAft>
+              <a:buFont typeface="+mj-lt"/>
+              <a:buAutoNum type="arabicPeriod"/>
             </a:pPr>
             <a:r>
-              <a:rPr lang="zh-CN" altLang="en-US" sz="2400" dirty="0">
+              <a:rPr lang="zh-CN" altLang="zh-CN" sz="1800" dirty="0">
                 <a:solidFill>
                   <a:schemeClr val="accent1">
-                    <a:lumMod val="50000"/>
-                  </a:schemeClr>
-                </a:solidFill>
-                <a:latin typeface="宋体" panose="02010600030101010101" pitchFamily="2" charset="-122"/>
-                <a:ea typeface="宋体" panose="02010600030101010101" pitchFamily="2" charset="-122"/>
+                    <a:lumMod val="75000"/>
+                  </a:schemeClr>
+                </a:solidFill>
+                <a:latin typeface="Cambria" panose="02040503050406030204" pitchFamily="18" charset="0"/>
+                <a:ea typeface="微软雅黑" panose="020B0503020204020204" pitchFamily="34" charset="-122"/>
                 <a:cs typeface="Times New Roman" panose="02020603050405020304" pitchFamily="18" charset="0"/>
               </a:rPr>
-              <a:t>使用哈希表在模块之间传递数据</a:t>
-            </a:r>
-            <a:endParaRPr lang="en-US" altLang="zh-CN" sz="2400" dirty="0">
+              <a:t>关于项目的接口部分采用了哈希表来实现更快更高效的索引，同时可读性和可扩展性较强，向实际工程靠拢。</a:t>
+            </a:r>
+          </a:p>
+          <a:p>
+            <a:pPr marL="342900" indent="-342900">
+              <a:spcAft>
+                <a:spcPts val="1000"/>
+              </a:spcAft>
+              <a:buFont typeface="+mj-lt"/>
+              <a:buAutoNum type="arabicPeriod"/>
+            </a:pPr>
+            <a:r>
+              <a:rPr lang="zh-CN" altLang="zh-CN" sz="1800" dirty="0">
+                <a:solidFill>
+                  <a:schemeClr val="accent1">
+                    <a:lumMod val="75000"/>
+                  </a:schemeClr>
+                </a:solidFill>
+                <a:latin typeface="Cambria" panose="02040503050406030204" pitchFamily="18" charset="0"/>
+                <a:ea typeface="微软雅黑" panose="020B0503020204020204" pitchFamily="34" charset="-122"/>
+                <a:cs typeface="Times New Roman" panose="02020603050405020304" pitchFamily="18" charset="0"/>
+              </a:rPr>
+              <a:t>关于项目的结构方面，本项目在顶层模块有较高的抽象级，后续</a:t>
+            </a:r>
+            <a:r>
+              <a:rPr lang="zh-CN" altLang="en-US" sz="1800" dirty="0">
+                <a:solidFill>
+                  <a:schemeClr val="accent1">
+                    <a:lumMod val="75000"/>
+                  </a:schemeClr>
+                </a:solidFill>
+                <a:latin typeface="Cambria" panose="02040503050406030204" pitchFamily="18" charset="0"/>
+                <a:ea typeface="微软雅黑" panose="020B0503020204020204" pitchFamily="34" charset="-122"/>
+                <a:cs typeface="Times New Roman" panose="02020603050405020304" pitchFamily="18" charset="0"/>
+              </a:rPr>
+              <a:t>很</a:t>
+            </a:r>
+            <a:r>
+              <a:rPr lang="zh-CN" altLang="zh-CN" sz="1800" dirty="0">
+                <a:solidFill>
+                  <a:schemeClr val="accent1">
+                    <a:lumMod val="75000"/>
+                  </a:schemeClr>
+                </a:solidFill>
+                <a:latin typeface="Cambria" panose="02040503050406030204" pitchFamily="18" charset="0"/>
+                <a:ea typeface="微软雅黑" panose="020B0503020204020204" pitchFamily="34" charset="-122"/>
+                <a:cs typeface="Times New Roman" panose="02020603050405020304" pitchFamily="18" charset="0"/>
+              </a:rPr>
+              <a:t>容易把项目拓展成有更高的兼容性的</a:t>
+            </a:r>
+            <a:r>
+              <a:rPr lang="zh-CN" altLang="en-US" sz="1800" dirty="0">
+                <a:solidFill>
+                  <a:schemeClr val="accent1">
+                    <a:lumMod val="75000"/>
+                  </a:schemeClr>
+                </a:solidFill>
+                <a:latin typeface="Cambria" panose="02040503050406030204" pitchFamily="18" charset="0"/>
+                <a:ea typeface="微软雅黑" panose="020B0503020204020204" pitchFamily="34" charset="-122"/>
+                <a:cs typeface="Times New Roman" panose="02020603050405020304" pitchFamily="18" charset="0"/>
+              </a:rPr>
+              <a:t>项目或者增加额外的功能</a:t>
+            </a:r>
+            <a:r>
+              <a:rPr lang="zh-CN" altLang="zh-CN" sz="1800" dirty="0">
+                <a:solidFill>
+                  <a:schemeClr val="accent1">
+                    <a:lumMod val="75000"/>
+                  </a:schemeClr>
+                </a:solidFill>
+                <a:latin typeface="Cambria" panose="02040503050406030204" pitchFamily="18" charset="0"/>
+                <a:ea typeface="微软雅黑" panose="020B0503020204020204" pitchFamily="34" charset="-122"/>
+                <a:cs typeface="Times New Roman" panose="02020603050405020304" pitchFamily="18" charset="0"/>
+              </a:rPr>
+              <a:t>。</a:t>
+            </a:r>
+            <a:r>
+              <a:rPr lang="zh-CN" altLang="en-US" sz="1800" dirty="0">
+                <a:solidFill>
+                  <a:schemeClr val="accent1">
+                    <a:lumMod val="75000"/>
+                  </a:schemeClr>
+                </a:solidFill>
+                <a:latin typeface="Cambria" panose="02040503050406030204" pitchFamily="18" charset="0"/>
+                <a:ea typeface="微软雅黑" panose="020B0503020204020204" pitchFamily="34" charset="-122"/>
+                <a:cs typeface="Times New Roman" panose="02020603050405020304" pitchFamily="18" charset="0"/>
+              </a:rPr>
+              <a:t>可以考虑使用函数句柄等技术实现任意非线性器件接口的引入。</a:t>
+            </a:r>
+            <a:endParaRPr lang="zh-CN" altLang="zh-CN" sz="1800" dirty="0">
               <a:solidFill>
                 <a:schemeClr val="accent1">
-                  <a:lumMod val="50000"/>
-                </a:schemeClr>
-              </a:solidFill>
-              <a:latin typeface="宋体" panose="02010600030101010101" pitchFamily="2" charset="-122"/>
-              <a:ea typeface="宋体" panose="02010600030101010101" pitchFamily="2" charset="-122"/>
-              <a:cs typeface="Times New Roman" panose="02020603050405020304" pitchFamily="18" charset="0"/>
-            </a:endParaRPr>
-          </a:p>
-          <a:p>
-            <a:pPr>
-              <a:spcBef>
-                <a:spcPts val="900"/>
-              </a:spcBef>
-              <a:spcAft>
-                <a:spcPts val="900"/>
-              </a:spcAft>
-            </a:pPr>
-            <a:r>
-              <a:rPr lang="zh-CN" altLang="en-US" sz="2000" dirty="0">
-                <a:solidFill>
-                  <a:schemeClr val="accent1">
-                    <a:lumMod val="75000"/>
-                  </a:schemeClr>
-                </a:solidFill>
-                <a:latin typeface="Cambria" panose="02040503050406030204" pitchFamily="18" charset="0"/>
-                <a:ea typeface="宋体" panose="02010600030101010101" pitchFamily="2" charset="-122"/>
-                <a:cs typeface="Times New Roman" panose="02020603050405020304" pitchFamily="18" charset="0"/>
-              </a:rPr>
-              <a:t>哈希表传递数据使得顶层模块的抽象程度足够高，模块之间传递数据足够快，程序的可读性足够强。</a:t>
-            </a:r>
-            <a:endParaRPr lang="en-US" altLang="zh-CN" sz="2400" dirty="0">
-              <a:solidFill>
-                <a:schemeClr val="accent1">
-                  <a:lumMod val="50000"/>
+                  <a:lumMod val="75000"/>
                 </a:schemeClr>
               </a:solidFill>
               <a:latin typeface="Cambria" panose="02040503050406030204" pitchFamily="18" charset="0"/>
-              <a:ea typeface="宋体" panose="02010600030101010101" pitchFamily="2" charset="-122"/>
+              <a:ea typeface="微软雅黑" panose="020B0503020204020204" pitchFamily="34" charset="-122"/>
               <a:cs typeface="Times New Roman" panose="02020603050405020304" pitchFamily="18" charset="0"/>
             </a:endParaRPr>
           </a:p>
@@ -6129,7 +6144,7 @@
         <p:spPr>
           <a:xfrm>
             <a:off x="956945" y="214630"/>
-            <a:ext cx="3999813" cy="584775"/>
+            <a:ext cx="3057247" cy="584775"/>
           </a:xfrm>
           <a:prstGeom prst="rect">
             <a:avLst/>
@@ -6158,43 +6173,7 @@
                 </a:effectLst>
                 <a:cs typeface="+mn-ea"/>
               </a:rPr>
-              <a:t>技术细节</a:t>
-            </a:r>
-            <a:r>
-              <a:rPr lang="en-US" altLang="zh-CN" sz="3200" dirty="0">
-                <a:solidFill>
-                  <a:schemeClr val="accent5">
-                    <a:lumMod val="75000"/>
-                  </a:schemeClr>
-                </a:solidFill>
-                <a:effectLst>
-                  <a:outerShdw blurRad="38100" dist="38100" dir="2700000" algn="tl">
-                    <a:srgbClr val="000000">
-                      <a:alpha val="43137"/>
-                    </a:srgbClr>
-                  </a:outerShdw>
-                </a:effectLst>
-                <a:cs typeface="+mn-ea"/>
-              </a:rPr>
-              <a:t> </a:t>
-            </a:r>
-            <a:r>
-              <a:rPr lang="zh-CN" altLang="en-US" sz="3200" dirty="0">
-                <a:solidFill>
-                  <a:schemeClr val="accent5">
-                    <a:lumMod val="75000"/>
-                  </a:schemeClr>
-                </a:solidFill>
-                <a:effectLst>
-                  <a:outerShdw blurRad="38100" dist="38100" dir="2700000" algn="tl">
-                    <a:srgbClr val="000000">
-                      <a:alpha val="43137"/>
-                    </a:srgbClr>
-                  </a:outerShdw>
-                </a:effectLst>
-                <a:cs typeface="+mn-ea"/>
-              </a:rPr>
-              <a:t>网表预处理</a:t>
+              <a:t>项目的工程特点</a:t>
             </a:r>
           </a:p>
         </p:txBody>
@@ -6202,7 +6181,7 @@
     </p:spTree>
     <p:extLst>
       <p:ext uri="{BB962C8B-B14F-4D97-AF65-F5344CB8AC3E}">
-        <p14:creationId xmlns:p14="http://schemas.microsoft.com/office/powerpoint/2010/main" val="2916044414"/>
+        <p14:creationId xmlns:p14="http://schemas.microsoft.com/office/powerpoint/2010/main" val="397490416"/>
       </p:ext>
     </p:extLst>
   </p:cSld>
@@ -6227,6 +6206,20 @@
 <file path=ppt/slides/slide11.xml><?xml version="1.0" encoding="utf-8"?>
 <p:sld xmlns:a="http://schemas.openxmlformats.org/drawingml/2006/main" xmlns:r="http://schemas.openxmlformats.org/officeDocument/2006/relationships" xmlns:p="http://schemas.openxmlformats.org/presentationml/2006/main">
   <p:cSld>
+    <p:bg>
+      <p:bgPr>
+        <a:blipFill dpi="0" rotWithShape="1">
+          <a:blip r:embed="rId3">
+            <a:lum/>
+          </a:blip>
+          <a:srcRect/>
+          <a:stretch>
+            <a:fillRect/>
+          </a:stretch>
+        </a:blipFill>
+        <a:effectLst/>
+      </p:bgPr>
+    </p:bg>
     <p:spTree>
       <p:nvGrpSpPr>
         <p:cNvPr id="1" name=""/>
@@ -6243,14 +6236,60 @@
       </p:grpSpPr>
       <p:sp>
         <p:nvSpPr>
-          <p:cNvPr id="7" name="文本框 6"/>
+          <p:cNvPr id="100" name="椭圆 99"/>
+          <p:cNvSpPr/>
+          <p:nvPr/>
+        </p:nvSpPr>
+        <p:spPr>
+          <a:xfrm>
+            <a:off x="3819635" y="1089058"/>
+            <a:ext cx="1500028" cy="1500028"/>
+          </a:xfrm>
+          <a:prstGeom prst="ellipse">
+            <a:avLst/>
+          </a:prstGeom>
+          <a:solidFill>
+            <a:srgbClr val="1B4367"/>
+          </a:solidFill>
+          <a:ln>
+            <a:noFill/>
+          </a:ln>
+        </p:spPr>
+        <p:style>
+          <a:lnRef idx="2">
+            <a:schemeClr val="accent1">
+              <a:shade val="50000"/>
+            </a:schemeClr>
+          </a:lnRef>
+          <a:fillRef idx="1">
+            <a:schemeClr val="accent1"/>
+          </a:fillRef>
+          <a:effectRef idx="0">
+            <a:schemeClr val="accent1"/>
+          </a:effectRef>
+          <a:fontRef idx="minor">
+            <a:schemeClr val="lt1"/>
+          </a:fontRef>
+        </p:style>
+        <p:txBody>
+          <a:bodyPr rtlCol="0" anchor="ctr"/>
+          <a:lstStyle/>
+          <a:p>
+            <a:pPr algn="ctr"/>
+            <a:endParaRPr lang="zh-CN" altLang="en-US"/>
+          </a:p>
+        </p:txBody>
+      </p:sp>
+      <p:sp>
+        <p:nvSpPr>
+          <p:cNvPr id="101" name="文本框 11"/>
           <p:cNvSpPr txBox="1"/>
           <p:nvPr/>
         </p:nvSpPr>
         <p:spPr>
           <a:xfrm>
-            <a:off x="659130" y="1088009"/>
-            <a:ext cx="7680198" cy="2754600"/>
+            <a:off x="2483768" y="2709756"/>
+            <a:ext cx="4171762" cy="591185"/>
           </a:xfrm>
           <a:prstGeom prst="rect">
             <a:avLst/>
@@ -6258,201 +6297,16 @@
           <a:noFill/>
         </p:spPr>
         <p:txBody>
-          <a:bodyPr wrap="square" rtlCol="0">
+          <a:bodyPr wrap="square" lIns="68580" tIns="34290" rIns="68580" bIns="34290" rtlCol="0">
             <a:spAutoFit/>
           </a:bodyPr>
           <a:lstStyle/>
           <a:p>
-            <a:pPr>
-              <a:spcBef>
-                <a:spcPts val="900"/>
-              </a:spcBef>
-              <a:spcAft>
-                <a:spcPts val="900"/>
-              </a:spcAft>
-            </a:pPr>
-            <a:r>
-              <a:rPr lang="zh-CN" altLang="en-US" sz="2400" dirty="0">
-                <a:solidFill>
-                  <a:schemeClr val="accent1">
-                    <a:lumMod val="50000"/>
-                  </a:schemeClr>
-                </a:solidFill>
-                <a:effectLst/>
-                <a:latin typeface="Cambria" panose="02040503050406030204" pitchFamily="18" charset="0"/>
-                <a:ea typeface="宋体" panose="02010600030101010101" pitchFamily="2" charset="-122"/>
-                <a:cs typeface="Times New Roman" panose="02020603050405020304" pitchFamily="18" charset="0"/>
-              </a:rPr>
-              <a:t>使用正则表达式匹配解析网表</a:t>
-            </a:r>
-            <a:endParaRPr lang="en-US" altLang="zh-CN" sz="2400" dirty="0">
-              <a:solidFill>
-                <a:schemeClr val="accent1">
-                  <a:lumMod val="50000"/>
-                </a:schemeClr>
-              </a:solidFill>
-              <a:effectLst/>
-              <a:latin typeface="Cambria" panose="02040503050406030204" pitchFamily="18" charset="0"/>
-              <a:ea typeface="宋体" panose="02010600030101010101" pitchFamily="2" charset="-122"/>
-              <a:cs typeface="Times New Roman" panose="02020603050405020304" pitchFamily="18" charset="0"/>
-            </a:endParaRPr>
-          </a:p>
-          <a:p>
-            <a:pPr>
-              <a:spcBef>
-                <a:spcPts val="900"/>
-              </a:spcBef>
-              <a:spcAft>
-                <a:spcPts val="900"/>
-              </a:spcAft>
-            </a:pPr>
-            <a:r>
-              <a:rPr lang="zh-CN" altLang="en-US" sz="2000" dirty="0">
-                <a:solidFill>
-                  <a:schemeClr val="accent1">
-                    <a:lumMod val="75000"/>
-                  </a:schemeClr>
-                </a:solidFill>
-                <a:latin typeface="Cambria" panose="02040503050406030204" pitchFamily="18" charset="0"/>
-                <a:ea typeface="宋体" panose="02010600030101010101" pitchFamily="2" charset="-122"/>
-                <a:cs typeface="Times New Roman" panose="02020603050405020304" pitchFamily="18" charset="0"/>
-              </a:rPr>
-              <a:t>支持科学计数法。操作上语法支持单位解析。简单来说，变量的输入形式基本实现与</a:t>
-            </a:r>
-            <a:r>
-              <a:rPr lang="en-US" altLang="zh-CN" sz="2000" dirty="0" err="1">
-                <a:solidFill>
-                  <a:schemeClr val="accent1">
-                    <a:lumMod val="75000"/>
-                  </a:schemeClr>
-                </a:solidFill>
-                <a:latin typeface="Cambria" panose="02040503050406030204" pitchFamily="18" charset="0"/>
-                <a:ea typeface="宋体" panose="02010600030101010101" pitchFamily="2" charset="-122"/>
-                <a:cs typeface="Times New Roman" panose="02020603050405020304" pitchFamily="18" charset="0"/>
-              </a:rPr>
-              <a:t>hspice</a:t>
-            </a:r>
-            <a:r>
-              <a:rPr lang="zh-CN" altLang="en-US" sz="2000" dirty="0">
-                <a:solidFill>
-                  <a:schemeClr val="accent1">
-                    <a:lumMod val="75000"/>
-                  </a:schemeClr>
-                </a:solidFill>
-                <a:latin typeface="Cambria" panose="02040503050406030204" pitchFamily="18" charset="0"/>
-                <a:ea typeface="宋体" panose="02010600030101010101" pitchFamily="2" charset="-122"/>
-                <a:cs typeface="Times New Roman" panose="02020603050405020304" pitchFamily="18" charset="0"/>
-              </a:rPr>
-              <a:t>一致。</a:t>
-            </a:r>
-            <a:endParaRPr lang="en-US" altLang="zh-CN" sz="2000" dirty="0">
-              <a:solidFill>
-                <a:schemeClr val="accent1">
-                  <a:lumMod val="75000"/>
-                </a:schemeClr>
-              </a:solidFill>
-              <a:effectLst/>
-              <a:latin typeface="Cambria" panose="02040503050406030204" pitchFamily="18" charset="0"/>
-              <a:ea typeface="宋体" panose="02010600030101010101" pitchFamily="2" charset="-122"/>
-              <a:cs typeface="Times New Roman" panose="02020603050405020304" pitchFamily="18" charset="0"/>
-            </a:endParaRPr>
-          </a:p>
-          <a:p>
-            <a:pPr>
-              <a:spcBef>
-                <a:spcPts val="900"/>
-              </a:spcBef>
-              <a:spcAft>
-                <a:spcPts val="900"/>
-              </a:spcAft>
-            </a:pPr>
-            <a:r>
-              <a:rPr lang="zh-CN" altLang="en-US" sz="2400" dirty="0">
-                <a:solidFill>
-                  <a:schemeClr val="accent1">
-                    <a:lumMod val="50000"/>
-                  </a:schemeClr>
-                </a:solidFill>
-                <a:latin typeface="宋体" panose="02010600030101010101" pitchFamily="2" charset="-122"/>
-                <a:ea typeface="宋体" panose="02010600030101010101" pitchFamily="2" charset="-122"/>
-                <a:cs typeface="Times New Roman" panose="02020603050405020304" pitchFamily="18" charset="0"/>
-              </a:rPr>
-              <a:t>使用哈希表在模块之间传递数据</a:t>
-            </a:r>
-            <a:endParaRPr lang="en-US" altLang="zh-CN" sz="2400" dirty="0">
-              <a:solidFill>
-                <a:schemeClr val="accent1">
-                  <a:lumMod val="50000"/>
-                </a:schemeClr>
-              </a:solidFill>
-              <a:latin typeface="宋体" panose="02010600030101010101" pitchFamily="2" charset="-122"/>
-              <a:ea typeface="宋体" panose="02010600030101010101" pitchFamily="2" charset="-122"/>
-              <a:cs typeface="Times New Roman" panose="02020603050405020304" pitchFamily="18" charset="0"/>
-            </a:endParaRPr>
-          </a:p>
-          <a:p>
-            <a:pPr>
-              <a:spcBef>
-                <a:spcPts val="900"/>
-              </a:spcBef>
-              <a:spcAft>
-                <a:spcPts val="900"/>
-              </a:spcAft>
-            </a:pPr>
-            <a:r>
-              <a:rPr lang="zh-CN" altLang="en-US" sz="2000" dirty="0">
-                <a:solidFill>
-                  <a:schemeClr val="accent1">
-                    <a:lumMod val="75000"/>
-                  </a:schemeClr>
-                </a:solidFill>
-                <a:latin typeface="Cambria" panose="02040503050406030204" pitchFamily="18" charset="0"/>
-                <a:ea typeface="宋体" panose="02010600030101010101" pitchFamily="2" charset="-122"/>
-                <a:cs typeface="Times New Roman" panose="02020603050405020304" pitchFamily="18" charset="0"/>
-              </a:rPr>
-              <a:t>哈希表传递数据使得顶层模块的抽象程度足够高，模块之间传递数据足够快，程序的可读性足够强。</a:t>
-            </a:r>
-            <a:endParaRPr lang="en-US" altLang="zh-CN" sz="2400" dirty="0">
-              <a:solidFill>
-                <a:schemeClr val="accent1">
-                  <a:lumMod val="50000"/>
-                </a:schemeClr>
-              </a:solidFill>
-              <a:latin typeface="Cambria" panose="02040503050406030204" pitchFamily="18" charset="0"/>
-              <a:ea typeface="宋体" panose="02010600030101010101" pitchFamily="2" charset="-122"/>
-              <a:cs typeface="Times New Roman" panose="02020603050405020304" pitchFamily="18" charset="0"/>
-            </a:endParaRPr>
-          </a:p>
-        </p:txBody>
-      </p:sp>
-      <p:sp>
-        <p:nvSpPr>
-          <p:cNvPr id="5" name="文本框 4"/>
-          <p:cNvSpPr txBox="1"/>
-          <p:nvPr/>
-        </p:nvSpPr>
-        <p:spPr>
-          <a:xfrm>
-            <a:off x="956945" y="214630"/>
-            <a:ext cx="3999813" cy="584775"/>
-          </a:xfrm>
-          <a:prstGeom prst="rect">
-            <a:avLst/>
-          </a:prstGeom>
-          <a:noFill/>
-        </p:spPr>
-        <p:txBody>
-          <a:bodyPr wrap="none" rtlCol="0">
-            <a:spAutoFit/>
-          </a:bodyPr>
-          <a:lstStyle/>
-          <a:p>
-            <a:r>
-              <a:rPr lang="zh-CN" altLang="en-US" sz="3200" dirty="0">
-                <a:solidFill>
-                  <a:schemeClr val="accent5">
-                    <a:lumMod val="75000"/>
-                  </a:schemeClr>
+            <a:pPr algn="ctr"/>
+            <a:r>
+              <a:rPr lang="zh-CN" altLang="en-US" sz="3400" dirty="0">
+                <a:solidFill>
+                  <a:srgbClr val="1B4367"/>
                 </a:solidFill>
                 <a:effectLst>
                   <a:outerShdw blurRad="38100" dist="38100" dir="2700000" algn="tl">
@@ -6462,54 +6316,78 @@
                   </a:outerShdw>
                 </a:effectLst>
                 <a:cs typeface="+mn-ea"/>
-              </a:rPr>
-              <a:t>技术细节</a:t>
-            </a:r>
-            <a:r>
-              <a:rPr lang="en-US" altLang="zh-CN" sz="3200" dirty="0">
-                <a:solidFill>
-                  <a:schemeClr val="accent5">
-                    <a:lumMod val="75000"/>
-                  </a:schemeClr>
-                </a:solidFill>
-                <a:effectLst>
-                  <a:outerShdw blurRad="38100" dist="38100" dir="2700000" algn="tl">
-                    <a:srgbClr val="000000">
-                      <a:alpha val="43137"/>
-                    </a:srgbClr>
-                  </a:outerShdw>
-                </a:effectLst>
+                <a:sym typeface="+mn-lt"/>
+              </a:rPr>
+              <a:t>项目技术细节</a:t>
+            </a:r>
+          </a:p>
+        </p:txBody>
+      </p:sp>
+      <p:sp>
+        <p:nvSpPr>
+          <p:cNvPr id="103" name="文本框 11"/>
+          <p:cNvSpPr txBox="1"/>
+          <p:nvPr/>
+        </p:nvSpPr>
+        <p:spPr>
+          <a:xfrm>
+            <a:off x="3705856" y="1751572"/>
+            <a:ext cx="1732894" cy="837565"/>
+          </a:xfrm>
+          <a:prstGeom prst="rect">
+            <a:avLst/>
+          </a:prstGeom>
+          <a:noFill/>
+        </p:spPr>
+        <p:txBody>
+          <a:bodyPr wrap="square" lIns="68580" tIns="34290" rIns="68580" bIns="34290" rtlCol="0">
+            <a:spAutoFit/>
+          </a:bodyPr>
+          <a:lstStyle/>
+          <a:p>
+            <a:pPr algn="ctr">
+              <a:lnSpc>
+                <a:spcPts val="3000"/>
+              </a:lnSpc>
+            </a:pPr>
+            <a:r>
+              <a:rPr lang="en-US" altLang="zh-CN" sz="5400" dirty="0">
+                <a:solidFill>
+                  <a:schemeClr val="bg1"/>
+                </a:solidFill>
                 <a:cs typeface="+mn-ea"/>
+                <a:sym typeface="+mn-lt"/>
+              </a:rPr>
+              <a:t>03</a:t>
+            </a:r>
+            <a:endParaRPr lang="zh-CN" altLang="en-US" sz="5400" dirty="0">
+              <a:solidFill>
+                <a:schemeClr val="bg1"/>
+              </a:solidFill>
+              <a:cs typeface="+mn-ea"/>
+              <a:sym typeface="+mn-lt"/>
+            </a:endParaRPr>
+          </a:p>
+          <a:p>
+            <a:pPr algn="ctr">
+              <a:lnSpc>
+                <a:spcPts val="3000"/>
+              </a:lnSpc>
+            </a:pPr>
+            <a:r>
+              <a:rPr lang="en-US" altLang="zh-CN" sz="2400" dirty="0">
+                <a:solidFill>
+                  <a:schemeClr val="bg1"/>
+                </a:solidFill>
+                <a:cs typeface="+mn-ea"/>
+                <a:sym typeface="+mn-lt"/>
               </a:rPr>
               <a:t> </a:t>
-            </a:r>
-            <a:r>
-              <a:rPr lang="zh-CN" altLang="en-US" sz="3200" dirty="0">
-                <a:solidFill>
-                  <a:schemeClr val="accent5">
-                    <a:lumMod val="75000"/>
-                  </a:schemeClr>
-                </a:solidFill>
-                <a:effectLst>
-                  <a:outerShdw blurRad="38100" dist="38100" dir="2700000" algn="tl">
-                    <a:srgbClr val="000000">
-                      <a:alpha val="43137"/>
-                    </a:srgbClr>
-                  </a:outerShdw>
-                </a:effectLst>
-                <a:cs typeface="+mn-ea"/>
-              </a:rPr>
-              <a:t>初始解生成</a:t>
             </a:r>
           </a:p>
         </p:txBody>
       </p:sp>
     </p:spTree>
-    <p:extLst>
-      <p:ext uri="{BB962C8B-B14F-4D97-AF65-F5344CB8AC3E}">
-        <p14:creationId xmlns:p14="http://schemas.microsoft.com/office/powerpoint/2010/main" val="39276554"/>
-      </p:ext>
-    </p:extLst>
   </p:cSld>
   <p:clrMapOvr>
     <a:masterClrMapping/>
@@ -6517,7 +6395,7 @@
   <mc:AlternateContent xmlns:mc="http://schemas.openxmlformats.org/markup-compatibility/2006" xmlns:p14="http://schemas.microsoft.com/office/powerpoint/2010/main">
     <mc:Choice Requires="p14">
       <p:transition spd="slow">
-        <p14:gallery dir="l"/>
+        <p14:prism/>
       </p:transition>
     </mc:Choice>
     <mc:Fallback xmlns="">
@@ -6526,6 +6404,341 @@
       </p:transition>
     </mc:Fallback>
   </mc:AlternateContent>
+  <p:timing>
+    <p:tnLst>
+      <p:par>
+        <p:cTn id="1" dur="indefinite" restart="never" nodeType="tmRoot">
+          <p:childTnLst>
+            <p:seq concurrent="1" nextAc="seek">
+              <p:cTn id="2" dur="indefinite" nodeType="mainSeq">
+                <p:childTnLst>
+                  <p:par>
+                    <p:cTn id="3" fill="hold">
+                      <p:stCondLst>
+                        <p:cond delay="indefinite"/>
+                        <p:cond evt="onBegin" delay="0">
+                          <p:tn val="2"/>
+                        </p:cond>
+                      </p:stCondLst>
+                      <p:childTnLst>
+                        <p:par>
+                          <p:cTn id="4" fill="hold">
+                            <p:stCondLst>
+                              <p:cond delay="0"/>
+                            </p:stCondLst>
+                            <p:childTnLst>
+                              <p:par>
+                                <p:cTn id="5" presetID="21" presetClass="entr" presetSubtype="1" fill="hold" grpId="0" nodeType="afterEffect">
+                                  <p:stCondLst>
+                                    <p:cond delay="0"/>
+                                  </p:stCondLst>
+                                  <p:childTnLst>
+                                    <p:set>
+                                      <p:cBhvr>
+                                        <p:cTn id="6" dur="1" fill="hold">
+                                          <p:stCondLst>
+                                            <p:cond delay="0"/>
+                                          </p:stCondLst>
+                                        </p:cTn>
+                                        <p:tgtEl>
+                                          <p:spTgt spid="100"/>
+                                        </p:tgtEl>
+                                        <p:attrNameLst>
+                                          <p:attrName>style.visibility</p:attrName>
+                                        </p:attrNameLst>
+                                      </p:cBhvr>
+                                      <p:to>
+                                        <p:strVal val="visible"/>
+                                      </p:to>
+                                    </p:set>
+                                    <p:animEffect transition="in" filter="wheel(1)">
+                                      <p:cBhvr>
+                                        <p:cTn id="7" dur="600"/>
+                                        <p:tgtEl>
+                                          <p:spTgt spid="100"/>
+                                        </p:tgtEl>
+                                      </p:cBhvr>
+                                    </p:animEffect>
+                                  </p:childTnLst>
+                                </p:cTn>
+                              </p:par>
+                            </p:childTnLst>
+                          </p:cTn>
+                        </p:par>
+                        <p:par>
+                          <p:cTn id="8" fill="hold">
+                            <p:stCondLst>
+                              <p:cond delay="1000"/>
+                            </p:stCondLst>
+                            <p:childTnLst>
+                              <p:par>
+                                <p:cTn id="9" presetID="53" presetClass="entr" presetSubtype="16" fill="hold" grpId="0" nodeType="afterEffect">
+                                  <p:stCondLst>
+                                    <p:cond delay="0"/>
+                                  </p:stCondLst>
+                                  <p:childTnLst>
+                                    <p:set>
+                                      <p:cBhvr>
+                                        <p:cTn id="10" dur="1" fill="hold">
+                                          <p:stCondLst>
+                                            <p:cond delay="0"/>
+                                          </p:stCondLst>
+                                        </p:cTn>
+                                        <p:tgtEl>
+                                          <p:spTgt spid="103"/>
+                                        </p:tgtEl>
+                                        <p:attrNameLst>
+                                          <p:attrName>style.visibility</p:attrName>
+                                        </p:attrNameLst>
+                                      </p:cBhvr>
+                                      <p:to>
+                                        <p:strVal val="visible"/>
+                                      </p:to>
+                                    </p:set>
+                                    <p:anim calcmode="lin" valueType="num">
+                                      <p:cBhvr>
+                                        <p:cTn id="11" dur="500" fill="hold"/>
+                                        <p:tgtEl>
+                                          <p:spTgt spid="103"/>
+                                        </p:tgtEl>
+                                        <p:attrNameLst>
+                                          <p:attrName>ppt_w</p:attrName>
+                                        </p:attrNameLst>
+                                      </p:cBhvr>
+                                      <p:tavLst>
+                                        <p:tav tm="0">
+                                          <p:val>
+                                            <p:fltVal val="0"/>
+                                          </p:val>
+                                        </p:tav>
+                                        <p:tav tm="100000">
+                                          <p:val>
+                                            <p:strVal val="#ppt_w"/>
+                                          </p:val>
+                                        </p:tav>
+                                      </p:tavLst>
+                                    </p:anim>
+                                    <p:anim calcmode="lin" valueType="num">
+                                      <p:cBhvr>
+                                        <p:cTn id="12" dur="500" fill="hold"/>
+                                        <p:tgtEl>
+                                          <p:spTgt spid="103"/>
+                                        </p:tgtEl>
+                                        <p:attrNameLst>
+                                          <p:attrName>ppt_h</p:attrName>
+                                        </p:attrNameLst>
+                                      </p:cBhvr>
+                                      <p:tavLst>
+                                        <p:tav tm="0">
+                                          <p:val>
+                                            <p:fltVal val="0"/>
+                                          </p:val>
+                                        </p:tav>
+                                        <p:tav tm="100000">
+                                          <p:val>
+                                            <p:strVal val="#ppt_h"/>
+                                          </p:val>
+                                        </p:tav>
+                                      </p:tavLst>
+                                    </p:anim>
+                                    <p:animEffect transition="in" filter="fade">
+                                      <p:cBhvr>
+                                        <p:cTn id="13" dur="500"/>
+                                        <p:tgtEl>
+                                          <p:spTgt spid="103"/>
+                                        </p:tgtEl>
+                                      </p:cBhvr>
+                                    </p:animEffect>
+                                  </p:childTnLst>
+                                </p:cTn>
+                              </p:par>
+                            </p:childTnLst>
+                          </p:cTn>
+                        </p:par>
+                        <p:par>
+                          <p:cTn id="14" fill="hold">
+                            <p:stCondLst>
+                              <p:cond delay="1500"/>
+                            </p:stCondLst>
+                            <p:childTnLst>
+                              <p:par>
+                                <p:cTn id="15" presetID="41" presetClass="entr" presetSubtype="0" fill="hold" grpId="0" nodeType="afterEffect">
+                                  <p:stCondLst>
+                                    <p:cond delay="0"/>
+                                  </p:stCondLst>
+                                  <p:iterate type="lt">
+                                    <p:tmPct val="10000"/>
+                                  </p:iterate>
+                                  <p:childTnLst>
+                                    <p:set>
+                                      <p:cBhvr>
+                                        <p:cTn id="16" dur="1" fill="hold">
+                                          <p:stCondLst>
+                                            <p:cond delay="0"/>
+                                          </p:stCondLst>
+                                        </p:cTn>
+                                        <p:tgtEl>
+                                          <p:spTgt spid="101"/>
+                                        </p:tgtEl>
+                                        <p:attrNameLst>
+                                          <p:attrName>style.visibility</p:attrName>
+                                        </p:attrNameLst>
+                                      </p:cBhvr>
+                                      <p:to>
+                                        <p:strVal val="visible"/>
+                                      </p:to>
+                                    </p:set>
+                                    <p:anim calcmode="lin" valueType="num">
+                                      <p:cBhvr>
+                                        <p:cTn id="17" dur="500" fill="hold"/>
+                                        <p:tgtEl>
+                                          <p:spTgt spid="101"/>
+                                        </p:tgtEl>
+                                        <p:attrNameLst>
+                                          <p:attrName>ppt_x</p:attrName>
+                                        </p:attrNameLst>
+                                      </p:cBhvr>
+                                      <p:tavLst>
+                                        <p:tav tm="0">
+                                          <p:val>
+                                            <p:strVal val="#ppt_x"/>
+                                          </p:val>
+                                        </p:tav>
+                                        <p:tav tm="50000">
+                                          <p:val>
+                                            <p:strVal val="#ppt_x+.1"/>
+                                          </p:val>
+                                        </p:tav>
+                                        <p:tav tm="100000">
+                                          <p:val>
+                                            <p:strVal val="#ppt_x"/>
+                                          </p:val>
+                                        </p:tav>
+                                      </p:tavLst>
+                                    </p:anim>
+                                    <p:anim calcmode="lin" valueType="num">
+                                      <p:cBhvr>
+                                        <p:cTn id="18" dur="500" fill="hold"/>
+                                        <p:tgtEl>
+                                          <p:spTgt spid="101"/>
+                                        </p:tgtEl>
+                                        <p:attrNameLst>
+                                          <p:attrName>ppt_y</p:attrName>
+                                        </p:attrNameLst>
+                                      </p:cBhvr>
+                                      <p:tavLst>
+                                        <p:tav tm="0">
+                                          <p:val>
+                                            <p:strVal val="#ppt_y"/>
+                                          </p:val>
+                                        </p:tav>
+                                        <p:tav tm="100000">
+                                          <p:val>
+                                            <p:strVal val="#ppt_y"/>
+                                          </p:val>
+                                        </p:tav>
+                                      </p:tavLst>
+                                    </p:anim>
+                                    <p:anim calcmode="lin" valueType="num">
+                                      <p:cBhvr>
+                                        <p:cTn id="19" dur="500" fill="hold"/>
+                                        <p:tgtEl>
+                                          <p:spTgt spid="101"/>
+                                        </p:tgtEl>
+                                        <p:attrNameLst>
+                                          <p:attrName>ppt_h</p:attrName>
+                                        </p:attrNameLst>
+                                      </p:cBhvr>
+                                      <p:tavLst>
+                                        <p:tav tm="0">
+                                          <p:val>
+                                            <p:strVal val="#ppt_h/10"/>
+                                          </p:val>
+                                        </p:tav>
+                                        <p:tav tm="50000">
+                                          <p:val>
+                                            <p:strVal val="#ppt_h+.01"/>
+                                          </p:val>
+                                        </p:tav>
+                                        <p:tav tm="100000">
+                                          <p:val>
+                                            <p:strVal val="#ppt_h"/>
+                                          </p:val>
+                                        </p:tav>
+                                      </p:tavLst>
+                                    </p:anim>
+                                    <p:anim calcmode="lin" valueType="num">
+                                      <p:cBhvr>
+                                        <p:cTn id="20" dur="500" fill="hold"/>
+                                        <p:tgtEl>
+                                          <p:spTgt spid="101"/>
+                                        </p:tgtEl>
+                                        <p:attrNameLst>
+                                          <p:attrName>ppt_w</p:attrName>
+                                        </p:attrNameLst>
+                                      </p:cBhvr>
+                                      <p:tavLst>
+                                        <p:tav tm="0">
+                                          <p:val>
+                                            <p:strVal val="#ppt_w/10"/>
+                                          </p:val>
+                                        </p:tav>
+                                        <p:tav tm="50000">
+                                          <p:val>
+                                            <p:strVal val="#ppt_w+.01"/>
+                                          </p:val>
+                                        </p:tav>
+                                        <p:tav tm="100000">
+                                          <p:val>
+                                            <p:strVal val="#ppt_w"/>
+                                          </p:val>
+                                        </p:tav>
+                                      </p:tavLst>
+                                    </p:anim>
+                                    <p:animEffect transition="in" filter="fade">
+                                      <p:cBhvr>
+                                        <p:cTn id="21" dur="500" tmFilter="0,0; .5, 1; 1, 1"/>
+                                        <p:tgtEl>
+                                          <p:spTgt spid="101"/>
+                                        </p:tgtEl>
+                                      </p:cBhvr>
+                                    </p:animEffect>
+                                  </p:childTnLst>
+                                </p:cTn>
+                              </p:par>
+                            </p:childTnLst>
+                          </p:cTn>
+                        </p:par>
+                      </p:childTnLst>
+                    </p:cTn>
+                  </p:par>
+                </p:childTnLst>
+              </p:cTn>
+              <p:prevCondLst>
+                <p:cond evt="onPrev" delay="0">
+                  <p:tgtEl>
+                    <p:sldTgt/>
+                  </p:tgtEl>
+                </p:cond>
+              </p:prevCondLst>
+              <p:nextCondLst>
+                <p:cond evt="onNext" delay="0">
+                  <p:tgtEl>
+                    <p:sldTgt/>
+                  </p:tgtEl>
+                </p:cond>
+              </p:nextCondLst>
+            </p:seq>
+          </p:childTnLst>
+        </p:cTn>
+      </p:par>
+    </p:tnLst>
+    <p:bldLst>
+      <p:bldP spid="100" grpId="0" animBg="1"/>
+      <p:bldP spid="101" grpId="0"/>
+      <p:bldP spid="103" grpId="0"/>
+    </p:bldLst>
+  </p:timing>
 </p:sld>
 </file>
 
@@ -6584,11 +6797,24 @@
                   </a:schemeClr>
                 </a:solidFill>
                 <a:effectLst/>
-                <a:latin typeface="Cambria" panose="02040503050406030204" pitchFamily="18" charset="0"/>
-                <a:ea typeface="宋体" panose="02010600030101010101" pitchFamily="2" charset="-122"/>
+                <a:latin typeface="微软雅黑" panose="020B0503020204020204" pitchFamily="34" charset="-122"/>
+                <a:ea typeface="微软雅黑" panose="020B0503020204020204" pitchFamily="34" charset="-122"/>
                 <a:cs typeface="Times New Roman" panose="02020603050405020304" pitchFamily="18" charset="0"/>
               </a:rPr>
-              <a:t>使用正则表达式匹配解析网表</a:t>
+              <a:t>使用正则表达式匹配</a:t>
+            </a:r>
+            <a:r>
+              <a:rPr lang="zh-CN" altLang="en-US" sz="2400" dirty="0">
+                <a:solidFill>
+                  <a:schemeClr val="accent1">
+                    <a:lumMod val="50000"/>
+                  </a:schemeClr>
+                </a:solidFill>
+                <a:latin typeface="微软雅黑" panose="020B0503020204020204" pitchFamily="34" charset="-122"/>
+                <a:ea typeface="微软雅黑" panose="020B0503020204020204" pitchFamily="34" charset="-122"/>
+                <a:cs typeface="Times New Roman" panose="02020603050405020304" pitchFamily="18" charset="0"/>
+              </a:rPr>
+              <a:t>解析网表</a:t>
             </a:r>
             <a:endParaRPr lang="en-US" altLang="zh-CN" sz="2400" dirty="0">
               <a:solidFill>
@@ -6596,9 +6822,8 @@
                   <a:lumMod val="50000"/>
                 </a:schemeClr>
               </a:solidFill>
-              <a:effectLst/>
-              <a:latin typeface="Cambria" panose="02040503050406030204" pitchFamily="18" charset="0"/>
-              <a:ea typeface="宋体" panose="02010600030101010101" pitchFamily="2" charset="-122"/>
+              <a:latin typeface="微软雅黑" panose="020B0503020204020204" pitchFamily="34" charset="-122"/>
+              <a:ea typeface="微软雅黑" panose="020B0503020204020204" pitchFamily="34" charset="-122"/>
               <a:cs typeface="Times New Roman" panose="02020603050405020304" pitchFamily="18" charset="0"/>
             </a:endParaRPr>
           </a:p>
@@ -6618,24 +6843,24 @@
                     <a:lumMod val="75000"/>
                   </a:schemeClr>
                 </a:solidFill>
-                <a:latin typeface="Cambria" panose="02040503050406030204" pitchFamily="18" charset="0"/>
-                <a:ea typeface="宋体" panose="02010600030101010101" pitchFamily="2" charset="-122"/>
+                <a:latin typeface="微软雅黑" panose="020B0503020204020204" pitchFamily="34" charset="-122"/>
+                <a:ea typeface="微软雅黑" panose="020B0503020204020204" pitchFamily="34" charset="-122"/>
                 <a:cs typeface="Times New Roman" panose="02020603050405020304" pitchFamily="18" charset="0"/>
               </a:rPr>
               <a:t>支持科学计数法。操作上语法支持单位解析。简单来说，变量的输入形式基本实现与</a:t>
             </a:r>
             <a:r>
-              <a:rPr lang="en-US" altLang="zh-CN" sz="2000" dirty="0" err="1">
+              <a:rPr lang="en-US" altLang="zh-CN" sz="2000" b="1" dirty="0">
                 <a:solidFill>
                   <a:schemeClr val="accent1">
                     <a:lumMod val="75000"/>
                   </a:schemeClr>
                 </a:solidFill>
-                <a:latin typeface="Cambria" panose="02040503050406030204" pitchFamily="18" charset="0"/>
-                <a:ea typeface="宋体" panose="02010600030101010101" pitchFamily="2" charset="-122"/>
+                <a:latin typeface="微软雅黑" panose="020B0503020204020204" pitchFamily="34" charset="-122"/>
+                <a:ea typeface="微软雅黑" panose="020B0503020204020204" pitchFamily="34" charset="-122"/>
                 <a:cs typeface="Times New Roman" panose="02020603050405020304" pitchFamily="18" charset="0"/>
               </a:rPr>
-              <a:t>hspice</a:t>
+              <a:t>HSPICE</a:t>
             </a:r>
             <a:r>
               <a:rPr lang="zh-CN" altLang="en-US" sz="2000" dirty="0">
@@ -6644,8 +6869,8 @@
                     <a:lumMod val="75000"/>
                   </a:schemeClr>
                 </a:solidFill>
-                <a:latin typeface="Cambria" panose="02040503050406030204" pitchFamily="18" charset="0"/>
-                <a:ea typeface="宋体" panose="02010600030101010101" pitchFamily="2" charset="-122"/>
+                <a:latin typeface="微软雅黑" panose="020B0503020204020204" pitchFamily="34" charset="-122"/>
+                <a:ea typeface="微软雅黑" panose="020B0503020204020204" pitchFamily="34" charset="-122"/>
                 <a:cs typeface="Times New Roman" panose="02020603050405020304" pitchFamily="18" charset="0"/>
               </a:rPr>
               <a:t>一致。</a:t>
@@ -6656,9 +6881,8 @@
                   <a:lumMod val="75000"/>
                 </a:schemeClr>
               </a:solidFill>
-              <a:effectLst/>
-              <a:latin typeface="Cambria" panose="02040503050406030204" pitchFamily="18" charset="0"/>
-              <a:ea typeface="宋体" panose="02010600030101010101" pitchFamily="2" charset="-122"/>
+              <a:latin typeface="微软雅黑" panose="020B0503020204020204" pitchFamily="34" charset="-122"/>
+              <a:ea typeface="微软雅黑" panose="020B0503020204020204" pitchFamily="34" charset="-122"/>
               <a:cs typeface="Times New Roman" panose="02020603050405020304" pitchFamily="18" charset="0"/>
             </a:endParaRPr>
           </a:p>
@@ -6678,8 +6902,8 @@
                     <a:lumMod val="50000"/>
                   </a:schemeClr>
                 </a:solidFill>
-                <a:latin typeface="宋体" panose="02010600030101010101" pitchFamily="2" charset="-122"/>
-                <a:ea typeface="宋体" panose="02010600030101010101" pitchFamily="2" charset="-122"/>
+                <a:latin typeface="微软雅黑" panose="020B0503020204020204" pitchFamily="34" charset="-122"/>
+                <a:ea typeface="微软雅黑" panose="020B0503020204020204" pitchFamily="34" charset="-122"/>
                 <a:cs typeface="Times New Roman" panose="02020603050405020304" pitchFamily="18" charset="0"/>
               </a:rPr>
               <a:t>使用哈希表在模块之间传递数据</a:t>
@@ -6690,8 +6914,8 @@
                   <a:lumMod val="50000"/>
                 </a:schemeClr>
               </a:solidFill>
-              <a:latin typeface="宋体" panose="02010600030101010101" pitchFamily="2" charset="-122"/>
-              <a:ea typeface="宋体" panose="02010600030101010101" pitchFamily="2" charset="-122"/>
+              <a:latin typeface="微软雅黑" panose="020B0503020204020204" pitchFamily="34" charset="-122"/>
+              <a:ea typeface="微软雅黑" panose="020B0503020204020204" pitchFamily="34" charset="-122"/>
               <a:cs typeface="Times New Roman" panose="02020603050405020304" pitchFamily="18" charset="0"/>
             </a:endParaRPr>
           </a:p>
@@ -6711,20 +6935,20 @@
                     <a:lumMod val="75000"/>
                   </a:schemeClr>
                 </a:solidFill>
-                <a:latin typeface="Cambria" panose="02040503050406030204" pitchFamily="18" charset="0"/>
-                <a:ea typeface="宋体" panose="02010600030101010101" pitchFamily="2" charset="-122"/>
+                <a:latin typeface="微软雅黑" panose="020B0503020204020204" pitchFamily="34" charset="-122"/>
+                <a:ea typeface="微软雅黑" panose="020B0503020204020204" pitchFamily="34" charset="-122"/>
                 <a:cs typeface="Times New Roman" panose="02020603050405020304" pitchFamily="18" charset="0"/>
               </a:rPr>
               <a:t>哈希表传递数据使得顶层模块的抽象程度足够高，模块之间传递数据足够快，程序的可读性足够强。</a:t>
             </a:r>
-            <a:endParaRPr lang="en-US" altLang="zh-CN" sz="2400" dirty="0">
+            <a:endParaRPr lang="en-US" altLang="zh-CN" sz="2000" dirty="0">
               <a:solidFill>
                 <a:schemeClr val="accent1">
-                  <a:lumMod val="50000"/>
+                  <a:lumMod val="75000"/>
                 </a:schemeClr>
               </a:solidFill>
-              <a:latin typeface="Cambria" panose="02040503050406030204" pitchFamily="18" charset="0"/>
-              <a:ea typeface="宋体" panose="02010600030101010101" pitchFamily="2" charset="-122"/>
+              <a:latin typeface="微软雅黑" panose="020B0503020204020204" pitchFamily="34" charset="-122"/>
+              <a:ea typeface="微软雅黑" panose="020B0503020204020204" pitchFamily="34" charset="-122"/>
               <a:cs typeface="Times New Roman" panose="02020603050405020304" pitchFamily="18" charset="0"/>
             </a:endParaRPr>
           </a:p>
@@ -6812,7 +7036,7 @@
     </p:spTree>
     <p:extLst>
       <p:ext uri="{BB962C8B-B14F-4D97-AF65-F5344CB8AC3E}">
-        <p14:creationId xmlns:p14="http://schemas.microsoft.com/office/powerpoint/2010/main" val="1112047393"/>
+        <p14:creationId xmlns:p14="http://schemas.microsoft.com/office/powerpoint/2010/main" val="1512452615"/>
       </p:ext>
     </p:extLst>
   </p:cSld>
@@ -6860,7 +7084,7 @@
         <p:spPr>
           <a:xfrm>
             <a:off x="659130" y="1088009"/>
-            <a:ext cx="7680198" cy="3677930"/>
+            <a:ext cx="7680198" cy="2508379"/>
           </a:xfrm>
           <a:prstGeom prst="rect">
             <a:avLst/>
@@ -6889,67 +7113,11 @@
                   </a:schemeClr>
                 </a:solidFill>
                 <a:effectLst/>
-                <a:latin typeface="Cambria" panose="02040503050406030204" pitchFamily="18" charset="0"/>
-                <a:ea typeface="宋体" panose="02010600030101010101" pitchFamily="2" charset="-122"/>
+                <a:latin typeface="微软雅黑" panose="020B0503020204020204" pitchFamily="34" charset="-122"/>
+                <a:ea typeface="微软雅黑" panose="020B0503020204020204" pitchFamily="34" charset="-122"/>
                 <a:cs typeface="Times New Roman" panose="02020603050405020304" pitchFamily="18" charset="0"/>
               </a:rPr>
-              <a:t>通过</a:t>
-            </a:r>
-            <a:r>
-              <a:rPr lang="en-US" altLang="zh-CN" sz="2400" dirty="0" err="1">
-                <a:solidFill>
-                  <a:schemeClr val="accent1">
-                    <a:lumMod val="50000"/>
-                  </a:schemeClr>
-                </a:solidFill>
-                <a:effectLst/>
-                <a:latin typeface="Cambria" panose="02040503050406030204" pitchFamily="18" charset="0"/>
-                <a:ea typeface="宋体" panose="02010600030101010101" pitchFamily="2" charset="-122"/>
-                <a:cs typeface="Times New Roman" panose="02020603050405020304" pitchFamily="18" charset="0"/>
-              </a:rPr>
-              <a:t>Sweep_AC</a:t>
-            </a:r>
-            <a:r>
-              <a:rPr lang="zh-CN" altLang="en-US" sz="2400" dirty="0">
-                <a:solidFill>
-                  <a:schemeClr val="accent1">
-                    <a:lumMod val="50000"/>
-                  </a:schemeClr>
-                </a:solidFill>
-                <a:effectLst/>
-                <a:latin typeface="Cambria" panose="02040503050406030204" pitchFamily="18" charset="0"/>
-                <a:ea typeface="宋体" panose="02010600030101010101" pitchFamily="2" charset="-122"/>
-                <a:cs typeface="Times New Roman" panose="02020603050405020304" pitchFamily="18" charset="0"/>
-              </a:rPr>
-              <a:t>函数实现</a:t>
-            </a:r>
-            <a:r>
-              <a:rPr lang="en-US" altLang="zh-CN" sz="2400" dirty="0">
-                <a:solidFill>
-                  <a:schemeClr val="accent1">
-                    <a:lumMod val="50000"/>
-                  </a:schemeClr>
-                </a:solidFill>
-                <a:effectLst/>
-                <a:latin typeface="Cambria" panose="02040503050406030204" pitchFamily="18" charset="0"/>
-                <a:ea typeface="宋体" panose="02010600030101010101" pitchFamily="2" charset="-122"/>
-                <a:cs typeface="Times New Roman" panose="02020603050405020304" pitchFamily="18" charset="0"/>
-              </a:rPr>
-              <a:t>AC</a:t>
-            </a:r>
-            <a:r>
-              <a:rPr lang="zh-CN" altLang="en-US" sz="2400" dirty="0">
-                <a:solidFill>
-                  <a:schemeClr val="accent1">
-                    <a:lumMod val="50000"/>
-                  </a:schemeClr>
-                </a:solidFill>
-                <a:effectLst/>
-                <a:latin typeface="Cambria" panose="02040503050406030204" pitchFamily="18" charset="0"/>
-                <a:ea typeface="宋体" panose="02010600030101010101" pitchFamily="2" charset="-122"/>
-                <a:cs typeface="Times New Roman" panose="02020603050405020304" pitchFamily="18" charset="0"/>
-              </a:rPr>
-              <a:t>扫描</a:t>
+              <a:t>生成初始解</a:t>
             </a:r>
             <a:endParaRPr lang="en-US" altLang="zh-CN" sz="2400" dirty="0">
               <a:solidFill>
@@ -6958,8 +7126,8 @@
                 </a:schemeClr>
               </a:solidFill>
               <a:effectLst/>
-              <a:latin typeface="Cambria" panose="02040503050406030204" pitchFamily="18" charset="0"/>
-              <a:ea typeface="宋体" panose="02010600030101010101" pitchFamily="2" charset="-122"/>
+              <a:latin typeface="微软雅黑" panose="020B0503020204020204" pitchFamily="34" charset="-122"/>
+              <a:ea typeface="微软雅黑" panose="020B0503020204020204" pitchFamily="34" charset="-122"/>
               <a:cs typeface="Times New Roman" panose="02020603050405020304" pitchFamily="18" charset="0"/>
             </a:endParaRPr>
           </a:p>
@@ -6979,24 +7147,24 @@
                     <a:lumMod val="75000"/>
                   </a:schemeClr>
                 </a:solidFill>
-                <a:latin typeface="Cambria" panose="02040503050406030204" pitchFamily="18" charset="0"/>
-                <a:ea typeface="宋体" panose="02010600030101010101" pitchFamily="2" charset="-122"/>
+                <a:latin typeface="微软雅黑" panose="020B0503020204020204" pitchFamily="34" charset="-122"/>
+                <a:ea typeface="微软雅黑" panose="020B0503020204020204" pitchFamily="34" charset="-122"/>
                 <a:cs typeface="Times New Roman" panose="02020603050405020304" pitchFamily="18" charset="0"/>
               </a:rPr>
-              <a:t>读取线性网表信息，根据扫描参数生成采样的频率点。接着进行</a:t>
-            </a:r>
-            <a:r>
-              <a:rPr lang="en-US" altLang="zh-CN" sz="2000" dirty="0">
+              <a:t>支持科学计数法。操作上语法支持单位解析。简单来说，变量的输入形式基本实现与</a:t>
+            </a:r>
+            <a:r>
+              <a:rPr lang="en-US" altLang="zh-CN" sz="2000" b="1" dirty="0">
                 <a:solidFill>
                   <a:schemeClr val="accent1">
                     <a:lumMod val="75000"/>
                   </a:schemeClr>
                 </a:solidFill>
-                <a:latin typeface="Cambria" panose="02040503050406030204" pitchFamily="18" charset="0"/>
-                <a:ea typeface="宋体" panose="02010600030101010101" pitchFamily="2" charset="-122"/>
+                <a:latin typeface="微软雅黑" panose="020B0503020204020204" pitchFamily="34" charset="-122"/>
+                <a:ea typeface="微软雅黑" panose="020B0503020204020204" pitchFamily="34" charset="-122"/>
                 <a:cs typeface="Times New Roman" panose="02020603050405020304" pitchFamily="18" charset="0"/>
               </a:rPr>
-              <a:t>AC</a:t>
+              <a:t>HSPICE</a:t>
             </a:r>
             <a:r>
               <a:rPr lang="zh-CN" altLang="en-US" sz="2000" dirty="0">
@@ -7005,11 +7173,11 @@
                     <a:lumMod val="75000"/>
                   </a:schemeClr>
                 </a:solidFill>
-                <a:latin typeface="Cambria" panose="02040503050406030204" pitchFamily="18" charset="0"/>
-                <a:ea typeface="宋体" panose="02010600030101010101" pitchFamily="2" charset="-122"/>
+                <a:latin typeface="微软雅黑" panose="020B0503020204020204" pitchFamily="34" charset="-122"/>
+                <a:ea typeface="微软雅黑" panose="020B0503020204020204" pitchFamily="34" charset="-122"/>
                 <a:cs typeface="Times New Roman" panose="02020603050405020304" pitchFamily="18" charset="0"/>
               </a:rPr>
-              <a:t>扫描，根据不同频率替换电路中各个元件的阻抗，根据阻抗值计算矩阵，使用矩阵求解得到电路中各个节点的电压或电流值。最后，根据这些节点的电压或电流值计算幅度响应和相位响应，并将结果存储在输出参数中。</a:t>
+              <a:t>一致。</a:t>
             </a:r>
             <a:endParaRPr lang="en-US" altLang="zh-CN" sz="2000" dirty="0">
               <a:solidFill>
@@ -7017,8 +7185,8 @@
                   <a:lumMod val="75000"/>
                 </a:schemeClr>
               </a:solidFill>
-              <a:latin typeface="Cambria" panose="02040503050406030204" pitchFamily="18" charset="0"/>
-              <a:ea typeface="宋体" panose="02010600030101010101" pitchFamily="2" charset="-122"/>
+              <a:latin typeface="微软雅黑" panose="020B0503020204020204" pitchFamily="34" charset="-122"/>
+              <a:ea typeface="微软雅黑" panose="020B0503020204020204" pitchFamily="34" charset="-122"/>
               <a:cs typeface="Times New Roman" panose="02020603050405020304" pitchFamily="18" charset="0"/>
             </a:endParaRPr>
           </a:p>
@@ -7038,40 +7206,11 @@
                     <a:lumMod val="50000"/>
                   </a:schemeClr>
                 </a:solidFill>
-                <a:effectLst/>
-                <a:latin typeface="Cambria" panose="02040503050406030204" pitchFamily="18" charset="0"/>
-                <a:ea typeface="宋体" panose="02010600030101010101" pitchFamily="2" charset="-122"/>
+                <a:latin typeface="微软雅黑" panose="020B0503020204020204" pitchFamily="34" charset="-122"/>
+                <a:ea typeface="微软雅黑" panose="020B0503020204020204" pitchFamily="34" charset="-122"/>
                 <a:cs typeface="Times New Roman" panose="02020603050405020304" pitchFamily="18" charset="0"/>
               </a:rPr>
-              <a:t>通过</a:t>
-            </a:r>
-            <a:r>
-              <a:rPr lang="en-US" altLang="zh-CN" sz="2400" dirty="0" err="1">
-                <a:solidFill>
-                  <a:schemeClr val="accent1">
-                    <a:lumMod val="50000"/>
-                  </a:schemeClr>
-                </a:solidFill>
-                <a:effectLst/>
-                <a:latin typeface="Cambria" panose="02040503050406030204" pitchFamily="18" charset="0"/>
-                <a:ea typeface="宋体" panose="02010600030101010101" pitchFamily="2" charset="-122"/>
-                <a:cs typeface="Times New Roman" panose="02020603050405020304" pitchFamily="18" charset="0"/>
-              </a:rPr>
-              <a:t>getCurrent</a:t>
-            </a:r>
-            <a:r>
-              <a:rPr lang="zh-CN" altLang="en-US" sz="2400" dirty="0">
-                <a:solidFill>
-                  <a:schemeClr val="accent1">
-                    <a:lumMod val="50000"/>
-                  </a:schemeClr>
-                </a:solidFill>
-                <a:effectLst/>
-                <a:latin typeface="Cambria" panose="02040503050406030204" pitchFamily="18" charset="0"/>
-                <a:ea typeface="宋体" panose="02010600030101010101" pitchFamily="2" charset="-122"/>
-                <a:cs typeface="Times New Roman" panose="02020603050405020304" pitchFamily="18" charset="0"/>
-              </a:rPr>
-              <a:t>函数实现电流的计算</a:t>
+              <a:t>生成其他操作所需要的网表</a:t>
             </a:r>
             <a:endParaRPr lang="en-US" altLang="zh-CN" sz="2400" dirty="0">
               <a:solidFill>
@@ -7079,9 +7218,8 @@
                   <a:lumMod val="50000"/>
                 </a:schemeClr>
               </a:solidFill>
-              <a:effectLst/>
-              <a:latin typeface="Cambria" panose="02040503050406030204" pitchFamily="18" charset="0"/>
-              <a:ea typeface="宋体" panose="02010600030101010101" pitchFamily="2" charset="-122"/>
+              <a:latin typeface="微软雅黑" panose="020B0503020204020204" pitchFamily="34" charset="-122"/>
+              <a:ea typeface="微软雅黑" panose="020B0503020204020204" pitchFamily="34" charset="-122"/>
               <a:cs typeface="Times New Roman" panose="02020603050405020304" pitchFamily="18" charset="0"/>
             </a:endParaRPr>
           </a:p>
@@ -7095,65 +7233,26 @@
               </a:spcAft>
             </a:pPr>
             <a:r>
-              <a:rPr lang="en-US" altLang="zh-CN" sz="2000" dirty="0" err="1">
-                <a:solidFill>
-                  <a:schemeClr val="accent1">
+              <a:rPr lang="zh-CN" altLang="en-US" sz="2000">
+                <a:solidFill>
+                  <a:srgbClr val="5B9BD5">
                     <a:lumMod val="75000"/>
-                  </a:schemeClr>
-                </a:solidFill>
-                <a:latin typeface="Cambria" panose="02040503050406030204" pitchFamily="18" charset="0"/>
-                <a:ea typeface="宋体" panose="02010600030101010101" pitchFamily="2" charset="-122"/>
+                  </a:srgbClr>
+                </a:solidFill>
+                <a:latin typeface="微软雅黑" panose="020B0503020204020204" pitchFamily="34" charset="-122"/>
+                <a:ea typeface="微软雅黑" panose="020B0503020204020204" pitchFamily="34" charset="-122"/>
                 <a:cs typeface="Times New Roman" panose="02020603050405020304" pitchFamily="18" charset="0"/>
               </a:rPr>
-              <a:t>定义了getCurrent函数来实现在任意频率下获取电路响应的电流</a:t>
-            </a:r>
-            <a:r>
-              <a:rPr lang="zh-CN" altLang="en-US" sz="2000" dirty="0">
-                <a:solidFill>
-                  <a:schemeClr val="accent1">
-                    <a:lumMod val="75000"/>
-                  </a:schemeClr>
-                </a:solidFill>
-                <a:latin typeface="Cambria" panose="02040503050406030204" pitchFamily="18" charset="0"/>
-                <a:ea typeface="宋体" panose="02010600030101010101" pitchFamily="2" charset="-122"/>
-                <a:cs typeface="Times New Roman" panose="02020603050405020304" pitchFamily="18" charset="0"/>
-              </a:rPr>
-              <a:t>。将小信号模型的节点电压法的解与</a:t>
-            </a:r>
-            <a:r>
-              <a:rPr lang="en-US" altLang="zh-CN" sz="2000" dirty="0">
-                <a:solidFill>
-                  <a:schemeClr val="accent1">
-                    <a:lumMod val="75000"/>
-                  </a:schemeClr>
-                </a:solidFill>
-                <a:latin typeface="Cambria" panose="02040503050406030204" pitchFamily="18" charset="0"/>
-                <a:ea typeface="宋体" panose="02010600030101010101" pitchFamily="2" charset="-122"/>
-                <a:cs typeface="Times New Roman" panose="02020603050405020304" pitchFamily="18" charset="0"/>
-              </a:rPr>
-              <a:t>DC</a:t>
-            </a:r>
-            <a:r>
-              <a:rPr lang="zh-CN" altLang="en-US" sz="2000" dirty="0">
-                <a:solidFill>
-                  <a:schemeClr val="accent1">
-                    <a:lumMod val="75000"/>
-                  </a:schemeClr>
-                </a:solidFill>
-                <a:latin typeface="Cambria" panose="02040503050406030204" pitchFamily="18" charset="0"/>
-                <a:ea typeface="宋体" panose="02010600030101010101" pitchFamily="2" charset="-122"/>
-                <a:cs typeface="Times New Roman" panose="02020603050405020304" pitchFamily="18" charset="0"/>
-              </a:rPr>
-              <a:t>下的解打通。</a:t>
-            </a:r>
-            <a:endParaRPr lang="en-US" altLang="zh-CN" sz="2000" dirty="0">
+              <a:t>这一部分根据后面所要执行的操作类型</a:t>
+            </a:r>
+            <a:endParaRPr lang="en-US" altLang="zh-CN" sz="2400" dirty="0">
               <a:solidFill>
                 <a:schemeClr val="accent1">
-                  <a:lumMod val="75000"/>
+                  <a:lumMod val="50000"/>
                 </a:schemeClr>
               </a:solidFill>
-              <a:latin typeface="Cambria" panose="02040503050406030204" pitchFamily="18" charset="0"/>
-              <a:ea typeface="宋体" panose="02010600030101010101" pitchFamily="2" charset="-122"/>
+              <a:latin typeface="微软雅黑" panose="020B0503020204020204" pitchFamily="34" charset="-122"/>
+              <a:ea typeface="微软雅黑" panose="020B0503020204020204" pitchFamily="34" charset="-122"/>
               <a:cs typeface="Times New Roman" panose="02020603050405020304" pitchFamily="18" charset="0"/>
             </a:endParaRPr>
           </a:p>
@@ -7168,7 +7267,7 @@
         <p:spPr>
           <a:xfrm>
             <a:off x="956945" y="214630"/>
-            <a:ext cx="5641288" cy="584775"/>
+            <a:ext cx="4820550" cy="584775"/>
           </a:xfrm>
           <a:prstGeom prst="rect">
             <a:avLst/>
@@ -7233,7 +7332,7 @@
                 </a:effectLst>
                 <a:cs typeface="+mn-ea"/>
               </a:rPr>
-              <a:t>频率响应分析的实现</a:t>
+              <a:t>网表信息预处理</a:t>
             </a:r>
           </a:p>
         </p:txBody>
@@ -7241,7 +7340,7 @@
     </p:spTree>
     <p:extLst>
       <p:ext uri="{BB962C8B-B14F-4D97-AF65-F5344CB8AC3E}">
-        <p14:creationId xmlns:p14="http://schemas.microsoft.com/office/powerpoint/2010/main" val="1773027979"/>
+        <p14:creationId xmlns:p14="http://schemas.microsoft.com/office/powerpoint/2010/main" val="1248186741"/>
       </p:ext>
     </p:extLst>
   </p:cSld>
@@ -7289,7 +7388,7 @@
         <p:spPr>
           <a:xfrm>
             <a:off x="659130" y="1088009"/>
-            <a:ext cx="7680198" cy="2754600"/>
+            <a:ext cx="7680198" cy="3677930"/>
           </a:xfrm>
           <a:prstGeom prst="rect">
             <a:avLst/>
@@ -7322,7 +7421,63 @@
                 <a:ea typeface="宋体" panose="02010600030101010101" pitchFamily="2" charset="-122"/>
                 <a:cs typeface="Times New Roman" panose="02020603050405020304" pitchFamily="18" charset="0"/>
               </a:rPr>
-              <a:t>使用正则表达式匹配解析网表</a:t>
+              <a:t>通过</a:t>
+            </a:r>
+            <a:r>
+              <a:rPr lang="en-US" altLang="zh-CN" sz="2400" dirty="0" err="1">
+                <a:solidFill>
+                  <a:schemeClr val="accent1">
+                    <a:lumMod val="50000"/>
+                  </a:schemeClr>
+                </a:solidFill>
+                <a:effectLst/>
+                <a:latin typeface="Cambria" panose="02040503050406030204" pitchFamily="18" charset="0"/>
+                <a:ea typeface="宋体" panose="02010600030101010101" pitchFamily="2" charset="-122"/>
+                <a:cs typeface="Times New Roman" panose="02020603050405020304" pitchFamily="18" charset="0"/>
+              </a:rPr>
+              <a:t>Sweep_AC</a:t>
+            </a:r>
+            <a:r>
+              <a:rPr lang="zh-CN" altLang="en-US" sz="2400" dirty="0">
+                <a:solidFill>
+                  <a:schemeClr val="accent1">
+                    <a:lumMod val="50000"/>
+                  </a:schemeClr>
+                </a:solidFill>
+                <a:effectLst/>
+                <a:latin typeface="Cambria" panose="02040503050406030204" pitchFamily="18" charset="0"/>
+                <a:ea typeface="宋体" panose="02010600030101010101" pitchFamily="2" charset="-122"/>
+                <a:cs typeface="Times New Roman" panose="02020603050405020304" pitchFamily="18" charset="0"/>
+              </a:rPr>
+              <a:t>函数实现</a:t>
+            </a:r>
+            <a:r>
+              <a:rPr lang="en-US" altLang="zh-CN" sz="2400" dirty="0">
+                <a:solidFill>
+                  <a:schemeClr val="accent1">
+                    <a:lumMod val="50000"/>
+                  </a:schemeClr>
+                </a:solidFill>
+                <a:effectLst/>
+                <a:latin typeface="Cambria" panose="02040503050406030204" pitchFamily="18" charset="0"/>
+                <a:ea typeface="宋体" panose="02010600030101010101" pitchFamily="2" charset="-122"/>
+                <a:cs typeface="Times New Roman" panose="02020603050405020304" pitchFamily="18" charset="0"/>
+              </a:rPr>
+              <a:t>AC</a:t>
+            </a:r>
+            <a:r>
+              <a:rPr lang="zh-CN" altLang="en-US" sz="2400" dirty="0">
+                <a:solidFill>
+                  <a:schemeClr val="accent1">
+                    <a:lumMod val="50000"/>
+                  </a:schemeClr>
+                </a:solidFill>
+                <a:effectLst/>
+                <a:latin typeface="Cambria" panose="02040503050406030204" pitchFamily="18" charset="0"/>
+                <a:ea typeface="宋体" panose="02010600030101010101" pitchFamily="2" charset="-122"/>
+                <a:cs typeface="Times New Roman" panose="02020603050405020304" pitchFamily="18" charset="0"/>
+              </a:rPr>
+              <a:t>扫描</a:t>
             </a:r>
             <a:endParaRPr lang="en-US" altLang="zh-CN" sz="2400" dirty="0">
               <a:solidFill>
@@ -7356,10 +7511,10 @@
                 <a:ea typeface="宋体" panose="02010600030101010101" pitchFamily="2" charset="-122"/>
                 <a:cs typeface="Times New Roman" panose="02020603050405020304" pitchFamily="18" charset="0"/>
               </a:rPr>
-              <a:t>支持科学计数法。操作上语法支持单位解析。简单来说，变量的输入形式基本实现与</a:t>
-            </a:r>
-            <a:r>
-              <a:rPr lang="en-US" altLang="zh-CN" sz="2000" dirty="0" err="1">
+              <a:t>读取线性网表信息，根据扫描参数生成采样的频率点。接着进行</a:t>
+            </a:r>
+            <a:r>
+              <a:rPr lang="en-US" altLang="zh-CN" sz="2000" dirty="0">
                 <a:solidFill>
                   <a:schemeClr val="accent1">
                     <a:lumMod val="75000"/>
@@ -7369,7 +7524,7 @@
                 <a:ea typeface="宋体" panose="02010600030101010101" pitchFamily="2" charset="-122"/>
                 <a:cs typeface="Times New Roman" panose="02020603050405020304" pitchFamily="18" charset="0"/>
               </a:rPr>
-              <a:t>hspice</a:t>
+              <a:t>AC</a:t>
             </a:r>
             <a:r>
               <a:rPr lang="zh-CN" altLang="en-US" sz="2000" dirty="0">
@@ -7382,7 +7537,7 @@
                 <a:ea typeface="宋体" panose="02010600030101010101" pitchFamily="2" charset="-122"/>
                 <a:cs typeface="Times New Roman" panose="02020603050405020304" pitchFamily="18" charset="0"/>
               </a:rPr>
-              <a:t>一致。</a:t>
+              <a:t>扫描，根据不同频率替换电路中各个元件的阻抗，根据阻抗值计算矩阵，使用矩阵求解得到电路中各个节点的电压或电流值。最后，根据这些节点的电压或电流值计算幅度响应和相位响应，并将结果存储在输出参数中。</a:t>
             </a:r>
             <a:endParaRPr lang="en-US" altLang="zh-CN" sz="2000" dirty="0">
               <a:solidFill>
@@ -7390,7 +7545,6 @@
                   <a:lumMod val="75000"/>
                 </a:schemeClr>
               </a:solidFill>
-              <a:effectLst/>
               <a:latin typeface="Cambria" panose="02040503050406030204" pitchFamily="18" charset="0"/>
               <a:ea typeface="宋体" panose="02010600030101010101" pitchFamily="2" charset="-122"/>
               <a:cs typeface="Times New Roman" panose="02020603050405020304" pitchFamily="18" charset="0"/>
@@ -7412,11 +7566,40 @@
                     <a:lumMod val="50000"/>
                   </a:schemeClr>
                 </a:solidFill>
-                <a:latin typeface="宋体" panose="02010600030101010101" pitchFamily="2" charset="-122"/>
+                <a:effectLst/>
+                <a:latin typeface="Cambria" panose="02040503050406030204" pitchFamily="18" charset="0"/>
                 <a:ea typeface="宋体" panose="02010600030101010101" pitchFamily="2" charset="-122"/>
                 <a:cs typeface="Times New Roman" panose="02020603050405020304" pitchFamily="18" charset="0"/>
               </a:rPr>
-              <a:t>使用哈希表在模块之间传递数据</a:t>
+              <a:t>通过</a:t>
+            </a:r>
+            <a:r>
+              <a:rPr lang="en-US" altLang="zh-CN" sz="2400" dirty="0" err="1">
+                <a:solidFill>
+                  <a:schemeClr val="accent1">
+                    <a:lumMod val="50000"/>
+                  </a:schemeClr>
+                </a:solidFill>
+                <a:effectLst/>
+                <a:latin typeface="Cambria" panose="02040503050406030204" pitchFamily="18" charset="0"/>
+                <a:ea typeface="宋体" panose="02010600030101010101" pitchFamily="2" charset="-122"/>
+                <a:cs typeface="Times New Roman" panose="02020603050405020304" pitchFamily="18" charset="0"/>
+              </a:rPr>
+              <a:t>getCurrent</a:t>
+            </a:r>
+            <a:r>
+              <a:rPr lang="zh-CN" altLang="en-US" sz="2400" dirty="0">
+                <a:solidFill>
+                  <a:schemeClr val="accent1">
+                    <a:lumMod val="50000"/>
+                  </a:schemeClr>
+                </a:solidFill>
+                <a:effectLst/>
+                <a:latin typeface="Cambria" panose="02040503050406030204" pitchFamily="18" charset="0"/>
+                <a:ea typeface="宋体" panose="02010600030101010101" pitchFamily="2" charset="-122"/>
+                <a:cs typeface="Times New Roman" panose="02020603050405020304" pitchFamily="18" charset="0"/>
+              </a:rPr>
+              <a:t>函数实现电流的计算</a:t>
             </a:r>
             <a:endParaRPr lang="en-US" altLang="zh-CN" sz="2400" dirty="0">
               <a:solidFill>
@@ -7424,7 +7607,8 @@
                   <a:lumMod val="50000"/>
                 </a:schemeClr>
               </a:solidFill>
-              <a:latin typeface="宋体" panose="02010600030101010101" pitchFamily="2" charset="-122"/>
+              <a:effectLst/>
+              <a:latin typeface="Cambria" panose="02040503050406030204" pitchFamily="18" charset="0"/>
               <a:ea typeface="宋体" panose="02010600030101010101" pitchFamily="2" charset="-122"/>
               <a:cs typeface="Times New Roman" panose="02020603050405020304" pitchFamily="18" charset="0"/>
             </a:endParaRPr>
@@ -7439,7 +7623,7 @@
               </a:spcAft>
             </a:pPr>
             <a:r>
-              <a:rPr lang="zh-CN" altLang="en-US" sz="2000" dirty="0">
+              <a:rPr lang="en-US" altLang="zh-CN" sz="2000" dirty="0" err="1">
                 <a:solidFill>
                   <a:schemeClr val="accent1">
                     <a:lumMod val="75000"/>
@@ -7449,12 +7633,51 @@
                 <a:ea typeface="宋体" panose="02010600030101010101" pitchFamily="2" charset="-122"/>
                 <a:cs typeface="Times New Roman" panose="02020603050405020304" pitchFamily="18" charset="0"/>
               </a:rPr>
-              <a:t>哈希表传递数据使得顶层模块的抽象程度足够高，模块之间传递数据足够快，程序的可读性足够强。</a:t>
-            </a:r>
-            <a:endParaRPr lang="en-US" altLang="zh-CN" sz="2400" dirty="0">
+              <a:t>定义了getCurrent函数来实现在任意频率下获取电路响应的电流</a:t>
+            </a:r>
+            <a:r>
+              <a:rPr lang="zh-CN" altLang="en-US" sz="2000" dirty="0">
+                <a:solidFill>
+                  <a:schemeClr val="accent1">
+                    <a:lumMod val="75000"/>
+                  </a:schemeClr>
+                </a:solidFill>
+                <a:latin typeface="Cambria" panose="02040503050406030204" pitchFamily="18" charset="0"/>
+                <a:ea typeface="宋体" panose="02010600030101010101" pitchFamily="2" charset="-122"/>
+                <a:cs typeface="Times New Roman" panose="02020603050405020304" pitchFamily="18" charset="0"/>
+              </a:rPr>
+              <a:t>。将小信号模型的节点电压法的解与</a:t>
+            </a:r>
+            <a:r>
+              <a:rPr lang="en-US" altLang="zh-CN" sz="2000" dirty="0">
+                <a:solidFill>
+                  <a:schemeClr val="accent1">
+                    <a:lumMod val="75000"/>
+                  </a:schemeClr>
+                </a:solidFill>
+                <a:latin typeface="Cambria" panose="02040503050406030204" pitchFamily="18" charset="0"/>
+                <a:ea typeface="宋体" panose="02010600030101010101" pitchFamily="2" charset="-122"/>
+                <a:cs typeface="Times New Roman" panose="02020603050405020304" pitchFamily="18" charset="0"/>
+              </a:rPr>
+              <a:t>DC</a:t>
+            </a:r>
+            <a:r>
+              <a:rPr lang="zh-CN" altLang="en-US" sz="2000" dirty="0">
+                <a:solidFill>
+                  <a:schemeClr val="accent1">
+                    <a:lumMod val="75000"/>
+                  </a:schemeClr>
+                </a:solidFill>
+                <a:latin typeface="Cambria" panose="02040503050406030204" pitchFamily="18" charset="0"/>
+                <a:ea typeface="宋体" panose="02010600030101010101" pitchFamily="2" charset="-122"/>
+                <a:cs typeface="Times New Roman" panose="02020603050405020304" pitchFamily="18" charset="0"/>
+              </a:rPr>
+              <a:t>下的解打通。</a:t>
+            </a:r>
+            <a:endParaRPr lang="en-US" altLang="zh-CN" sz="2000" dirty="0">
               <a:solidFill>
                 <a:schemeClr val="accent1">
-                  <a:lumMod val="50000"/>
+                  <a:lumMod val="75000"/>
                 </a:schemeClr>
               </a:solidFill>
               <a:latin typeface="Cambria" panose="02040503050406030204" pitchFamily="18" charset="0"/>
@@ -7505,7 +7728,7 @@
               <a:t>技术细节</a:t>
             </a:r>
             <a:r>
-              <a:rPr lang="en-US" altLang="zh-CN" sz="3200">
+              <a:rPr lang="en-US" altLang="zh-CN" sz="3200" dirty="0">
                 <a:solidFill>
                   <a:schemeClr val="accent5">
                     <a:lumMod val="75000"/>
@@ -7523,7 +7746,7 @@
               <a:t> </a:t>
             </a:r>
             <a:r>
-              <a:rPr lang="zh-CN" altLang="en-US" sz="3200">
+              <a:rPr lang="zh-CN" altLang="en-US" sz="3200" dirty="0">
                 <a:solidFill>
                   <a:schemeClr val="accent5">
                     <a:lumMod val="75000"/>
@@ -7538,25 +7761,7 @@
                 </a:effectLst>
                 <a:cs typeface="+mn-ea"/>
               </a:rPr>
-              <a:t>网</a:t>
-            </a:r>
-            <a:r>
-              <a:rPr lang="zh-CN" altLang="en-US" sz="3200" dirty="0">
-                <a:solidFill>
-                  <a:schemeClr val="accent5">
-                    <a:lumMod val="75000"/>
-                  </a:schemeClr>
-                </a:solidFill>
-                <a:effectLst>
-                  <a:outerShdw blurRad="38100" dist="38100" dir="2700000" algn="tl">
-                    <a:srgbClr val="000000">
-                      <a:alpha val="43137"/>
-                    </a:srgbClr>
-                  </a:outerShdw>
-                </a:effectLst>
-                <a:cs typeface="+mn-ea"/>
-              </a:rPr>
-              <a:t>表解析与接口定义</a:t>
+              <a:t>频率响应分析的实现</a:t>
             </a:r>
           </a:p>
         </p:txBody>
@@ -7564,7 +7769,7 @@
     </p:spTree>
     <p:extLst>
       <p:ext uri="{BB962C8B-B14F-4D97-AF65-F5344CB8AC3E}">
-        <p14:creationId xmlns:p14="http://schemas.microsoft.com/office/powerpoint/2010/main" val="2804066198"/>
+        <p14:creationId xmlns:p14="http://schemas.microsoft.com/office/powerpoint/2010/main" val="1773027979"/>
       </p:ext>
     </p:extLst>
   </p:cSld>
@@ -9450,8 +9655,8 @@
                     <a:lumMod val="50000"/>
                   </a:schemeClr>
                 </a:solidFill>
-                <a:latin typeface="Cambria" panose="02040503050406030204" pitchFamily="18" charset="0"/>
-                <a:ea typeface="宋体" panose="02010600030101010101" pitchFamily="2" charset="-122"/>
+                <a:latin typeface="微软雅黑" panose="020B0503020204020204" pitchFamily="34" charset="-122"/>
+                <a:ea typeface="微软雅黑" panose="020B0503020204020204" pitchFamily="34" charset="-122"/>
                 <a:cs typeface="Times New Roman" panose="02020603050405020304" pitchFamily="18" charset="0"/>
               </a:rPr>
               <a:t>扫描</a:t>
@@ -9464,8 +9669,8 @@
                   </a:schemeClr>
                 </a:solidFill>
                 <a:effectLst/>
-                <a:latin typeface="Cambria" panose="02040503050406030204" pitchFamily="18" charset="0"/>
-                <a:ea typeface="宋体" panose="02010600030101010101" pitchFamily="2" charset="-122"/>
+                <a:latin typeface="微软雅黑" panose="020B0503020204020204" pitchFamily="34" charset="-122"/>
+                <a:ea typeface="微软雅黑" panose="020B0503020204020204" pitchFamily="34" charset="-122"/>
                 <a:cs typeface="Times New Roman" panose="02020603050405020304" pitchFamily="18" charset="0"/>
               </a:rPr>
               <a:t>测试结果</a:t>
@@ -9477,8 +9682,8 @@
                 </a:schemeClr>
               </a:solidFill>
               <a:effectLst/>
-              <a:latin typeface="Cambria" panose="02040503050406030204" pitchFamily="18" charset="0"/>
-              <a:ea typeface="宋体" panose="02010600030101010101" pitchFamily="2" charset="-122"/>
+              <a:latin typeface="微软雅黑" panose="020B0503020204020204" pitchFamily="34" charset="-122"/>
+              <a:ea typeface="微软雅黑" panose="020B0503020204020204" pitchFamily="34" charset="-122"/>
               <a:cs typeface="Times New Roman" panose="02020603050405020304" pitchFamily="18" charset="0"/>
             </a:endParaRPr>
           </a:p>
@@ -9654,8 +9859,8 @@
                   </a:schemeClr>
                 </a:solidFill>
                 <a:effectLst/>
-                <a:latin typeface="Cambria" panose="02040503050406030204" pitchFamily="18" charset="0"/>
-                <a:ea typeface="宋体" panose="02010600030101010101" pitchFamily="2" charset="-122"/>
+                <a:latin typeface="微软雅黑" panose="020B0503020204020204" pitchFamily="34" charset="-122"/>
+                <a:ea typeface="微软雅黑" panose="020B0503020204020204" pitchFamily="34" charset="-122"/>
                 <a:cs typeface="Times New Roman" panose="02020603050405020304" pitchFamily="18" charset="0"/>
               </a:rPr>
               <a:t>测试结果</a:t>
@@ -9667,8 +9872,8 @@
                 </a:schemeClr>
               </a:solidFill>
               <a:effectLst/>
-              <a:latin typeface="Cambria" panose="02040503050406030204" pitchFamily="18" charset="0"/>
-              <a:ea typeface="宋体" panose="02010600030101010101" pitchFamily="2" charset="-122"/>
+              <a:latin typeface="微软雅黑" panose="020B0503020204020204" pitchFamily="34" charset="-122"/>
+              <a:ea typeface="微软雅黑" panose="020B0503020204020204" pitchFamily="34" charset="-122"/>
               <a:cs typeface="Times New Roman" panose="02020603050405020304" pitchFamily="18" charset="0"/>
             </a:endParaRPr>
           </a:p>
@@ -12380,12 +12585,18 @@
                         </a:spcAft>
                       </a:pPr>
                       <a:r>
-                        <a:rPr lang="en-US" sz="1200">
+                        <a:rPr lang="en-US" sz="1200" dirty="0">
                           <a:effectLst/>
                         </a:rPr>
-                        <a:t>112 节点电压</a:t>
+                        <a:t>112 </a:t>
                       </a:r>
-                      <a:endParaRPr lang="zh-CN" sz="1200">
+                      <a:r>
+                        <a:rPr lang="en-US" sz="1200" dirty="0" err="1">
+                          <a:effectLst/>
+                        </a:rPr>
+                        <a:t>节点电压</a:t>
+                      </a:r>
+                      <a:endParaRPr lang="zh-CN" sz="1200" dirty="0">
                         <a:effectLst/>
                         <a:latin typeface="Cambria" panose="02040503050406030204" pitchFamily="18" charset="0"/>
                         <a:ea typeface="宋体" panose="02010600030101010101" pitchFamily="2" charset="-122"/>
@@ -13438,8 +13649,8 @@
                     <a:lumMod val="50000"/>
                   </a:schemeClr>
                 </a:solidFill>
-                <a:latin typeface="Cambria" panose="02040503050406030204" pitchFamily="18" charset="0"/>
-                <a:ea typeface="宋体" panose="02010600030101010101" pitchFamily="2" charset="-122"/>
+                <a:latin typeface="微软雅黑" panose="020B0503020204020204" pitchFamily="34" charset="-122"/>
+                <a:ea typeface="微软雅黑" panose="020B0503020204020204" pitchFamily="34" charset="-122"/>
                 <a:cs typeface="Times New Roman" panose="02020603050405020304" pitchFamily="18" charset="0"/>
               </a:rPr>
               <a:t>扫描</a:t>
@@ -13452,8 +13663,8 @@
                   </a:schemeClr>
                 </a:solidFill>
                 <a:effectLst/>
-                <a:latin typeface="Cambria" panose="02040503050406030204" pitchFamily="18" charset="0"/>
-                <a:ea typeface="宋体" panose="02010600030101010101" pitchFamily="2" charset="-122"/>
+                <a:latin typeface="微软雅黑" panose="020B0503020204020204" pitchFamily="34" charset="-122"/>
+                <a:ea typeface="微软雅黑" panose="020B0503020204020204" pitchFamily="34" charset="-122"/>
                 <a:cs typeface="Times New Roman" panose="02020603050405020304" pitchFamily="18" charset="0"/>
               </a:rPr>
               <a:t>测试结果</a:t>
@@ -13465,8 +13676,8 @@
                 </a:schemeClr>
               </a:solidFill>
               <a:effectLst/>
-              <a:latin typeface="Cambria" panose="02040503050406030204" pitchFamily="18" charset="0"/>
-              <a:ea typeface="宋体" panose="02010600030101010101" pitchFamily="2" charset="-122"/>
+              <a:latin typeface="微软雅黑" panose="020B0503020204020204" pitchFamily="34" charset="-122"/>
+              <a:ea typeface="微软雅黑" panose="020B0503020204020204" pitchFamily="34" charset="-122"/>
               <a:cs typeface="Times New Roman" panose="02020603050405020304" pitchFamily="18" charset="0"/>
             </a:endParaRPr>
           </a:p>
@@ -13640,8 +13851,8 @@
                     <a:lumMod val="50000"/>
                   </a:schemeClr>
                 </a:solidFill>
-                <a:latin typeface="Cambria" panose="02040503050406030204" pitchFamily="18" charset="0"/>
-                <a:ea typeface="宋体" panose="02010600030101010101" pitchFamily="2" charset="-122"/>
+                <a:latin typeface="微软雅黑" panose="020B0503020204020204" pitchFamily="34" charset="-122"/>
+                <a:ea typeface="微软雅黑" panose="020B0503020204020204" pitchFamily="34" charset="-122"/>
                 <a:cs typeface="Times New Roman" panose="02020603050405020304" pitchFamily="18" charset="0"/>
               </a:rPr>
               <a:t>扫描</a:t>
@@ -13654,8 +13865,8 @@
                   </a:schemeClr>
                 </a:solidFill>
                 <a:effectLst/>
-                <a:latin typeface="Cambria" panose="02040503050406030204" pitchFamily="18" charset="0"/>
-                <a:ea typeface="宋体" panose="02010600030101010101" pitchFamily="2" charset="-122"/>
+                <a:latin typeface="微软雅黑" panose="020B0503020204020204" pitchFamily="34" charset="-122"/>
+                <a:ea typeface="微软雅黑" panose="020B0503020204020204" pitchFamily="34" charset="-122"/>
                 <a:cs typeface="Times New Roman" panose="02020603050405020304" pitchFamily="18" charset="0"/>
               </a:rPr>
               <a:t>测试结果</a:t>
@@ -13667,8 +13878,8 @@
                 </a:schemeClr>
               </a:solidFill>
               <a:effectLst/>
-              <a:latin typeface="Cambria" panose="02040503050406030204" pitchFamily="18" charset="0"/>
-              <a:ea typeface="宋体" panose="02010600030101010101" pitchFamily="2" charset="-122"/>
+              <a:latin typeface="微软雅黑" panose="020B0503020204020204" pitchFamily="34" charset="-122"/>
+              <a:ea typeface="微软雅黑" panose="020B0503020204020204" pitchFamily="34" charset="-122"/>
               <a:cs typeface="Times New Roman" panose="02020603050405020304" pitchFamily="18" charset="0"/>
             </a:endParaRPr>
           </a:p>
@@ -13844,8 +14055,8 @@
                   </a:schemeClr>
                 </a:solidFill>
                 <a:effectLst/>
-                <a:latin typeface="Cambria" panose="02040503050406030204" pitchFamily="18" charset="0"/>
-                <a:ea typeface="宋体" panose="02010600030101010101" pitchFamily="2" charset="-122"/>
+                <a:latin typeface="微软雅黑" panose="020B0503020204020204" pitchFamily="34" charset="-122"/>
+                <a:ea typeface="微软雅黑" panose="020B0503020204020204" pitchFamily="34" charset="-122"/>
                 <a:cs typeface="Times New Roman" panose="02020603050405020304" pitchFamily="18" charset="0"/>
               </a:rPr>
               <a:t>测试结果</a:t>
@@ -13857,8 +14068,8 @@
                 </a:schemeClr>
               </a:solidFill>
               <a:effectLst/>
-              <a:latin typeface="Cambria" panose="02040503050406030204" pitchFamily="18" charset="0"/>
-              <a:ea typeface="宋体" panose="02010600030101010101" pitchFamily="2" charset="-122"/>
+              <a:latin typeface="微软雅黑" panose="020B0503020204020204" pitchFamily="34" charset="-122"/>
+              <a:ea typeface="微软雅黑" panose="020B0503020204020204" pitchFamily="34" charset="-122"/>
               <a:cs typeface="Times New Roman" panose="02020603050405020304" pitchFamily="18" charset="0"/>
             </a:endParaRPr>
           </a:p>
@@ -15794,8 +16005,8 @@
                     <a:lumMod val="50000"/>
                   </a:schemeClr>
                 </a:solidFill>
-                <a:latin typeface="Cambria" panose="02040503050406030204" pitchFamily="18" charset="0"/>
-                <a:ea typeface="宋体" panose="02010600030101010101" pitchFamily="2" charset="-122"/>
+                <a:latin typeface="微软雅黑" panose="020B0503020204020204" pitchFamily="34" charset="-122"/>
+                <a:ea typeface="微软雅黑" panose="020B0503020204020204" pitchFamily="34" charset="-122"/>
                 <a:cs typeface="Times New Roman" panose="02020603050405020304" pitchFamily="18" charset="0"/>
               </a:rPr>
               <a:t>扫描</a:t>
@@ -15808,8 +16019,8 @@
                   </a:schemeClr>
                 </a:solidFill>
                 <a:effectLst/>
-                <a:latin typeface="Cambria" panose="02040503050406030204" pitchFamily="18" charset="0"/>
-                <a:ea typeface="宋体" panose="02010600030101010101" pitchFamily="2" charset="-122"/>
+                <a:latin typeface="微软雅黑" panose="020B0503020204020204" pitchFamily="34" charset="-122"/>
+                <a:ea typeface="微软雅黑" panose="020B0503020204020204" pitchFamily="34" charset="-122"/>
                 <a:cs typeface="Times New Roman" panose="02020603050405020304" pitchFamily="18" charset="0"/>
               </a:rPr>
               <a:t>测试结果</a:t>
@@ -15821,8 +16032,8 @@
                 </a:schemeClr>
               </a:solidFill>
               <a:effectLst/>
-              <a:latin typeface="Cambria" panose="02040503050406030204" pitchFamily="18" charset="0"/>
-              <a:ea typeface="宋体" panose="02010600030101010101" pitchFamily="2" charset="-122"/>
+              <a:latin typeface="微软雅黑" panose="020B0503020204020204" pitchFamily="34" charset="-122"/>
+              <a:ea typeface="微软雅黑" panose="020B0503020204020204" pitchFamily="34" charset="-122"/>
               <a:cs typeface="Times New Roman" panose="02020603050405020304" pitchFamily="18" charset="0"/>
             </a:endParaRPr>
           </a:p>
@@ -15996,8 +16207,8 @@
                     <a:lumMod val="50000"/>
                   </a:schemeClr>
                 </a:solidFill>
-                <a:latin typeface="Cambria" panose="02040503050406030204" pitchFamily="18" charset="0"/>
-                <a:ea typeface="宋体" panose="02010600030101010101" pitchFamily="2" charset="-122"/>
+                <a:latin typeface="微软雅黑" panose="020B0503020204020204" pitchFamily="34" charset="-122"/>
+                <a:ea typeface="微软雅黑" panose="020B0503020204020204" pitchFamily="34" charset="-122"/>
                 <a:cs typeface="Times New Roman" panose="02020603050405020304" pitchFamily="18" charset="0"/>
               </a:rPr>
               <a:t>扫描</a:t>
@@ -16010,8 +16221,8 @@
                   </a:schemeClr>
                 </a:solidFill>
                 <a:effectLst/>
-                <a:latin typeface="Cambria" panose="02040503050406030204" pitchFamily="18" charset="0"/>
-                <a:ea typeface="宋体" panose="02010600030101010101" pitchFamily="2" charset="-122"/>
+                <a:latin typeface="微软雅黑" panose="020B0503020204020204" pitchFamily="34" charset="-122"/>
+                <a:ea typeface="微软雅黑" panose="020B0503020204020204" pitchFamily="34" charset="-122"/>
                 <a:cs typeface="Times New Roman" panose="02020603050405020304" pitchFamily="18" charset="0"/>
               </a:rPr>
               <a:t>测试结果</a:t>
@@ -16023,8 +16234,8 @@
                 </a:schemeClr>
               </a:solidFill>
               <a:effectLst/>
-              <a:latin typeface="Cambria" panose="02040503050406030204" pitchFamily="18" charset="0"/>
-              <a:ea typeface="宋体" panose="02010600030101010101" pitchFamily="2" charset="-122"/>
+              <a:latin typeface="微软雅黑" panose="020B0503020204020204" pitchFamily="34" charset="-122"/>
+              <a:ea typeface="微软雅黑" panose="020B0503020204020204" pitchFamily="34" charset="-122"/>
               <a:cs typeface="Times New Roman" panose="02020603050405020304" pitchFamily="18" charset="0"/>
             </a:endParaRPr>
           </a:p>
@@ -16200,8 +16411,8 @@
                   </a:schemeClr>
                 </a:solidFill>
                 <a:effectLst/>
-                <a:latin typeface="Cambria" panose="02040503050406030204" pitchFamily="18" charset="0"/>
-                <a:ea typeface="宋体" panose="02010600030101010101" pitchFamily="2" charset="-122"/>
+                <a:latin typeface="微软雅黑" panose="020B0503020204020204" pitchFamily="34" charset="-122"/>
+                <a:ea typeface="微软雅黑" panose="020B0503020204020204" pitchFamily="34" charset="-122"/>
                 <a:cs typeface="Times New Roman" panose="02020603050405020304" pitchFamily="18" charset="0"/>
               </a:rPr>
               <a:t>测试结果</a:t>
@@ -16213,8 +16424,8 @@
                 </a:schemeClr>
               </a:solidFill>
               <a:effectLst/>
-              <a:latin typeface="Cambria" panose="02040503050406030204" pitchFamily="18" charset="0"/>
-              <a:ea typeface="宋体" panose="02010600030101010101" pitchFamily="2" charset="-122"/>
+              <a:latin typeface="微软雅黑" panose="020B0503020204020204" pitchFamily="34" charset="-122"/>
+              <a:ea typeface="微软雅黑" panose="020B0503020204020204" pitchFamily="34" charset="-122"/>
               <a:cs typeface="Times New Roman" panose="02020603050405020304" pitchFamily="18" charset="0"/>
             </a:endParaRPr>
           </a:p>
@@ -18917,8 +19128,7 @@
             <a:br>
               <a:rPr lang="en-US" altLang="zh-CN" sz="1800" dirty="0">
                 <a:effectLst/>
-                <a:latin typeface="Cambria" panose="02040503050406030204" pitchFamily="18" charset="0"/>
-                <a:ea typeface="宋体" panose="02010600030101010101" pitchFamily="2" charset="-122"/>
+                <a:ea typeface="微软雅黑" panose="020B0503020204020204" pitchFamily="34" charset="-122"/>
                 <a:cs typeface="Times New Roman" panose="02020603050405020304" pitchFamily="18" charset="0"/>
               </a:rPr>
             </a:br>
@@ -18929,6 +19139,7 @@
                     <a:lumMod val="75000"/>
                   </a:schemeClr>
                 </a:solidFill>
+                <a:ea typeface="微软雅黑" panose="020B0503020204020204" pitchFamily="34" charset="-122"/>
                 <a:cs typeface="+mn-ea"/>
               </a:rPr>
               <a:t>顶层模块遵循可读性高，流程清晰的原则进行书写。我们的基本思路是</a:t>
@@ -18940,6 +19151,7 @@
                     <a:lumMod val="75000"/>
                   </a:schemeClr>
                 </a:solidFill>
+                <a:ea typeface="微软雅黑" panose="020B0503020204020204" pitchFamily="34" charset="-122"/>
                 <a:cs typeface="+mn-ea"/>
               </a:rPr>
               <a:t>：</a:t>
@@ -18950,6 +19162,7 @@
                   <a:lumMod val="75000"/>
                 </a:schemeClr>
               </a:solidFill>
+              <a:ea typeface="微软雅黑" panose="020B0503020204020204" pitchFamily="34" charset="-122"/>
               <a:cs typeface="+mn-ea"/>
             </a:endParaRPr>
           </a:p>
@@ -18968,6 +19181,7 @@
                     <a:lumMod val="75000"/>
                   </a:schemeClr>
                 </a:solidFill>
+                <a:ea typeface="微软雅黑" panose="020B0503020204020204" pitchFamily="34" charset="-122"/>
                 <a:cs typeface="+mn-ea"/>
               </a:rPr>
               <a:t>读取电路文件网表，根据网表文件读取并处理信息</a:t>
@@ -18979,6 +19193,7 @@
                     <a:lumMod val="75000"/>
                   </a:schemeClr>
                 </a:solidFill>
+                <a:ea typeface="微软雅黑" panose="020B0503020204020204" pitchFamily="34" charset="-122"/>
                 <a:cs typeface="+mn-ea"/>
               </a:rPr>
               <a:t>。</a:t>
@@ -18989,6 +19204,7 @@
                   <a:lumMod val="75000"/>
                 </a:schemeClr>
               </a:solidFill>
+              <a:ea typeface="微软雅黑" panose="020B0503020204020204" pitchFamily="34" charset="-122"/>
               <a:cs typeface="+mn-ea"/>
             </a:endParaRPr>
           </a:p>
@@ -19007,17 +19223,43 @@
                     <a:lumMod val="75000"/>
                   </a:schemeClr>
                 </a:solidFill>
+                <a:ea typeface="微软雅黑" panose="020B0503020204020204" pitchFamily="34" charset="-122"/>
                 <a:cs typeface="+mn-ea"/>
               </a:rPr>
-              <a:t>针对不同的SPICE操作进行预处理，得到迭代所需要的网表</a:t>
-            </a:r>
-            <a:r>
-              <a:rPr lang="zh-CN" altLang="en-US" sz="2000" dirty="0">
+              <a:t>针对不同的</a:t>
+            </a:r>
+            <a:r>
+              <a:rPr lang="en-US" altLang="zh-CN" sz="2000" b="1" dirty="0" err="1">
                 <a:solidFill>
                   <a:schemeClr val="accent1">
                     <a:lumMod val="75000"/>
                   </a:schemeClr>
                 </a:solidFill>
+                <a:ea typeface="微软雅黑" panose="020B0503020204020204" pitchFamily="34" charset="-122"/>
+                <a:cs typeface="+mn-ea"/>
+              </a:rPr>
+              <a:t>SPICE</a:t>
+            </a:r>
+            <a:r>
+              <a:rPr lang="en-US" altLang="zh-CN" sz="2000" dirty="0" err="1">
+                <a:solidFill>
+                  <a:schemeClr val="accent1">
+                    <a:lumMod val="75000"/>
+                  </a:schemeClr>
+                </a:solidFill>
+                <a:ea typeface="微软雅黑" panose="020B0503020204020204" pitchFamily="34" charset="-122"/>
+                <a:cs typeface="+mn-ea"/>
+              </a:rPr>
+              <a:t>操作进行预处理，得到迭代所需要的网表</a:t>
+            </a:r>
+            <a:r>
+              <a:rPr lang="zh-CN" altLang="en-US" sz="2000" dirty="0">
+                <a:solidFill>
+                  <a:schemeClr val="accent1">
+                    <a:lumMod val="75000"/>
+                  </a:schemeClr>
+                </a:solidFill>
+                <a:ea typeface="微软雅黑" panose="020B0503020204020204" pitchFamily="34" charset="-122"/>
                 <a:cs typeface="+mn-ea"/>
               </a:rPr>
               <a:t>。</a:t>
@@ -19028,6 +19270,7 @@
                   <a:lumMod val="75000"/>
                 </a:schemeClr>
               </a:solidFill>
+              <a:ea typeface="微软雅黑" panose="020B0503020204020204" pitchFamily="34" charset="-122"/>
               <a:cs typeface="+mn-ea"/>
             </a:endParaRPr>
           </a:p>
@@ -19046,17 +19289,43 @@
                     <a:lumMod val="75000"/>
                   </a:schemeClr>
                 </a:solidFill>
+                <a:ea typeface="微软雅黑" panose="020B0503020204020204" pitchFamily="34" charset="-122"/>
                 <a:cs typeface="+mn-ea"/>
               </a:rPr>
-              <a:t>针对不同的SPICE操作进行处理，得到电路的解</a:t>
-            </a:r>
-            <a:r>
-              <a:rPr lang="zh-CN" altLang="en-US" sz="2000" dirty="0">
+              <a:t>针对不同的</a:t>
+            </a:r>
+            <a:r>
+              <a:rPr lang="en-US" altLang="zh-CN" sz="2000" b="1" dirty="0" err="1">
                 <a:solidFill>
                   <a:schemeClr val="accent1">
                     <a:lumMod val="75000"/>
                   </a:schemeClr>
                 </a:solidFill>
+                <a:ea typeface="微软雅黑" panose="020B0503020204020204" pitchFamily="34" charset="-122"/>
+                <a:cs typeface="+mn-ea"/>
+              </a:rPr>
+              <a:t>SPICE</a:t>
+            </a:r>
+            <a:r>
+              <a:rPr lang="en-US" altLang="zh-CN" sz="2000" dirty="0" err="1">
+                <a:solidFill>
+                  <a:schemeClr val="accent1">
+                    <a:lumMod val="75000"/>
+                  </a:schemeClr>
+                </a:solidFill>
+                <a:ea typeface="微软雅黑" panose="020B0503020204020204" pitchFamily="34" charset="-122"/>
+                <a:cs typeface="+mn-ea"/>
+              </a:rPr>
+              <a:t>操作进行处理，得到电路的解</a:t>
+            </a:r>
+            <a:r>
+              <a:rPr lang="zh-CN" altLang="en-US" sz="2000" dirty="0">
+                <a:solidFill>
+                  <a:schemeClr val="accent1">
+                    <a:lumMod val="75000"/>
+                  </a:schemeClr>
+                </a:solidFill>
+                <a:ea typeface="微软雅黑" panose="020B0503020204020204" pitchFamily="34" charset="-122"/>
                 <a:cs typeface="+mn-ea"/>
               </a:rPr>
               <a:t>。</a:t>
@@ -19067,6 +19336,7 @@
                   <a:lumMod val="75000"/>
                 </a:schemeClr>
               </a:solidFill>
+              <a:ea typeface="微软雅黑" panose="020B0503020204020204" pitchFamily="34" charset="-122"/>
               <a:cs typeface="+mn-ea"/>
             </a:endParaRPr>
           </a:p>
@@ -19085,6 +19355,7 @@
                     <a:lumMod val="75000"/>
                   </a:schemeClr>
                 </a:solidFill>
+                <a:ea typeface="微软雅黑" panose="020B0503020204020204" pitchFamily="34" charset="-122"/>
                 <a:cs typeface="+mn-ea"/>
               </a:rPr>
               <a:t>对电路的解进行</a:t>
@@ -19096,6 +19367,7 @@
                     <a:lumMod val="75000"/>
                   </a:schemeClr>
                 </a:solidFill>
+                <a:ea typeface="微软雅黑" panose="020B0503020204020204" pitchFamily="34" charset="-122"/>
                 <a:cs typeface="+mn-ea"/>
               </a:rPr>
               <a:t>绘图或者</a:t>
@@ -19107,6 +19379,7 @@
                     <a:lumMod val="75000"/>
                   </a:schemeClr>
                 </a:solidFill>
+                <a:ea typeface="微软雅黑" panose="020B0503020204020204" pitchFamily="34" charset="-122"/>
                 <a:cs typeface="+mn-ea"/>
               </a:rPr>
               <a:t>输出</a:t>
@@ -19118,6 +19391,7 @@
                     <a:lumMod val="75000"/>
                   </a:schemeClr>
                 </a:solidFill>
+                <a:ea typeface="微软雅黑" panose="020B0503020204020204" pitchFamily="34" charset="-122"/>
                 <a:cs typeface="+mn-ea"/>
               </a:rPr>
               <a:t>。</a:t>
@@ -19128,6 +19402,7 @@
                   <a:lumMod val="75000"/>
                 </a:schemeClr>
               </a:solidFill>
+              <a:ea typeface="微软雅黑" panose="020B0503020204020204" pitchFamily="34" charset="-122"/>
               <a:cs typeface="+mn-ea"/>
             </a:endParaRPr>
           </a:p>
@@ -19244,14 +19519,13 @@
               </a:spcAft>
             </a:pPr>
             <a:r>
-              <a:rPr lang="en-US" altLang="zh-CN" sz="2400" dirty="0">
+              <a:rPr lang="en-US" altLang="zh-CN" sz="2400" b="1" dirty="0">
                 <a:solidFill>
                   <a:schemeClr val="accent1">
                     <a:lumMod val="75000"/>
                   </a:schemeClr>
                 </a:solidFill>
                 <a:effectLst/>
-                <a:latin typeface="Cambria" panose="02040503050406030204" pitchFamily="18" charset="0"/>
                 <a:ea typeface="宋体" panose="02010600030101010101" pitchFamily="2" charset="-122"/>
                 <a:cs typeface="Times New Roman" panose="02020603050405020304" pitchFamily="18" charset="0"/>
               </a:rPr>
@@ -19265,7 +19539,6 @@
                   </a:schemeClr>
                 </a:solidFill>
                 <a:effectLst/>
-                <a:latin typeface="宋体" panose="02010600030101010101" pitchFamily="2" charset="-122"/>
                 <a:cs typeface="Times New Roman" panose="02020603050405020304" pitchFamily="18" charset="0"/>
               </a:rPr>
               <a:t>实现电路文件的读取与解析建立矩阵方程</a:t>
@@ -19277,7 +19550,6 @@
                 </a:schemeClr>
               </a:solidFill>
               <a:effectLst/>
-              <a:latin typeface="宋体" panose="02010600030101010101" pitchFamily="2" charset="-122"/>
               <a:cs typeface="Times New Roman" panose="02020603050405020304" pitchFamily="18" charset="0"/>
             </a:endParaRPr>
           </a:p>
@@ -19291,13 +19563,12 @@
               </a:spcAft>
             </a:pPr>
             <a:r>
-              <a:rPr lang="en-US" altLang="zh-CN" sz="2400" dirty="0">
+              <a:rPr lang="en-US" altLang="zh-CN" sz="2400" b="1" dirty="0">
                 <a:solidFill>
                   <a:schemeClr val="accent1">
                     <a:lumMod val="75000"/>
                   </a:schemeClr>
                 </a:solidFill>
-                <a:latin typeface="Cambria" panose="02040503050406030204" pitchFamily="18" charset="0"/>
                 <a:ea typeface="宋体" panose="02010600030101010101" pitchFamily="2" charset="-122"/>
                 <a:cs typeface="Times New Roman" panose="02020603050405020304" pitchFamily="18" charset="0"/>
               </a:rPr>
@@ -19310,7 +19581,6 @@
                     <a:lumMod val="75000"/>
                   </a:schemeClr>
                 </a:solidFill>
-                <a:latin typeface="宋体" panose="02010600030101010101" pitchFamily="2" charset="-122"/>
                 <a:cs typeface="Times New Roman" panose="02020603050405020304" pitchFamily="18" charset="0"/>
               </a:rPr>
               <a:t>迭代求解电路的直流工作点</a:t>
@@ -19321,7 +19591,6 @@
                   <a:lumMod val="75000"/>
                 </a:schemeClr>
               </a:solidFill>
-              <a:latin typeface="宋体" panose="02010600030101010101" pitchFamily="2" charset="-122"/>
               <a:cs typeface="Times New Roman" panose="02020603050405020304" pitchFamily="18" charset="0"/>
             </a:endParaRPr>
           </a:p>
@@ -19335,13 +19604,12 @@
               </a:spcAft>
             </a:pPr>
             <a:r>
-              <a:rPr lang="en-US" altLang="zh-CN" sz="2400" dirty="0">
+              <a:rPr lang="en-US" altLang="zh-CN" sz="2400" b="1" dirty="0">
                 <a:solidFill>
                   <a:schemeClr val="accent1">
                     <a:lumMod val="75000"/>
                   </a:schemeClr>
                 </a:solidFill>
-                <a:latin typeface="Cambria" panose="02040503050406030204" pitchFamily="18" charset="0"/>
                 <a:ea typeface="宋体" panose="02010600030101010101" pitchFamily="2" charset="-122"/>
                 <a:cs typeface="Times New Roman" panose="02020603050405020304" pitchFamily="18" charset="0"/>
               </a:rPr>
@@ -19354,10 +19622,31 @@
                     <a:lumMod val="75000"/>
                   </a:schemeClr>
                 </a:solidFill>
-                <a:latin typeface="宋体" panose="02010600030101010101" pitchFamily="2" charset="-122"/>
                 <a:cs typeface="Times New Roman" panose="02020603050405020304" pitchFamily="18" charset="0"/>
               </a:rPr>
-              <a:t>实现trans仿真</a:t>
+              <a:t>实现</a:t>
+            </a:r>
+            <a:r>
+              <a:rPr lang="en-US" altLang="zh-CN" sz="2400" b="1" dirty="0" err="1">
+                <a:solidFill>
+                  <a:schemeClr val="accent1">
+                    <a:lumMod val="75000"/>
+                  </a:schemeClr>
+                </a:solidFill>
+                <a:cs typeface="Times New Roman" panose="02020603050405020304" pitchFamily="18" charset="0"/>
+              </a:rPr>
+              <a:t>trans</a:t>
+            </a:r>
+            <a:r>
+              <a:rPr lang="en-US" altLang="zh-CN" sz="2400" dirty="0" err="1">
+                <a:solidFill>
+                  <a:schemeClr val="accent1">
+                    <a:lumMod val="75000"/>
+                  </a:schemeClr>
+                </a:solidFill>
+                <a:cs typeface="Times New Roman" panose="02020603050405020304" pitchFamily="18" charset="0"/>
+              </a:rPr>
+              <a:t>仿真</a:t>
             </a:r>
             <a:endParaRPr lang="en-US" altLang="zh-CN" sz="2400" dirty="0">
               <a:solidFill>
@@ -19365,7 +19654,6 @@
                   <a:lumMod val="75000"/>
                 </a:schemeClr>
               </a:solidFill>
-              <a:latin typeface="宋体" panose="02010600030101010101" pitchFamily="2" charset="-122"/>
               <a:cs typeface="Times New Roman" panose="02020603050405020304" pitchFamily="18" charset="0"/>
             </a:endParaRPr>
           </a:p>
@@ -19379,13 +19667,12 @@
               </a:spcAft>
             </a:pPr>
             <a:r>
-              <a:rPr lang="en-US" altLang="zh-CN" sz="2400" dirty="0">
+              <a:rPr lang="en-US" altLang="zh-CN" sz="2400" b="1" dirty="0">
                 <a:solidFill>
                   <a:schemeClr val="accent1">
                     <a:lumMod val="75000"/>
                   </a:schemeClr>
                 </a:solidFill>
-                <a:latin typeface="Cambria" panose="02040503050406030204" pitchFamily="18" charset="0"/>
                 <a:ea typeface="宋体" panose="02010600030101010101" pitchFamily="2" charset="-122"/>
                 <a:cs typeface="Times New Roman" panose="02020603050405020304" pitchFamily="18" charset="0"/>
               </a:rPr>
@@ -19398,7 +19685,6 @@
                     <a:lumMod val="75000"/>
                   </a:schemeClr>
                 </a:solidFill>
-                <a:latin typeface="宋体" panose="02010600030101010101" pitchFamily="2" charset="-122"/>
                 <a:cs typeface="Times New Roman" panose="02020603050405020304" pitchFamily="18" charset="0"/>
               </a:rPr>
               <a:t>实现频率响应分析</a:t>
@@ -19409,7 +19695,6 @@
                   <a:lumMod val="75000"/>
                 </a:schemeClr>
               </a:solidFill>
-              <a:latin typeface="宋体" panose="02010600030101010101" pitchFamily="2" charset="-122"/>
               <a:cs typeface="Times New Roman" panose="02020603050405020304" pitchFamily="18" charset="0"/>
             </a:endParaRPr>
           </a:p>
@@ -19423,13 +19708,12 @@
               </a:spcAft>
             </a:pPr>
             <a:r>
-              <a:rPr lang="en-US" altLang="zh-CN" sz="2400" dirty="0">
+              <a:rPr lang="en-US" altLang="zh-CN" sz="2400" b="1" dirty="0">
                 <a:solidFill>
                   <a:schemeClr val="accent1">
                     <a:lumMod val="75000"/>
                   </a:schemeClr>
                 </a:solidFill>
-                <a:latin typeface="Cambria" panose="02040503050406030204" pitchFamily="18" charset="0"/>
                 <a:ea typeface="宋体" panose="02010600030101010101" pitchFamily="2" charset="-122"/>
                 <a:cs typeface="Times New Roman" panose="02020603050405020304" pitchFamily="18" charset="0"/>
               </a:rPr>
@@ -19442,7 +19726,6 @@
                     <a:lumMod val="75000"/>
                   </a:schemeClr>
                 </a:solidFill>
-                <a:latin typeface="宋体" panose="02010600030101010101" pitchFamily="2" charset="-122"/>
                 <a:cs typeface="Times New Roman" panose="02020603050405020304" pitchFamily="18" charset="0"/>
               </a:rPr>
               <a:t>将电路生成的结果输出</a:t>
@@ -19453,7 +19736,6 @@
                   <a:lumMod val="75000"/>
                 </a:schemeClr>
               </a:solidFill>
-              <a:latin typeface="宋体" panose="02010600030101010101" pitchFamily="2" charset="-122"/>
               <a:cs typeface="Times New Roman" panose="02020603050405020304" pitchFamily="18" charset="0"/>
             </a:endParaRPr>
           </a:p>
@@ -19530,20 +19812,6 @@
 <file path=ppt/slides/slide8.xml><?xml version="1.0" encoding="utf-8"?>
 <p:sld xmlns:a="http://schemas.openxmlformats.org/drawingml/2006/main" xmlns:r="http://schemas.openxmlformats.org/officeDocument/2006/relationships" xmlns:p="http://schemas.openxmlformats.org/presentationml/2006/main">
   <p:cSld>
-    <p:bg>
-      <p:bgPr>
-        <a:blipFill dpi="0" rotWithShape="1">
-          <a:blip r:embed="rId3">
-            <a:lum/>
-          </a:blip>
-          <a:srcRect/>
-          <a:stretch>
-            <a:fillRect/>
-          </a:stretch>
-        </a:blipFill>
-        <a:effectLst/>
-      </p:bgPr>
-    </p:bg>
     <p:spTree>
       <p:nvGrpSpPr>
         <p:cNvPr id="1" name=""/>
@@ -19560,60 +19828,14 @@
       </p:grpSpPr>
       <p:sp>
         <p:nvSpPr>
-          <p:cNvPr id="100" name="椭圆 99"/>
-          <p:cNvSpPr/>
-          <p:nvPr/>
-        </p:nvSpPr>
-        <p:spPr>
-          <a:xfrm>
-            <a:off x="3819635" y="1089058"/>
-            <a:ext cx="1500028" cy="1500028"/>
-          </a:xfrm>
-          <a:prstGeom prst="ellipse">
-            <a:avLst/>
-          </a:prstGeom>
-          <a:solidFill>
-            <a:srgbClr val="1B4367"/>
-          </a:solidFill>
-          <a:ln>
-            <a:noFill/>
-          </a:ln>
-        </p:spPr>
-        <p:style>
-          <a:lnRef idx="2">
-            <a:schemeClr val="accent1">
-              <a:shade val="50000"/>
-            </a:schemeClr>
-          </a:lnRef>
-          <a:fillRef idx="1">
-            <a:schemeClr val="accent1"/>
-          </a:fillRef>
-          <a:effectRef idx="0">
-            <a:schemeClr val="accent1"/>
-          </a:effectRef>
-          <a:fontRef idx="minor">
-            <a:schemeClr val="lt1"/>
-          </a:fontRef>
-        </p:style>
-        <p:txBody>
-          <a:bodyPr rtlCol="0" anchor="ctr"/>
-          <a:lstStyle/>
-          <a:p>
-            <a:pPr algn="ctr"/>
-            <a:endParaRPr lang="zh-CN" altLang="en-US"/>
-          </a:p>
-        </p:txBody>
-      </p:sp>
-      <p:sp>
-        <p:nvSpPr>
-          <p:cNvPr id="101" name="文本框 11"/>
+          <p:cNvPr id="7" name="文本框 6"/>
           <p:cNvSpPr txBox="1"/>
           <p:nvPr/>
         </p:nvSpPr>
         <p:spPr>
           <a:xfrm>
-            <a:off x="2483768" y="2709756"/>
-            <a:ext cx="4171762" cy="591185"/>
+            <a:off x="659130" y="1088009"/>
+            <a:ext cx="7680198" cy="3652282"/>
           </a:xfrm>
           <a:prstGeom prst="rect">
             <a:avLst/>
@@ -19621,16 +19843,476 @@
           <a:noFill/>
         </p:spPr>
         <p:txBody>
-          <a:bodyPr wrap="square" lIns="68580" tIns="34290" rIns="68580" bIns="34290" rtlCol="0">
+          <a:bodyPr wrap="square" rtlCol="0">
             <a:spAutoFit/>
           </a:bodyPr>
           <a:lstStyle/>
           <a:p>
-            <a:pPr algn="ctr"/>
-            <a:r>
-              <a:rPr lang="zh-CN" altLang="en-US" sz="3400" dirty="0">
-                <a:solidFill>
-                  <a:srgbClr val="1B4367"/>
+            <a:pPr marL="342900" lvl="0" indent="-342900">
+              <a:spcAft>
+                <a:spcPts val="1000"/>
+              </a:spcAft>
+              <a:buFont typeface="+mj-lt"/>
+              <a:buAutoNum type="arabicPeriod"/>
+            </a:pPr>
+            <a:r>
+              <a:rPr lang="zh-CN" altLang="zh-CN" sz="1800" dirty="0">
+                <a:solidFill>
+                  <a:schemeClr val="accent1">
+                    <a:lumMod val="75000"/>
+                  </a:schemeClr>
+                </a:solidFill>
+                <a:effectLst/>
+                <a:latin typeface="Cambria" panose="02040503050406030204" pitchFamily="18" charset="0"/>
+                <a:ea typeface="微软雅黑" panose="020B0503020204020204" pitchFamily="34" charset="-122"/>
+                <a:cs typeface="Times New Roman" panose="02020603050405020304" pitchFamily="18" charset="0"/>
+              </a:rPr>
+              <a:t>电流打印。 除了项目提供网表中打印电压的功能，额外完成了电流的输出、索引和打印</a:t>
+            </a:r>
+            <a:r>
+              <a:rPr lang="zh-CN" altLang="en-US" sz="1800" dirty="0">
+                <a:solidFill>
+                  <a:schemeClr val="accent1">
+                    <a:lumMod val="75000"/>
+                  </a:schemeClr>
+                </a:solidFill>
+                <a:effectLst/>
+                <a:latin typeface="Cambria" panose="02040503050406030204" pitchFamily="18" charset="0"/>
+                <a:ea typeface="微软雅黑" panose="020B0503020204020204" pitchFamily="34" charset="-122"/>
+                <a:cs typeface="Times New Roman" panose="02020603050405020304" pitchFamily="18" charset="0"/>
+              </a:rPr>
+              <a:t>。</a:t>
+            </a:r>
+            <a:endParaRPr lang="zh-CN" altLang="zh-CN" sz="1800" dirty="0">
+              <a:solidFill>
+                <a:schemeClr val="accent1">
+                  <a:lumMod val="75000"/>
+                </a:schemeClr>
+              </a:solidFill>
+              <a:effectLst/>
+              <a:latin typeface="Cambria" panose="02040503050406030204" pitchFamily="18" charset="0"/>
+              <a:ea typeface="宋体" panose="02010600030101010101" pitchFamily="2" charset="-122"/>
+              <a:cs typeface="Times New Roman" panose="02020603050405020304" pitchFamily="18" charset="0"/>
+            </a:endParaRPr>
+          </a:p>
+          <a:p>
+            <a:pPr marL="342900" lvl="0" indent="-342900">
+              <a:spcAft>
+                <a:spcPts val="1000"/>
+              </a:spcAft>
+              <a:buFont typeface="+mj-lt"/>
+              <a:buAutoNum type="arabicPeriod"/>
+            </a:pPr>
+            <a:r>
+              <a:rPr lang="zh-CN" altLang="zh-CN" sz="1800" dirty="0">
+                <a:solidFill>
+                  <a:schemeClr val="accent1">
+                    <a:lumMod val="75000"/>
+                  </a:schemeClr>
+                </a:solidFill>
+                <a:effectLst/>
+                <a:latin typeface="Cambria" panose="02040503050406030204" pitchFamily="18" charset="0"/>
+                <a:ea typeface="微软雅黑" panose="020B0503020204020204" pitchFamily="34" charset="-122"/>
+                <a:cs typeface="Times New Roman" panose="02020603050405020304" pitchFamily="18" charset="0"/>
+              </a:rPr>
+              <a:t>源漏互换。迭代过程考虑了</a:t>
+            </a:r>
+            <a:r>
+              <a:rPr lang="en-US" altLang="zh-CN" sz="1800" b="1" dirty="0">
+                <a:solidFill>
+                  <a:schemeClr val="accent1">
+                    <a:lumMod val="75000"/>
+                  </a:schemeClr>
+                </a:solidFill>
+                <a:effectLst/>
+                <a:latin typeface="微软雅黑" panose="020B0503020204020204" pitchFamily="34" charset="-122"/>
+                <a:ea typeface="宋体" panose="02010600030101010101" pitchFamily="2" charset="-122"/>
+                <a:cs typeface="Times New Roman" panose="02020603050405020304" pitchFamily="18" charset="0"/>
+              </a:rPr>
+              <a:t>MOS</a:t>
+            </a:r>
+            <a:r>
+              <a:rPr lang="zh-CN" altLang="zh-CN" sz="1800" dirty="0">
+                <a:solidFill>
+                  <a:schemeClr val="accent1">
+                    <a:lumMod val="75000"/>
+                  </a:schemeClr>
+                </a:solidFill>
+                <a:effectLst/>
+                <a:latin typeface="Cambria" panose="02040503050406030204" pitchFamily="18" charset="0"/>
+                <a:ea typeface="微软雅黑" panose="020B0503020204020204" pitchFamily="34" charset="-122"/>
+                <a:cs typeface="Times New Roman" panose="02020603050405020304" pitchFamily="18" charset="0"/>
+              </a:rPr>
+              <a:t>管源漏交换的情况，可以处理输入网表源漏与电路实际源漏情况相反的情况</a:t>
+            </a:r>
+            <a:r>
+              <a:rPr lang="zh-CN" altLang="en-US" sz="1800" dirty="0">
+                <a:solidFill>
+                  <a:schemeClr val="accent1">
+                    <a:lumMod val="75000"/>
+                  </a:schemeClr>
+                </a:solidFill>
+                <a:effectLst/>
+                <a:latin typeface="Cambria" panose="02040503050406030204" pitchFamily="18" charset="0"/>
+                <a:ea typeface="微软雅黑" panose="020B0503020204020204" pitchFamily="34" charset="-122"/>
+                <a:cs typeface="Times New Roman" panose="02020603050405020304" pitchFamily="18" charset="0"/>
+              </a:rPr>
+              <a:t>。</a:t>
+            </a:r>
+            <a:endParaRPr lang="zh-CN" altLang="zh-CN" sz="1800" dirty="0">
+              <a:solidFill>
+                <a:schemeClr val="accent1">
+                  <a:lumMod val="75000"/>
+                </a:schemeClr>
+              </a:solidFill>
+              <a:effectLst/>
+              <a:latin typeface="Cambria" panose="02040503050406030204" pitchFamily="18" charset="0"/>
+              <a:ea typeface="宋体" panose="02010600030101010101" pitchFamily="2" charset="-122"/>
+              <a:cs typeface="Times New Roman" panose="02020603050405020304" pitchFamily="18" charset="0"/>
+            </a:endParaRPr>
+          </a:p>
+          <a:p>
+            <a:pPr marL="342900" lvl="0" indent="-342900">
+              <a:spcAft>
+                <a:spcPts val="1000"/>
+              </a:spcAft>
+              <a:buFont typeface="+mj-lt"/>
+              <a:buAutoNum type="arabicPeriod"/>
+            </a:pPr>
+            <a:r>
+              <a:rPr lang="zh-CN" altLang="zh-CN" sz="1800" dirty="0">
+                <a:solidFill>
+                  <a:schemeClr val="accent1">
+                    <a:lumMod val="75000"/>
+                  </a:schemeClr>
+                </a:solidFill>
+                <a:effectLst/>
+                <a:latin typeface="Cambria" panose="02040503050406030204" pitchFamily="18" charset="0"/>
+                <a:ea typeface="微软雅黑" panose="020B0503020204020204" pitchFamily="34" charset="-122"/>
+                <a:cs typeface="Times New Roman" panose="02020603050405020304" pitchFamily="18" charset="0"/>
+              </a:rPr>
+              <a:t>二极管仿真。依据</a:t>
+            </a:r>
+            <a:r>
+              <a:rPr lang="en-US" altLang="zh-CN" sz="1800" b="1" dirty="0">
+                <a:solidFill>
+                  <a:schemeClr val="accent1">
+                    <a:lumMod val="75000"/>
+                  </a:schemeClr>
+                </a:solidFill>
+                <a:effectLst/>
+                <a:latin typeface="微软雅黑" panose="020B0503020204020204" pitchFamily="34" charset="-122"/>
+                <a:ea typeface="宋体" panose="02010600030101010101" pitchFamily="2" charset="-122"/>
+                <a:cs typeface="Times New Roman" panose="02020603050405020304" pitchFamily="18" charset="0"/>
+              </a:rPr>
+              <a:t>MOS</a:t>
+            </a:r>
+            <a:r>
+              <a:rPr lang="zh-CN" altLang="zh-CN" sz="1800" dirty="0">
+                <a:solidFill>
+                  <a:schemeClr val="accent1">
+                    <a:lumMod val="75000"/>
+                  </a:schemeClr>
+                </a:solidFill>
+                <a:effectLst/>
+                <a:latin typeface="Cambria" panose="02040503050406030204" pitchFamily="18" charset="0"/>
+                <a:ea typeface="微软雅黑" panose="020B0503020204020204" pitchFamily="34" charset="-122"/>
+                <a:cs typeface="Times New Roman" panose="02020603050405020304" pitchFamily="18" charset="0"/>
+              </a:rPr>
+              <a:t>管迭代求解思路，完成了如二极管等其他非线性器件的引入</a:t>
+            </a:r>
+            <a:r>
+              <a:rPr lang="zh-CN" altLang="en-US" sz="1800" dirty="0">
+                <a:solidFill>
+                  <a:schemeClr val="accent1">
+                    <a:lumMod val="75000"/>
+                  </a:schemeClr>
+                </a:solidFill>
+                <a:effectLst/>
+                <a:latin typeface="Cambria" panose="02040503050406030204" pitchFamily="18" charset="0"/>
+                <a:ea typeface="微软雅黑" panose="020B0503020204020204" pitchFamily="34" charset="-122"/>
+                <a:cs typeface="Times New Roman" panose="02020603050405020304" pitchFamily="18" charset="0"/>
+              </a:rPr>
+              <a:t>。</a:t>
+            </a:r>
+            <a:endParaRPr lang="zh-CN" altLang="zh-CN" sz="1800" dirty="0">
+              <a:solidFill>
+                <a:schemeClr val="accent1">
+                  <a:lumMod val="75000"/>
+                </a:schemeClr>
+              </a:solidFill>
+              <a:effectLst/>
+              <a:latin typeface="Cambria" panose="02040503050406030204" pitchFamily="18" charset="0"/>
+              <a:ea typeface="宋体" panose="02010600030101010101" pitchFamily="2" charset="-122"/>
+              <a:cs typeface="Times New Roman" panose="02020603050405020304" pitchFamily="18" charset="0"/>
+            </a:endParaRPr>
+          </a:p>
+          <a:p>
+            <a:pPr marL="342900" lvl="0" indent="-342900">
+              <a:spcAft>
+                <a:spcPts val="1000"/>
+              </a:spcAft>
+              <a:buFont typeface="+mj-lt"/>
+              <a:buAutoNum type="arabicPeriod"/>
+            </a:pPr>
+            <a:r>
+              <a:rPr lang="zh-CN" altLang="zh-CN" sz="1800" dirty="0">
+                <a:solidFill>
+                  <a:schemeClr val="accent1">
+                    <a:lumMod val="75000"/>
+                  </a:schemeClr>
+                </a:solidFill>
+                <a:effectLst/>
+                <a:latin typeface="Cambria" panose="02040503050406030204" pitchFamily="18" charset="0"/>
+                <a:ea typeface="微软雅黑" panose="020B0503020204020204" pitchFamily="34" charset="-122"/>
+                <a:cs typeface="Times New Roman" panose="02020603050405020304" pitchFamily="18" charset="0"/>
+              </a:rPr>
+              <a:t>直流扫描。在单点</a:t>
+            </a:r>
+            <a:r>
+              <a:rPr lang="en-US" altLang="zh-CN" sz="1800" b="1" dirty="0">
+                <a:solidFill>
+                  <a:schemeClr val="accent1">
+                    <a:lumMod val="75000"/>
+                  </a:schemeClr>
+                </a:solidFill>
+                <a:effectLst/>
+                <a:latin typeface="微软雅黑" panose="020B0503020204020204" pitchFamily="34" charset="-122"/>
+                <a:ea typeface="宋体" panose="02010600030101010101" pitchFamily="2" charset="-122"/>
+                <a:cs typeface="Times New Roman" panose="02020603050405020304" pitchFamily="18" charset="0"/>
+              </a:rPr>
+              <a:t>DC</a:t>
+            </a:r>
+            <a:r>
+              <a:rPr lang="zh-CN" altLang="zh-CN" sz="1800" dirty="0">
+                <a:solidFill>
+                  <a:schemeClr val="accent1">
+                    <a:lumMod val="75000"/>
+                  </a:schemeClr>
+                </a:solidFill>
+                <a:effectLst/>
+                <a:latin typeface="Cambria" panose="02040503050406030204" pitchFamily="18" charset="0"/>
+                <a:ea typeface="微软雅黑" panose="020B0503020204020204" pitchFamily="34" charset="-122"/>
+                <a:cs typeface="Times New Roman" panose="02020603050405020304" pitchFamily="18" charset="0"/>
+              </a:rPr>
+              <a:t>分析的基础上增加了直流扫描的功能，可以以所需步长考察</a:t>
+            </a:r>
+            <a:r>
+              <a:rPr lang="zh-CN" altLang="zh-CN" sz="1800" dirty="0">
+                <a:solidFill>
+                  <a:schemeClr val="accent1">
+                    <a:lumMod val="75000"/>
+                  </a:schemeClr>
+                </a:solidFill>
+                <a:latin typeface="Cambria" panose="02040503050406030204" pitchFamily="18" charset="0"/>
+                <a:ea typeface="微软雅黑" panose="020B0503020204020204" pitchFamily="34" charset="-122"/>
+                <a:cs typeface="Times New Roman" panose="02020603050405020304" pitchFamily="18" charset="0"/>
+              </a:rPr>
+              <a:t>所需端点电压</a:t>
+            </a:r>
+            <a:r>
+              <a:rPr lang="en-US" altLang="zh-CN" sz="1800" dirty="0">
+                <a:solidFill>
+                  <a:schemeClr val="accent1">
+                    <a:lumMod val="75000"/>
+                  </a:schemeClr>
+                </a:solidFill>
+                <a:latin typeface="Cambria" panose="02040503050406030204" pitchFamily="18" charset="0"/>
+                <a:ea typeface="微软雅黑" panose="020B0503020204020204" pitchFamily="34" charset="-122"/>
+                <a:cs typeface="Times New Roman" panose="02020603050405020304" pitchFamily="18" charset="0"/>
+              </a:rPr>
+              <a:t>/</a:t>
+            </a:r>
+            <a:r>
+              <a:rPr lang="zh-CN" altLang="zh-CN" sz="1800" dirty="0">
+                <a:solidFill>
+                  <a:schemeClr val="accent1">
+                    <a:lumMod val="75000"/>
+                  </a:schemeClr>
+                </a:solidFill>
+                <a:latin typeface="Cambria" panose="02040503050406030204" pitchFamily="18" charset="0"/>
+                <a:ea typeface="微软雅黑" panose="020B0503020204020204" pitchFamily="34" charset="-122"/>
+                <a:cs typeface="Times New Roman" panose="02020603050405020304" pitchFamily="18" charset="0"/>
+              </a:rPr>
+              <a:t>器件电流随输入电压的变</a:t>
+            </a:r>
+            <a:r>
+              <a:rPr lang="zh-CN" altLang="en-US" sz="1800" dirty="0">
+                <a:solidFill>
+                  <a:schemeClr val="accent1">
+                    <a:lumMod val="75000"/>
+                  </a:schemeClr>
+                </a:solidFill>
+                <a:latin typeface="Cambria" panose="02040503050406030204" pitchFamily="18" charset="0"/>
+                <a:ea typeface="微软雅黑" panose="020B0503020204020204" pitchFamily="34" charset="-122"/>
+                <a:cs typeface="Times New Roman" panose="02020603050405020304" pitchFamily="18" charset="0"/>
+              </a:rPr>
+              <a:t>化。</a:t>
+            </a:r>
+            <a:endParaRPr lang="en-US" altLang="zh-CN" sz="1800" dirty="0">
+              <a:solidFill>
+                <a:schemeClr val="accent1">
+                  <a:lumMod val="75000"/>
+                </a:schemeClr>
+              </a:solidFill>
+              <a:latin typeface="Cambria" panose="02040503050406030204" pitchFamily="18" charset="0"/>
+              <a:ea typeface="微软雅黑" panose="020B0503020204020204" pitchFamily="34" charset="-122"/>
+              <a:cs typeface="Times New Roman" panose="02020603050405020304" pitchFamily="18" charset="0"/>
+            </a:endParaRPr>
+          </a:p>
+          <a:p>
+            <a:pPr marL="342900" indent="-342900">
+              <a:spcAft>
+                <a:spcPts val="1000"/>
+              </a:spcAft>
+              <a:buFont typeface="+mj-lt"/>
+              <a:buAutoNum type="arabicPeriod"/>
+            </a:pPr>
+            <a:r>
+              <a:rPr lang="zh-CN" altLang="en-US" sz="1800" dirty="0">
+                <a:solidFill>
+                  <a:schemeClr val="accent1">
+                    <a:lumMod val="75000"/>
+                  </a:schemeClr>
+                </a:solidFill>
+                <a:latin typeface="Cambria" panose="02040503050406030204" pitchFamily="18" charset="0"/>
+                <a:ea typeface="微软雅黑" panose="020B0503020204020204" pitchFamily="34" charset="-122"/>
+                <a:cs typeface="Times New Roman" panose="02020603050405020304" pitchFamily="18" charset="0"/>
+              </a:rPr>
+              <a:t>完成了</a:t>
+            </a:r>
+            <a:r>
+              <a:rPr lang="en-US" altLang="zh-CN" sz="1800" b="1" dirty="0">
+                <a:solidFill>
+                  <a:schemeClr val="accent1">
+                    <a:lumMod val="75000"/>
+                  </a:schemeClr>
+                </a:solidFill>
+                <a:latin typeface="微软雅黑" panose="020B0503020204020204" pitchFamily="34" charset="-122"/>
+                <a:ea typeface="宋体" panose="02010600030101010101" pitchFamily="2" charset="-122"/>
+                <a:cs typeface="Times New Roman" panose="02020603050405020304" pitchFamily="18" charset="0"/>
+              </a:rPr>
+              <a:t>HSPICE</a:t>
+            </a:r>
+            <a:r>
+              <a:rPr lang="zh-CN" altLang="zh-CN" sz="1800" dirty="0">
+                <a:solidFill>
+                  <a:schemeClr val="accent1">
+                    <a:lumMod val="75000"/>
+                  </a:schemeClr>
+                </a:solidFill>
+                <a:latin typeface="Cambria" panose="02040503050406030204" pitchFamily="18" charset="0"/>
+                <a:ea typeface="微软雅黑" panose="020B0503020204020204" pitchFamily="34" charset="-122"/>
+                <a:cs typeface="Times New Roman" panose="02020603050405020304" pitchFamily="18" charset="0"/>
+              </a:rPr>
+              <a:t>仿真分析。利用</a:t>
+            </a:r>
+            <a:r>
+              <a:rPr lang="en-US" altLang="zh-CN" sz="1800" b="1" dirty="0">
+                <a:solidFill>
+                  <a:schemeClr val="accent1">
+                    <a:lumMod val="75000"/>
+                  </a:schemeClr>
+                </a:solidFill>
+                <a:latin typeface="微软雅黑" panose="020B0503020204020204" pitchFamily="34" charset="-122"/>
+                <a:ea typeface="宋体" panose="02010600030101010101" pitchFamily="2" charset="-122"/>
+                <a:cs typeface="Times New Roman" panose="02020603050405020304" pitchFamily="18" charset="0"/>
+              </a:rPr>
+              <a:t>HSPICE</a:t>
+            </a:r>
+            <a:r>
+              <a:rPr lang="zh-CN" altLang="zh-CN" sz="1800" dirty="0">
+                <a:solidFill>
+                  <a:schemeClr val="accent1">
+                    <a:lumMod val="75000"/>
+                  </a:schemeClr>
+                </a:solidFill>
+                <a:latin typeface="Cambria" panose="02040503050406030204" pitchFamily="18" charset="0"/>
+                <a:ea typeface="微软雅黑" panose="020B0503020204020204" pitchFamily="34" charset="-122"/>
+                <a:cs typeface="Times New Roman" panose="02020603050405020304" pitchFamily="18" charset="0"/>
+              </a:rPr>
+              <a:t>对每个实例电路进行了分析，并通过与查阅的标准</a:t>
+            </a:r>
+            <a:r>
+              <a:rPr lang="en-US" altLang="zh-CN" sz="1800" b="1" dirty="0">
+                <a:solidFill>
+                  <a:schemeClr val="accent1">
+                    <a:lumMod val="75000"/>
+                  </a:schemeClr>
+                </a:solidFill>
+                <a:latin typeface="微软雅黑" panose="020B0503020204020204" pitchFamily="34" charset="-122"/>
+                <a:ea typeface="宋体" panose="02010600030101010101" pitchFamily="2" charset="-122"/>
+                <a:cs typeface="Times New Roman" panose="02020603050405020304" pitchFamily="18" charset="0"/>
+              </a:rPr>
+              <a:t>SPICE</a:t>
+            </a:r>
+            <a:r>
+              <a:rPr lang="zh-CN" altLang="zh-CN" sz="1800" dirty="0">
+                <a:solidFill>
+                  <a:schemeClr val="accent1">
+                    <a:lumMod val="75000"/>
+                  </a:schemeClr>
+                </a:solidFill>
+                <a:latin typeface="Cambria" panose="02040503050406030204" pitchFamily="18" charset="0"/>
+                <a:ea typeface="微软雅黑" panose="020B0503020204020204" pitchFamily="34" charset="-122"/>
+                <a:cs typeface="Times New Roman" panose="02020603050405020304" pitchFamily="18" charset="0"/>
+              </a:rPr>
+              <a:t>模型对比，进行误差分析、正确性评估与优化</a:t>
+            </a:r>
+            <a:r>
+              <a:rPr lang="zh-CN" altLang="en-US" sz="1800" dirty="0">
+                <a:solidFill>
+                  <a:schemeClr val="accent1">
+                    <a:lumMod val="75000"/>
+                  </a:schemeClr>
+                </a:solidFill>
+                <a:latin typeface="Cambria" panose="02040503050406030204" pitchFamily="18" charset="0"/>
+                <a:ea typeface="微软雅黑" panose="020B0503020204020204" pitchFamily="34" charset="-122"/>
+                <a:cs typeface="Times New Roman" panose="02020603050405020304" pitchFamily="18" charset="0"/>
+              </a:rPr>
+              <a:t>。</a:t>
+            </a:r>
+            <a:endParaRPr lang="zh-CN" altLang="zh-CN" sz="1800" dirty="0">
+              <a:solidFill>
+                <a:schemeClr val="accent1">
+                  <a:lumMod val="75000"/>
+                </a:schemeClr>
+              </a:solidFill>
+              <a:latin typeface="Cambria" panose="02040503050406030204" pitchFamily="18" charset="0"/>
+              <a:ea typeface="微软雅黑" panose="020B0503020204020204" pitchFamily="34" charset="-122"/>
+              <a:cs typeface="Times New Roman" panose="02020603050405020304" pitchFamily="18" charset="0"/>
+            </a:endParaRPr>
+          </a:p>
+        </p:txBody>
+      </p:sp>
+      <p:sp>
+        <p:nvSpPr>
+          <p:cNvPr id="5" name="文本框 4"/>
+          <p:cNvSpPr txBox="1"/>
+          <p:nvPr/>
+        </p:nvSpPr>
+        <p:spPr>
+          <a:xfrm>
+            <a:off x="956945" y="214630"/>
+            <a:ext cx="2646878" cy="584775"/>
+          </a:xfrm>
+          <a:prstGeom prst="rect">
+            <a:avLst/>
+          </a:prstGeom>
+          <a:noFill/>
+        </p:spPr>
+        <p:txBody>
+          <a:bodyPr wrap="none" rtlCol="0">
+            <a:spAutoFit/>
+          </a:bodyPr>
+          <a:lstStyle/>
+          <a:p>
+            <a:r>
+              <a:rPr lang="zh-CN" altLang="en-US" sz="3200" dirty="0">
+                <a:solidFill>
+                  <a:schemeClr val="accent5">
+                    <a:lumMod val="75000"/>
+                  </a:schemeClr>
                 </a:solidFill>
                 <a:effectLst>
                   <a:outerShdw blurRad="38100" dist="38100" dir="2700000" algn="tl">
@@ -19640,78 +20322,18 @@
                   </a:outerShdw>
                 </a:effectLst>
                 <a:cs typeface="+mn-ea"/>
-                <a:sym typeface="+mn-lt"/>
-              </a:rPr>
-              <a:t>项目技术细节</a:t>
-            </a:r>
-          </a:p>
-        </p:txBody>
-      </p:sp>
-      <p:sp>
-        <p:nvSpPr>
-          <p:cNvPr id="103" name="文本框 11"/>
-          <p:cNvSpPr txBox="1"/>
-          <p:nvPr/>
-        </p:nvSpPr>
-        <p:spPr>
-          <a:xfrm>
-            <a:off x="3705856" y="1751572"/>
-            <a:ext cx="1732894" cy="837565"/>
-          </a:xfrm>
-          <a:prstGeom prst="rect">
-            <a:avLst/>
-          </a:prstGeom>
-          <a:noFill/>
-        </p:spPr>
-        <p:txBody>
-          <a:bodyPr wrap="square" lIns="68580" tIns="34290" rIns="68580" bIns="34290" rtlCol="0">
-            <a:spAutoFit/>
-          </a:bodyPr>
-          <a:lstStyle/>
-          <a:p>
-            <a:pPr algn="ctr">
-              <a:lnSpc>
-                <a:spcPts val="3000"/>
-              </a:lnSpc>
-            </a:pPr>
-            <a:r>
-              <a:rPr lang="en-US" altLang="zh-CN" sz="5400" dirty="0">
-                <a:solidFill>
-                  <a:schemeClr val="bg1"/>
-                </a:solidFill>
-                <a:cs typeface="+mn-ea"/>
-                <a:sym typeface="+mn-lt"/>
-              </a:rPr>
-              <a:t>03</a:t>
-            </a:r>
-            <a:endParaRPr lang="zh-CN" altLang="en-US" sz="5400" dirty="0">
-              <a:solidFill>
-                <a:schemeClr val="bg1"/>
-              </a:solidFill>
-              <a:cs typeface="+mn-ea"/>
-              <a:sym typeface="+mn-lt"/>
-            </a:endParaRPr>
-          </a:p>
-          <a:p>
-            <a:pPr algn="ctr">
-              <a:lnSpc>
-                <a:spcPts val="3000"/>
-              </a:lnSpc>
-            </a:pPr>
-            <a:r>
-              <a:rPr lang="en-US" altLang="zh-CN" sz="2400" dirty="0">
-                <a:solidFill>
-                  <a:schemeClr val="bg1"/>
-                </a:solidFill>
-                <a:cs typeface="+mn-ea"/>
-                <a:sym typeface="+mn-lt"/>
-              </a:rPr>
-              <a:t> </a:t>
+              </a:rPr>
+              <a:t>项目创新点：</a:t>
             </a:r>
           </a:p>
         </p:txBody>
       </p:sp>
     </p:spTree>
+    <p:extLst>
+      <p:ext uri="{BB962C8B-B14F-4D97-AF65-F5344CB8AC3E}">
+        <p14:creationId xmlns:p14="http://schemas.microsoft.com/office/powerpoint/2010/main" val="3100756636"/>
+      </p:ext>
+    </p:extLst>
   </p:cSld>
   <p:clrMapOvr>
     <a:masterClrMapping/>
@@ -19719,7 +20341,7 @@
   <mc:AlternateContent xmlns:mc="http://schemas.openxmlformats.org/markup-compatibility/2006" xmlns:p14="http://schemas.microsoft.com/office/powerpoint/2010/main">
     <mc:Choice Requires="p14">
       <p:transition spd="slow">
-        <p14:prism/>
+        <p14:gallery dir="l"/>
       </p:transition>
     </mc:Choice>
     <mc:Fallback xmlns="">
@@ -19728,341 +20350,6 @@
       </p:transition>
     </mc:Fallback>
   </mc:AlternateContent>
-  <p:timing>
-    <p:tnLst>
-      <p:par>
-        <p:cTn id="1" dur="indefinite" restart="never" nodeType="tmRoot">
-          <p:childTnLst>
-            <p:seq concurrent="1" nextAc="seek">
-              <p:cTn id="2" dur="indefinite" nodeType="mainSeq">
-                <p:childTnLst>
-                  <p:par>
-                    <p:cTn id="3" fill="hold">
-                      <p:stCondLst>
-                        <p:cond delay="indefinite"/>
-                        <p:cond evt="onBegin" delay="0">
-                          <p:tn val="2"/>
-                        </p:cond>
-                      </p:stCondLst>
-                      <p:childTnLst>
-                        <p:par>
-                          <p:cTn id="4" fill="hold">
-                            <p:stCondLst>
-                              <p:cond delay="0"/>
-                            </p:stCondLst>
-                            <p:childTnLst>
-                              <p:par>
-                                <p:cTn id="5" presetID="21" presetClass="entr" presetSubtype="1" fill="hold" grpId="0" nodeType="afterEffect">
-                                  <p:stCondLst>
-                                    <p:cond delay="0"/>
-                                  </p:stCondLst>
-                                  <p:childTnLst>
-                                    <p:set>
-                                      <p:cBhvr>
-                                        <p:cTn id="6" dur="1" fill="hold">
-                                          <p:stCondLst>
-                                            <p:cond delay="0"/>
-                                          </p:stCondLst>
-                                        </p:cTn>
-                                        <p:tgtEl>
-                                          <p:spTgt spid="100"/>
-                                        </p:tgtEl>
-                                        <p:attrNameLst>
-                                          <p:attrName>style.visibility</p:attrName>
-                                        </p:attrNameLst>
-                                      </p:cBhvr>
-                                      <p:to>
-                                        <p:strVal val="visible"/>
-                                      </p:to>
-                                    </p:set>
-                                    <p:animEffect transition="in" filter="wheel(1)">
-                                      <p:cBhvr>
-                                        <p:cTn id="7" dur="600"/>
-                                        <p:tgtEl>
-                                          <p:spTgt spid="100"/>
-                                        </p:tgtEl>
-                                      </p:cBhvr>
-                                    </p:animEffect>
-                                  </p:childTnLst>
-                                </p:cTn>
-                              </p:par>
-                            </p:childTnLst>
-                          </p:cTn>
-                        </p:par>
-                        <p:par>
-                          <p:cTn id="8" fill="hold">
-                            <p:stCondLst>
-                              <p:cond delay="1000"/>
-                            </p:stCondLst>
-                            <p:childTnLst>
-                              <p:par>
-                                <p:cTn id="9" presetID="53" presetClass="entr" presetSubtype="16" fill="hold" grpId="0" nodeType="afterEffect">
-                                  <p:stCondLst>
-                                    <p:cond delay="0"/>
-                                  </p:stCondLst>
-                                  <p:childTnLst>
-                                    <p:set>
-                                      <p:cBhvr>
-                                        <p:cTn id="10" dur="1" fill="hold">
-                                          <p:stCondLst>
-                                            <p:cond delay="0"/>
-                                          </p:stCondLst>
-                                        </p:cTn>
-                                        <p:tgtEl>
-                                          <p:spTgt spid="103"/>
-                                        </p:tgtEl>
-                                        <p:attrNameLst>
-                                          <p:attrName>style.visibility</p:attrName>
-                                        </p:attrNameLst>
-                                      </p:cBhvr>
-                                      <p:to>
-                                        <p:strVal val="visible"/>
-                                      </p:to>
-                                    </p:set>
-                                    <p:anim calcmode="lin" valueType="num">
-                                      <p:cBhvr>
-                                        <p:cTn id="11" dur="500" fill="hold"/>
-                                        <p:tgtEl>
-                                          <p:spTgt spid="103"/>
-                                        </p:tgtEl>
-                                        <p:attrNameLst>
-                                          <p:attrName>ppt_w</p:attrName>
-                                        </p:attrNameLst>
-                                      </p:cBhvr>
-                                      <p:tavLst>
-                                        <p:tav tm="0">
-                                          <p:val>
-                                            <p:fltVal val="0"/>
-                                          </p:val>
-                                        </p:tav>
-                                        <p:tav tm="100000">
-                                          <p:val>
-                                            <p:strVal val="#ppt_w"/>
-                                          </p:val>
-                                        </p:tav>
-                                      </p:tavLst>
-                                    </p:anim>
-                                    <p:anim calcmode="lin" valueType="num">
-                                      <p:cBhvr>
-                                        <p:cTn id="12" dur="500" fill="hold"/>
-                                        <p:tgtEl>
-                                          <p:spTgt spid="103"/>
-                                        </p:tgtEl>
-                                        <p:attrNameLst>
-                                          <p:attrName>ppt_h</p:attrName>
-                                        </p:attrNameLst>
-                                      </p:cBhvr>
-                                      <p:tavLst>
-                                        <p:tav tm="0">
-                                          <p:val>
-                                            <p:fltVal val="0"/>
-                                          </p:val>
-                                        </p:tav>
-                                        <p:tav tm="100000">
-                                          <p:val>
-                                            <p:strVal val="#ppt_h"/>
-                                          </p:val>
-                                        </p:tav>
-                                      </p:tavLst>
-                                    </p:anim>
-                                    <p:animEffect transition="in" filter="fade">
-                                      <p:cBhvr>
-                                        <p:cTn id="13" dur="500"/>
-                                        <p:tgtEl>
-                                          <p:spTgt spid="103"/>
-                                        </p:tgtEl>
-                                      </p:cBhvr>
-                                    </p:animEffect>
-                                  </p:childTnLst>
-                                </p:cTn>
-                              </p:par>
-                            </p:childTnLst>
-                          </p:cTn>
-                        </p:par>
-                        <p:par>
-                          <p:cTn id="14" fill="hold">
-                            <p:stCondLst>
-                              <p:cond delay="1500"/>
-                            </p:stCondLst>
-                            <p:childTnLst>
-                              <p:par>
-                                <p:cTn id="15" presetID="41" presetClass="entr" presetSubtype="0" fill="hold" grpId="0" nodeType="afterEffect">
-                                  <p:stCondLst>
-                                    <p:cond delay="0"/>
-                                  </p:stCondLst>
-                                  <p:iterate type="lt">
-                                    <p:tmPct val="10000"/>
-                                  </p:iterate>
-                                  <p:childTnLst>
-                                    <p:set>
-                                      <p:cBhvr>
-                                        <p:cTn id="16" dur="1" fill="hold">
-                                          <p:stCondLst>
-                                            <p:cond delay="0"/>
-                                          </p:stCondLst>
-                                        </p:cTn>
-                                        <p:tgtEl>
-                                          <p:spTgt spid="101"/>
-                                        </p:tgtEl>
-                                        <p:attrNameLst>
-                                          <p:attrName>style.visibility</p:attrName>
-                                        </p:attrNameLst>
-                                      </p:cBhvr>
-                                      <p:to>
-                                        <p:strVal val="visible"/>
-                                      </p:to>
-                                    </p:set>
-                                    <p:anim calcmode="lin" valueType="num">
-                                      <p:cBhvr>
-                                        <p:cTn id="17" dur="500" fill="hold"/>
-                                        <p:tgtEl>
-                                          <p:spTgt spid="101"/>
-                                        </p:tgtEl>
-                                        <p:attrNameLst>
-                                          <p:attrName>ppt_x</p:attrName>
-                                        </p:attrNameLst>
-                                      </p:cBhvr>
-                                      <p:tavLst>
-                                        <p:tav tm="0">
-                                          <p:val>
-                                            <p:strVal val="#ppt_x"/>
-                                          </p:val>
-                                        </p:tav>
-                                        <p:tav tm="50000">
-                                          <p:val>
-                                            <p:strVal val="#ppt_x+.1"/>
-                                          </p:val>
-                                        </p:tav>
-                                        <p:tav tm="100000">
-                                          <p:val>
-                                            <p:strVal val="#ppt_x"/>
-                                          </p:val>
-                                        </p:tav>
-                                      </p:tavLst>
-                                    </p:anim>
-                                    <p:anim calcmode="lin" valueType="num">
-                                      <p:cBhvr>
-                                        <p:cTn id="18" dur="500" fill="hold"/>
-                                        <p:tgtEl>
-                                          <p:spTgt spid="101"/>
-                                        </p:tgtEl>
-                                        <p:attrNameLst>
-                                          <p:attrName>ppt_y</p:attrName>
-                                        </p:attrNameLst>
-                                      </p:cBhvr>
-                                      <p:tavLst>
-                                        <p:tav tm="0">
-                                          <p:val>
-                                            <p:strVal val="#ppt_y"/>
-                                          </p:val>
-                                        </p:tav>
-                                        <p:tav tm="100000">
-                                          <p:val>
-                                            <p:strVal val="#ppt_y"/>
-                                          </p:val>
-                                        </p:tav>
-                                      </p:tavLst>
-                                    </p:anim>
-                                    <p:anim calcmode="lin" valueType="num">
-                                      <p:cBhvr>
-                                        <p:cTn id="19" dur="500" fill="hold"/>
-                                        <p:tgtEl>
-                                          <p:spTgt spid="101"/>
-                                        </p:tgtEl>
-                                        <p:attrNameLst>
-                                          <p:attrName>ppt_h</p:attrName>
-                                        </p:attrNameLst>
-                                      </p:cBhvr>
-                                      <p:tavLst>
-                                        <p:tav tm="0">
-                                          <p:val>
-                                            <p:strVal val="#ppt_h/10"/>
-                                          </p:val>
-                                        </p:tav>
-                                        <p:tav tm="50000">
-                                          <p:val>
-                                            <p:strVal val="#ppt_h+.01"/>
-                                          </p:val>
-                                        </p:tav>
-                                        <p:tav tm="100000">
-                                          <p:val>
-                                            <p:strVal val="#ppt_h"/>
-                                          </p:val>
-                                        </p:tav>
-                                      </p:tavLst>
-                                    </p:anim>
-                                    <p:anim calcmode="lin" valueType="num">
-                                      <p:cBhvr>
-                                        <p:cTn id="20" dur="500" fill="hold"/>
-                                        <p:tgtEl>
-                                          <p:spTgt spid="101"/>
-                                        </p:tgtEl>
-                                        <p:attrNameLst>
-                                          <p:attrName>ppt_w</p:attrName>
-                                        </p:attrNameLst>
-                                      </p:cBhvr>
-                                      <p:tavLst>
-                                        <p:tav tm="0">
-                                          <p:val>
-                                            <p:strVal val="#ppt_w/10"/>
-                                          </p:val>
-                                        </p:tav>
-                                        <p:tav tm="50000">
-                                          <p:val>
-                                            <p:strVal val="#ppt_w+.01"/>
-                                          </p:val>
-                                        </p:tav>
-                                        <p:tav tm="100000">
-                                          <p:val>
-                                            <p:strVal val="#ppt_w"/>
-                                          </p:val>
-                                        </p:tav>
-                                      </p:tavLst>
-                                    </p:anim>
-                                    <p:animEffect transition="in" filter="fade">
-                                      <p:cBhvr>
-                                        <p:cTn id="21" dur="500" tmFilter="0,0; .5, 1; 1, 1"/>
-                                        <p:tgtEl>
-                                          <p:spTgt spid="101"/>
-                                        </p:tgtEl>
-                                      </p:cBhvr>
-                                    </p:animEffect>
-                                  </p:childTnLst>
-                                </p:cTn>
-                              </p:par>
-                            </p:childTnLst>
-                          </p:cTn>
-                        </p:par>
-                      </p:childTnLst>
-                    </p:cTn>
-                  </p:par>
-                </p:childTnLst>
-              </p:cTn>
-              <p:prevCondLst>
-                <p:cond evt="onPrev" delay="0">
-                  <p:tgtEl>
-                    <p:sldTgt/>
-                  </p:tgtEl>
-                </p:cond>
-              </p:prevCondLst>
-              <p:nextCondLst>
-                <p:cond evt="onNext" delay="0">
-                  <p:tgtEl>
-                    <p:sldTgt/>
-                  </p:tgtEl>
-                </p:cond>
-              </p:nextCondLst>
-            </p:seq>
-          </p:childTnLst>
-        </p:cTn>
-      </p:par>
-    </p:tnLst>
-    <p:bldLst>
-      <p:bldP spid="100" grpId="0" animBg="1"/>
-      <p:bldP spid="101" grpId="0"/>
-      <p:bldP spid="103" grpId="0"/>
-    </p:bldLst>
-  </p:timing>
 </p:sld>
 </file>
 
@@ -20091,8 +20378,8 @@
         </p:nvSpPr>
         <p:spPr>
           <a:xfrm>
-            <a:off x="659130" y="1088009"/>
-            <a:ext cx="7680198" cy="2754600"/>
+            <a:off x="731901" y="937220"/>
+            <a:ext cx="7680198" cy="3934410"/>
           </a:xfrm>
           <a:prstGeom prst="rect">
             <a:avLst/>
@@ -20105,163 +20392,458 @@
           </a:bodyPr>
           <a:lstStyle/>
           <a:p>
-            <a:pPr>
-              <a:spcBef>
-                <a:spcPts val="900"/>
-              </a:spcBef>
+            <a:pPr marL="342900" indent="-342900">
               <a:spcAft>
-                <a:spcPts val="900"/>
+                <a:spcPts val="1000"/>
               </a:spcAft>
+              <a:buFont typeface="+mj-lt"/>
+              <a:buAutoNum type="arabicPeriod"/>
             </a:pPr>
             <a:r>
-              <a:rPr lang="zh-CN" altLang="en-US" sz="2400" dirty="0">
-                <a:solidFill>
-                  <a:schemeClr val="accent1">
-                    <a:lumMod val="50000"/>
-                  </a:schemeClr>
-                </a:solidFill>
-                <a:effectLst/>
-                <a:latin typeface="Cambria" panose="02040503050406030204" pitchFamily="18" charset="0"/>
-                <a:ea typeface="宋体" panose="02010600030101010101" pitchFamily="2" charset="-122"/>
-                <a:cs typeface="Times New Roman" panose="02020603050405020304" pitchFamily="18" charset="0"/>
-              </a:rPr>
-              <a:t>使用正则表达式匹配解析网表</a:t>
-            </a:r>
-            <a:endParaRPr lang="en-US" altLang="zh-CN" sz="2400" dirty="0">
-              <a:solidFill>
-                <a:schemeClr val="accent1">
-                  <a:lumMod val="50000"/>
-                </a:schemeClr>
-              </a:solidFill>
-              <a:effectLst/>
-              <a:latin typeface="Cambria" panose="02040503050406030204" pitchFamily="18" charset="0"/>
-              <a:ea typeface="宋体" panose="02010600030101010101" pitchFamily="2" charset="-122"/>
-              <a:cs typeface="Times New Roman" panose="02020603050405020304" pitchFamily="18" charset="0"/>
-            </a:endParaRPr>
-          </a:p>
-          <a:p>
-            <a:pPr>
-              <a:spcBef>
-                <a:spcPts val="900"/>
-              </a:spcBef>
-              <a:spcAft>
-                <a:spcPts val="900"/>
-              </a:spcAft>
-            </a:pPr>
-            <a:r>
-              <a:rPr lang="zh-CN" altLang="en-US" sz="2000" dirty="0">
+              <a:rPr lang="zh-CN" altLang="zh-CN" sz="1600" dirty="0">
                 <a:solidFill>
                   <a:schemeClr val="accent1">
                     <a:lumMod val="75000"/>
                   </a:schemeClr>
                 </a:solidFill>
-                <a:latin typeface="Cambria" panose="02040503050406030204" pitchFamily="18" charset="0"/>
-                <a:ea typeface="宋体" panose="02010600030101010101" pitchFamily="2" charset="-122"/>
+                <a:ea typeface="微软雅黑" panose="020B0503020204020204" pitchFamily="34" charset="-122"/>
                 <a:cs typeface="Times New Roman" panose="02020603050405020304" pitchFamily="18" charset="0"/>
               </a:rPr>
-              <a:t>支持科学计数法。操作上语法支持单位解析。简单来说，变量的输入形式基本实现与</a:t>
-            </a:r>
-            <a:r>
-              <a:rPr lang="en-US" altLang="zh-CN" sz="2000" dirty="0" err="1">
+              <a:t>迭代更新电路方程的过程使用在不贴入</a:t>
+            </a:r>
+            <a:r>
+              <a:rPr lang="en-US" altLang="zh-CN" sz="1600" dirty="0">
                 <a:solidFill>
                   <a:schemeClr val="accent1">
                     <a:lumMod val="75000"/>
                   </a:schemeClr>
                 </a:solidFill>
-                <a:latin typeface="Cambria" panose="02040503050406030204" pitchFamily="18" charset="0"/>
-                <a:ea typeface="宋体" panose="02010600030101010101" pitchFamily="2" charset="-122"/>
+                <a:ea typeface="微软雅黑" panose="020B0503020204020204" pitchFamily="34" charset="-122"/>
                 <a:cs typeface="Times New Roman" panose="02020603050405020304" pitchFamily="18" charset="0"/>
               </a:rPr>
-              <a:t>hspice</a:t>
-            </a:r>
-            <a:r>
-              <a:rPr lang="zh-CN" altLang="en-US" sz="2000" dirty="0">
+              <a:t>“</a:t>
+            </a:r>
+            <a:r>
+              <a:rPr lang="zh-CN" altLang="zh-CN" sz="1600" dirty="0">
                 <a:solidFill>
                   <a:schemeClr val="accent1">
                     <a:lumMod val="75000"/>
                   </a:schemeClr>
                 </a:solidFill>
-                <a:latin typeface="Cambria" panose="02040503050406030204" pitchFamily="18" charset="0"/>
-                <a:ea typeface="宋体" panose="02010600030101010101" pitchFamily="2" charset="-122"/>
+                <a:ea typeface="微软雅黑" panose="020B0503020204020204" pitchFamily="34" charset="-122"/>
                 <a:cs typeface="Times New Roman" panose="02020603050405020304" pitchFamily="18" charset="0"/>
               </a:rPr>
-              <a:t>一致。</a:t>
-            </a:r>
-            <a:endParaRPr lang="en-US" altLang="zh-CN" sz="2000" dirty="0">
+              <a:t>非线性器件生成的线性器件</a:t>
+            </a:r>
+            <a:r>
+              <a:rPr lang="en-US" altLang="zh-CN" sz="1600" dirty="0">
+                <a:solidFill>
+                  <a:schemeClr val="accent1">
+                    <a:lumMod val="75000"/>
+                  </a:schemeClr>
+                </a:solidFill>
+                <a:ea typeface="微软雅黑" panose="020B0503020204020204" pitchFamily="34" charset="-122"/>
+                <a:cs typeface="Times New Roman" panose="02020603050405020304" pitchFamily="18" charset="0"/>
+              </a:rPr>
+              <a:t>”</a:t>
+            </a:r>
+            <a:r>
+              <a:rPr lang="zh-CN" altLang="zh-CN" sz="1600" dirty="0">
+                <a:solidFill>
+                  <a:schemeClr val="accent1">
+                    <a:lumMod val="75000"/>
+                  </a:schemeClr>
+                </a:solidFill>
+                <a:ea typeface="微软雅黑" panose="020B0503020204020204" pitchFamily="34" charset="-122"/>
+                <a:cs typeface="Times New Roman" panose="02020603050405020304" pitchFamily="18" charset="0"/>
+              </a:rPr>
+              <a:t>得到的矩阵基础上贴入每轮更新的器件值，避免每轮重新生成矩阵或额外空间保留上一轮器件值</a:t>
+            </a:r>
+            <a:r>
+              <a:rPr lang="zh-CN" altLang="en-US" sz="1600" dirty="0">
+                <a:solidFill>
+                  <a:schemeClr val="accent1">
+                    <a:lumMod val="75000"/>
+                  </a:schemeClr>
+                </a:solidFill>
+                <a:ea typeface="微软雅黑" panose="020B0503020204020204" pitchFamily="34" charset="-122"/>
+                <a:cs typeface="Times New Roman" panose="02020603050405020304" pitchFamily="18" charset="0"/>
+              </a:rPr>
+              <a:t>。</a:t>
+            </a:r>
+            <a:endParaRPr lang="zh-CN" altLang="zh-CN" sz="1600" dirty="0">
               <a:solidFill>
                 <a:schemeClr val="accent1">
                   <a:lumMod val="75000"/>
                 </a:schemeClr>
               </a:solidFill>
-              <a:effectLst/>
-              <a:latin typeface="Cambria" panose="02040503050406030204" pitchFamily="18" charset="0"/>
-              <a:ea typeface="宋体" panose="02010600030101010101" pitchFamily="2" charset="-122"/>
+              <a:ea typeface="微软雅黑" panose="020B0503020204020204" pitchFamily="34" charset="-122"/>
               <a:cs typeface="Times New Roman" panose="02020603050405020304" pitchFamily="18" charset="0"/>
             </a:endParaRPr>
           </a:p>
           <a:p>
-            <a:pPr>
-              <a:spcBef>
-                <a:spcPts val="900"/>
-              </a:spcBef>
+            <a:pPr marL="342900" indent="-342900">
               <a:spcAft>
-                <a:spcPts val="900"/>
+                <a:spcPts val="1000"/>
               </a:spcAft>
+              <a:buFont typeface="+mj-lt"/>
+              <a:buAutoNum type="arabicPeriod"/>
             </a:pPr>
             <a:r>
-              <a:rPr lang="zh-CN" altLang="en-US" sz="2400" dirty="0">
+              <a:rPr lang="zh-CN" altLang="zh-CN" sz="1600" dirty="0">
                 <a:solidFill>
                   <a:schemeClr val="accent1">
-                    <a:lumMod val="50000"/>
-                  </a:schemeClr>
-                </a:solidFill>
-                <a:latin typeface="宋体" panose="02010600030101010101" pitchFamily="2" charset="-122"/>
-                <a:ea typeface="宋体" panose="02010600030101010101" pitchFamily="2" charset="-122"/>
+                    <a:lumMod val="75000"/>
+                  </a:schemeClr>
+                </a:solidFill>
+                <a:ea typeface="微软雅黑" panose="020B0503020204020204" pitchFamily="34" charset="-122"/>
                 <a:cs typeface="Times New Roman" panose="02020603050405020304" pitchFamily="18" charset="0"/>
               </a:rPr>
-              <a:t>使用哈希表在模块之间传递数据</a:t>
-            </a:r>
-            <a:endParaRPr lang="en-US" altLang="zh-CN" sz="2400" dirty="0">
+              <a:t>进行节点映射，将节点映射为</a:t>
+            </a:r>
+            <a:r>
+              <a:rPr lang="en-US" altLang="zh-CN" sz="1600" dirty="0">
+                <a:solidFill>
+                  <a:schemeClr val="accent1">
+                    <a:lumMod val="75000"/>
+                  </a:schemeClr>
+                </a:solidFill>
+                <a:ea typeface="微软雅黑" panose="020B0503020204020204" pitchFamily="34" charset="-122"/>
+                <a:cs typeface="Times New Roman" panose="02020603050405020304" pitchFamily="18" charset="0"/>
+              </a:rPr>
+              <a:t>0~N</a:t>
+            </a:r>
+            <a:r>
+              <a:rPr lang="zh-CN" altLang="zh-CN" sz="1600" dirty="0">
+                <a:solidFill>
+                  <a:schemeClr val="accent1">
+                    <a:lumMod val="75000"/>
+                  </a:schemeClr>
+                </a:solidFill>
+                <a:ea typeface="微软雅黑" panose="020B0503020204020204" pitchFamily="34" charset="-122"/>
+                <a:cs typeface="Times New Roman" panose="02020603050405020304" pitchFamily="18" charset="0"/>
+              </a:rPr>
+              <a:t>的连续整数，大大降低了查找与遍历的成本</a:t>
+            </a:r>
+            <a:r>
+              <a:rPr lang="zh-CN" altLang="en-US" sz="1600" dirty="0">
+                <a:solidFill>
+                  <a:schemeClr val="accent1">
+                    <a:lumMod val="75000"/>
+                  </a:schemeClr>
+                </a:solidFill>
+                <a:ea typeface="微软雅黑" panose="020B0503020204020204" pitchFamily="34" charset="-122"/>
+                <a:cs typeface="Times New Roman" panose="02020603050405020304" pitchFamily="18" charset="0"/>
+              </a:rPr>
+              <a:t>。</a:t>
+            </a:r>
+            <a:endParaRPr lang="zh-CN" altLang="zh-CN" sz="1600" dirty="0">
               <a:solidFill>
                 <a:schemeClr val="accent1">
-                  <a:lumMod val="50000"/>
+                  <a:lumMod val="75000"/>
                 </a:schemeClr>
               </a:solidFill>
-              <a:latin typeface="宋体" panose="02010600030101010101" pitchFamily="2" charset="-122"/>
-              <a:ea typeface="宋体" panose="02010600030101010101" pitchFamily="2" charset="-122"/>
+              <a:ea typeface="微软雅黑" panose="020B0503020204020204" pitchFamily="34" charset="-122"/>
               <a:cs typeface="Times New Roman" panose="02020603050405020304" pitchFamily="18" charset="0"/>
             </a:endParaRPr>
           </a:p>
           <a:p>
-            <a:pPr>
-              <a:spcBef>
-                <a:spcPts val="900"/>
-              </a:spcBef>
+            <a:pPr marL="342900" indent="-342900">
               <a:spcAft>
-                <a:spcPts val="900"/>
+                <a:spcPts val="1000"/>
               </a:spcAft>
+              <a:buFont typeface="+mj-lt"/>
+              <a:buAutoNum type="arabicPeriod"/>
             </a:pPr>
             <a:r>
-              <a:rPr lang="zh-CN" altLang="en-US" sz="2000" dirty="0">
+              <a:rPr lang="zh-CN" altLang="zh-CN" sz="1600" dirty="0">
                 <a:solidFill>
                   <a:schemeClr val="accent1">
                     <a:lumMod val="75000"/>
                   </a:schemeClr>
                 </a:solidFill>
-                <a:latin typeface="Cambria" panose="02040503050406030204" pitchFamily="18" charset="0"/>
-                <a:ea typeface="宋体" panose="02010600030101010101" pitchFamily="2" charset="-122"/>
+                <a:ea typeface="微软雅黑" panose="020B0503020204020204" pitchFamily="34" charset="-122"/>
                 <a:cs typeface="Times New Roman" panose="02020603050405020304" pitchFamily="18" charset="0"/>
               </a:rPr>
-              <a:t>哈希表传递数据使得顶层模块的抽象程度足够高，模块之间传递数据足够快，程序的可读性足够强。</a:t>
-            </a:r>
-            <a:endParaRPr lang="en-US" altLang="zh-CN" sz="2400" dirty="0">
+              <a:t>初始解的赋值上，本项目采用了自动化的赋值方法，从初始电压已知的节点</a:t>
+            </a:r>
+            <a:r>
+              <a:rPr lang="en-US" altLang="zh-CN" sz="1600" dirty="0" err="1">
+                <a:solidFill>
+                  <a:schemeClr val="accent1">
+                    <a:lumMod val="75000"/>
+                  </a:schemeClr>
+                </a:solidFill>
+                <a:ea typeface="微软雅黑" panose="020B0503020204020204" pitchFamily="34" charset="-122"/>
+                <a:cs typeface="Times New Roman" panose="02020603050405020304" pitchFamily="18" charset="0"/>
+              </a:rPr>
+              <a:t>Gnd</a:t>
+            </a:r>
+            <a:r>
+              <a:rPr lang="zh-CN" altLang="zh-CN" sz="1600" dirty="0">
+                <a:solidFill>
+                  <a:schemeClr val="accent1">
+                    <a:lumMod val="75000"/>
+                  </a:schemeClr>
+                </a:solidFill>
+                <a:ea typeface="微软雅黑" panose="020B0503020204020204" pitchFamily="34" charset="-122"/>
+                <a:cs typeface="Times New Roman" panose="02020603050405020304" pitchFamily="18" charset="0"/>
+              </a:rPr>
+              <a:t>和</a:t>
+            </a:r>
+            <a:r>
+              <a:rPr lang="en-US" altLang="zh-CN" sz="1600" dirty="0" err="1">
+                <a:solidFill>
+                  <a:schemeClr val="accent1">
+                    <a:lumMod val="75000"/>
+                  </a:schemeClr>
+                </a:solidFill>
+                <a:ea typeface="微软雅黑" panose="020B0503020204020204" pitchFamily="34" charset="-122"/>
+                <a:cs typeface="Times New Roman" panose="02020603050405020304" pitchFamily="18" charset="0"/>
+              </a:rPr>
+              <a:t>Vdd</a:t>
+            </a:r>
+            <a:r>
+              <a:rPr lang="en-US" altLang="zh-CN" sz="1600" dirty="0">
+                <a:solidFill>
+                  <a:schemeClr val="accent1">
+                    <a:lumMod val="75000"/>
+                  </a:schemeClr>
+                </a:solidFill>
+                <a:ea typeface="微软雅黑" panose="020B0503020204020204" pitchFamily="34" charset="-122"/>
+                <a:cs typeface="Times New Roman" panose="02020603050405020304" pitchFamily="18" charset="0"/>
+              </a:rPr>
+              <a:t>(</a:t>
+            </a:r>
+            <a:r>
+              <a:rPr lang="en-US" altLang="zh-CN" sz="1600" dirty="0" err="1">
+                <a:solidFill>
+                  <a:schemeClr val="accent1">
+                    <a:lumMod val="75000"/>
+                  </a:schemeClr>
+                </a:solidFill>
+                <a:ea typeface="微软雅黑" panose="020B0503020204020204" pitchFamily="34" charset="-122"/>
+                <a:cs typeface="Times New Roman" panose="02020603050405020304" pitchFamily="18" charset="0"/>
+              </a:rPr>
+              <a:t>Vcc</a:t>
+            </a:r>
+            <a:r>
+              <a:rPr lang="en-US" altLang="zh-CN" sz="1600" dirty="0">
+                <a:solidFill>
+                  <a:schemeClr val="accent1">
+                    <a:lumMod val="75000"/>
+                  </a:schemeClr>
+                </a:solidFill>
+                <a:ea typeface="微软雅黑" panose="020B0503020204020204" pitchFamily="34" charset="-122"/>
+                <a:cs typeface="Times New Roman" panose="02020603050405020304" pitchFamily="18" charset="0"/>
+              </a:rPr>
+              <a:t>)</a:t>
+            </a:r>
+            <a:r>
+              <a:rPr lang="zh-CN" altLang="zh-CN" sz="1600" dirty="0">
+                <a:solidFill>
+                  <a:schemeClr val="accent1">
+                    <a:lumMod val="75000"/>
+                  </a:schemeClr>
+                </a:solidFill>
+                <a:ea typeface="微软雅黑" panose="020B0503020204020204" pitchFamily="34" charset="-122"/>
+                <a:cs typeface="Times New Roman" panose="02020603050405020304" pitchFamily="18" charset="0"/>
+              </a:rPr>
+              <a:t>出发，遍历网表中的各个器件，为尽可能多的</a:t>
+            </a:r>
+            <a:r>
+              <a:rPr lang="en-US" altLang="zh-CN" sz="1600" dirty="0">
+                <a:solidFill>
+                  <a:schemeClr val="accent1">
+                    <a:lumMod val="75000"/>
+                  </a:schemeClr>
+                </a:solidFill>
+                <a:ea typeface="微软雅黑" panose="020B0503020204020204" pitchFamily="34" charset="-122"/>
+                <a:cs typeface="Times New Roman" panose="02020603050405020304" pitchFamily="18" charset="0"/>
+              </a:rPr>
+              <a:t>MOS</a:t>
+            </a:r>
+            <a:r>
+              <a:rPr lang="zh-CN" altLang="zh-CN" sz="1600" dirty="0">
+                <a:solidFill>
+                  <a:schemeClr val="accent1">
+                    <a:lumMod val="75000"/>
+                  </a:schemeClr>
+                </a:solidFill>
+                <a:ea typeface="微软雅黑" panose="020B0503020204020204" pitchFamily="34" charset="-122"/>
+                <a:cs typeface="Times New Roman" panose="02020603050405020304" pitchFamily="18" charset="0"/>
+              </a:rPr>
+              <a:t>管、二极管等非线性器件赋予合理的初始节点电压，以较低的复杂度实现了初始解的赋值</a:t>
+            </a:r>
+            <a:r>
+              <a:rPr lang="zh-CN" altLang="en-US" sz="1600" dirty="0">
+                <a:solidFill>
+                  <a:schemeClr val="accent1">
+                    <a:lumMod val="75000"/>
+                  </a:schemeClr>
+                </a:solidFill>
+                <a:ea typeface="微软雅黑" panose="020B0503020204020204" pitchFamily="34" charset="-122"/>
+                <a:cs typeface="Times New Roman" panose="02020603050405020304" pitchFamily="18" charset="0"/>
+              </a:rPr>
+              <a:t>。</a:t>
+            </a:r>
+            <a:endParaRPr lang="en-US" altLang="zh-CN" sz="1600" dirty="0">
               <a:solidFill>
                 <a:schemeClr val="accent1">
-                  <a:lumMod val="50000"/>
+                  <a:lumMod val="75000"/>
                 </a:schemeClr>
               </a:solidFill>
-              <a:latin typeface="Cambria" panose="02040503050406030204" pitchFamily="18" charset="0"/>
-              <a:ea typeface="宋体" panose="02010600030101010101" pitchFamily="2" charset="-122"/>
+              <a:ea typeface="微软雅黑" panose="020B0503020204020204" pitchFamily="34" charset="-122"/>
+              <a:cs typeface="Times New Roman" panose="02020603050405020304" pitchFamily="18" charset="0"/>
+            </a:endParaRPr>
+          </a:p>
+          <a:p>
+            <a:pPr marL="342900" indent="-342900">
+              <a:spcAft>
+                <a:spcPts val="1000"/>
+              </a:spcAft>
+              <a:buFont typeface="+mj-lt"/>
+              <a:buAutoNum type="arabicPeriod"/>
+            </a:pPr>
+            <a:r>
+              <a:rPr lang="en-US" altLang="zh-CN" sz="1600" dirty="0">
+                <a:solidFill>
+                  <a:schemeClr val="accent1">
+                    <a:lumMod val="75000"/>
+                  </a:schemeClr>
+                </a:solidFill>
+                <a:ea typeface="微软雅黑" panose="020B0503020204020204" pitchFamily="34" charset="-122"/>
+                <a:cs typeface="Times New Roman" panose="02020603050405020304" pitchFamily="18" charset="0"/>
+              </a:rPr>
+              <a:t>DC</a:t>
+            </a:r>
+            <a:r>
+              <a:rPr lang="zh-CN" altLang="zh-CN" sz="1600" dirty="0">
+                <a:solidFill>
+                  <a:schemeClr val="accent1">
+                    <a:lumMod val="75000"/>
+                  </a:schemeClr>
+                </a:solidFill>
+                <a:ea typeface="微软雅黑" panose="020B0503020204020204" pitchFamily="34" charset="-122"/>
+                <a:cs typeface="Times New Roman" panose="02020603050405020304" pitchFamily="18" charset="0"/>
+              </a:rPr>
+              <a:t>扫描输出利用先生成索引后提取每轮结果的方法，避免消耗大量空间保存最终不需要打印观察的信息</a:t>
+            </a:r>
+            <a:r>
+              <a:rPr lang="zh-CN" altLang="en-US" sz="1600" dirty="0">
+                <a:solidFill>
+                  <a:schemeClr val="accent1">
+                    <a:lumMod val="75000"/>
+                  </a:schemeClr>
+                </a:solidFill>
+                <a:ea typeface="微软雅黑" panose="020B0503020204020204" pitchFamily="34" charset="-122"/>
+                <a:cs typeface="Times New Roman" panose="02020603050405020304" pitchFamily="18" charset="0"/>
+              </a:rPr>
+              <a:t>。</a:t>
+            </a:r>
+            <a:endParaRPr lang="en-US" altLang="zh-CN" sz="1600" dirty="0">
+              <a:solidFill>
+                <a:schemeClr val="accent1">
+                  <a:lumMod val="75000"/>
+                </a:schemeClr>
+              </a:solidFill>
+              <a:ea typeface="微软雅黑" panose="020B0503020204020204" pitchFamily="34" charset="-122"/>
+              <a:cs typeface="Times New Roman" panose="02020603050405020304" pitchFamily="18" charset="0"/>
+            </a:endParaRPr>
+          </a:p>
+          <a:p>
+            <a:pPr marL="342900" indent="-342900">
+              <a:spcAft>
+                <a:spcPts val="1000"/>
+              </a:spcAft>
+              <a:buFont typeface="+mj-lt"/>
+              <a:buAutoNum type="arabicPeriod"/>
+            </a:pPr>
+            <a:r>
+              <a:rPr lang="zh-CN" altLang="zh-CN" sz="1600" dirty="0">
+                <a:solidFill>
+                  <a:schemeClr val="accent1">
+                    <a:lumMod val="75000"/>
+                  </a:schemeClr>
+                </a:solidFill>
+                <a:ea typeface="微软雅黑" panose="020B0503020204020204" pitchFamily="34" charset="-122"/>
+                <a:cs typeface="Times New Roman" panose="02020603050405020304" pitchFamily="18" charset="0"/>
+              </a:rPr>
+              <a:t>存储数据类型尽量采用矩阵和数字的形式，减少字符的使用，减少变量空间占用的同时也可以减少变量类型转换的时间</a:t>
+            </a:r>
+            <a:r>
+              <a:rPr lang="zh-CN" altLang="en-US" sz="1600" dirty="0">
+                <a:solidFill>
+                  <a:schemeClr val="accent1">
+                    <a:lumMod val="75000"/>
+                  </a:schemeClr>
+                </a:solidFill>
+                <a:ea typeface="微软雅黑" panose="020B0503020204020204" pitchFamily="34" charset="-122"/>
+                <a:cs typeface="Times New Roman" panose="02020603050405020304" pitchFamily="18" charset="0"/>
+              </a:rPr>
+              <a:t>。</a:t>
+            </a:r>
+            <a:endParaRPr lang="en-US" altLang="zh-CN" sz="1600" dirty="0">
+              <a:solidFill>
+                <a:schemeClr val="accent1">
+                  <a:lumMod val="75000"/>
+                </a:schemeClr>
+              </a:solidFill>
+              <a:ea typeface="微软雅黑" panose="020B0503020204020204" pitchFamily="34" charset="-122"/>
+              <a:cs typeface="Times New Roman" panose="02020603050405020304" pitchFamily="18" charset="0"/>
+            </a:endParaRPr>
+          </a:p>
+          <a:p>
+            <a:pPr marL="342900" indent="-342900">
+              <a:spcAft>
+                <a:spcPts val="1000"/>
+              </a:spcAft>
+              <a:buFont typeface="+mj-lt"/>
+              <a:buAutoNum type="arabicPeriod"/>
+            </a:pPr>
+            <a:r>
+              <a:rPr lang="zh-CN" altLang="en-US" sz="1600" dirty="0">
+                <a:solidFill>
+                  <a:schemeClr val="accent1">
+                    <a:lumMod val="75000"/>
+                  </a:schemeClr>
+                </a:solidFill>
+                <a:ea typeface="微软雅黑" panose="020B0503020204020204" pitchFamily="34" charset="-122"/>
+                <a:cs typeface="Times New Roman" panose="02020603050405020304" pitchFamily="18" charset="0"/>
+              </a:rPr>
+              <a:t>充分使用了</a:t>
+            </a:r>
+            <a:r>
+              <a:rPr lang="en-US" altLang="zh-CN" sz="1600" b="1" dirty="0">
+                <a:solidFill>
+                  <a:schemeClr val="accent1">
+                    <a:lumMod val="75000"/>
+                  </a:schemeClr>
+                </a:solidFill>
+                <a:ea typeface="微软雅黑" panose="020B0503020204020204" pitchFamily="34" charset="-122"/>
+                <a:cs typeface="Times New Roman" panose="02020603050405020304" pitchFamily="18" charset="0"/>
+              </a:rPr>
+              <a:t>MATLAB</a:t>
+            </a:r>
+            <a:r>
+              <a:rPr lang="zh-CN" altLang="en-US" sz="1600" dirty="0">
+                <a:solidFill>
+                  <a:schemeClr val="accent1">
+                    <a:lumMod val="75000"/>
+                  </a:schemeClr>
+                </a:solidFill>
+                <a:ea typeface="微软雅黑" panose="020B0503020204020204" pitchFamily="34" charset="-122"/>
+                <a:cs typeface="Times New Roman" panose="02020603050405020304" pitchFamily="18" charset="0"/>
+              </a:rPr>
+              <a:t>对矩阵运算优化的特点，利用其高效的矩阵运算书写函数、赋值、计算。</a:t>
+            </a:r>
+            <a:endParaRPr lang="zh-CN" altLang="zh-CN" sz="1600" b="1" dirty="0">
+              <a:solidFill>
+                <a:schemeClr val="accent1">
+                  <a:lumMod val="75000"/>
+                </a:schemeClr>
+              </a:solidFill>
+              <a:ea typeface="微软雅黑" panose="020B0503020204020204" pitchFamily="34" charset="-122"/>
               <a:cs typeface="Times New Roman" panose="02020603050405020304" pitchFamily="18" charset="0"/>
             </a:endParaRPr>
           </a:p>
@@ -20276,7 +20858,7 @@
         <p:spPr>
           <a:xfrm>
             <a:off x="956945" y="214630"/>
-            <a:ext cx="5641288" cy="584775"/>
+            <a:ext cx="6340197" cy="584775"/>
           </a:xfrm>
           <a:prstGeom prst="rect">
             <a:avLst/>
@@ -20305,43 +20887,7 @@
                 </a:effectLst>
                 <a:cs typeface="+mn-ea"/>
               </a:rPr>
-              <a:t>技术细节</a:t>
-            </a:r>
-            <a:r>
-              <a:rPr lang="en-US" altLang="zh-CN" sz="3200" dirty="0">
-                <a:solidFill>
-                  <a:schemeClr val="accent5">
-                    <a:lumMod val="75000"/>
-                  </a:schemeClr>
-                </a:solidFill>
-                <a:effectLst>
-                  <a:outerShdw blurRad="38100" dist="38100" dir="2700000" algn="tl">
-                    <a:srgbClr val="000000">
-                      <a:alpha val="43137"/>
-                    </a:srgbClr>
-                  </a:outerShdw>
-                </a:effectLst>
-                <a:cs typeface="+mn-ea"/>
-              </a:rPr>
-              <a:t> </a:t>
-            </a:r>
-            <a:r>
-              <a:rPr lang="zh-CN" altLang="en-US" sz="3200" dirty="0">
-                <a:solidFill>
-                  <a:schemeClr val="accent5">
-                    <a:lumMod val="75000"/>
-                  </a:schemeClr>
-                </a:solidFill>
-                <a:effectLst>
-                  <a:outerShdw blurRad="38100" dist="38100" dir="2700000" algn="tl">
-                    <a:srgbClr val="000000">
-                      <a:alpha val="43137"/>
-                    </a:srgbClr>
-                  </a:outerShdw>
-                </a:effectLst>
-                <a:cs typeface="+mn-ea"/>
-              </a:rPr>
-              <a:t>网表解析与接口定义</a:t>
+              <a:t>时间与空间复杂度主要优化体现在</a:t>
             </a:r>
           </a:p>
         </p:txBody>
@@ -20349,7 +20895,7 @@
     </p:spTree>
     <p:extLst>
       <p:ext uri="{BB962C8B-B14F-4D97-AF65-F5344CB8AC3E}">
-        <p14:creationId xmlns:p14="http://schemas.microsoft.com/office/powerpoint/2010/main" val="1512452615"/>
+        <p14:creationId xmlns:p14="http://schemas.microsoft.com/office/powerpoint/2010/main" val="1626820114"/>
       </p:ext>
     </p:extLst>
   </p:cSld>

--- a/基于MATLAB实现的模拟电路SPICE工具.pptx
+++ b/基于MATLAB实现的模拟电路SPICE工具.pptx
@@ -5,10 +5,10 @@
     <p:sldMasterId id="2147483648" r:id="rId1"/>
   </p:sldMasterIdLst>
   <p:notesMasterIdLst>
-    <p:notesMasterId r:id="rId32"/>
+    <p:notesMasterId r:id="rId36"/>
   </p:notesMasterIdLst>
   <p:handoutMasterIdLst>
-    <p:handoutMasterId r:id="rId33"/>
+    <p:handoutMasterId r:id="rId37"/>
   </p:handoutMasterIdLst>
   <p:sldIdLst>
     <p:sldId id="256" r:id="rId2"/>
@@ -24,23 +24,27 @@
     <p:sldId id="286" r:id="rId12"/>
     <p:sldId id="337" r:id="rId13"/>
     <p:sldId id="362" r:id="rId14"/>
-    <p:sldId id="342" r:id="rId15"/>
-    <p:sldId id="332" r:id="rId16"/>
-    <p:sldId id="344" r:id="rId17"/>
-    <p:sldId id="346" r:id="rId18"/>
-    <p:sldId id="350" r:id="rId19"/>
-    <p:sldId id="351" r:id="rId20"/>
-    <p:sldId id="348" r:id="rId21"/>
-    <p:sldId id="352" r:id="rId22"/>
-    <p:sldId id="353" r:id="rId23"/>
-    <p:sldId id="354" r:id="rId24"/>
-    <p:sldId id="355" r:id="rId25"/>
-    <p:sldId id="356" r:id="rId26"/>
-    <p:sldId id="357" r:id="rId27"/>
-    <p:sldId id="358" r:id="rId28"/>
-    <p:sldId id="288" r:id="rId29"/>
-    <p:sldId id="280" r:id="rId30"/>
-    <p:sldId id="347" r:id="rId31"/>
+    <p:sldId id="364" r:id="rId15"/>
+    <p:sldId id="365" r:id="rId16"/>
+    <p:sldId id="366" r:id="rId17"/>
+    <p:sldId id="363" r:id="rId18"/>
+    <p:sldId id="367" r:id="rId19"/>
+    <p:sldId id="332" r:id="rId20"/>
+    <p:sldId id="344" r:id="rId21"/>
+    <p:sldId id="346" r:id="rId22"/>
+    <p:sldId id="350" r:id="rId23"/>
+    <p:sldId id="351" r:id="rId24"/>
+    <p:sldId id="348" r:id="rId25"/>
+    <p:sldId id="352" r:id="rId26"/>
+    <p:sldId id="353" r:id="rId27"/>
+    <p:sldId id="354" r:id="rId28"/>
+    <p:sldId id="355" r:id="rId29"/>
+    <p:sldId id="356" r:id="rId30"/>
+    <p:sldId id="357" r:id="rId31"/>
+    <p:sldId id="358" r:id="rId32"/>
+    <p:sldId id="288" r:id="rId33"/>
+    <p:sldId id="280" r:id="rId34"/>
+    <p:sldId id="347" r:id="rId35"/>
   </p:sldIdLst>
   <p:sldSz cx="9144000" cy="5143500" type="screen16x9"/>
   <p:notesSz cx="6858000" cy="9144000"/>
@@ -157,7 +161,11 @@
             <p14:sldId id="286"/>
             <p14:sldId id="337"/>
             <p14:sldId id="362"/>
-            <p14:sldId id="342"/>
+            <p14:sldId id="364"/>
+            <p14:sldId id="365"/>
+            <p14:sldId id="366"/>
+            <p14:sldId id="363"/>
+            <p14:sldId id="367"/>
             <p14:sldId id="332"/>
             <p14:sldId id="344"/>
             <p14:sldId id="346"/>
@@ -1201,7 +1209,7 @@
     </p:spTree>
     <p:extLst>
       <p:ext uri="{BB962C8B-B14F-4D97-AF65-F5344CB8AC3E}">
-        <p14:creationId xmlns:p14="http://schemas.microsoft.com/office/powerpoint/2010/main" val="442746612"/>
+        <p14:creationId xmlns:p14="http://schemas.microsoft.com/office/powerpoint/2010/main" val="3775764898"/>
       </p:ext>
     </p:extLst>
   </p:cSld>
@@ -1283,6 +1291,11 @@
         </p:txBody>
       </p:sp>
     </p:spTree>
+    <p:extLst>
+      <p:ext uri="{BB962C8B-B14F-4D97-AF65-F5344CB8AC3E}">
+        <p14:creationId xmlns:p14="http://schemas.microsoft.com/office/powerpoint/2010/main" val="2706013496"/>
+      </p:ext>
+    </p:extLst>
   </p:cSld>
   <p:clrMapOvr>
     <a:masterClrMapping/>
@@ -1364,7 +1377,7 @@
     </p:spTree>
     <p:extLst>
       <p:ext uri="{BB962C8B-B14F-4D97-AF65-F5344CB8AC3E}">
-        <p14:creationId xmlns:p14="http://schemas.microsoft.com/office/powerpoint/2010/main" val="392995599"/>
+        <p14:creationId xmlns:p14="http://schemas.microsoft.com/office/powerpoint/2010/main" val="682481846"/>
       </p:ext>
     </p:extLst>
   </p:cSld>
@@ -1448,7 +1461,7 @@
     </p:spTree>
     <p:extLst>
       <p:ext uri="{BB962C8B-B14F-4D97-AF65-F5344CB8AC3E}">
-        <p14:creationId xmlns:p14="http://schemas.microsoft.com/office/powerpoint/2010/main" val="3994309633"/>
+        <p14:creationId xmlns:p14="http://schemas.microsoft.com/office/powerpoint/2010/main" val="567126220"/>
       </p:ext>
     </p:extLst>
   </p:cSld>
@@ -1532,7 +1545,7 @@
     </p:spTree>
     <p:extLst>
       <p:ext uri="{BB962C8B-B14F-4D97-AF65-F5344CB8AC3E}">
-        <p14:creationId xmlns:p14="http://schemas.microsoft.com/office/powerpoint/2010/main" val="1176544203"/>
+        <p14:creationId xmlns:p14="http://schemas.microsoft.com/office/powerpoint/2010/main" val="1984090718"/>
       </p:ext>
     </p:extLst>
   </p:cSld>
@@ -1614,11 +1627,6 @@
         </p:txBody>
       </p:sp>
     </p:spTree>
-    <p:extLst>
-      <p:ext uri="{BB962C8B-B14F-4D97-AF65-F5344CB8AC3E}">
-        <p14:creationId xmlns:p14="http://schemas.microsoft.com/office/powerpoint/2010/main" val="2138242059"/>
-      </p:ext>
-    </p:extLst>
   </p:cSld>
   <p:clrMapOvr>
     <a:masterClrMapping/>
@@ -1779,7 +1787,7 @@
     </p:spTree>
     <p:extLst>
       <p:ext uri="{BB962C8B-B14F-4D97-AF65-F5344CB8AC3E}">
-        <p14:creationId xmlns:p14="http://schemas.microsoft.com/office/powerpoint/2010/main" val="97823419"/>
+        <p14:creationId xmlns:p14="http://schemas.microsoft.com/office/powerpoint/2010/main" val="392995599"/>
       </p:ext>
     </p:extLst>
   </p:cSld>
@@ -1863,7 +1871,7 @@
     </p:spTree>
     <p:extLst>
       <p:ext uri="{BB962C8B-B14F-4D97-AF65-F5344CB8AC3E}">
-        <p14:creationId xmlns:p14="http://schemas.microsoft.com/office/powerpoint/2010/main" val="125497649"/>
+        <p14:creationId xmlns:p14="http://schemas.microsoft.com/office/powerpoint/2010/main" val="3994309633"/>
       </p:ext>
     </p:extLst>
   </p:cSld>
@@ -1947,7 +1955,7 @@
     </p:spTree>
     <p:extLst>
       <p:ext uri="{BB962C8B-B14F-4D97-AF65-F5344CB8AC3E}">
-        <p14:creationId xmlns:p14="http://schemas.microsoft.com/office/powerpoint/2010/main" val="360994272"/>
+        <p14:creationId xmlns:p14="http://schemas.microsoft.com/office/powerpoint/2010/main" val="1176544203"/>
       </p:ext>
     </p:extLst>
   </p:cSld>
@@ -2031,7 +2039,7 @@
     </p:spTree>
     <p:extLst>
       <p:ext uri="{BB962C8B-B14F-4D97-AF65-F5344CB8AC3E}">
-        <p14:creationId xmlns:p14="http://schemas.microsoft.com/office/powerpoint/2010/main" val="3623927535"/>
+        <p14:creationId xmlns:p14="http://schemas.microsoft.com/office/powerpoint/2010/main" val="2138242059"/>
       </p:ext>
     </p:extLst>
   </p:cSld>
@@ -2115,7 +2123,7 @@
     </p:spTree>
     <p:extLst>
       <p:ext uri="{BB962C8B-B14F-4D97-AF65-F5344CB8AC3E}">
-        <p14:creationId xmlns:p14="http://schemas.microsoft.com/office/powerpoint/2010/main" val="2891462081"/>
+        <p14:creationId xmlns:p14="http://schemas.microsoft.com/office/powerpoint/2010/main" val="97823419"/>
       </p:ext>
     </p:extLst>
   </p:cSld>
@@ -2199,7 +2207,7 @@
     </p:spTree>
     <p:extLst>
       <p:ext uri="{BB962C8B-B14F-4D97-AF65-F5344CB8AC3E}">
-        <p14:creationId xmlns:p14="http://schemas.microsoft.com/office/powerpoint/2010/main" val="1953438035"/>
+        <p14:creationId xmlns:p14="http://schemas.microsoft.com/office/powerpoint/2010/main" val="125497649"/>
       </p:ext>
     </p:extLst>
   </p:cSld>
@@ -2283,7 +2291,7 @@
     </p:spTree>
     <p:extLst>
       <p:ext uri="{BB962C8B-B14F-4D97-AF65-F5344CB8AC3E}">
-        <p14:creationId xmlns:p14="http://schemas.microsoft.com/office/powerpoint/2010/main" val="1727809385"/>
+        <p14:creationId xmlns:p14="http://schemas.microsoft.com/office/powerpoint/2010/main" val="360994272"/>
       </p:ext>
     </p:extLst>
   </p:cSld>
@@ -2367,7 +2375,7 @@
     </p:spTree>
     <p:extLst>
       <p:ext uri="{BB962C8B-B14F-4D97-AF65-F5344CB8AC3E}">
-        <p14:creationId xmlns:p14="http://schemas.microsoft.com/office/powerpoint/2010/main" val="3101973415"/>
+        <p14:creationId xmlns:p14="http://schemas.microsoft.com/office/powerpoint/2010/main" val="3623927535"/>
       </p:ext>
     </p:extLst>
   </p:cSld>
@@ -2449,6 +2457,11 @@
         </p:txBody>
       </p:sp>
     </p:spTree>
+    <p:extLst>
+      <p:ext uri="{BB962C8B-B14F-4D97-AF65-F5344CB8AC3E}">
+        <p14:creationId xmlns:p14="http://schemas.microsoft.com/office/powerpoint/2010/main" val="2891462081"/>
+      </p:ext>
+    </p:extLst>
   </p:cSld>
   <p:clrMapOvr>
     <a:masterClrMapping/>
@@ -2528,6 +2541,11 @@
         </p:txBody>
       </p:sp>
     </p:spTree>
+    <p:extLst>
+      <p:ext uri="{BB962C8B-B14F-4D97-AF65-F5344CB8AC3E}">
+        <p14:creationId xmlns:p14="http://schemas.microsoft.com/office/powerpoint/2010/main" val="1953438035"/>
+      </p:ext>
+    </p:extLst>
   </p:cSld>
   <p:clrMapOvr>
     <a:masterClrMapping/>
@@ -2601,6 +2619,332 @@
             <a:fld id="{A6837353-30EB-4A48-80EB-173D804AEFBD}" type="slidenum">
               <a:rPr lang="zh-CN" altLang="en-US" smtClean="0"/>
               <a:t>3</a:t>
+            </a:fld>
+            <a:endParaRPr lang="zh-CN" altLang="en-US"/>
+          </a:p>
+        </p:txBody>
+      </p:sp>
+    </p:spTree>
+  </p:cSld>
+  <p:clrMapOvr>
+    <a:masterClrMapping/>
+  </p:clrMapOvr>
+</p:notes>
+</file>
+
+<file path=ppt/notesSlides/notesSlide30.xml><?xml version="1.0" encoding="utf-8"?>
+<p:notes xmlns:a="http://schemas.openxmlformats.org/drawingml/2006/main" xmlns:r="http://schemas.openxmlformats.org/officeDocument/2006/relationships" xmlns:p="http://schemas.openxmlformats.org/presentationml/2006/main">
+  <p:cSld>
+    <p:spTree>
+      <p:nvGrpSpPr>
+        <p:cNvPr id="1" name=""/>
+        <p:cNvGrpSpPr/>
+        <p:nvPr/>
+      </p:nvGrpSpPr>
+      <p:grpSpPr>
+        <a:xfrm>
+          <a:off x="0" y="0"/>
+          <a:ext cx="0" cy="0"/>
+          <a:chOff x="0" y="0"/>
+          <a:chExt cx="0" cy="0"/>
+        </a:xfrm>
+      </p:grpSpPr>
+      <p:sp>
+        <p:nvSpPr>
+          <p:cNvPr id="2" name="幻灯片图像占位符 1"/>
+          <p:cNvSpPr>
+            <a:spLocks noGrp="1" noRot="1" noChangeAspect="1"/>
+          </p:cNvSpPr>
+          <p:nvPr>
+            <p:ph type="sldImg"/>
+          </p:nvPr>
+        </p:nvSpPr>
+        <p:spPr/>
+      </p:sp>
+      <p:sp>
+        <p:nvSpPr>
+          <p:cNvPr id="3" name="备注占位符 2"/>
+          <p:cNvSpPr>
+            <a:spLocks noGrp="1"/>
+          </p:cNvSpPr>
+          <p:nvPr>
+            <p:ph type="body" idx="1"/>
+          </p:nvPr>
+        </p:nvSpPr>
+        <p:spPr/>
+        <p:txBody>
+          <a:bodyPr/>
+          <a:lstStyle/>
+          <a:p>
+            <a:endParaRPr lang="zh-CN" altLang="en-US"/>
+          </a:p>
+        </p:txBody>
+      </p:sp>
+      <p:sp>
+        <p:nvSpPr>
+          <p:cNvPr id="4" name="灯片编号占位符 3"/>
+          <p:cNvSpPr>
+            <a:spLocks noGrp="1"/>
+          </p:cNvSpPr>
+          <p:nvPr>
+            <p:ph type="sldNum" sz="quarter" idx="10"/>
+          </p:nvPr>
+        </p:nvSpPr>
+        <p:spPr/>
+        <p:txBody>
+          <a:bodyPr/>
+          <a:lstStyle/>
+          <a:p>
+            <a:fld id="{A6837353-30EB-4A48-80EB-173D804AEFBD}" type="slidenum">
+              <a:rPr lang="zh-CN" altLang="en-US" smtClean="0"/>
+              <a:t>30</a:t>
+            </a:fld>
+            <a:endParaRPr lang="zh-CN" altLang="en-US"/>
+          </a:p>
+        </p:txBody>
+      </p:sp>
+    </p:spTree>
+    <p:extLst>
+      <p:ext uri="{BB962C8B-B14F-4D97-AF65-F5344CB8AC3E}">
+        <p14:creationId xmlns:p14="http://schemas.microsoft.com/office/powerpoint/2010/main" val="1727809385"/>
+      </p:ext>
+    </p:extLst>
+  </p:cSld>
+  <p:clrMapOvr>
+    <a:masterClrMapping/>
+  </p:clrMapOvr>
+</p:notes>
+</file>
+
+<file path=ppt/notesSlides/notesSlide31.xml><?xml version="1.0" encoding="utf-8"?>
+<p:notes xmlns:a="http://schemas.openxmlformats.org/drawingml/2006/main" xmlns:r="http://schemas.openxmlformats.org/officeDocument/2006/relationships" xmlns:p="http://schemas.openxmlformats.org/presentationml/2006/main">
+  <p:cSld>
+    <p:spTree>
+      <p:nvGrpSpPr>
+        <p:cNvPr id="1" name=""/>
+        <p:cNvGrpSpPr/>
+        <p:nvPr/>
+      </p:nvGrpSpPr>
+      <p:grpSpPr>
+        <a:xfrm>
+          <a:off x="0" y="0"/>
+          <a:ext cx="0" cy="0"/>
+          <a:chOff x="0" y="0"/>
+          <a:chExt cx="0" cy="0"/>
+        </a:xfrm>
+      </p:grpSpPr>
+      <p:sp>
+        <p:nvSpPr>
+          <p:cNvPr id="2" name="幻灯片图像占位符 1"/>
+          <p:cNvSpPr>
+            <a:spLocks noGrp="1" noRot="1" noChangeAspect="1"/>
+          </p:cNvSpPr>
+          <p:nvPr>
+            <p:ph type="sldImg"/>
+          </p:nvPr>
+        </p:nvSpPr>
+        <p:spPr/>
+      </p:sp>
+      <p:sp>
+        <p:nvSpPr>
+          <p:cNvPr id="3" name="备注占位符 2"/>
+          <p:cNvSpPr>
+            <a:spLocks noGrp="1"/>
+          </p:cNvSpPr>
+          <p:nvPr>
+            <p:ph type="body" idx="1"/>
+          </p:nvPr>
+        </p:nvSpPr>
+        <p:spPr/>
+        <p:txBody>
+          <a:bodyPr/>
+          <a:lstStyle/>
+          <a:p>
+            <a:endParaRPr lang="zh-CN" altLang="en-US"/>
+          </a:p>
+        </p:txBody>
+      </p:sp>
+      <p:sp>
+        <p:nvSpPr>
+          <p:cNvPr id="4" name="灯片编号占位符 3"/>
+          <p:cNvSpPr>
+            <a:spLocks noGrp="1"/>
+          </p:cNvSpPr>
+          <p:nvPr>
+            <p:ph type="sldNum" sz="quarter" idx="10"/>
+          </p:nvPr>
+        </p:nvSpPr>
+        <p:spPr/>
+        <p:txBody>
+          <a:bodyPr/>
+          <a:lstStyle/>
+          <a:p>
+            <a:fld id="{A6837353-30EB-4A48-80EB-173D804AEFBD}" type="slidenum">
+              <a:rPr lang="zh-CN" altLang="en-US" smtClean="0"/>
+              <a:t>31</a:t>
+            </a:fld>
+            <a:endParaRPr lang="zh-CN" altLang="en-US"/>
+          </a:p>
+        </p:txBody>
+      </p:sp>
+    </p:spTree>
+    <p:extLst>
+      <p:ext uri="{BB962C8B-B14F-4D97-AF65-F5344CB8AC3E}">
+        <p14:creationId xmlns:p14="http://schemas.microsoft.com/office/powerpoint/2010/main" val="3101973415"/>
+      </p:ext>
+    </p:extLst>
+  </p:cSld>
+  <p:clrMapOvr>
+    <a:masterClrMapping/>
+  </p:clrMapOvr>
+</p:notes>
+</file>
+
+<file path=ppt/notesSlides/notesSlide32.xml><?xml version="1.0" encoding="utf-8"?>
+<p:notes xmlns:a="http://schemas.openxmlformats.org/drawingml/2006/main" xmlns:r="http://schemas.openxmlformats.org/officeDocument/2006/relationships" xmlns:p="http://schemas.openxmlformats.org/presentationml/2006/main">
+  <p:cSld>
+    <p:spTree>
+      <p:nvGrpSpPr>
+        <p:cNvPr id="1" name=""/>
+        <p:cNvGrpSpPr/>
+        <p:nvPr/>
+      </p:nvGrpSpPr>
+      <p:grpSpPr>
+        <a:xfrm>
+          <a:off x="0" y="0"/>
+          <a:ext cx="0" cy="0"/>
+          <a:chOff x="0" y="0"/>
+          <a:chExt cx="0" cy="0"/>
+        </a:xfrm>
+      </p:grpSpPr>
+      <p:sp>
+        <p:nvSpPr>
+          <p:cNvPr id="2" name="幻灯片图像占位符 1"/>
+          <p:cNvSpPr>
+            <a:spLocks noGrp="1" noRot="1" noChangeAspect="1"/>
+          </p:cNvSpPr>
+          <p:nvPr>
+            <p:ph type="sldImg"/>
+          </p:nvPr>
+        </p:nvSpPr>
+        <p:spPr/>
+      </p:sp>
+      <p:sp>
+        <p:nvSpPr>
+          <p:cNvPr id="3" name="备注占位符 2"/>
+          <p:cNvSpPr>
+            <a:spLocks noGrp="1"/>
+          </p:cNvSpPr>
+          <p:nvPr>
+            <p:ph type="body" idx="1"/>
+          </p:nvPr>
+        </p:nvSpPr>
+        <p:spPr/>
+        <p:txBody>
+          <a:bodyPr/>
+          <a:lstStyle/>
+          <a:p>
+            <a:endParaRPr lang="zh-CN" altLang="en-US"/>
+          </a:p>
+        </p:txBody>
+      </p:sp>
+      <p:sp>
+        <p:nvSpPr>
+          <p:cNvPr id="4" name="灯片编号占位符 3"/>
+          <p:cNvSpPr>
+            <a:spLocks noGrp="1"/>
+          </p:cNvSpPr>
+          <p:nvPr>
+            <p:ph type="sldNum" sz="quarter" idx="10"/>
+          </p:nvPr>
+        </p:nvSpPr>
+        <p:spPr/>
+        <p:txBody>
+          <a:bodyPr/>
+          <a:lstStyle/>
+          <a:p>
+            <a:fld id="{A6837353-30EB-4A48-80EB-173D804AEFBD}" type="slidenum">
+              <a:rPr lang="zh-CN" altLang="en-US" smtClean="0"/>
+              <a:t>32</a:t>
+            </a:fld>
+            <a:endParaRPr lang="zh-CN" altLang="en-US"/>
+          </a:p>
+        </p:txBody>
+      </p:sp>
+    </p:spTree>
+  </p:cSld>
+  <p:clrMapOvr>
+    <a:masterClrMapping/>
+  </p:clrMapOvr>
+</p:notes>
+</file>
+
+<file path=ppt/notesSlides/notesSlide33.xml><?xml version="1.0" encoding="utf-8"?>
+<p:notes xmlns:a="http://schemas.openxmlformats.org/drawingml/2006/main" xmlns:r="http://schemas.openxmlformats.org/officeDocument/2006/relationships" xmlns:p="http://schemas.openxmlformats.org/presentationml/2006/main">
+  <p:cSld>
+    <p:spTree>
+      <p:nvGrpSpPr>
+        <p:cNvPr id="1" name=""/>
+        <p:cNvGrpSpPr/>
+        <p:nvPr/>
+      </p:nvGrpSpPr>
+      <p:grpSpPr>
+        <a:xfrm>
+          <a:off x="0" y="0"/>
+          <a:ext cx="0" cy="0"/>
+          <a:chOff x="0" y="0"/>
+          <a:chExt cx="0" cy="0"/>
+        </a:xfrm>
+      </p:grpSpPr>
+      <p:sp>
+        <p:nvSpPr>
+          <p:cNvPr id="2" name="幻灯片图像占位符 1"/>
+          <p:cNvSpPr>
+            <a:spLocks noGrp="1" noRot="1" noChangeAspect="1"/>
+          </p:cNvSpPr>
+          <p:nvPr>
+            <p:ph type="sldImg"/>
+          </p:nvPr>
+        </p:nvSpPr>
+        <p:spPr/>
+      </p:sp>
+      <p:sp>
+        <p:nvSpPr>
+          <p:cNvPr id="3" name="备注占位符 2"/>
+          <p:cNvSpPr>
+            <a:spLocks noGrp="1"/>
+          </p:cNvSpPr>
+          <p:nvPr>
+            <p:ph type="body" idx="1"/>
+          </p:nvPr>
+        </p:nvSpPr>
+        <p:spPr/>
+        <p:txBody>
+          <a:bodyPr/>
+          <a:lstStyle/>
+          <a:p>
+            <a:endParaRPr lang="zh-CN" altLang="en-US"/>
+          </a:p>
+        </p:txBody>
+      </p:sp>
+      <p:sp>
+        <p:nvSpPr>
+          <p:cNvPr id="4" name="灯片编号占位符 3"/>
+          <p:cNvSpPr>
+            <a:spLocks noGrp="1"/>
+          </p:cNvSpPr>
+          <p:nvPr>
+            <p:ph type="sldNum" sz="quarter" idx="10"/>
+          </p:nvPr>
+        </p:nvSpPr>
+        <p:spPr/>
+        <p:txBody>
+          <a:bodyPr/>
+          <a:lstStyle/>
+          <a:p>
+            <a:fld id="{A6837353-30EB-4A48-80EB-173D804AEFBD}" type="slidenum">
+              <a:rPr lang="zh-CN" altLang="en-US" smtClean="0"/>
+              <a:t>33</a:t>
             </a:fld>
             <a:endParaRPr lang="zh-CN" altLang="en-US"/>
           </a:p>
@@ -6768,7 +7112,7 @@
         <p:spPr>
           <a:xfrm>
             <a:off x="659130" y="1088009"/>
-            <a:ext cx="7680198" cy="2754600"/>
+            <a:ext cx="7680198" cy="2785378"/>
           </a:xfrm>
           <a:prstGeom prst="rect">
             <a:avLst/>
@@ -6790,7 +7134,7 @@
               </a:spcAft>
             </a:pPr>
             <a:r>
-              <a:rPr lang="zh-CN" altLang="en-US" sz="2400" dirty="0">
+              <a:rPr lang="zh-CN" altLang="en-US" sz="2000" dirty="0">
                 <a:solidFill>
                   <a:schemeClr val="accent1">
                     <a:lumMod val="50000"/>
@@ -6804,7 +7148,7 @@
               <a:t>使用正则表达式匹配</a:t>
             </a:r>
             <a:r>
-              <a:rPr lang="zh-CN" altLang="en-US" sz="2400" dirty="0">
+              <a:rPr lang="zh-CN" altLang="en-US" sz="2000" dirty="0">
                 <a:solidFill>
                   <a:schemeClr val="accent1">
                     <a:lumMod val="50000"/>
@@ -6816,7 +7160,7 @@
               </a:rPr>
               <a:t>解析网表</a:t>
             </a:r>
-            <a:endParaRPr lang="en-US" altLang="zh-CN" sz="2400" dirty="0">
+            <a:endParaRPr lang="en-US" altLang="zh-CN" sz="2000" dirty="0">
               <a:solidFill>
                 <a:schemeClr val="accent1">
                   <a:lumMod val="50000"/>
@@ -6837,7 +7181,7 @@
               </a:spcAft>
             </a:pPr>
             <a:r>
-              <a:rPr lang="zh-CN" altLang="en-US" sz="2000" dirty="0">
+              <a:rPr lang="zh-CN" altLang="en-US" sz="1800" dirty="0">
                 <a:solidFill>
                   <a:schemeClr val="accent1">
                     <a:lumMod val="75000"/>
@@ -6850,7 +7194,7 @@
               <a:t>支持科学计数法。操作上语法支持单位解析。简单来说，变量的输入形式基本实现与</a:t>
             </a:r>
             <a:r>
-              <a:rPr lang="en-US" altLang="zh-CN" sz="2000" b="1" dirty="0">
+              <a:rPr lang="en-US" altLang="zh-CN" sz="1800" b="1" dirty="0">
                 <a:solidFill>
                   <a:schemeClr val="accent1">
                     <a:lumMod val="75000"/>
@@ -6863,7 +7207,7 @@
               <a:t>HSPICE</a:t>
             </a:r>
             <a:r>
-              <a:rPr lang="zh-CN" altLang="en-US" sz="2000" dirty="0">
+              <a:rPr lang="zh-CN" altLang="en-US" sz="1800" dirty="0">
                 <a:solidFill>
                   <a:schemeClr val="accent1">
                     <a:lumMod val="75000"/>
@@ -6873,9 +7217,9 @@
                 <a:ea typeface="微软雅黑" panose="020B0503020204020204" pitchFamily="34" charset="-122"/>
                 <a:cs typeface="Times New Roman" panose="02020603050405020304" pitchFamily="18" charset="0"/>
               </a:rPr>
-              <a:t>一致。</a:t>
-            </a:r>
-            <a:endParaRPr lang="en-US" altLang="zh-CN" sz="2000" dirty="0">
+              <a:t>一致。正则匹配技术有很高的效率而且能精准定位所需要的信息，可扩展性强能非常有效地实现我们的需求。</a:t>
+            </a:r>
+            <a:endParaRPr lang="en-US" altLang="zh-CN" sz="1800" dirty="0">
               <a:solidFill>
                 <a:schemeClr val="accent1">
                   <a:lumMod val="75000"/>
@@ -6896,7 +7240,7 @@
               </a:spcAft>
             </a:pPr>
             <a:r>
-              <a:rPr lang="zh-CN" altLang="en-US" sz="2400" dirty="0">
+              <a:rPr lang="zh-CN" altLang="en-US" sz="2000" dirty="0">
                 <a:solidFill>
                   <a:schemeClr val="accent1">
                     <a:lumMod val="50000"/>
@@ -6908,7 +7252,7 @@
               </a:rPr>
               <a:t>使用哈希表在模块之间传递数据</a:t>
             </a:r>
-            <a:endParaRPr lang="en-US" altLang="zh-CN" sz="2400" dirty="0">
+            <a:endParaRPr lang="en-US" altLang="zh-CN" sz="2000" dirty="0">
               <a:solidFill>
                 <a:schemeClr val="accent1">
                   <a:lumMod val="50000"/>
@@ -6929,7 +7273,7 @@
               </a:spcAft>
             </a:pPr>
             <a:r>
-              <a:rPr lang="zh-CN" altLang="en-US" sz="2000" dirty="0">
+              <a:rPr lang="zh-CN" altLang="en-US" sz="1800" dirty="0">
                 <a:solidFill>
                   <a:schemeClr val="accent1">
                     <a:lumMod val="75000"/>
@@ -6939,9 +7283,9 @@
                 <a:ea typeface="微软雅黑" panose="020B0503020204020204" pitchFamily="34" charset="-122"/>
                 <a:cs typeface="Times New Roman" panose="02020603050405020304" pitchFamily="18" charset="0"/>
               </a:rPr>
-              <a:t>哈希表传递数据使得顶层模块的抽象程度足够高，模块之间传递数据足够快，程序的可读性足够强。</a:t>
-            </a:r>
-            <a:endParaRPr lang="en-US" altLang="zh-CN" sz="2000" dirty="0">
+              <a:t>哈希表传递数据使得顶层模块的抽象程度足够高，模块之间传递数据足够快，程序的可读性足够强。这让顶层模块的接口显得清晰、简洁。</a:t>
+            </a:r>
+            <a:endParaRPr lang="en-US" altLang="zh-CN" sz="1800" dirty="0">
               <a:solidFill>
                 <a:schemeClr val="accent1">
                   <a:lumMod val="75000"/>
@@ -7084,7 +7428,7 @@
         <p:spPr>
           <a:xfrm>
             <a:off x="659130" y="1088009"/>
-            <a:ext cx="7680198" cy="2508379"/>
+            <a:ext cx="7680198" cy="3570208"/>
           </a:xfrm>
           <a:prstGeom prst="rect">
             <a:avLst/>
@@ -7106,7 +7450,7 @@
               </a:spcAft>
             </a:pPr>
             <a:r>
-              <a:rPr lang="zh-CN" altLang="en-US" sz="2400" dirty="0">
+              <a:rPr lang="zh-CN" altLang="en-US" sz="2000" dirty="0">
                 <a:solidFill>
                   <a:schemeClr val="accent1">
                     <a:lumMod val="50000"/>
@@ -7119,7 +7463,7 @@
               </a:rPr>
               <a:t>生成初始解</a:t>
             </a:r>
-            <a:endParaRPr lang="en-US" altLang="zh-CN" sz="2400" dirty="0">
+            <a:endParaRPr lang="en-US" altLang="zh-CN" sz="2000" dirty="0">
               <a:solidFill>
                 <a:schemeClr val="accent1">
                   <a:lumMod val="50000"/>
@@ -7141,7 +7485,7 @@
               </a:spcAft>
             </a:pPr>
             <a:r>
-              <a:rPr lang="zh-CN" altLang="en-US" sz="2000" dirty="0">
+              <a:rPr lang="zh-CN" altLang="en-US" sz="1800" dirty="0">
                 <a:solidFill>
                   <a:schemeClr val="accent1">
                     <a:lumMod val="75000"/>
@@ -7151,35 +7495,9 @@
                 <a:ea typeface="微软雅黑" panose="020B0503020204020204" pitchFamily="34" charset="-122"/>
                 <a:cs typeface="Times New Roman" panose="02020603050405020304" pitchFamily="18" charset="0"/>
               </a:rPr>
-              <a:t>支持科学计数法。操作上语法支持单位解析。简单来说，变量的输入形式基本实现与</a:t>
-            </a:r>
-            <a:r>
-              <a:rPr lang="en-US" altLang="zh-CN" sz="2000" b="1" dirty="0">
-                <a:solidFill>
-                  <a:schemeClr val="accent1">
-                    <a:lumMod val="75000"/>
-                  </a:schemeClr>
-                </a:solidFill>
-                <a:latin typeface="微软雅黑" panose="020B0503020204020204" pitchFamily="34" charset="-122"/>
-                <a:ea typeface="微软雅黑" panose="020B0503020204020204" pitchFamily="34" charset="-122"/>
-                <a:cs typeface="Times New Roman" panose="02020603050405020304" pitchFamily="18" charset="0"/>
-              </a:rPr>
-              <a:t>HSPICE</a:t>
-            </a:r>
-            <a:r>
-              <a:rPr lang="zh-CN" altLang="en-US" sz="2000" dirty="0">
-                <a:solidFill>
-                  <a:schemeClr val="accent1">
-                    <a:lumMod val="75000"/>
-                  </a:schemeClr>
-                </a:solidFill>
-                <a:latin typeface="微软雅黑" panose="020B0503020204020204" pitchFamily="34" charset="-122"/>
-                <a:ea typeface="微软雅黑" panose="020B0503020204020204" pitchFamily="34" charset="-122"/>
-                <a:cs typeface="Times New Roman" panose="02020603050405020304" pitchFamily="18" charset="0"/>
-              </a:rPr>
-              <a:t>一致。</a:t>
-            </a:r>
-            <a:endParaRPr lang="en-US" altLang="zh-CN" sz="2000" dirty="0">
+              <a:t>本项目在求解直流方程找初始解的时候，使用的策略在下面简单介绍一下，不做详细展开。</a:t>
+            </a:r>
+            <a:endParaRPr lang="en-US" altLang="zh-CN" sz="1800" dirty="0">
               <a:solidFill>
                 <a:schemeClr val="accent1">
                   <a:lumMod val="75000"/>
@@ -7200,7 +7518,7 @@
               </a:spcAft>
             </a:pPr>
             <a:r>
-              <a:rPr lang="zh-CN" altLang="en-US" sz="2400" dirty="0">
+              <a:rPr lang="zh-CN" altLang="en-US" sz="2000" dirty="0">
                 <a:solidFill>
                   <a:schemeClr val="accent1">
                     <a:lumMod val="50000"/>
@@ -7212,7 +7530,7 @@
               </a:rPr>
               <a:t>生成其他操作所需要的网表</a:t>
             </a:r>
-            <a:endParaRPr lang="en-US" altLang="zh-CN" sz="2400" dirty="0">
+            <a:endParaRPr lang="en-US" altLang="zh-CN" sz="2000" dirty="0">
               <a:solidFill>
                 <a:schemeClr val="accent1">
                   <a:lumMod val="50000"/>
@@ -7233,7 +7551,7 @@
               </a:spcAft>
             </a:pPr>
             <a:r>
-              <a:rPr lang="zh-CN" altLang="en-US" sz="2000">
+              <a:rPr lang="zh-CN" altLang="en-US" sz="1800" dirty="0">
                 <a:solidFill>
                   <a:srgbClr val="5B9BD5">
                     <a:lumMod val="75000"/>
@@ -7243,9 +7561,120 @@
                 <a:ea typeface="微软雅黑" panose="020B0503020204020204" pitchFamily="34" charset="-122"/>
                 <a:cs typeface="Times New Roman" panose="02020603050405020304" pitchFamily="18" charset="0"/>
               </a:rPr>
-              <a:t>这一部分根据后面所要执行的操作类型</a:t>
-            </a:r>
-            <a:endParaRPr lang="en-US" altLang="zh-CN" sz="2400" dirty="0">
+              <a:t>这一部分根据后面所要执行的操作类型生成不同的线性网表。后面的操作根据自己的需求去修改网表，然后对网表进行更新然后计算，或者直接对进行运算的矩阵的精确位置进行修改。</a:t>
+            </a:r>
+            <a:endParaRPr lang="en-US" altLang="zh-CN" sz="1800" dirty="0">
+              <a:solidFill>
+                <a:srgbClr val="5B9BD5">
+                  <a:lumMod val="75000"/>
+                </a:srgbClr>
+              </a:solidFill>
+              <a:latin typeface="微软雅黑" panose="020B0503020204020204" pitchFamily="34" charset="-122"/>
+              <a:ea typeface="微软雅黑" panose="020B0503020204020204" pitchFamily="34" charset="-122"/>
+              <a:cs typeface="Times New Roman" panose="02020603050405020304" pitchFamily="18" charset="0"/>
+            </a:endParaRPr>
+          </a:p>
+          <a:p>
+            <a:pPr>
+              <a:spcBef>
+                <a:spcPts val="900"/>
+              </a:spcBef>
+              <a:spcAft>
+                <a:spcPts val="900"/>
+              </a:spcAft>
+            </a:pPr>
+            <a:r>
+              <a:rPr lang="zh-CN" altLang="en-US" sz="1800" dirty="0">
+                <a:solidFill>
+                  <a:srgbClr val="5B9BD5">
+                    <a:lumMod val="75000"/>
+                  </a:srgbClr>
+                </a:solidFill>
+                <a:latin typeface="微软雅黑" panose="020B0503020204020204" pitchFamily="34" charset="-122"/>
+                <a:ea typeface="微软雅黑" panose="020B0503020204020204" pitchFamily="34" charset="-122"/>
+                <a:cs typeface="Times New Roman" panose="02020603050405020304" pitchFamily="18" charset="0"/>
+              </a:rPr>
+              <a:t>比如</a:t>
+            </a:r>
+            <a:r>
+              <a:rPr lang="en-US" altLang="zh-CN" sz="1800" dirty="0">
+                <a:solidFill>
+                  <a:srgbClr val="5B9BD5">
+                    <a:lumMod val="75000"/>
+                  </a:srgbClr>
+                </a:solidFill>
+                <a:latin typeface="微软雅黑" panose="020B0503020204020204" pitchFamily="34" charset="-122"/>
+                <a:ea typeface="微软雅黑" panose="020B0503020204020204" pitchFamily="34" charset="-122"/>
+                <a:cs typeface="Times New Roman" panose="02020603050405020304" pitchFamily="18" charset="0"/>
+              </a:rPr>
+              <a:t>DC</a:t>
+            </a:r>
+            <a:r>
+              <a:rPr lang="zh-CN" altLang="en-US" sz="1800" dirty="0">
+                <a:solidFill>
+                  <a:srgbClr val="5B9BD5">
+                    <a:lumMod val="75000"/>
+                  </a:srgbClr>
+                </a:solidFill>
+                <a:latin typeface="微软雅黑" panose="020B0503020204020204" pitchFamily="34" charset="-122"/>
+                <a:ea typeface="微软雅黑" panose="020B0503020204020204" pitchFamily="34" charset="-122"/>
+                <a:cs typeface="Times New Roman" panose="02020603050405020304" pitchFamily="18" charset="0"/>
+              </a:rPr>
+              <a:t>分析与</a:t>
+            </a:r>
+            <a:r>
+              <a:rPr lang="en-US" altLang="zh-CN" sz="1800" dirty="0">
+                <a:solidFill>
+                  <a:srgbClr val="5B9BD5">
+                    <a:lumMod val="75000"/>
+                  </a:srgbClr>
+                </a:solidFill>
+                <a:latin typeface="微软雅黑" panose="020B0503020204020204" pitchFamily="34" charset="-122"/>
+                <a:ea typeface="微软雅黑" panose="020B0503020204020204" pitchFamily="34" charset="-122"/>
+                <a:cs typeface="Times New Roman" panose="02020603050405020304" pitchFamily="18" charset="0"/>
+              </a:rPr>
+              <a:t>AC</a:t>
+            </a:r>
+            <a:r>
+              <a:rPr lang="zh-CN" altLang="en-US" sz="1800" dirty="0">
+                <a:solidFill>
+                  <a:srgbClr val="5B9BD5">
+                    <a:lumMod val="75000"/>
+                  </a:srgbClr>
+                </a:solidFill>
+                <a:latin typeface="微软雅黑" panose="020B0503020204020204" pitchFamily="34" charset="-122"/>
+                <a:ea typeface="微软雅黑" panose="020B0503020204020204" pitchFamily="34" charset="-122"/>
+                <a:cs typeface="Times New Roman" panose="02020603050405020304" pitchFamily="18" charset="0"/>
+              </a:rPr>
+              <a:t>分析中生成的电路网络中</a:t>
+            </a:r>
+            <a:r>
+              <a:rPr lang="en-US" altLang="zh-CN" sz="1800" dirty="0">
+                <a:solidFill>
+                  <a:srgbClr val="5B9BD5">
+                    <a:lumMod val="75000"/>
+                  </a:srgbClr>
+                </a:solidFill>
+                <a:latin typeface="微软雅黑" panose="020B0503020204020204" pitchFamily="34" charset="-122"/>
+                <a:ea typeface="微软雅黑" panose="020B0503020204020204" pitchFamily="34" charset="-122"/>
+                <a:cs typeface="Times New Roman" panose="02020603050405020304" pitchFamily="18" charset="0"/>
+              </a:rPr>
+              <a:t>MOS</a:t>
+            </a:r>
+            <a:r>
+              <a:rPr lang="zh-CN" altLang="en-US" sz="1800" dirty="0">
+                <a:solidFill>
+                  <a:srgbClr val="5B9BD5">
+                    <a:lumMod val="75000"/>
+                  </a:srgbClr>
+                </a:solidFill>
+                <a:latin typeface="微软雅黑" panose="020B0503020204020204" pitchFamily="34" charset="-122"/>
+                <a:ea typeface="微软雅黑" panose="020B0503020204020204" pitchFamily="34" charset="-122"/>
+                <a:cs typeface="Times New Roman" panose="02020603050405020304" pitchFamily="18" charset="0"/>
+              </a:rPr>
+              <a:t>管解析出的伴随器件少了一个电流源，瞬态分析中生成的电容则被替换成了电阻和电压源的串联。</a:t>
+            </a:r>
+            <a:endParaRPr lang="en-US" altLang="zh-CN" sz="2000" dirty="0">
               <a:solidFill>
                 <a:schemeClr val="accent1">
                   <a:lumMod val="50000"/>
@@ -7388,7 +7817,7 @@
         <p:spPr>
           <a:xfrm>
             <a:off x="659130" y="1088009"/>
-            <a:ext cx="7680198" cy="3677930"/>
+            <a:ext cx="7680198" cy="3877985"/>
           </a:xfrm>
           <a:prstGeom prst="rect">
             <a:avLst/>
@@ -7402,95 +7831,1344 @@
           <a:lstStyle/>
           <a:p>
             <a:pPr>
+              <a:lnSpc>
+                <a:spcPct val="150000"/>
+              </a:lnSpc>
+              <a:spcBef>
+                <a:spcPts val="1200"/>
+              </a:spcBef>
+              <a:spcAft>
+                <a:spcPts val="900"/>
+              </a:spcAft>
+            </a:pPr>
+            <a:r>
+              <a:rPr lang="zh-CN" altLang="en-US" sz="2000" dirty="0">
+                <a:solidFill>
+                  <a:schemeClr val="accent1">
+                    <a:lumMod val="50000"/>
+                  </a:schemeClr>
+                </a:solidFill>
+                <a:effectLst/>
+                <a:latin typeface="微软雅黑" panose="020B0503020204020204" pitchFamily="34" charset="-122"/>
+                <a:ea typeface="微软雅黑" panose="020B0503020204020204" pitchFamily="34" charset="-122"/>
+                <a:cs typeface="Times New Roman" panose="02020603050405020304" pitchFamily="18" charset="0"/>
+              </a:rPr>
+              <a:t>实现了所有线性元件贴进矩阵并生成方程的方法</a:t>
+            </a:r>
+            <a:br>
+              <a:rPr lang="en-US" altLang="zh-CN" sz="2000" dirty="0">
+                <a:solidFill>
+                  <a:schemeClr val="accent1">
+                    <a:lumMod val="50000"/>
+                  </a:schemeClr>
+                </a:solidFill>
+                <a:effectLst/>
+                <a:latin typeface="微软雅黑" panose="020B0503020204020204" pitchFamily="34" charset="-122"/>
+                <a:ea typeface="微软雅黑" panose="020B0503020204020204" pitchFamily="34" charset="-122"/>
+                <a:cs typeface="Times New Roman" panose="02020603050405020304" pitchFamily="18" charset="0"/>
+              </a:rPr>
+            </a:br>
+            <a:r>
+              <a:rPr lang="zh-CN" altLang="en-US" sz="1800" dirty="0">
+                <a:solidFill>
+                  <a:schemeClr val="accent1">
+                    <a:lumMod val="75000"/>
+                  </a:schemeClr>
+                </a:solidFill>
+                <a:effectLst/>
+                <a:latin typeface="Cambria" panose="02040503050406030204" pitchFamily="18" charset="0"/>
+                <a:ea typeface="微软雅黑" panose="020B0503020204020204" pitchFamily="34" charset="-122"/>
+                <a:cs typeface="Times New Roman" panose="02020603050405020304" pitchFamily="18" charset="0"/>
+              </a:rPr>
+              <a:t>生成矩阵方程时首先</a:t>
+            </a:r>
+            <a:r>
+              <a:rPr lang="zh-CN" altLang="zh-CN" sz="1800" dirty="0">
+                <a:solidFill>
+                  <a:schemeClr val="accent1">
+                    <a:lumMod val="75000"/>
+                  </a:schemeClr>
+                </a:solidFill>
+                <a:effectLst/>
+                <a:latin typeface="Cambria" panose="02040503050406030204" pitchFamily="18" charset="0"/>
+                <a:ea typeface="微软雅黑" panose="020B0503020204020204" pitchFamily="34" charset="-122"/>
+                <a:cs typeface="Times New Roman" panose="02020603050405020304" pitchFamily="18" charset="0"/>
+              </a:rPr>
+              <a:t>考虑地节点，保证代码逻辑的一致性，随后去掉接地的节点以及接地节点的电压</a:t>
+            </a:r>
+            <a:r>
+              <a:rPr lang="zh-CN" altLang="en-US" sz="1800" dirty="0">
+                <a:solidFill>
+                  <a:schemeClr val="accent1">
+                    <a:lumMod val="75000"/>
+                  </a:schemeClr>
+                </a:solidFill>
+                <a:effectLst/>
+                <a:latin typeface="Cambria" panose="02040503050406030204" pitchFamily="18" charset="0"/>
+                <a:ea typeface="微软雅黑" panose="020B0503020204020204" pitchFamily="34" charset="-122"/>
+                <a:cs typeface="Times New Roman" panose="02020603050405020304" pitchFamily="18" charset="0"/>
+              </a:rPr>
+              <a:t>。</a:t>
+            </a:r>
+            <a:r>
+              <a:rPr lang="zh-CN" altLang="zh-CN" sz="1800" dirty="0">
+                <a:solidFill>
+                  <a:schemeClr val="accent1">
+                    <a:lumMod val="75000"/>
+                  </a:schemeClr>
+                </a:solidFill>
+                <a:effectLst/>
+                <a:latin typeface="Cambria" panose="02040503050406030204" pitchFamily="18" charset="0"/>
+                <a:ea typeface="微软雅黑" panose="020B0503020204020204" pitchFamily="34" charset="-122"/>
+                <a:cs typeface="Times New Roman" panose="02020603050405020304" pitchFamily="18" charset="0"/>
+              </a:rPr>
+              <a:t>接地的节点</a:t>
+            </a:r>
+            <a:r>
+              <a:rPr lang="zh-CN" altLang="en-US" sz="1800" dirty="0">
+                <a:solidFill>
+                  <a:schemeClr val="accent1">
+                    <a:lumMod val="75000"/>
+                  </a:schemeClr>
+                </a:solidFill>
+                <a:effectLst/>
+                <a:latin typeface="Cambria" panose="02040503050406030204" pitchFamily="18" charset="0"/>
+                <a:ea typeface="微软雅黑" panose="020B0503020204020204" pitchFamily="34" charset="-122"/>
+                <a:cs typeface="Times New Roman" panose="02020603050405020304" pitchFamily="18" charset="0"/>
+              </a:rPr>
+              <a:t>电压已知为</a:t>
+            </a:r>
+            <a:r>
+              <a:rPr lang="en-US" altLang="zh-CN" sz="1800" dirty="0">
+                <a:solidFill>
+                  <a:schemeClr val="accent1">
+                    <a:lumMod val="75000"/>
+                  </a:schemeClr>
+                </a:solidFill>
+                <a:effectLst/>
+                <a:latin typeface="Cambria" panose="02040503050406030204" pitchFamily="18" charset="0"/>
+                <a:ea typeface="微软雅黑" panose="020B0503020204020204" pitchFamily="34" charset="-122"/>
+                <a:cs typeface="Times New Roman" panose="02020603050405020304" pitchFamily="18" charset="0"/>
+              </a:rPr>
+              <a:t>0</a:t>
+            </a:r>
+            <a:r>
+              <a:rPr lang="zh-CN" altLang="en-US" sz="1800" dirty="0">
+                <a:solidFill>
+                  <a:schemeClr val="accent1">
+                    <a:lumMod val="75000"/>
+                  </a:schemeClr>
+                </a:solidFill>
+                <a:effectLst/>
+                <a:latin typeface="Cambria" panose="02040503050406030204" pitchFamily="18" charset="0"/>
+                <a:ea typeface="微软雅黑" panose="020B0503020204020204" pitchFamily="34" charset="-122"/>
+                <a:cs typeface="Times New Roman" panose="02020603050405020304" pitchFamily="18" charset="0"/>
+              </a:rPr>
+              <a:t>，可以减</a:t>
+            </a:r>
+            <a:r>
+              <a:rPr lang="zh-CN" altLang="zh-CN" sz="1800" dirty="0">
+                <a:solidFill>
+                  <a:schemeClr val="accent1">
+                    <a:lumMod val="75000"/>
+                  </a:schemeClr>
+                </a:solidFill>
+                <a:effectLst/>
+                <a:latin typeface="Cambria" panose="02040503050406030204" pitchFamily="18" charset="0"/>
+                <a:ea typeface="微软雅黑" panose="020B0503020204020204" pitchFamily="34" charset="-122"/>
+                <a:cs typeface="Times New Roman" panose="02020603050405020304" pitchFamily="18" charset="0"/>
+              </a:rPr>
+              <a:t>少矩阵的维度</a:t>
+            </a:r>
+            <a:r>
+              <a:rPr lang="zh-CN" altLang="en-US" sz="1800" dirty="0">
+                <a:solidFill>
+                  <a:schemeClr val="accent1">
+                    <a:lumMod val="75000"/>
+                  </a:schemeClr>
+                </a:solidFill>
+                <a:effectLst/>
+                <a:latin typeface="Cambria" panose="02040503050406030204" pitchFamily="18" charset="0"/>
+                <a:ea typeface="微软雅黑" panose="020B0503020204020204" pitchFamily="34" charset="-122"/>
+                <a:cs typeface="Times New Roman" panose="02020603050405020304" pitchFamily="18" charset="0"/>
+              </a:rPr>
+              <a:t>提高</a:t>
+            </a:r>
+            <a:r>
+              <a:rPr lang="zh-CN" altLang="zh-CN" sz="1800" dirty="0">
+                <a:solidFill>
+                  <a:schemeClr val="accent1">
+                    <a:lumMod val="75000"/>
+                  </a:schemeClr>
+                </a:solidFill>
+                <a:effectLst/>
+                <a:latin typeface="Cambria" panose="02040503050406030204" pitchFamily="18" charset="0"/>
+                <a:ea typeface="微软雅黑" panose="020B0503020204020204" pitchFamily="34" charset="-122"/>
+                <a:cs typeface="Times New Roman" panose="02020603050405020304" pitchFamily="18" charset="0"/>
+              </a:rPr>
+              <a:t>运算的效率。</a:t>
+            </a:r>
+            <a:r>
+              <a:rPr lang="zh-CN" altLang="en-US" sz="1800" dirty="0">
+                <a:solidFill>
+                  <a:schemeClr val="accent1">
+                    <a:lumMod val="75000"/>
+                  </a:schemeClr>
+                </a:solidFill>
+                <a:effectLst/>
+                <a:latin typeface="Cambria" panose="02040503050406030204" pitchFamily="18" charset="0"/>
+                <a:ea typeface="微软雅黑" panose="020B0503020204020204" pitchFamily="34" charset="-122"/>
+                <a:cs typeface="Times New Roman" panose="02020603050405020304" pitchFamily="18" charset="0"/>
+              </a:rPr>
+              <a:t>支持的电路元件有：</a:t>
+            </a:r>
+            <a:endParaRPr lang="en-US" altLang="zh-CN" sz="2000" dirty="0">
+              <a:solidFill>
+                <a:schemeClr val="accent1">
+                  <a:lumMod val="75000"/>
+                </a:schemeClr>
+              </a:solidFill>
+              <a:effectLst/>
+              <a:latin typeface="微软雅黑" panose="020B0503020204020204" pitchFamily="34" charset="-122"/>
+              <a:ea typeface="微软雅黑" panose="020B0503020204020204" pitchFamily="34" charset="-122"/>
+              <a:cs typeface="Times New Roman" panose="02020603050405020304" pitchFamily="18" charset="0"/>
+            </a:endParaRPr>
+          </a:p>
+          <a:p>
+            <a:pPr marL="342900" indent="-342900">
               <a:spcBef>
                 <a:spcPts val="900"/>
               </a:spcBef>
               <a:spcAft>
                 <a:spcPts val="900"/>
               </a:spcAft>
+              <a:buAutoNum type="arabicPeriod"/>
             </a:pPr>
             <a:r>
-              <a:rPr lang="zh-CN" altLang="en-US" sz="2400" dirty="0">
+              <a:rPr lang="en-US" altLang="zh-CN" sz="1200" dirty="0">
+                <a:solidFill>
+                  <a:schemeClr val="accent1">
+                    <a:lumMod val="75000"/>
+                  </a:schemeClr>
+                </a:solidFill>
+                <a:latin typeface="微软雅黑" panose="020B0503020204020204" pitchFamily="34" charset="-122"/>
+                <a:ea typeface="微软雅黑" panose="020B0503020204020204" pitchFamily="34" charset="-122"/>
+                <a:cs typeface="Times New Roman" panose="02020603050405020304" pitchFamily="18" charset="0"/>
+              </a:rPr>
+              <a:t>I</a:t>
+            </a:r>
+            <a:r>
+              <a:rPr lang="zh-CN" altLang="en-US" sz="1200" dirty="0">
+                <a:solidFill>
+                  <a:schemeClr val="accent1">
+                    <a:lumMod val="75000"/>
+                  </a:schemeClr>
+                </a:solidFill>
+                <a:latin typeface="微软雅黑" panose="020B0503020204020204" pitchFamily="34" charset="-122"/>
+                <a:ea typeface="微软雅黑" panose="020B0503020204020204" pitchFamily="34" charset="-122"/>
+                <a:cs typeface="Times New Roman" panose="02020603050405020304" pitchFamily="18" charset="0"/>
+              </a:rPr>
+              <a:t>、</a:t>
+            </a:r>
+            <a:r>
+              <a:rPr lang="en-US" altLang="zh-CN" sz="1200" dirty="0">
+                <a:solidFill>
+                  <a:schemeClr val="accent1">
+                    <a:lumMod val="75000"/>
+                  </a:schemeClr>
+                </a:solidFill>
+                <a:latin typeface="微软雅黑" panose="020B0503020204020204" pitchFamily="34" charset="-122"/>
+                <a:ea typeface="微软雅黑" panose="020B0503020204020204" pitchFamily="34" charset="-122"/>
+                <a:cs typeface="Times New Roman" panose="02020603050405020304" pitchFamily="18" charset="0"/>
+              </a:rPr>
+              <a:t>V</a:t>
+            </a:r>
+            <a:r>
+              <a:rPr lang="zh-CN" altLang="en-US" sz="1200" dirty="0">
+                <a:solidFill>
+                  <a:schemeClr val="accent1">
+                    <a:lumMod val="75000"/>
+                  </a:schemeClr>
+                </a:solidFill>
+                <a:latin typeface="微软雅黑" panose="020B0503020204020204" pitchFamily="34" charset="-122"/>
+                <a:ea typeface="微软雅黑" panose="020B0503020204020204" pitchFamily="34" charset="-122"/>
+                <a:cs typeface="Times New Roman" panose="02020603050405020304" pitchFamily="18" charset="0"/>
+              </a:rPr>
+              <a:t>、</a:t>
+            </a:r>
+            <a:r>
+              <a:rPr lang="en-US" altLang="zh-CN" sz="1200" dirty="0">
+                <a:solidFill>
+                  <a:schemeClr val="accent1">
+                    <a:lumMod val="75000"/>
+                  </a:schemeClr>
+                </a:solidFill>
+                <a:latin typeface="微软雅黑" panose="020B0503020204020204" pitchFamily="34" charset="-122"/>
+                <a:ea typeface="微软雅黑" panose="020B0503020204020204" pitchFamily="34" charset="-122"/>
+                <a:cs typeface="Times New Roman" panose="02020603050405020304" pitchFamily="18" charset="0"/>
+              </a:rPr>
+              <a:t>R - </a:t>
+            </a:r>
+            <a:r>
+              <a:rPr lang="zh-CN" altLang="en-US" sz="1200" dirty="0">
+                <a:solidFill>
+                  <a:schemeClr val="accent1">
+                    <a:lumMod val="75000"/>
+                  </a:schemeClr>
+                </a:solidFill>
+                <a:latin typeface="微软雅黑" panose="020B0503020204020204" pitchFamily="34" charset="-122"/>
+                <a:ea typeface="微软雅黑" panose="020B0503020204020204" pitchFamily="34" charset="-122"/>
+                <a:cs typeface="Times New Roman" panose="02020603050405020304" pitchFamily="18" charset="0"/>
+              </a:rPr>
+              <a:t>基本的线性电路元件</a:t>
+            </a:r>
+          </a:p>
+          <a:p>
+            <a:pPr marL="342900" indent="-342900">
+              <a:spcBef>
+                <a:spcPts val="900"/>
+              </a:spcBef>
+              <a:spcAft>
+                <a:spcPts val="900"/>
+              </a:spcAft>
+              <a:buAutoNum type="arabicPeriod" startAt="2"/>
+            </a:pPr>
+            <a:r>
+              <a:rPr lang="zh-CN" altLang="en-US" sz="1200" dirty="0">
+                <a:solidFill>
+                  <a:schemeClr val="accent1">
+                    <a:lumMod val="75000"/>
+                  </a:schemeClr>
+                </a:solidFill>
+                <a:latin typeface="微软雅黑" panose="020B0503020204020204" pitchFamily="34" charset="-122"/>
+                <a:ea typeface="微软雅黑" panose="020B0503020204020204" pitchFamily="34" charset="-122"/>
+                <a:cs typeface="Times New Roman" panose="02020603050405020304" pitchFamily="18" charset="0"/>
+              </a:rPr>
+              <a:t>压控电压源 </a:t>
+            </a:r>
+            <a:r>
+              <a:rPr lang="en-US" altLang="zh-CN" sz="1200" dirty="0">
+                <a:solidFill>
+                  <a:schemeClr val="accent1">
+                    <a:lumMod val="75000"/>
+                  </a:schemeClr>
+                </a:solidFill>
+                <a:latin typeface="微软雅黑" panose="020B0503020204020204" pitchFamily="34" charset="-122"/>
+                <a:ea typeface="微软雅黑" panose="020B0503020204020204" pitchFamily="34" charset="-122"/>
+                <a:cs typeface="Times New Roman" panose="02020603050405020304" pitchFamily="18" charset="0"/>
+              </a:rPr>
+              <a:t>(VCVS) – E</a:t>
+            </a:r>
+          </a:p>
+          <a:p>
+            <a:pPr marL="342900" indent="-342900">
+              <a:spcBef>
+                <a:spcPts val="900"/>
+              </a:spcBef>
+              <a:spcAft>
+                <a:spcPts val="900"/>
+              </a:spcAft>
+              <a:buAutoNum type="arabicPeriod" startAt="2"/>
+            </a:pPr>
+            <a:r>
+              <a:rPr lang="zh-CN" altLang="en-US" sz="1200" dirty="0">
+                <a:solidFill>
+                  <a:schemeClr val="accent1">
+                    <a:lumMod val="75000"/>
+                  </a:schemeClr>
+                </a:solidFill>
+                <a:latin typeface="微软雅黑" panose="020B0503020204020204" pitchFamily="34" charset="-122"/>
+                <a:ea typeface="微软雅黑" panose="020B0503020204020204" pitchFamily="34" charset="-122"/>
+                <a:cs typeface="Times New Roman" panose="02020603050405020304" pitchFamily="18" charset="0"/>
+              </a:rPr>
+              <a:t>压控电流源 </a:t>
+            </a:r>
+            <a:r>
+              <a:rPr lang="en-US" altLang="zh-CN" sz="1200" dirty="0">
+                <a:solidFill>
+                  <a:schemeClr val="accent1">
+                    <a:lumMod val="75000"/>
+                  </a:schemeClr>
+                </a:solidFill>
+                <a:latin typeface="微软雅黑" panose="020B0503020204020204" pitchFamily="34" charset="-122"/>
+                <a:ea typeface="微软雅黑" panose="020B0503020204020204" pitchFamily="34" charset="-122"/>
+                <a:cs typeface="Times New Roman" panose="02020603050405020304" pitchFamily="18" charset="0"/>
+              </a:rPr>
+              <a:t>(VCCS) – G </a:t>
+            </a:r>
+            <a:r>
+              <a:rPr lang="zh-CN" altLang="en-US" sz="1200" dirty="0">
+                <a:solidFill>
+                  <a:schemeClr val="accent1">
+                    <a:lumMod val="75000"/>
+                  </a:schemeClr>
+                </a:solidFill>
+                <a:latin typeface="微软雅黑" panose="020B0503020204020204" pitchFamily="34" charset="-122"/>
+                <a:ea typeface="微软雅黑" panose="020B0503020204020204" pitchFamily="34" charset="-122"/>
+                <a:cs typeface="Times New Roman" panose="02020603050405020304" pitchFamily="18" charset="0"/>
+              </a:rPr>
+              <a:t>支持</a:t>
+            </a:r>
+            <a:r>
+              <a:rPr lang="en-US" altLang="zh-CN" sz="1200" b="1" dirty="0">
+                <a:solidFill>
+                  <a:schemeClr val="accent1">
+                    <a:lumMod val="75000"/>
+                  </a:schemeClr>
+                </a:solidFill>
+                <a:latin typeface="微软雅黑" panose="020B0503020204020204" pitchFamily="34" charset="-122"/>
+                <a:ea typeface="微软雅黑" panose="020B0503020204020204" pitchFamily="34" charset="-122"/>
+                <a:cs typeface="Times New Roman" panose="02020603050405020304" pitchFamily="18" charset="0"/>
+              </a:rPr>
+              <a:t>MOSFET</a:t>
+            </a:r>
+            <a:r>
+              <a:rPr lang="zh-CN" altLang="en-US" sz="1200" dirty="0">
+                <a:solidFill>
+                  <a:schemeClr val="accent1">
+                    <a:lumMod val="75000"/>
+                  </a:schemeClr>
+                </a:solidFill>
+                <a:latin typeface="微软雅黑" panose="020B0503020204020204" pitchFamily="34" charset="-122"/>
+                <a:ea typeface="微软雅黑" panose="020B0503020204020204" pitchFamily="34" charset="-122"/>
+                <a:cs typeface="Times New Roman" panose="02020603050405020304" pitchFamily="18" charset="0"/>
+              </a:rPr>
+              <a:t>、</a:t>
+            </a:r>
+            <a:r>
+              <a:rPr lang="en-US" altLang="zh-CN" sz="1200" b="1" dirty="0">
+                <a:solidFill>
+                  <a:schemeClr val="accent1">
+                    <a:lumMod val="75000"/>
+                  </a:schemeClr>
+                </a:solidFill>
+                <a:latin typeface="微软雅黑" panose="020B0503020204020204" pitchFamily="34" charset="-122"/>
+                <a:ea typeface="微软雅黑" panose="020B0503020204020204" pitchFamily="34" charset="-122"/>
+                <a:cs typeface="Times New Roman" panose="02020603050405020304" pitchFamily="18" charset="0"/>
+              </a:rPr>
+              <a:t>Diode</a:t>
+            </a:r>
+            <a:endParaRPr lang="zh-CN" altLang="en-US" sz="1200" b="1" dirty="0">
+              <a:solidFill>
+                <a:schemeClr val="accent1">
+                  <a:lumMod val="75000"/>
+                </a:schemeClr>
+              </a:solidFill>
+              <a:latin typeface="微软雅黑" panose="020B0503020204020204" pitchFamily="34" charset="-122"/>
+              <a:ea typeface="微软雅黑" panose="020B0503020204020204" pitchFamily="34" charset="-122"/>
+              <a:cs typeface="Times New Roman" panose="02020603050405020304" pitchFamily="18" charset="0"/>
+            </a:endParaRPr>
+          </a:p>
+          <a:p>
+            <a:pPr marL="342900" indent="-342900">
+              <a:spcBef>
+                <a:spcPts val="900"/>
+              </a:spcBef>
+              <a:spcAft>
+                <a:spcPts val="900"/>
+              </a:spcAft>
+              <a:buAutoNum type="arabicPeriod" startAt="4"/>
+            </a:pPr>
+            <a:r>
+              <a:rPr lang="zh-CN" altLang="en-US" sz="1200" dirty="0">
+                <a:solidFill>
+                  <a:schemeClr val="accent1">
+                    <a:lumMod val="75000"/>
+                  </a:schemeClr>
+                </a:solidFill>
+                <a:latin typeface="微软雅黑" panose="020B0503020204020204" pitchFamily="34" charset="-122"/>
+                <a:ea typeface="微软雅黑" panose="020B0503020204020204" pitchFamily="34" charset="-122"/>
+                <a:cs typeface="Times New Roman" panose="02020603050405020304" pitchFamily="18" charset="0"/>
+              </a:rPr>
+              <a:t>流控电压源 </a:t>
+            </a:r>
+            <a:r>
+              <a:rPr lang="en-US" altLang="zh-CN" sz="1200" dirty="0">
+                <a:solidFill>
+                  <a:schemeClr val="accent1">
+                    <a:lumMod val="75000"/>
+                  </a:schemeClr>
+                </a:solidFill>
+                <a:latin typeface="微软雅黑" panose="020B0503020204020204" pitchFamily="34" charset="-122"/>
+                <a:ea typeface="微软雅黑" panose="020B0503020204020204" pitchFamily="34" charset="-122"/>
+                <a:cs typeface="Times New Roman" panose="02020603050405020304" pitchFamily="18" charset="0"/>
+              </a:rPr>
+              <a:t>(CCVS) – H</a:t>
+            </a:r>
+          </a:p>
+          <a:p>
+            <a:pPr marL="342900" indent="-342900">
+              <a:spcBef>
+                <a:spcPts val="900"/>
+              </a:spcBef>
+              <a:spcAft>
+                <a:spcPts val="900"/>
+              </a:spcAft>
+              <a:buAutoNum type="arabicPeriod" startAt="4"/>
+            </a:pPr>
+            <a:r>
+              <a:rPr lang="zh-CN" altLang="en-US" sz="1200" dirty="0">
+                <a:solidFill>
+                  <a:schemeClr val="accent1">
+                    <a:lumMod val="75000"/>
+                  </a:schemeClr>
+                </a:solidFill>
+                <a:latin typeface="微软雅黑" panose="020B0503020204020204" pitchFamily="34" charset="-122"/>
+                <a:ea typeface="微软雅黑" panose="020B0503020204020204" pitchFamily="34" charset="-122"/>
+                <a:cs typeface="Times New Roman" panose="02020603050405020304" pitchFamily="18" charset="0"/>
+              </a:rPr>
+              <a:t>流控电流源 </a:t>
+            </a:r>
+            <a:r>
+              <a:rPr lang="en-US" altLang="zh-CN" sz="1200" dirty="0">
+                <a:solidFill>
+                  <a:schemeClr val="accent1">
+                    <a:lumMod val="75000"/>
+                  </a:schemeClr>
+                </a:solidFill>
+                <a:latin typeface="微软雅黑" panose="020B0503020204020204" pitchFamily="34" charset="-122"/>
+                <a:ea typeface="微软雅黑" panose="020B0503020204020204" pitchFamily="34" charset="-122"/>
+                <a:cs typeface="Times New Roman" panose="02020603050405020304" pitchFamily="18" charset="0"/>
+              </a:rPr>
+              <a:t>(CCCS) – F </a:t>
+            </a:r>
+            <a:r>
+              <a:rPr lang="zh-CN" altLang="en-US" sz="1200" dirty="0">
+                <a:solidFill>
+                  <a:schemeClr val="accent1">
+                    <a:lumMod val="75000"/>
+                  </a:schemeClr>
+                </a:solidFill>
+                <a:latin typeface="微软雅黑" panose="020B0503020204020204" pitchFamily="34" charset="-122"/>
+                <a:ea typeface="微软雅黑" panose="020B0503020204020204" pitchFamily="34" charset="-122"/>
+                <a:cs typeface="Times New Roman" panose="02020603050405020304" pitchFamily="18" charset="0"/>
+              </a:rPr>
+              <a:t>支持</a:t>
+            </a:r>
+            <a:r>
+              <a:rPr lang="en-US" altLang="zh-CN" sz="1200" b="1" dirty="0">
+                <a:solidFill>
+                  <a:schemeClr val="accent1">
+                    <a:lumMod val="75000"/>
+                  </a:schemeClr>
+                </a:solidFill>
+                <a:latin typeface="微软雅黑" panose="020B0503020204020204" pitchFamily="34" charset="-122"/>
+                <a:ea typeface="微软雅黑" panose="020B0503020204020204" pitchFamily="34" charset="-122"/>
+                <a:cs typeface="Times New Roman" panose="02020603050405020304" pitchFamily="18" charset="0"/>
+              </a:rPr>
+              <a:t>BJT</a:t>
+            </a:r>
+            <a:endParaRPr lang="zh-CN" altLang="en-US" sz="1200" b="1" dirty="0">
+              <a:solidFill>
+                <a:schemeClr val="accent1">
+                  <a:lumMod val="75000"/>
+                </a:schemeClr>
+              </a:solidFill>
+              <a:latin typeface="微软雅黑" panose="020B0503020204020204" pitchFamily="34" charset="-122"/>
+              <a:ea typeface="微软雅黑" panose="020B0503020204020204" pitchFamily="34" charset="-122"/>
+              <a:cs typeface="Times New Roman" panose="02020603050405020304" pitchFamily="18" charset="0"/>
+            </a:endParaRPr>
+          </a:p>
+        </p:txBody>
+      </p:sp>
+      <p:sp>
+        <p:nvSpPr>
+          <p:cNvPr id="5" name="文本框 4"/>
+          <p:cNvSpPr txBox="1"/>
+          <p:nvPr/>
+        </p:nvSpPr>
+        <p:spPr>
+          <a:xfrm>
+            <a:off x="956945" y="214630"/>
+            <a:ext cx="4410182" cy="584775"/>
+          </a:xfrm>
+          <a:prstGeom prst="rect">
+            <a:avLst/>
+          </a:prstGeom>
+          <a:noFill/>
+        </p:spPr>
+        <p:txBody>
+          <a:bodyPr wrap="none" rtlCol="0">
+            <a:spAutoFit/>
+          </a:bodyPr>
+          <a:lstStyle/>
+          <a:p>
+            <a:r>
+              <a:rPr lang="zh-CN" altLang="en-US" sz="3200" dirty="0">
+                <a:solidFill>
+                  <a:schemeClr val="accent5">
+                    <a:lumMod val="75000"/>
+                  </a:schemeClr>
+                </a:solidFill>
+                <a:effectLst>
+                  <a:outerShdw blurRad="38100" dist="38100" dir="2700000" algn="tl">
+                    <a:srgbClr val="000000">
+                      <a:alpha val="43137"/>
+                    </a:srgbClr>
+                  </a:outerShdw>
+                </a:effectLst>
+                <a:cs typeface="+mn-ea"/>
+              </a:rPr>
+              <a:t>技术细节 建立矩阵方程</a:t>
+            </a:r>
+          </a:p>
+        </p:txBody>
+      </p:sp>
+    </p:spTree>
+    <p:extLst>
+      <p:ext uri="{BB962C8B-B14F-4D97-AF65-F5344CB8AC3E}">
+        <p14:creationId xmlns:p14="http://schemas.microsoft.com/office/powerpoint/2010/main" val="2857546299"/>
+      </p:ext>
+    </p:extLst>
+  </p:cSld>
+  <p:clrMapOvr>
+    <a:masterClrMapping/>
+  </p:clrMapOvr>
+  <mc:AlternateContent xmlns:mc="http://schemas.openxmlformats.org/markup-compatibility/2006" xmlns:p14="http://schemas.microsoft.com/office/powerpoint/2010/main">
+    <mc:Choice Requires="p14">
+      <p:transition spd="slow">
+        <p14:gallery dir="l"/>
+      </p:transition>
+    </mc:Choice>
+    <mc:Fallback xmlns="">
+      <p:transition spd="slow">
+        <p:fade/>
+      </p:transition>
+    </mc:Fallback>
+  </mc:AlternateContent>
+</p:sld>
+</file>
+
+<file path=ppt/slides/slide15.xml><?xml version="1.0" encoding="utf-8"?>
+<p:sld xmlns:a="http://schemas.openxmlformats.org/drawingml/2006/main" xmlns:r="http://schemas.openxmlformats.org/officeDocument/2006/relationships" xmlns:p="http://schemas.openxmlformats.org/presentationml/2006/main">
+  <p:cSld>
+    <p:spTree>
+      <p:nvGrpSpPr>
+        <p:cNvPr id="1" name=""/>
+        <p:cNvGrpSpPr/>
+        <p:nvPr/>
+      </p:nvGrpSpPr>
+      <p:grpSpPr>
+        <a:xfrm>
+          <a:off x="0" y="0"/>
+          <a:ext cx="0" cy="0"/>
+          <a:chOff x="0" y="0"/>
+          <a:chExt cx="0" cy="0"/>
+        </a:xfrm>
+      </p:grpSpPr>
+      <p:sp>
+        <p:nvSpPr>
+          <p:cNvPr id="7" name="文本框 6"/>
+          <p:cNvSpPr txBox="1"/>
+          <p:nvPr/>
+        </p:nvSpPr>
+        <p:spPr>
+          <a:xfrm>
+            <a:off x="659130" y="1088009"/>
+            <a:ext cx="7680198" cy="3582391"/>
+          </a:xfrm>
+          <a:prstGeom prst="rect">
+            <a:avLst/>
+          </a:prstGeom>
+          <a:noFill/>
+        </p:spPr>
+        <p:txBody>
+          <a:bodyPr wrap="square" rtlCol="0">
+            <a:spAutoFit/>
+          </a:bodyPr>
+          <a:lstStyle/>
+          <a:p>
+            <a:pPr>
+              <a:lnSpc>
+                <a:spcPct val="150000"/>
+              </a:lnSpc>
+              <a:spcBef>
+                <a:spcPts val="1200"/>
+              </a:spcBef>
+              <a:spcAft>
+                <a:spcPts val="900"/>
+              </a:spcAft>
+            </a:pPr>
+            <a:r>
+              <a:rPr lang="zh-CN" altLang="en-US" sz="2000" dirty="0">
                 <a:solidFill>
                   <a:schemeClr val="accent1">
                     <a:lumMod val="50000"/>
+                  </a:schemeClr>
+                </a:solidFill>
+                <a:effectLst/>
+                <a:latin typeface="微软雅黑" panose="020B0503020204020204" pitchFamily="34" charset="-122"/>
+                <a:ea typeface="微软雅黑" panose="020B0503020204020204" pitchFamily="34" charset="-122"/>
+                <a:cs typeface="Times New Roman" panose="02020603050405020304" pitchFamily="18" charset="0"/>
+              </a:rPr>
+              <a:t>实现了非线性方程的迭代求解</a:t>
+            </a:r>
+            <a:br>
+              <a:rPr lang="en-US" altLang="zh-CN" sz="2000" dirty="0">
+                <a:solidFill>
+                  <a:schemeClr val="accent1">
+                    <a:lumMod val="50000"/>
+                  </a:schemeClr>
+                </a:solidFill>
+                <a:effectLst/>
+                <a:latin typeface="微软雅黑" panose="020B0503020204020204" pitchFamily="34" charset="-122"/>
+                <a:ea typeface="微软雅黑" panose="020B0503020204020204" pitchFamily="34" charset="-122"/>
+                <a:cs typeface="Times New Roman" panose="02020603050405020304" pitchFamily="18" charset="0"/>
+              </a:rPr>
+            </a:br>
+            <a:r>
+              <a:rPr lang="zh-CN" altLang="en-US" sz="1800" dirty="0">
+                <a:solidFill>
+                  <a:schemeClr val="accent1">
+                    <a:lumMod val="75000"/>
                   </a:schemeClr>
                 </a:solidFill>
                 <a:effectLst/>
                 <a:latin typeface="Cambria" panose="02040503050406030204" pitchFamily="18" charset="0"/>
-                <a:ea typeface="宋体" panose="02010600030101010101" pitchFamily="2" charset="-122"/>
+                <a:ea typeface="微软雅黑" panose="020B0503020204020204" pitchFamily="34" charset="-122"/>
                 <a:cs typeface="Times New Roman" panose="02020603050405020304" pitchFamily="18" charset="0"/>
               </a:rPr>
-              <a:t>通过</a:t>
-            </a:r>
-            <a:r>
-              <a:rPr lang="en-US" altLang="zh-CN" sz="2400" dirty="0" err="1">
-                <a:solidFill>
-                  <a:schemeClr val="accent1">
-                    <a:lumMod val="50000"/>
+              <a:t>使用牛顿迭代法对非线性电路进行</a:t>
+            </a:r>
+            <a:r>
+              <a:rPr lang="en-US" altLang="zh-CN" sz="1800" dirty="0">
+                <a:solidFill>
+                  <a:schemeClr val="accent1">
+                    <a:lumMod val="75000"/>
                   </a:schemeClr>
                 </a:solidFill>
                 <a:effectLst/>
                 <a:latin typeface="Cambria" panose="02040503050406030204" pitchFamily="18" charset="0"/>
-                <a:ea typeface="宋体" panose="02010600030101010101" pitchFamily="2" charset="-122"/>
+                <a:ea typeface="微软雅黑" panose="020B0503020204020204" pitchFamily="34" charset="-122"/>
                 <a:cs typeface="Times New Roman" panose="02020603050405020304" pitchFamily="18" charset="0"/>
               </a:rPr>
-              <a:t>Sweep_AC</a:t>
-            </a:r>
-            <a:r>
-              <a:rPr lang="zh-CN" altLang="en-US" sz="2400" dirty="0">
-                <a:solidFill>
-                  <a:schemeClr val="accent1">
-                    <a:lumMod val="50000"/>
+              <a:t>DC</a:t>
+            </a:r>
+            <a:r>
+              <a:rPr lang="zh-CN" altLang="en-US" sz="1800" dirty="0">
+                <a:solidFill>
+                  <a:schemeClr val="accent1">
+                    <a:lumMod val="75000"/>
                   </a:schemeClr>
                 </a:solidFill>
                 <a:effectLst/>
                 <a:latin typeface="Cambria" panose="02040503050406030204" pitchFamily="18" charset="0"/>
-                <a:ea typeface="宋体" panose="02010600030101010101" pitchFamily="2" charset="-122"/>
+                <a:ea typeface="微软雅黑" panose="020B0503020204020204" pitchFamily="34" charset="-122"/>
                 <a:cs typeface="Times New Roman" panose="02020603050405020304" pitchFamily="18" charset="0"/>
               </a:rPr>
-              <a:t>函数实现</a:t>
-            </a:r>
-            <a:r>
-              <a:rPr lang="en-US" altLang="zh-CN" sz="2400" dirty="0">
+              <a:t>分析</a:t>
+            </a:r>
+            <a:r>
+              <a:rPr lang="zh-CN" altLang="en-US" sz="1800" dirty="0">
+                <a:solidFill>
+                  <a:schemeClr val="accent1">
+                    <a:lumMod val="75000"/>
+                  </a:schemeClr>
+                </a:solidFill>
+                <a:latin typeface="Cambria" panose="02040503050406030204" pitchFamily="18" charset="0"/>
+                <a:ea typeface="微软雅黑" panose="020B0503020204020204" pitchFamily="34" charset="-122"/>
+                <a:cs typeface="Times New Roman" panose="02020603050405020304" pitchFamily="18" charset="0"/>
+              </a:rPr>
+              <a:t>，每一轮都只改变非线性器件相关的伴随器件，计算电路直流解矩阵，这个矩阵中包含节点电压与器件的端口电流。</a:t>
+            </a:r>
+            <a:endParaRPr lang="en-US" altLang="zh-CN" sz="1800" dirty="0">
+              <a:solidFill>
+                <a:schemeClr val="accent1">
+                  <a:lumMod val="75000"/>
+                </a:schemeClr>
+              </a:solidFill>
+              <a:effectLst/>
+              <a:latin typeface="Cambria" panose="02040503050406030204" pitchFamily="18" charset="0"/>
+              <a:ea typeface="微软雅黑" panose="020B0503020204020204" pitchFamily="34" charset="-122"/>
+              <a:cs typeface="Times New Roman" panose="02020603050405020304" pitchFamily="18" charset="0"/>
+            </a:endParaRPr>
+          </a:p>
+          <a:p>
+            <a:pPr>
+              <a:lnSpc>
+                <a:spcPct val="150000"/>
+              </a:lnSpc>
+              <a:spcBef>
+                <a:spcPts val="1200"/>
+              </a:spcBef>
+              <a:spcAft>
+                <a:spcPts val="900"/>
+              </a:spcAft>
+            </a:pPr>
+            <a:r>
+              <a:rPr lang="zh-CN" altLang="en-US" sz="2000" dirty="0">
                 <a:solidFill>
                   <a:schemeClr val="accent1">
                     <a:lumMod val="50000"/>
                   </a:schemeClr>
                 </a:solidFill>
                 <a:effectLst/>
-                <a:latin typeface="Cambria" panose="02040503050406030204" pitchFamily="18" charset="0"/>
-                <a:ea typeface="宋体" panose="02010600030101010101" pitchFamily="2" charset="-122"/>
+                <a:latin typeface="微软雅黑" panose="020B0503020204020204" pitchFamily="34" charset="-122"/>
+                <a:ea typeface="微软雅黑" panose="020B0503020204020204" pitchFamily="34" charset="-122"/>
                 <a:cs typeface="Times New Roman" panose="02020603050405020304" pitchFamily="18" charset="0"/>
               </a:rPr>
-              <a:t>AC</a:t>
-            </a:r>
-            <a:r>
-              <a:rPr lang="zh-CN" altLang="en-US" sz="2400" dirty="0">
-                <a:solidFill>
-                  <a:schemeClr val="accent1">
-                    <a:lumMod val="50000"/>
-                  </a:schemeClr>
-                </a:solidFill>
-                <a:effectLst/>
-                <a:latin typeface="Cambria" panose="02040503050406030204" pitchFamily="18" charset="0"/>
-                <a:ea typeface="宋体" panose="02010600030101010101" pitchFamily="2" charset="-122"/>
-                <a:cs typeface="Times New Roman" panose="02020603050405020304" pitchFamily="18" charset="0"/>
-              </a:rPr>
-              <a:t>扫描</a:t>
-            </a:r>
-            <a:endParaRPr lang="en-US" altLang="zh-CN" sz="2400" dirty="0">
+              <a:t>实现了直流扫描</a:t>
+            </a:r>
+            <a:endParaRPr lang="en-US" altLang="zh-CN" sz="2000" dirty="0">
               <a:solidFill>
                 <a:schemeClr val="accent1">
                   <a:lumMod val="50000"/>
                 </a:schemeClr>
               </a:solidFill>
               <a:effectLst/>
-              <a:latin typeface="Cambria" panose="02040503050406030204" pitchFamily="18" charset="0"/>
-              <a:ea typeface="宋体" panose="02010600030101010101" pitchFamily="2" charset="-122"/>
+              <a:latin typeface="微软雅黑" panose="020B0503020204020204" pitchFamily="34" charset="-122"/>
+              <a:ea typeface="微软雅黑" panose="020B0503020204020204" pitchFamily="34" charset="-122"/>
               <a:cs typeface="Times New Roman" panose="02020603050405020304" pitchFamily="18" charset="0"/>
             </a:endParaRPr>
           </a:p>
+          <a:p>
+            <a:pPr>
+              <a:lnSpc>
+                <a:spcPct val="150000"/>
+              </a:lnSpc>
+              <a:spcBef>
+                <a:spcPts val="1200"/>
+              </a:spcBef>
+              <a:spcAft>
+                <a:spcPts val="900"/>
+              </a:spcAft>
+            </a:pPr>
+            <a:r>
+              <a:rPr lang="zh-CN" altLang="en-US" sz="1800" dirty="0">
+                <a:solidFill>
+                  <a:schemeClr val="accent1">
+                    <a:lumMod val="75000"/>
+                  </a:schemeClr>
+                </a:solidFill>
+                <a:latin typeface="Cambria" panose="02040503050406030204" pitchFamily="18" charset="0"/>
+                <a:ea typeface="微软雅黑" panose="020B0503020204020204" pitchFamily="34" charset="-122"/>
+                <a:cs typeface="Times New Roman" panose="02020603050405020304" pitchFamily="18" charset="0"/>
+              </a:rPr>
+              <a:t>使用</a:t>
+            </a:r>
+            <a:r>
+              <a:rPr lang="en-US" altLang="zh-CN" sz="1800" dirty="0">
+                <a:solidFill>
+                  <a:schemeClr val="accent1">
+                    <a:lumMod val="75000"/>
+                  </a:schemeClr>
+                </a:solidFill>
+                <a:latin typeface="Cambria" panose="02040503050406030204" pitchFamily="18" charset="0"/>
+                <a:ea typeface="微软雅黑" panose="020B0503020204020204" pitchFamily="34" charset="-122"/>
+                <a:cs typeface="Times New Roman" panose="02020603050405020304" pitchFamily="18" charset="0"/>
+              </a:rPr>
+              <a:t>DC</a:t>
+            </a:r>
+            <a:r>
+              <a:rPr lang="zh-CN" altLang="en-US" sz="1800" dirty="0">
+                <a:solidFill>
+                  <a:schemeClr val="accent1">
+                    <a:lumMod val="75000"/>
+                  </a:schemeClr>
+                </a:solidFill>
+                <a:latin typeface="Cambria" panose="02040503050406030204" pitchFamily="18" charset="0"/>
+                <a:ea typeface="微软雅黑" panose="020B0503020204020204" pitchFamily="34" charset="-122"/>
+                <a:cs typeface="Times New Roman" panose="02020603050405020304" pitchFamily="18" charset="0"/>
+              </a:rPr>
+              <a:t>的计算方式完成了</a:t>
+            </a:r>
+            <a:r>
+              <a:rPr lang="en-US" altLang="zh-CN" sz="1800" dirty="0">
+                <a:solidFill>
+                  <a:schemeClr val="accent1">
+                    <a:lumMod val="75000"/>
+                  </a:schemeClr>
+                </a:solidFill>
+                <a:latin typeface="Cambria" panose="02040503050406030204" pitchFamily="18" charset="0"/>
+                <a:ea typeface="微软雅黑" panose="020B0503020204020204" pitchFamily="34" charset="-122"/>
+                <a:cs typeface="Times New Roman" panose="02020603050405020304" pitchFamily="18" charset="0"/>
+              </a:rPr>
+              <a:t>DC</a:t>
+            </a:r>
+            <a:r>
+              <a:rPr lang="zh-CN" altLang="en-US" sz="1800" dirty="0">
+                <a:solidFill>
+                  <a:schemeClr val="accent1">
+                    <a:lumMod val="75000"/>
+                  </a:schemeClr>
+                </a:solidFill>
+                <a:latin typeface="Cambria" panose="02040503050406030204" pitchFamily="18" charset="0"/>
+                <a:ea typeface="微软雅黑" panose="020B0503020204020204" pitchFamily="34" charset="-122"/>
+                <a:cs typeface="Times New Roman" panose="02020603050405020304" pitchFamily="18" charset="0"/>
+              </a:rPr>
+              <a:t>扫描，求出了电路在直流源不同的值下的直流工作点的值，包含电流以及电压的直流值的扫描。</a:t>
+            </a:r>
+            <a:endParaRPr lang="en-US" altLang="zh-CN" sz="1800" dirty="0">
+              <a:solidFill>
+                <a:schemeClr val="accent1">
+                  <a:lumMod val="75000"/>
+                </a:schemeClr>
+              </a:solidFill>
+              <a:effectLst/>
+              <a:latin typeface="Cambria" panose="02040503050406030204" pitchFamily="18" charset="0"/>
+              <a:ea typeface="微软雅黑" panose="020B0503020204020204" pitchFamily="34" charset="-122"/>
+              <a:cs typeface="Times New Roman" panose="02020603050405020304" pitchFamily="18" charset="0"/>
+            </a:endParaRPr>
+          </a:p>
+        </p:txBody>
+      </p:sp>
+      <p:sp>
+        <p:nvSpPr>
+          <p:cNvPr id="5" name="文本框 4"/>
+          <p:cNvSpPr txBox="1"/>
+          <p:nvPr/>
+        </p:nvSpPr>
+        <p:spPr>
+          <a:xfrm>
+            <a:off x="956945" y="214630"/>
+            <a:ext cx="4820550" cy="584775"/>
+          </a:xfrm>
+          <a:prstGeom prst="rect">
+            <a:avLst/>
+          </a:prstGeom>
+          <a:noFill/>
+        </p:spPr>
+        <p:txBody>
+          <a:bodyPr wrap="none" rtlCol="0">
+            <a:spAutoFit/>
+          </a:bodyPr>
+          <a:lstStyle/>
+          <a:p>
+            <a:r>
+              <a:rPr lang="zh-CN" altLang="en-US" sz="3200" dirty="0">
+                <a:solidFill>
+                  <a:schemeClr val="accent5">
+                    <a:lumMod val="75000"/>
+                  </a:schemeClr>
+                </a:solidFill>
+                <a:effectLst>
+                  <a:outerShdw blurRad="38100" dist="38100" dir="2700000" algn="tl">
+                    <a:srgbClr val="000000">
+                      <a:alpha val="43137"/>
+                    </a:srgbClr>
+                  </a:outerShdw>
+                </a:effectLst>
+                <a:cs typeface="+mn-ea"/>
+              </a:rPr>
+              <a:t>技术细节 求解直流工作点</a:t>
+            </a:r>
+          </a:p>
+        </p:txBody>
+      </p:sp>
+    </p:spTree>
+    <p:extLst>
+      <p:ext uri="{BB962C8B-B14F-4D97-AF65-F5344CB8AC3E}">
+        <p14:creationId xmlns:p14="http://schemas.microsoft.com/office/powerpoint/2010/main" val="626861009"/>
+      </p:ext>
+    </p:extLst>
+  </p:cSld>
+  <p:clrMapOvr>
+    <a:masterClrMapping/>
+  </p:clrMapOvr>
+  <mc:AlternateContent xmlns:mc="http://schemas.openxmlformats.org/markup-compatibility/2006" xmlns:p14="http://schemas.microsoft.com/office/powerpoint/2010/main">
+    <mc:Choice Requires="p14">
+      <p:transition spd="slow">
+        <p14:gallery dir="l"/>
+      </p:transition>
+    </mc:Choice>
+    <mc:Fallback xmlns="">
+      <p:transition spd="slow">
+        <p:fade/>
+      </p:transition>
+    </mc:Fallback>
+  </mc:AlternateContent>
+</p:sld>
+</file>
+
+<file path=ppt/slides/slide16.xml><?xml version="1.0" encoding="utf-8"?>
+<p:sld xmlns:a="http://schemas.openxmlformats.org/drawingml/2006/main" xmlns:r="http://schemas.openxmlformats.org/officeDocument/2006/relationships" xmlns:p="http://schemas.openxmlformats.org/presentationml/2006/main">
+  <p:cSld>
+    <p:spTree>
+      <p:nvGrpSpPr>
+        <p:cNvPr id="1" name=""/>
+        <p:cNvGrpSpPr/>
+        <p:nvPr/>
+      </p:nvGrpSpPr>
+      <p:grpSpPr>
+        <a:xfrm>
+          <a:off x="0" y="0"/>
+          <a:ext cx="0" cy="0"/>
+          <a:chOff x="0" y="0"/>
+          <a:chExt cx="0" cy="0"/>
+        </a:xfrm>
+      </p:grpSpPr>
+      <p:sp>
+        <p:nvSpPr>
+          <p:cNvPr id="7" name="文本框 6"/>
+          <p:cNvSpPr txBox="1"/>
+          <p:nvPr/>
+        </p:nvSpPr>
+        <p:spPr>
+          <a:xfrm>
+            <a:off x="659130" y="1088009"/>
+            <a:ext cx="7680198" cy="2477088"/>
+          </a:xfrm>
+          <a:prstGeom prst="rect">
+            <a:avLst/>
+          </a:prstGeom>
+          <a:noFill/>
+        </p:spPr>
+        <p:txBody>
+          <a:bodyPr wrap="square" rtlCol="0">
+            <a:spAutoFit/>
+          </a:bodyPr>
+          <a:lstStyle/>
+          <a:p>
+            <a:pPr>
+              <a:lnSpc>
+                <a:spcPct val="150000"/>
+              </a:lnSpc>
+              <a:spcBef>
+                <a:spcPts val="1200"/>
+              </a:spcBef>
+              <a:spcAft>
+                <a:spcPts val="900"/>
+              </a:spcAft>
+            </a:pPr>
+            <a:r>
+              <a:rPr lang="zh-CN" altLang="en-US" sz="2000" dirty="0">
+                <a:solidFill>
+                  <a:schemeClr val="accent1">
+                    <a:lumMod val="50000"/>
+                  </a:schemeClr>
+                </a:solidFill>
+                <a:effectLst/>
+                <a:latin typeface="微软雅黑" panose="020B0503020204020204" pitchFamily="34" charset="-122"/>
+                <a:ea typeface="微软雅黑" panose="020B0503020204020204" pitchFamily="34" charset="-122"/>
+                <a:cs typeface="Times New Roman" panose="02020603050405020304" pitchFamily="18" charset="0"/>
+              </a:rPr>
+              <a:t>实现了非线性方程的迭代求解</a:t>
+            </a:r>
+            <a:br>
+              <a:rPr lang="en-US" altLang="zh-CN" sz="2000" dirty="0">
+                <a:solidFill>
+                  <a:schemeClr val="accent1">
+                    <a:lumMod val="50000"/>
+                  </a:schemeClr>
+                </a:solidFill>
+                <a:effectLst/>
+                <a:latin typeface="微软雅黑" panose="020B0503020204020204" pitchFamily="34" charset="-122"/>
+                <a:ea typeface="微软雅黑" panose="020B0503020204020204" pitchFamily="34" charset="-122"/>
+                <a:cs typeface="Times New Roman" panose="02020603050405020304" pitchFamily="18" charset="0"/>
+              </a:rPr>
+            </a:br>
+            <a:r>
+              <a:rPr lang="zh-CN" altLang="en-US" sz="1800" dirty="0">
+                <a:solidFill>
+                  <a:schemeClr val="accent1">
+                    <a:lumMod val="75000"/>
+                  </a:schemeClr>
+                </a:solidFill>
+                <a:effectLst/>
+                <a:latin typeface="Cambria" panose="02040503050406030204" pitchFamily="18" charset="0"/>
+                <a:ea typeface="微软雅黑" panose="020B0503020204020204" pitchFamily="34" charset="-122"/>
+                <a:cs typeface="Times New Roman" panose="02020603050405020304" pitchFamily="18" charset="0"/>
+              </a:rPr>
+              <a:t>生成矩阵方程时首先</a:t>
+            </a:r>
+            <a:r>
+              <a:rPr lang="zh-CN" altLang="zh-CN" sz="1800" dirty="0">
+                <a:solidFill>
+                  <a:schemeClr val="accent1">
+                    <a:lumMod val="75000"/>
+                  </a:schemeClr>
+                </a:solidFill>
+                <a:effectLst/>
+                <a:latin typeface="Cambria" panose="02040503050406030204" pitchFamily="18" charset="0"/>
+                <a:ea typeface="微软雅黑" panose="020B0503020204020204" pitchFamily="34" charset="-122"/>
+                <a:cs typeface="Times New Roman" panose="02020603050405020304" pitchFamily="18" charset="0"/>
+              </a:rPr>
+              <a:t>考虑地节点，保证代码逻辑的一致性，随后去掉接地的节点以及接地节点的电压</a:t>
+            </a:r>
+            <a:r>
+              <a:rPr lang="zh-CN" altLang="en-US" sz="1800" dirty="0">
+                <a:solidFill>
+                  <a:schemeClr val="accent1">
+                    <a:lumMod val="75000"/>
+                  </a:schemeClr>
+                </a:solidFill>
+                <a:effectLst/>
+                <a:latin typeface="Cambria" panose="02040503050406030204" pitchFamily="18" charset="0"/>
+                <a:ea typeface="微软雅黑" panose="020B0503020204020204" pitchFamily="34" charset="-122"/>
+                <a:cs typeface="Times New Roman" panose="02020603050405020304" pitchFamily="18" charset="0"/>
+              </a:rPr>
+              <a:t>。</a:t>
+            </a:r>
+            <a:r>
+              <a:rPr lang="zh-CN" altLang="zh-CN" sz="1800" dirty="0">
+                <a:solidFill>
+                  <a:schemeClr val="accent1">
+                    <a:lumMod val="75000"/>
+                  </a:schemeClr>
+                </a:solidFill>
+                <a:effectLst/>
+                <a:latin typeface="Cambria" panose="02040503050406030204" pitchFamily="18" charset="0"/>
+                <a:ea typeface="微软雅黑" panose="020B0503020204020204" pitchFamily="34" charset="-122"/>
+                <a:cs typeface="Times New Roman" panose="02020603050405020304" pitchFamily="18" charset="0"/>
+              </a:rPr>
+              <a:t>接地的节点</a:t>
+            </a:r>
+            <a:r>
+              <a:rPr lang="zh-CN" altLang="en-US" sz="1800" dirty="0">
+                <a:solidFill>
+                  <a:schemeClr val="accent1">
+                    <a:lumMod val="75000"/>
+                  </a:schemeClr>
+                </a:solidFill>
+                <a:effectLst/>
+                <a:latin typeface="Cambria" panose="02040503050406030204" pitchFamily="18" charset="0"/>
+                <a:ea typeface="微软雅黑" panose="020B0503020204020204" pitchFamily="34" charset="-122"/>
+                <a:cs typeface="Times New Roman" panose="02020603050405020304" pitchFamily="18" charset="0"/>
+              </a:rPr>
+              <a:t>电压已知为</a:t>
+            </a:r>
+            <a:r>
+              <a:rPr lang="en-US" altLang="zh-CN" sz="1800" dirty="0">
+                <a:solidFill>
+                  <a:schemeClr val="accent1">
+                    <a:lumMod val="75000"/>
+                  </a:schemeClr>
+                </a:solidFill>
+                <a:effectLst/>
+                <a:latin typeface="Cambria" panose="02040503050406030204" pitchFamily="18" charset="0"/>
+                <a:ea typeface="微软雅黑" panose="020B0503020204020204" pitchFamily="34" charset="-122"/>
+                <a:cs typeface="Times New Roman" panose="02020603050405020304" pitchFamily="18" charset="0"/>
+              </a:rPr>
+              <a:t>0</a:t>
+            </a:r>
+            <a:r>
+              <a:rPr lang="zh-CN" altLang="en-US" sz="1800" dirty="0">
+                <a:solidFill>
+                  <a:schemeClr val="accent1">
+                    <a:lumMod val="75000"/>
+                  </a:schemeClr>
+                </a:solidFill>
+                <a:effectLst/>
+                <a:latin typeface="Cambria" panose="02040503050406030204" pitchFamily="18" charset="0"/>
+                <a:ea typeface="微软雅黑" panose="020B0503020204020204" pitchFamily="34" charset="-122"/>
+                <a:cs typeface="Times New Roman" panose="02020603050405020304" pitchFamily="18" charset="0"/>
+              </a:rPr>
+              <a:t>，可以减</a:t>
+            </a:r>
+            <a:r>
+              <a:rPr lang="zh-CN" altLang="zh-CN" sz="1800" dirty="0">
+                <a:solidFill>
+                  <a:schemeClr val="accent1">
+                    <a:lumMod val="75000"/>
+                  </a:schemeClr>
+                </a:solidFill>
+                <a:effectLst/>
+                <a:latin typeface="Cambria" panose="02040503050406030204" pitchFamily="18" charset="0"/>
+                <a:ea typeface="微软雅黑" panose="020B0503020204020204" pitchFamily="34" charset="-122"/>
+                <a:cs typeface="Times New Roman" panose="02020603050405020304" pitchFamily="18" charset="0"/>
+              </a:rPr>
+              <a:t>少矩阵的维度</a:t>
+            </a:r>
+            <a:r>
+              <a:rPr lang="zh-CN" altLang="en-US" sz="1800" dirty="0">
+                <a:solidFill>
+                  <a:schemeClr val="accent1">
+                    <a:lumMod val="75000"/>
+                  </a:schemeClr>
+                </a:solidFill>
+                <a:effectLst/>
+                <a:latin typeface="Cambria" panose="02040503050406030204" pitchFamily="18" charset="0"/>
+                <a:ea typeface="微软雅黑" panose="020B0503020204020204" pitchFamily="34" charset="-122"/>
+                <a:cs typeface="Times New Roman" panose="02020603050405020304" pitchFamily="18" charset="0"/>
+              </a:rPr>
+              <a:t>提高</a:t>
+            </a:r>
+            <a:r>
+              <a:rPr lang="zh-CN" altLang="zh-CN" sz="1800" dirty="0">
+                <a:solidFill>
+                  <a:schemeClr val="accent1">
+                    <a:lumMod val="75000"/>
+                  </a:schemeClr>
+                </a:solidFill>
+                <a:effectLst/>
+                <a:latin typeface="Cambria" panose="02040503050406030204" pitchFamily="18" charset="0"/>
+                <a:ea typeface="微软雅黑" panose="020B0503020204020204" pitchFamily="34" charset="-122"/>
+                <a:cs typeface="Times New Roman" panose="02020603050405020304" pitchFamily="18" charset="0"/>
+              </a:rPr>
+              <a:t>运算的效率。</a:t>
+            </a:r>
+            <a:r>
+              <a:rPr lang="zh-CN" altLang="en-US" sz="1800" dirty="0">
+                <a:solidFill>
+                  <a:schemeClr val="accent1">
+                    <a:lumMod val="75000"/>
+                  </a:schemeClr>
+                </a:solidFill>
+                <a:effectLst/>
+                <a:latin typeface="Cambria" panose="02040503050406030204" pitchFamily="18" charset="0"/>
+                <a:ea typeface="微软雅黑" panose="020B0503020204020204" pitchFamily="34" charset="-122"/>
+                <a:cs typeface="Times New Roman" panose="02020603050405020304" pitchFamily="18" charset="0"/>
+              </a:rPr>
+              <a:t>支持的电路元件有：</a:t>
+            </a:r>
+            <a:endParaRPr lang="en-US" altLang="zh-CN" sz="1800" dirty="0">
+              <a:solidFill>
+                <a:schemeClr val="accent1">
+                  <a:lumMod val="75000"/>
+                </a:schemeClr>
+              </a:solidFill>
+              <a:effectLst/>
+              <a:latin typeface="Cambria" panose="02040503050406030204" pitchFamily="18" charset="0"/>
+              <a:ea typeface="微软雅黑" panose="020B0503020204020204" pitchFamily="34" charset="-122"/>
+              <a:cs typeface="Times New Roman" panose="02020603050405020304" pitchFamily="18" charset="0"/>
+            </a:endParaRPr>
+          </a:p>
+          <a:p>
+            <a:pPr>
+              <a:lnSpc>
+                <a:spcPct val="150000"/>
+              </a:lnSpc>
+              <a:spcBef>
+                <a:spcPts val="1200"/>
+              </a:spcBef>
+              <a:spcAft>
+                <a:spcPts val="900"/>
+              </a:spcAft>
+            </a:pPr>
+            <a:r>
+              <a:rPr lang="zh-CN" altLang="en-US" sz="2000" dirty="0">
+                <a:solidFill>
+                  <a:schemeClr val="accent1">
+                    <a:lumMod val="50000"/>
+                  </a:schemeClr>
+                </a:solidFill>
+                <a:effectLst/>
+                <a:latin typeface="微软雅黑" panose="020B0503020204020204" pitchFamily="34" charset="-122"/>
+                <a:ea typeface="微软雅黑" panose="020B0503020204020204" pitchFamily="34" charset="-122"/>
+                <a:cs typeface="Times New Roman" panose="02020603050405020304" pitchFamily="18" charset="0"/>
+              </a:rPr>
+              <a:t>实现了直流扫描</a:t>
+            </a:r>
+            <a:endParaRPr lang="en-US" altLang="zh-CN" sz="2000" dirty="0">
+              <a:solidFill>
+                <a:schemeClr val="accent1">
+                  <a:lumMod val="75000"/>
+                </a:schemeClr>
+              </a:solidFill>
+              <a:effectLst/>
+              <a:latin typeface="微软雅黑" panose="020B0503020204020204" pitchFamily="34" charset="-122"/>
+              <a:ea typeface="微软雅黑" panose="020B0503020204020204" pitchFamily="34" charset="-122"/>
+              <a:cs typeface="Times New Roman" panose="02020603050405020304" pitchFamily="18" charset="0"/>
+            </a:endParaRPr>
+          </a:p>
+        </p:txBody>
+      </p:sp>
+      <p:sp>
+        <p:nvSpPr>
+          <p:cNvPr id="5" name="文本框 4"/>
+          <p:cNvSpPr txBox="1"/>
+          <p:nvPr/>
+        </p:nvSpPr>
+        <p:spPr>
+          <a:xfrm>
+            <a:off x="956945" y="214630"/>
+            <a:ext cx="4410182" cy="584775"/>
+          </a:xfrm>
+          <a:prstGeom prst="rect">
+            <a:avLst/>
+          </a:prstGeom>
+          <a:noFill/>
+        </p:spPr>
+        <p:txBody>
+          <a:bodyPr wrap="none" rtlCol="0">
+            <a:spAutoFit/>
+          </a:bodyPr>
+          <a:lstStyle/>
+          <a:p>
+            <a:r>
+              <a:rPr lang="zh-CN" altLang="en-US" sz="3200" dirty="0">
+                <a:solidFill>
+                  <a:schemeClr val="accent5">
+                    <a:lumMod val="75000"/>
+                  </a:schemeClr>
+                </a:solidFill>
+                <a:effectLst>
+                  <a:outerShdw blurRad="38100" dist="38100" dir="2700000" algn="tl">
+                    <a:srgbClr val="000000">
+                      <a:alpha val="43137"/>
+                    </a:srgbClr>
+                  </a:outerShdw>
+                </a:effectLst>
+                <a:cs typeface="+mn-ea"/>
+              </a:rPr>
+              <a:t>技术细节 实现瞬态仿真</a:t>
+            </a:r>
+          </a:p>
+        </p:txBody>
+      </p:sp>
+    </p:spTree>
+    <p:extLst>
+      <p:ext uri="{BB962C8B-B14F-4D97-AF65-F5344CB8AC3E}">
+        <p14:creationId xmlns:p14="http://schemas.microsoft.com/office/powerpoint/2010/main" val="3769457988"/>
+      </p:ext>
+    </p:extLst>
+  </p:cSld>
+  <p:clrMapOvr>
+    <a:masterClrMapping/>
+  </p:clrMapOvr>
+  <mc:AlternateContent xmlns:mc="http://schemas.openxmlformats.org/markup-compatibility/2006" xmlns:p14="http://schemas.microsoft.com/office/powerpoint/2010/main">
+    <mc:Choice Requires="p14">
+      <p:transition spd="slow">
+        <p14:gallery dir="l"/>
+      </p:transition>
+    </mc:Choice>
+    <mc:Fallback xmlns="">
+      <p:transition spd="slow">
+        <p:fade/>
+      </p:transition>
+    </mc:Fallback>
+  </mc:AlternateContent>
+</p:sld>
+</file>
+
+<file path=ppt/slides/slide17.xml><?xml version="1.0" encoding="utf-8"?>
+<p:sld xmlns:a="http://schemas.openxmlformats.org/drawingml/2006/main" xmlns:r="http://schemas.openxmlformats.org/officeDocument/2006/relationships" xmlns:p="http://schemas.openxmlformats.org/presentationml/2006/main">
+  <p:cSld>
+    <p:spTree>
+      <p:nvGrpSpPr>
+        <p:cNvPr id="1" name=""/>
+        <p:cNvGrpSpPr/>
+        <p:nvPr/>
+      </p:nvGrpSpPr>
+      <p:grpSpPr>
+        <a:xfrm>
+          <a:off x="0" y="0"/>
+          <a:ext cx="0" cy="0"/>
+          <a:chOff x="0" y="0"/>
+          <a:chExt cx="0" cy="0"/>
+        </a:xfrm>
+      </p:grpSpPr>
+      <p:sp>
+        <p:nvSpPr>
+          <p:cNvPr id="7" name="文本框 6"/>
+          <p:cNvSpPr txBox="1"/>
+          <p:nvPr/>
+        </p:nvSpPr>
+        <p:spPr>
+          <a:xfrm>
+            <a:off x="659130" y="1088009"/>
+            <a:ext cx="7680198" cy="3339376"/>
+          </a:xfrm>
+          <a:prstGeom prst="rect">
+            <a:avLst/>
+          </a:prstGeom>
+          <a:noFill/>
+        </p:spPr>
+        <p:txBody>
+          <a:bodyPr wrap="square" rtlCol="0">
+            <a:spAutoFit/>
+          </a:bodyPr>
+          <a:lstStyle/>
           <a:p>
             <a:pPr>
               <a:spcBef>
@@ -7504,24 +9182,26 @@
               <a:rPr lang="zh-CN" altLang="en-US" sz="2000" dirty="0">
                 <a:solidFill>
                   <a:schemeClr val="accent1">
-                    <a:lumMod val="75000"/>
-                  </a:schemeClr>
-                </a:solidFill>
-                <a:latin typeface="Cambria" panose="02040503050406030204" pitchFamily="18" charset="0"/>
-                <a:ea typeface="宋体" panose="02010600030101010101" pitchFamily="2" charset="-122"/>
+                    <a:lumMod val="50000"/>
+                  </a:schemeClr>
+                </a:solidFill>
+                <a:effectLst/>
+                <a:latin typeface="微软雅黑" panose="020B0503020204020204" pitchFamily="34" charset="-122"/>
+                <a:ea typeface="微软雅黑" panose="020B0503020204020204" pitchFamily="34" charset="-122"/>
                 <a:cs typeface="Times New Roman" panose="02020603050405020304" pitchFamily="18" charset="0"/>
               </a:rPr>
-              <a:t>读取线性网表信息，根据扫描参数生成采样的频率点。接着进行</a:t>
+              <a:t>实现</a:t>
             </a:r>
             <a:r>
               <a:rPr lang="en-US" altLang="zh-CN" sz="2000" dirty="0">
                 <a:solidFill>
                   <a:schemeClr val="accent1">
-                    <a:lumMod val="75000"/>
-                  </a:schemeClr>
-                </a:solidFill>
-                <a:latin typeface="Cambria" panose="02040503050406030204" pitchFamily="18" charset="0"/>
-                <a:ea typeface="宋体" panose="02010600030101010101" pitchFamily="2" charset="-122"/>
+                    <a:lumMod val="50000"/>
+                  </a:schemeClr>
+                </a:solidFill>
+                <a:effectLst/>
+                <a:latin typeface="微软雅黑" panose="020B0503020204020204" pitchFamily="34" charset="-122"/>
+                <a:ea typeface="微软雅黑" panose="020B0503020204020204" pitchFamily="34" charset="-122"/>
                 <a:cs typeface="Times New Roman" panose="02020603050405020304" pitchFamily="18" charset="0"/>
               </a:rPr>
               <a:t>AC</a:t>
@@ -7530,25 +9210,16 @@
               <a:rPr lang="zh-CN" altLang="en-US" sz="2000" dirty="0">
                 <a:solidFill>
                   <a:schemeClr val="accent1">
-                    <a:lumMod val="75000"/>
-                  </a:schemeClr>
-                </a:solidFill>
-                <a:latin typeface="Cambria" panose="02040503050406030204" pitchFamily="18" charset="0"/>
-                <a:ea typeface="宋体" panose="02010600030101010101" pitchFamily="2" charset="-122"/>
+                    <a:lumMod val="50000"/>
+                  </a:schemeClr>
+                </a:solidFill>
+                <a:effectLst/>
+                <a:latin typeface="微软雅黑" panose="020B0503020204020204" pitchFamily="34" charset="-122"/>
+                <a:ea typeface="微软雅黑" panose="020B0503020204020204" pitchFamily="34" charset="-122"/>
                 <a:cs typeface="Times New Roman" panose="02020603050405020304" pitchFamily="18" charset="0"/>
               </a:rPr>
-              <a:t>扫描，根据不同频率替换电路中各个元件的阻抗，根据阻抗值计算矩阵，使用矩阵求解得到电路中各个节点的电压或电流值。最后，根据这些节点的电压或电流值计算幅度响应和相位响应，并将结果存储在输出参数中。</a:t>
-            </a:r>
-            <a:endParaRPr lang="en-US" altLang="zh-CN" sz="2000" dirty="0">
-              <a:solidFill>
-                <a:schemeClr val="accent1">
-                  <a:lumMod val="75000"/>
-                </a:schemeClr>
-              </a:solidFill>
-              <a:latin typeface="Cambria" panose="02040503050406030204" pitchFamily="18" charset="0"/>
-              <a:ea typeface="宋体" panose="02010600030101010101" pitchFamily="2" charset="-122"/>
-              <a:cs typeface="Times New Roman" panose="02020603050405020304" pitchFamily="18" charset="0"/>
-            </a:endParaRPr>
+              <a:t>扫描</a:t>
+            </a:r>
           </a:p>
           <a:p>
             <a:pPr>
@@ -7560,58 +9231,44 @@
               </a:spcAft>
             </a:pPr>
             <a:r>
-              <a:rPr lang="zh-CN" altLang="en-US" sz="2400" dirty="0">
-                <a:solidFill>
-                  <a:schemeClr val="accent1">
-                    <a:lumMod val="50000"/>
-                  </a:schemeClr>
-                </a:solidFill>
-                <a:effectLst/>
-                <a:latin typeface="Cambria" panose="02040503050406030204" pitchFamily="18" charset="0"/>
-                <a:ea typeface="宋体" panose="02010600030101010101" pitchFamily="2" charset="-122"/>
+              <a:rPr lang="zh-CN" altLang="en-US" sz="1800" dirty="0">
+                <a:solidFill>
+                  <a:schemeClr val="accent1">
+                    <a:lumMod val="75000"/>
+                  </a:schemeClr>
+                </a:solidFill>
+                <a:latin typeface="微软雅黑" panose="020B0503020204020204" pitchFamily="34" charset="-122"/>
+                <a:ea typeface="微软雅黑" panose="020B0503020204020204" pitchFamily="34" charset="-122"/>
                 <a:cs typeface="Times New Roman" panose="02020603050405020304" pitchFamily="18" charset="0"/>
               </a:rPr>
-              <a:t>通过</a:t>
-            </a:r>
-            <a:r>
-              <a:rPr lang="en-US" altLang="zh-CN" sz="2400" dirty="0" err="1">
-                <a:solidFill>
-                  <a:schemeClr val="accent1">
-                    <a:lumMod val="50000"/>
-                  </a:schemeClr>
-                </a:solidFill>
-                <a:effectLst/>
-                <a:latin typeface="Cambria" panose="02040503050406030204" pitchFamily="18" charset="0"/>
-                <a:ea typeface="宋体" panose="02010600030101010101" pitchFamily="2" charset="-122"/>
+              <a:t>读取线性网表信息，根据扫描参数生成采样的频率点。接着进行</a:t>
+            </a:r>
+            <a:r>
+              <a:rPr lang="en-US" altLang="zh-CN" sz="1800" dirty="0">
+                <a:solidFill>
+                  <a:schemeClr val="accent1">
+                    <a:lumMod val="75000"/>
+                  </a:schemeClr>
+                </a:solidFill>
+                <a:latin typeface="微软雅黑" panose="020B0503020204020204" pitchFamily="34" charset="-122"/>
+                <a:ea typeface="微软雅黑" panose="020B0503020204020204" pitchFamily="34" charset="-122"/>
                 <a:cs typeface="Times New Roman" panose="02020603050405020304" pitchFamily="18" charset="0"/>
               </a:rPr>
-              <a:t>getCurrent</a:t>
-            </a:r>
-            <a:r>
-              <a:rPr lang="zh-CN" altLang="en-US" sz="2400" dirty="0">
-                <a:solidFill>
-                  <a:schemeClr val="accent1">
-                    <a:lumMod val="50000"/>
-                  </a:schemeClr>
-                </a:solidFill>
-                <a:effectLst/>
-                <a:latin typeface="Cambria" panose="02040503050406030204" pitchFamily="18" charset="0"/>
-                <a:ea typeface="宋体" panose="02010600030101010101" pitchFamily="2" charset="-122"/>
+              <a:t>AC</a:t>
+            </a:r>
+            <a:r>
+              <a:rPr lang="zh-CN" altLang="en-US" sz="1800" dirty="0">
+                <a:solidFill>
+                  <a:schemeClr val="accent1">
+                    <a:lumMod val="75000"/>
+                  </a:schemeClr>
+                </a:solidFill>
+                <a:latin typeface="微软雅黑" panose="020B0503020204020204" pitchFamily="34" charset="-122"/>
+                <a:ea typeface="微软雅黑" panose="020B0503020204020204" pitchFamily="34" charset="-122"/>
                 <a:cs typeface="Times New Roman" panose="02020603050405020304" pitchFamily="18" charset="0"/>
               </a:rPr>
-              <a:t>函数实现电流的计算</a:t>
-            </a:r>
-            <a:endParaRPr lang="en-US" altLang="zh-CN" sz="2400" dirty="0">
-              <a:solidFill>
-                <a:schemeClr val="accent1">
-                  <a:lumMod val="50000"/>
-                </a:schemeClr>
-              </a:solidFill>
-              <a:effectLst/>
-              <a:latin typeface="Cambria" panose="02040503050406030204" pitchFamily="18" charset="0"/>
-              <a:ea typeface="宋体" panose="02010600030101010101" pitchFamily="2" charset="-122"/>
-              <a:cs typeface="Times New Roman" panose="02020603050405020304" pitchFamily="18" charset="0"/>
-            </a:endParaRPr>
+              <a:t>扫描，根据不同频率替换电路中各个元件的阻抗，根据阻抗值计算矩阵，使用矩阵求解得到电路中各个节点的电压或电流值。最后，根据这些节点的电压或电流值计算幅度响应和相位响应，并将结果存储在输出参数中。</a:t>
+            </a:r>
           </a:p>
           <a:p>
             <a:pPr>
@@ -7623,67 +9280,93 @@
               </a:spcAft>
             </a:pPr>
             <a:r>
-              <a:rPr lang="en-US" altLang="zh-CN" sz="2000" dirty="0" err="1">
-                <a:solidFill>
-                  <a:schemeClr val="accent1">
-                    <a:lumMod val="75000"/>
-                  </a:schemeClr>
-                </a:solidFill>
-                <a:latin typeface="Cambria" panose="02040503050406030204" pitchFamily="18" charset="0"/>
-                <a:ea typeface="宋体" panose="02010600030101010101" pitchFamily="2" charset="-122"/>
+              <a:rPr lang="zh-CN" altLang="en-US" sz="2000" dirty="0">
+                <a:solidFill>
+                  <a:schemeClr val="accent1">
+                    <a:lumMod val="50000"/>
+                  </a:schemeClr>
+                </a:solidFill>
+                <a:latin typeface="微软雅黑" panose="020B0503020204020204" pitchFamily="34" charset="-122"/>
+                <a:ea typeface="微软雅黑" panose="020B0503020204020204" pitchFamily="34" charset="-122"/>
                 <a:cs typeface="Times New Roman" panose="02020603050405020304" pitchFamily="18" charset="0"/>
               </a:rPr>
-              <a:t>定义了getCurrent函数来实现在任意频率下获取电路响应的电流</a:t>
-            </a:r>
-            <a:r>
-              <a:rPr lang="zh-CN" altLang="en-US" sz="2000" dirty="0">
-                <a:solidFill>
-                  <a:schemeClr val="accent1">
-                    <a:lumMod val="75000"/>
-                  </a:schemeClr>
-                </a:solidFill>
-                <a:latin typeface="Cambria" panose="02040503050406030204" pitchFamily="18" charset="0"/>
-                <a:ea typeface="宋体" panose="02010600030101010101" pitchFamily="2" charset="-122"/>
+              <a:t>实现电流的计算</a:t>
+            </a:r>
+          </a:p>
+          <a:p>
+            <a:pPr>
+              <a:spcBef>
+                <a:spcPts val="900"/>
+              </a:spcBef>
+              <a:spcAft>
+                <a:spcPts val="900"/>
+              </a:spcAft>
+            </a:pPr>
+            <a:r>
+              <a:rPr lang="zh-CN" altLang="en-US" sz="1800" dirty="0">
+                <a:solidFill>
+                  <a:srgbClr val="5B9BD5">
+                    <a:lumMod val="75000"/>
+                  </a:srgbClr>
+                </a:solidFill>
+                <a:latin typeface="微软雅黑" panose="020B0503020204020204" pitchFamily="34" charset="-122"/>
+                <a:ea typeface="微软雅黑" panose="020B0503020204020204" pitchFamily="34" charset="-122"/>
                 <a:cs typeface="Times New Roman" panose="02020603050405020304" pitchFamily="18" charset="0"/>
               </a:rPr>
-              <a:t>。将小信号模型的节点电压法的解与</a:t>
-            </a:r>
-            <a:r>
-              <a:rPr lang="en-US" altLang="zh-CN" sz="2000" dirty="0">
-                <a:solidFill>
-                  <a:schemeClr val="accent1">
-                    <a:lumMod val="75000"/>
-                  </a:schemeClr>
-                </a:solidFill>
-                <a:latin typeface="Cambria" panose="02040503050406030204" pitchFamily="18" charset="0"/>
-                <a:ea typeface="宋体" panose="02010600030101010101" pitchFamily="2" charset="-122"/>
+              <a:t>定义了</a:t>
+            </a:r>
+            <a:r>
+              <a:rPr lang="en-US" altLang="zh-CN" sz="1800" dirty="0" err="1">
+                <a:solidFill>
+                  <a:srgbClr val="5B9BD5">
+                    <a:lumMod val="75000"/>
+                  </a:srgbClr>
+                </a:solidFill>
+                <a:latin typeface="微软雅黑" panose="020B0503020204020204" pitchFamily="34" charset="-122"/>
+                <a:ea typeface="微软雅黑" panose="020B0503020204020204" pitchFamily="34" charset="-122"/>
                 <a:cs typeface="Times New Roman" panose="02020603050405020304" pitchFamily="18" charset="0"/>
               </a:rPr>
+              <a:t>getCurrent</a:t>
+            </a:r>
+            <a:r>
+              <a:rPr lang="zh-CN" altLang="en-US" sz="1800" dirty="0">
+                <a:solidFill>
+                  <a:srgbClr val="5B9BD5">
+                    <a:lumMod val="75000"/>
+                  </a:srgbClr>
+                </a:solidFill>
+                <a:latin typeface="微软雅黑" panose="020B0503020204020204" pitchFamily="34" charset="-122"/>
+                <a:ea typeface="微软雅黑" panose="020B0503020204020204" pitchFamily="34" charset="-122"/>
+                <a:cs typeface="Times New Roman" panose="02020603050405020304" pitchFamily="18" charset="0"/>
+              </a:rPr>
+              <a:t>函数来实现在任意频率下获取电路响应的电流。将小信号模型的节点电压法的解与</a:t>
+            </a:r>
+            <a:r>
+              <a:rPr lang="en-US" altLang="zh-CN" sz="1800" dirty="0">
+                <a:solidFill>
+                  <a:srgbClr val="5B9BD5">
+                    <a:lumMod val="75000"/>
+                  </a:srgbClr>
+                </a:solidFill>
+                <a:latin typeface="微软雅黑" panose="020B0503020204020204" pitchFamily="34" charset="-122"/>
+                <a:ea typeface="微软雅黑" panose="020B0503020204020204" pitchFamily="34" charset="-122"/>
+                <a:cs typeface="Times New Roman" panose="02020603050405020304" pitchFamily="18" charset="0"/>
+              </a:rPr>
               <a:t>DC</a:t>
             </a:r>
             <a:r>
-              <a:rPr lang="zh-CN" altLang="en-US" sz="2000" dirty="0">
-                <a:solidFill>
-                  <a:schemeClr val="accent1">
-                    <a:lumMod val="75000"/>
-                  </a:schemeClr>
-                </a:solidFill>
-                <a:latin typeface="Cambria" panose="02040503050406030204" pitchFamily="18" charset="0"/>
-                <a:ea typeface="宋体" panose="02010600030101010101" pitchFamily="2" charset="-122"/>
+              <a:rPr lang="zh-CN" altLang="en-US" sz="1800" dirty="0">
+                <a:solidFill>
+                  <a:srgbClr val="5B9BD5">
+                    <a:lumMod val="75000"/>
+                  </a:srgbClr>
+                </a:solidFill>
+                <a:latin typeface="微软雅黑" panose="020B0503020204020204" pitchFamily="34" charset="-122"/>
+                <a:ea typeface="微软雅黑" panose="020B0503020204020204" pitchFamily="34" charset="-122"/>
                 <a:cs typeface="Times New Roman" panose="02020603050405020304" pitchFamily="18" charset="0"/>
               </a:rPr>
-              <a:t>下的解打通。</a:t>
-            </a:r>
-            <a:endParaRPr lang="en-US" altLang="zh-CN" sz="2000" dirty="0">
-              <a:solidFill>
-                <a:schemeClr val="accent1">
-                  <a:lumMod val="75000"/>
-                </a:schemeClr>
-              </a:solidFill>
-              <a:latin typeface="Cambria" panose="02040503050406030204" pitchFamily="18" charset="0"/>
-              <a:ea typeface="宋体" panose="02010600030101010101" pitchFamily="2" charset="-122"/>
-              <a:cs typeface="Times New Roman" panose="02020603050405020304" pitchFamily="18" charset="0"/>
-            </a:endParaRPr>
+              <a:t>下的解打通。让项目有了更强的兼容性与可扩展性。</a:t>
+            </a:r>
           </a:p>
         </p:txBody>
       </p:sp>
@@ -7725,43 +9408,7 @@
                 </a:effectLst>
                 <a:cs typeface="+mn-ea"/>
               </a:rPr>
-              <a:t>技术细节</a:t>
-            </a:r>
-            <a:r>
-              <a:rPr lang="en-US" altLang="zh-CN" sz="3200" dirty="0">
-                <a:solidFill>
-                  <a:schemeClr val="accent5">
-                    <a:lumMod val="75000"/>
-                  </a:schemeClr>
-                </a:solidFill>
-                <a:effectLst>
-                  <a:outerShdw blurRad="38100" dist="38100" dir="2700000" algn="tl">
-                    <a:srgbClr val="000000">
-                      <a:alpha val="43137"/>
-                    </a:srgbClr>
-                  </a:outerShdw>
-                </a:effectLst>
-                <a:cs typeface="+mn-ea"/>
-              </a:rPr>
-              <a:t> </a:t>
-            </a:r>
-            <a:r>
-              <a:rPr lang="zh-CN" altLang="en-US" sz="3200" dirty="0">
-                <a:solidFill>
-                  <a:schemeClr val="accent5">
-                    <a:lumMod val="75000"/>
-                  </a:schemeClr>
-                </a:solidFill>
-                <a:effectLst>
-                  <a:outerShdw blurRad="38100" dist="38100" dir="2700000" algn="tl">
-                    <a:srgbClr val="000000">
-                      <a:alpha val="43137"/>
-                    </a:srgbClr>
-                  </a:outerShdw>
-                </a:effectLst>
-                <a:cs typeface="+mn-ea"/>
-              </a:rPr>
-              <a:t>频率响应分析的实现</a:t>
+              <a:t>技术细节 频率响应分析的实现</a:t>
             </a:r>
           </a:p>
         </p:txBody>
@@ -7769,7 +9416,7 @@
     </p:spTree>
     <p:extLst>
       <p:ext uri="{BB962C8B-B14F-4D97-AF65-F5344CB8AC3E}">
-        <p14:creationId xmlns:p14="http://schemas.microsoft.com/office/powerpoint/2010/main" val="1773027979"/>
+        <p14:creationId xmlns:p14="http://schemas.microsoft.com/office/powerpoint/2010/main" val="1788597259"/>
       </p:ext>
     </p:extLst>
   </p:cSld>
@@ -7791,7 +9438,358 @@
 </p:sld>
 </file>
 
-<file path=ppt/slides/slide15.xml><?xml version="1.0" encoding="utf-8"?>
+<file path=ppt/slides/slide18.xml><?xml version="1.0" encoding="utf-8"?>
+<p:sld xmlns:a="http://schemas.openxmlformats.org/drawingml/2006/main" xmlns:r="http://schemas.openxmlformats.org/officeDocument/2006/relationships" xmlns:p="http://schemas.openxmlformats.org/presentationml/2006/main">
+  <p:cSld>
+    <p:spTree>
+      <p:nvGrpSpPr>
+        <p:cNvPr id="1" name=""/>
+        <p:cNvGrpSpPr/>
+        <p:nvPr/>
+      </p:nvGrpSpPr>
+      <p:grpSpPr>
+        <a:xfrm>
+          <a:off x="0" y="0"/>
+          <a:ext cx="0" cy="0"/>
+          <a:chOff x="0" y="0"/>
+          <a:chExt cx="0" cy="0"/>
+        </a:xfrm>
+      </p:grpSpPr>
+      <p:sp>
+        <p:nvSpPr>
+          <p:cNvPr id="7" name="文本框 6"/>
+          <p:cNvSpPr txBox="1"/>
+          <p:nvPr/>
+        </p:nvSpPr>
+        <p:spPr>
+          <a:xfrm>
+            <a:off x="659130" y="1088009"/>
+            <a:ext cx="7680198" cy="2477088"/>
+          </a:xfrm>
+          <a:prstGeom prst="rect">
+            <a:avLst/>
+          </a:prstGeom>
+          <a:noFill/>
+        </p:spPr>
+        <p:txBody>
+          <a:bodyPr wrap="square" rtlCol="0">
+            <a:spAutoFit/>
+          </a:bodyPr>
+          <a:lstStyle/>
+          <a:p>
+            <a:pPr>
+              <a:lnSpc>
+                <a:spcPct val="150000"/>
+              </a:lnSpc>
+              <a:spcBef>
+                <a:spcPts val="1200"/>
+              </a:spcBef>
+              <a:spcAft>
+                <a:spcPts val="900"/>
+              </a:spcAft>
+            </a:pPr>
+            <a:r>
+              <a:rPr lang="zh-CN" altLang="en-US" sz="2000" dirty="0">
+                <a:solidFill>
+                  <a:schemeClr val="accent1">
+                    <a:lumMod val="50000"/>
+                  </a:schemeClr>
+                </a:solidFill>
+                <a:effectLst/>
+                <a:latin typeface="微软雅黑" panose="020B0503020204020204" pitchFamily="34" charset="-122"/>
+                <a:ea typeface="微软雅黑" panose="020B0503020204020204" pitchFamily="34" charset="-122"/>
+                <a:cs typeface="Times New Roman" panose="02020603050405020304" pitchFamily="18" charset="0"/>
+              </a:rPr>
+              <a:t>实现了非线性方程的迭代求解</a:t>
+            </a:r>
+            <a:br>
+              <a:rPr lang="en-US" altLang="zh-CN" sz="2000" dirty="0">
+                <a:solidFill>
+                  <a:schemeClr val="accent1">
+                    <a:lumMod val="50000"/>
+                  </a:schemeClr>
+                </a:solidFill>
+                <a:effectLst/>
+                <a:latin typeface="微软雅黑" panose="020B0503020204020204" pitchFamily="34" charset="-122"/>
+                <a:ea typeface="微软雅黑" panose="020B0503020204020204" pitchFamily="34" charset="-122"/>
+                <a:cs typeface="Times New Roman" panose="02020603050405020304" pitchFamily="18" charset="0"/>
+              </a:rPr>
+            </a:br>
+            <a:r>
+              <a:rPr lang="zh-CN" altLang="en-US" sz="1800" dirty="0">
+                <a:solidFill>
+                  <a:schemeClr val="accent1">
+                    <a:lumMod val="75000"/>
+                  </a:schemeClr>
+                </a:solidFill>
+                <a:effectLst/>
+                <a:latin typeface="Cambria" panose="02040503050406030204" pitchFamily="18" charset="0"/>
+                <a:ea typeface="微软雅黑" panose="020B0503020204020204" pitchFamily="34" charset="-122"/>
+                <a:cs typeface="Times New Roman" panose="02020603050405020304" pitchFamily="18" charset="0"/>
+              </a:rPr>
+              <a:t>生成矩阵方程时首先</a:t>
+            </a:r>
+            <a:r>
+              <a:rPr lang="zh-CN" altLang="zh-CN" sz="1800" dirty="0">
+                <a:solidFill>
+                  <a:schemeClr val="accent1">
+                    <a:lumMod val="75000"/>
+                  </a:schemeClr>
+                </a:solidFill>
+                <a:effectLst/>
+                <a:latin typeface="Cambria" panose="02040503050406030204" pitchFamily="18" charset="0"/>
+                <a:ea typeface="微软雅黑" panose="020B0503020204020204" pitchFamily="34" charset="-122"/>
+                <a:cs typeface="Times New Roman" panose="02020603050405020304" pitchFamily="18" charset="0"/>
+              </a:rPr>
+              <a:t>考虑地节点，保证代码逻辑的一致性，随后去掉接地的节点以及接地节点的电压</a:t>
+            </a:r>
+            <a:r>
+              <a:rPr lang="zh-CN" altLang="en-US" sz="1800" dirty="0">
+                <a:solidFill>
+                  <a:schemeClr val="accent1">
+                    <a:lumMod val="75000"/>
+                  </a:schemeClr>
+                </a:solidFill>
+                <a:effectLst/>
+                <a:latin typeface="Cambria" panose="02040503050406030204" pitchFamily="18" charset="0"/>
+                <a:ea typeface="微软雅黑" panose="020B0503020204020204" pitchFamily="34" charset="-122"/>
+                <a:cs typeface="Times New Roman" panose="02020603050405020304" pitchFamily="18" charset="0"/>
+              </a:rPr>
+              <a:t>。</a:t>
+            </a:r>
+            <a:r>
+              <a:rPr lang="zh-CN" altLang="zh-CN" sz="1800" dirty="0">
+                <a:solidFill>
+                  <a:schemeClr val="accent1">
+                    <a:lumMod val="75000"/>
+                  </a:schemeClr>
+                </a:solidFill>
+                <a:effectLst/>
+                <a:latin typeface="Cambria" panose="02040503050406030204" pitchFamily="18" charset="0"/>
+                <a:ea typeface="微软雅黑" panose="020B0503020204020204" pitchFamily="34" charset="-122"/>
+                <a:cs typeface="Times New Roman" panose="02020603050405020304" pitchFamily="18" charset="0"/>
+              </a:rPr>
+              <a:t>接地的节点</a:t>
+            </a:r>
+            <a:r>
+              <a:rPr lang="zh-CN" altLang="en-US" sz="1800" dirty="0">
+                <a:solidFill>
+                  <a:schemeClr val="accent1">
+                    <a:lumMod val="75000"/>
+                  </a:schemeClr>
+                </a:solidFill>
+                <a:effectLst/>
+                <a:latin typeface="Cambria" panose="02040503050406030204" pitchFamily="18" charset="0"/>
+                <a:ea typeface="微软雅黑" panose="020B0503020204020204" pitchFamily="34" charset="-122"/>
+                <a:cs typeface="Times New Roman" panose="02020603050405020304" pitchFamily="18" charset="0"/>
+              </a:rPr>
+              <a:t>电压已知为</a:t>
+            </a:r>
+            <a:r>
+              <a:rPr lang="en-US" altLang="zh-CN" sz="1800" dirty="0">
+                <a:solidFill>
+                  <a:schemeClr val="accent1">
+                    <a:lumMod val="75000"/>
+                  </a:schemeClr>
+                </a:solidFill>
+                <a:effectLst/>
+                <a:latin typeface="Cambria" panose="02040503050406030204" pitchFamily="18" charset="0"/>
+                <a:ea typeface="微软雅黑" panose="020B0503020204020204" pitchFamily="34" charset="-122"/>
+                <a:cs typeface="Times New Roman" panose="02020603050405020304" pitchFamily="18" charset="0"/>
+              </a:rPr>
+              <a:t>0</a:t>
+            </a:r>
+            <a:r>
+              <a:rPr lang="zh-CN" altLang="en-US" sz="1800" dirty="0">
+                <a:solidFill>
+                  <a:schemeClr val="accent1">
+                    <a:lumMod val="75000"/>
+                  </a:schemeClr>
+                </a:solidFill>
+                <a:effectLst/>
+                <a:latin typeface="Cambria" panose="02040503050406030204" pitchFamily="18" charset="0"/>
+                <a:ea typeface="微软雅黑" panose="020B0503020204020204" pitchFamily="34" charset="-122"/>
+                <a:cs typeface="Times New Roman" panose="02020603050405020304" pitchFamily="18" charset="0"/>
+              </a:rPr>
+              <a:t>，可以减</a:t>
+            </a:r>
+            <a:r>
+              <a:rPr lang="zh-CN" altLang="zh-CN" sz="1800" dirty="0">
+                <a:solidFill>
+                  <a:schemeClr val="accent1">
+                    <a:lumMod val="75000"/>
+                  </a:schemeClr>
+                </a:solidFill>
+                <a:effectLst/>
+                <a:latin typeface="Cambria" panose="02040503050406030204" pitchFamily="18" charset="0"/>
+                <a:ea typeface="微软雅黑" panose="020B0503020204020204" pitchFamily="34" charset="-122"/>
+                <a:cs typeface="Times New Roman" panose="02020603050405020304" pitchFamily="18" charset="0"/>
+              </a:rPr>
+              <a:t>少矩阵的维度</a:t>
+            </a:r>
+            <a:r>
+              <a:rPr lang="zh-CN" altLang="en-US" sz="1800" dirty="0">
+                <a:solidFill>
+                  <a:schemeClr val="accent1">
+                    <a:lumMod val="75000"/>
+                  </a:schemeClr>
+                </a:solidFill>
+                <a:effectLst/>
+                <a:latin typeface="Cambria" panose="02040503050406030204" pitchFamily="18" charset="0"/>
+                <a:ea typeface="微软雅黑" panose="020B0503020204020204" pitchFamily="34" charset="-122"/>
+                <a:cs typeface="Times New Roman" panose="02020603050405020304" pitchFamily="18" charset="0"/>
+              </a:rPr>
+              <a:t>提高</a:t>
+            </a:r>
+            <a:r>
+              <a:rPr lang="zh-CN" altLang="zh-CN" sz="1800" dirty="0">
+                <a:solidFill>
+                  <a:schemeClr val="accent1">
+                    <a:lumMod val="75000"/>
+                  </a:schemeClr>
+                </a:solidFill>
+                <a:effectLst/>
+                <a:latin typeface="Cambria" panose="02040503050406030204" pitchFamily="18" charset="0"/>
+                <a:ea typeface="微软雅黑" panose="020B0503020204020204" pitchFamily="34" charset="-122"/>
+                <a:cs typeface="Times New Roman" panose="02020603050405020304" pitchFamily="18" charset="0"/>
+              </a:rPr>
+              <a:t>运算的效率。</a:t>
+            </a:r>
+            <a:r>
+              <a:rPr lang="zh-CN" altLang="en-US" sz="1800" dirty="0">
+                <a:solidFill>
+                  <a:schemeClr val="accent1">
+                    <a:lumMod val="75000"/>
+                  </a:schemeClr>
+                </a:solidFill>
+                <a:effectLst/>
+                <a:latin typeface="Cambria" panose="02040503050406030204" pitchFamily="18" charset="0"/>
+                <a:ea typeface="微软雅黑" panose="020B0503020204020204" pitchFamily="34" charset="-122"/>
+                <a:cs typeface="Times New Roman" panose="02020603050405020304" pitchFamily="18" charset="0"/>
+              </a:rPr>
+              <a:t>支持的电路元件有：</a:t>
+            </a:r>
+            <a:endParaRPr lang="en-US" altLang="zh-CN" sz="1800" dirty="0">
+              <a:solidFill>
+                <a:schemeClr val="accent1">
+                  <a:lumMod val="75000"/>
+                </a:schemeClr>
+              </a:solidFill>
+              <a:effectLst/>
+              <a:latin typeface="Cambria" panose="02040503050406030204" pitchFamily="18" charset="0"/>
+              <a:ea typeface="微软雅黑" panose="020B0503020204020204" pitchFamily="34" charset="-122"/>
+              <a:cs typeface="Times New Roman" panose="02020603050405020304" pitchFamily="18" charset="0"/>
+            </a:endParaRPr>
+          </a:p>
+          <a:p>
+            <a:pPr>
+              <a:lnSpc>
+                <a:spcPct val="150000"/>
+              </a:lnSpc>
+              <a:spcBef>
+                <a:spcPts val="1200"/>
+              </a:spcBef>
+              <a:spcAft>
+                <a:spcPts val="900"/>
+              </a:spcAft>
+            </a:pPr>
+            <a:r>
+              <a:rPr lang="zh-CN" altLang="en-US" sz="2000" dirty="0">
+                <a:solidFill>
+                  <a:schemeClr val="accent1">
+                    <a:lumMod val="50000"/>
+                  </a:schemeClr>
+                </a:solidFill>
+                <a:effectLst/>
+                <a:latin typeface="微软雅黑" panose="020B0503020204020204" pitchFamily="34" charset="-122"/>
+                <a:ea typeface="微软雅黑" panose="020B0503020204020204" pitchFamily="34" charset="-122"/>
+                <a:cs typeface="Times New Roman" panose="02020603050405020304" pitchFamily="18" charset="0"/>
+              </a:rPr>
+              <a:t>实现了直流扫描</a:t>
+            </a:r>
+            <a:endParaRPr lang="en-US" altLang="zh-CN" sz="2000" dirty="0">
+              <a:solidFill>
+                <a:schemeClr val="accent1">
+                  <a:lumMod val="75000"/>
+                </a:schemeClr>
+              </a:solidFill>
+              <a:effectLst/>
+              <a:latin typeface="微软雅黑" panose="020B0503020204020204" pitchFamily="34" charset="-122"/>
+              <a:ea typeface="微软雅黑" panose="020B0503020204020204" pitchFamily="34" charset="-122"/>
+              <a:cs typeface="Times New Roman" panose="02020603050405020304" pitchFamily="18" charset="0"/>
+            </a:endParaRPr>
+          </a:p>
+        </p:txBody>
+      </p:sp>
+      <p:sp>
+        <p:nvSpPr>
+          <p:cNvPr id="5" name="文本框 4"/>
+          <p:cNvSpPr txBox="1"/>
+          <p:nvPr/>
+        </p:nvSpPr>
+        <p:spPr>
+          <a:xfrm>
+            <a:off x="956945" y="214630"/>
+            <a:ext cx="4820550" cy="584775"/>
+          </a:xfrm>
+          <a:prstGeom prst="rect">
+            <a:avLst/>
+          </a:prstGeom>
+          <a:noFill/>
+        </p:spPr>
+        <p:txBody>
+          <a:bodyPr wrap="none" rtlCol="0">
+            <a:spAutoFit/>
+          </a:bodyPr>
+          <a:lstStyle/>
+          <a:p>
+            <a:r>
+              <a:rPr lang="zh-CN" altLang="en-US" sz="3200" dirty="0">
+                <a:solidFill>
+                  <a:schemeClr val="accent5">
+                    <a:lumMod val="75000"/>
+                  </a:schemeClr>
+                </a:solidFill>
+                <a:effectLst>
+                  <a:outerShdw blurRad="38100" dist="38100" dir="2700000" algn="tl">
+                    <a:srgbClr val="000000">
+                      <a:alpha val="43137"/>
+                    </a:srgbClr>
+                  </a:outerShdw>
+                </a:effectLst>
+                <a:cs typeface="+mn-ea"/>
+              </a:rPr>
+              <a:t>技术细节 实现零极点分析</a:t>
+            </a:r>
+          </a:p>
+        </p:txBody>
+      </p:sp>
+    </p:spTree>
+    <p:extLst>
+      <p:ext uri="{BB962C8B-B14F-4D97-AF65-F5344CB8AC3E}">
+        <p14:creationId xmlns:p14="http://schemas.microsoft.com/office/powerpoint/2010/main" val="1912661401"/>
+      </p:ext>
+    </p:extLst>
+  </p:cSld>
+  <p:clrMapOvr>
+    <a:masterClrMapping/>
+  </p:clrMapOvr>
+  <mc:AlternateContent xmlns:mc="http://schemas.openxmlformats.org/markup-compatibility/2006" xmlns:p14="http://schemas.microsoft.com/office/powerpoint/2010/main">
+    <mc:Choice Requires="p14">
+      <p:transition spd="slow">
+        <p14:gallery dir="l"/>
+      </p:transition>
+    </mc:Choice>
+    <mc:Fallback xmlns="">
+      <p:transition spd="slow">
+        <p:fade/>
+      </p:transition>
+    </mc:Fallback>
+  </mc:AlternateContent>
+</p:sld>
+</file>
+
+<file path=ppt/slides/slide19.xml><?xml version="1.0" encoding="utf-8"?>
 <p:sld xmlns:a="http://schemas.openxmlformats.org/drawingml/2006/main" xmlns:r="http://schemas.openxmlformats.org/officeDocument/2006/relationships" xmlns:p="http://schemas.openxmlformats.org/presentationml/2006/main">
   <p:cSld>
     <p:bg>
@@ -8327,1656 +10325,6 @@
       <p:bldP spid="103" grpId="0"/>
     </p:bldLst>
   </p:timing>
-</p:sld>
-</file>
-
-<file path=ppt/slides/slide16.xml><?xml version="1.0" encoding="utf-8"?>
-<p:sld xmlns:a="http://schemas.openxmlformats.org/drawingml/2006/main" xmlns:r="http://schemas.openxmlformats.org/officeDocument/2006/relationships" xmlns:p="http://schemas.openxmlformats.org/presentationml/2006/main">
-  <p:cSld>
-    <p:spTree>
-      <p:nvGrpSpPr>
-        <p:cNvPr id="1" name=""/>
-        <p:cNvGrpSpPr/>
-        <p:nvPr/>
-      </p:nvGrpSpPr>
-      <p:grpSpPr>
-        <a:xfrm>
-          <a:off x="0" y="0"/>
-          <a:ext cx="0" cy="0"/>
-          <a:chOff x="0" y="0"/>
-          <a:chExt cx="0" cy="0"/>
-        </a:xfrm>
-      </p:grpSpPr>
-      <p:sp>
-        <p:nvSpPr>
-          <p:cNvPr id="7" name="文本框 6"/>
-          <p:cNvSpPr txBox="1"/>
-          <p:nvPr/>
-        </p:nvSpPr>
-        <p:spPr>
-          <a:xfrm>
-            <a:off x="659130" y="1088009"/>
-            <a:ext cx="7680198" cy="461665"/>
-          </a:xfrm>
-          <a:prstGeom prst="rect">
-            <a:avLst/>
-          </a:prstGeom>
-          <a:noFill/>
-        </p:spPr>
-        <p:txBody>
-          <a:bodyPr wrap="square" rtlCol="0">
-            <a:spAutoFit/>
-          </a:bodyPr>
-          <a:lstStyle/>
-          <a:p>
-            <a:pPr>
-              <a:spcBef>
-                <a:spcPts val="900"/>
-              </a:spcBef>
-              <a:spcAft>
-                <a:spcPts val="900"/>
-              </a:spcAft>
-            </a:pPr>
-            <a:r>
-              <a:rPr lang="zh-CN" altLang="en-US" sz="2400" dirty="0">
-                <a:solidFill>
-                  <a:schemeClr val="accent1">
-                    <a:lumMod val="50000"/>
-                  </a:schemeClr>
-                </a:solidFill>
-                <a:effectLst/>
-                <a:latin typeface="Cambria" panose="02040503050406030204" pitchFamily="18" charset="0"/>
-                <a:ea typeface="宋体" panose="02010600030101010101" pitchFamily="2" charset="-122"/>
-                <a:cs typeface="Times New Roman" panose="02020603050405020304" pitchFamily="18" charset="0"/>
-              </a:rPr>
-              <a:t>电路图</a:t>
-            </a:r>
-            <a:endParaRPr lang="en-US" altLang="zh-CN" sz="2000" dirty="0">
-              <a:solidFill>
-                <a:schemeClr val="accent1">
-                  <a:lumMod val="75000"/>
-                </a:schemeClr>
-              </a:solidFill>
-              <a:effectLst/>
-              <a:latin typeface="Cambria" panose="02040503050406030204" pitchFamily="18" charset="0"/>
-              <a:ea typeface="宋体" panose="02010600030101010101" pitchFamily="2" charset="-122"/>
-              <a:cs typeface="Times New Roman" panose="02020603050405020304" pitchFamily="18" charset="0"/>
-            </a:endParaRPr>
-          </a:p>
-        </p:txBody>
-      </p:sp>
-      <p:sp>
-        <p:nvSpPr>
-          <p:cNvPr id="5" name="文本框 4"/>
-          <p:cNvSpPr txBox="1"/>
-          <p:nvPr/>
-        </p:nvSpPr>
-        <p:spPr>
-          <a:xfrm>
-            <a:off x="956945" y="214630"/>
-            <a:ext cx="4086375" cy="584775"/>
-          </a:xfrm>
-          <a:prstGeom prst="rect">
-            <a:avLst/>
-          </a:prstGeom>
-          <a:noFill/>
-        </p:spPr>
-        <p:txBody>
-          <a:bodyPr wrap="none" rtlCol="0">
-            <a:spAutoFit/>
-          </a:bodyPr>
-          <a:lstStyle/>
-          <a:p>
-            <a:r>
-              <a:rPr lang="zh-CN" altLang="en-US" sz="3200" dirty="0">
-                <a:solidFill>
-                  <a:schemeClr val="accent5">
-                    <a:lumMod val="75000"/>
-                  </a:schemeClr>
-                </a:solidFill>
-                <a:effectLst>
-                  <a:outerShdw blurRad="38100" dist="38100" dir="2700000" algn="tl">
-                    <a:srgbClr val="000000">
-                      <a:alpha val="43137"/>
-                    </a:srgbClr>
-                  </a:outerShdw>
-                </a:effectLst>
-                <a:cs typeface="+mn-ea"/>
-              </a:rPr>
-              <a:t>测试用例 </a:t>
-            </a:r>
-            <a:r>
-              <a:rPr lang="en-US" altLang="zh-CN" sz="3200" dirty="0">
-                <a:solidFill>
-                  <a:schemeClr val="accent5">
-                    <a:lumMod val="75000"/>
-                  </a:schemeClr>
-                </a:solidFill>
-                <a:effectLst>
-                  <a:outerShdw blurRad="38100" dist="38100" dir="2700000" algn="tl">
-                    <a:srgbClr val="000000">
-                      <a:alpha val="43137"/>
-                    </a:srgbClr>
-                  </a:outerShdw>
-                </a:effectLst>
-                <a:cs typeface="+mn-ea"/>
-              </a:rPr>
-              <a:t>1 </a:t>
-            </a:r>
-            <a:r>
-              <a:rPr lang="zh-CN" altLang="zh-CN" sz="1800" dirty="0">
-                <a:effectLst/>
-                <a:ea typeface="Cambria" panose="02040503050406030204" pitchFamily="18" charset="0"/>
-                <a:cs typeface="Times New Roman" panose="02020603050405020304" pitchFamily="18" charset="0"/>
-              </a:rPr>
-              <a:t> </a:t>
-            </a:r>
-            <a:r>
-              <a:rPr lang="en-US" altLang="zh-CN" sz="3200" dirty="0" err="1">
-                <a:solidFill>
-                  <a:schemeClr val="accent5">
-                    <a:lumMod val="75000"/>
-                  </a:schemeClr>
-                </a:solidFill>
-                <a:effectLst>
-                  <a:outerShdw blurRad="38100" dist="38100" dir="2700000" algn="tl">
-                    <a:srgbClr val="000000">
-                      <a:alpha val="43137"/>
-                    </a:srgbClr>
-                  </a:outerShdw>
-                </a:effectLst>
-                <a:cs typeface="+mn-ea"/>
-              </a:rPr>
-              <a:t>buffer.sp</a:t>
-            </a:r>
-            <a:endParaRPr lang="zh-CN" altLang="en-US" sz="3200" dirty="0">
-              <a:solidFill>
-                <a:schemeClr val="accent5">
-                  <a:lumMod val="75000"/>
-                </a:schemeClr>
-              </a:solidFill>
-              <a:effectLst>
-                <a:outerShdw blurRad="38100" dist="38100" dir="2700000" algn="tl">
-                  <a:srgbClr val="000000">
-                    <a:alpha val="43137"/>
-                  </a:srgbClr>
-                </a:outerShdw>
-              </a:effectLst>
-              <a:cs typeface="+mn-ea"/>
-            </a:endParaRPr>
-          </a:p>
-        </p:txBody>
-      </p:sp>
-      <p:pic>
-        <p:nvPicPr>
-          <p:cNvPr id="4" name="Picture" descr="电路图" title="fig:">
-            <a:extLst>
-              <a:ext uri="{FF2B5EF4-FFF2-40B4-BE49-F238E27FC236}">
-                <a16:creationId xmlns:a16="http://schemas.microsoft.com/office/drawing/2014/main" id="{DCEE4F59-0A11-46C9-9C84-E0B6D6B08280}"/>
-              </a:ext>
-            </a:extLst>
-          </p:cNvPr>
-          <p:cNvPicPr/>
-          <p:nvPr/>
-        </p:nvPicPr>
-        <p:blipFill>
-          <a:blip r:embed="rId3"/>
-          <a:stretch>
-            <a:fillRect/>
-          </a:stretch>
-        </p:blipFill>
-        <p:spPr bwMode="auto">
-          <a:xfrm>
-            <a:off x="659130" y="1549675"/>
-            <a:ext cx="3912870" cy="2505816"/>
-          </a:xfrm>
-          <a:prstGeom prst="rect">
-            <a:avLst/>
-          </a:prstGeom>
-          <a:noFill/>
-          <a:ln w="9525">
-            <a:noFill/>
-            <a:headEnd/>
-            <a:tailEnd/>
-          </a:ln>
-        </p:spPr>
-      </p:pic>
-      <p:graphicFrame>
-        <p:nvGraphicFramePr>
-          <p:cNvPr id="6" name="表格 5">
-            <a:extLst>
-              <a:ext uri="{FF2B5EF4-FFF2-40B4-BE49-F238E27FC236}">
-                <a16:creationId xmlns:a16="http://schemas.microsoft.com/office/drawing/2014/main" id="{70C3FC6A-AFFD-4094-BA8A-1B6D984D01E3}"/>
-              </a:ext>
-            </a:extLst>
-          </p:cNvPr>
-          <p:cNvGraphicFramePr>
-            <a:graphicFrameLocks noGrp="1"/>
-          </p:cNvGraphicFramePr>
-          <p:nvPr>
-            <p:extLst>
-              <p:ext uri="{D42A27DB-BD31-4B8C-83A1-F6EECF244321}">
-                <p14:modId xmlns:p14="http://schemas.microsoft.com/office/powerpoint/2010/main" val="334501022"/>
-              </p:ext>
-            </p:extLst>
-          </p:nvPr>
-        </p:nvGraphicFramePr>
-        <p:xfrm>
-          <a:off x="4572000" y="1546515"/>
-          <a:ext cx="4376928" cy="2508976"/>
-        </p:xfrm>
-        <a:graphic>
-          <a:graphicData uri="http://schemas.openxmlformats.org/drawingml/2006/table">
-            <a:tbl>
-              <a:tblPr firstRow="1" bandRow="1" bandCol="1">
-                <a:tableStyleId>{5C22544A-7EE6-4342-B048-85BDC9FD1C3A}</a:tableStyleId>
-              </a:tblPr>
-              <a:tblGrid>
-                <a:gridCol w="1458976">
-                  <a:extLst>
-                    <a:ext uri="{9D8B030D-6E8A-4147-A177-3AD203B41FA5}">
-                      <a16:colId xmlns:a16="http://schemas.microsoft.com/office/drawing/2014/main" val="1640402969"/>
-                    </a:ext>
-                  </a:extLst>
-                </a:gridCol>
-                <a:gridCol w="1458976">
-                  <a:extLst>
-                    <a:ext uri="{9D8B030D-6E8A-4147-A177-3AD203B41FA5}">
-                      <a16:colId xmlns:a16="http://schemas.microsoft.com/office/drawing/2014/main" val="760492728"/>
-                    </a:ext>
-                  </a:extLst>
-                </a:gridCol>
-                <a:gridCol w="1458976">
-                  <a:extLst>
-                    <a:ext uri="{9D8B030D-6E8A-4147-A177-3AD203B41FA5}">
-                      <a16:colId xmlns:a16="http://schemas.microsoft.com/office/drawing/2014/main" val="3969790338"/>
-                    </a:ext>
-                  </a:extLst>
-                </a:gridCol>
-              </a:tblGrid>
-              <a:tr h="394876">
-                <a:tc>
-                  <a:txBody>
-                    <a:bodyPr/>
-                    <a:lstStyle/>
-                    <a:p>
-                      <a:pPr>
-                        <a:spcBef>
-                          <a:spcPts val="180"/>
-                        </a:spcBef>
-                        <a:spcAft>
-                          <a:spcPts val="180"/>
-                        </a:spcAft>
-                      </a:pPr>
-                      <a:r>
-                        <a:rPr lang="en-US" sz="1200" dirty="0" err="1">
-                          <a:effectLst/>
-                        </a:rPr>
-                        <a:t>测试项目</a:t>
-                      </a:r>
-                      <a:endParaRPr lang="zh-CN" sz="1200" dirty="0">
-                        <a:effectLst/>
-                        <a:latin typeface="Cambria" panose="02040503050406030204" pitchFamily="18" charset="0"/>
-                        <a:ea typeface="宋体" panose="02010600030101010101" pitchFamily="2" charset="-122"/>
-                        <a:cs typeface="Times New Roman" panose="02020603050405020304" pitchFamily="18" charset="0"/>
-                      </a:endParaRPr>
-                    </a:p>
-                  </a:txBody>
-                  <a:tcPr marL="68580" marR="68580" marT="0" marB="0" anchor="b"/>
-                </a:tc>
-                <a:tc>
-                  <a:txBody>
-                    <a:bodyPr/>
-                    <a:lstStyle/>
-                    <a:p>
-                      <a:pPr>
-                        <a:spcBef>
-                          <a:spcPts val="180"/>
-                        </a:spcBef>
-                        <a:spcAft>
-                          <a:spcPts val="180"/>
-                        </a:spcAft>
-                      </a:pPr>
-                      <a:r>
-                        <a:rPr lang="en-US" sz="1200" dirty="0" err="1">
-                          <a:effectLst/>
-                        </a:rPr>
-                        <a:t>项目测试结果</a:t>
-                      </a:r>
-                      <a:endParaRPr lang="zh-CN" sz="1200" dirty="0">
-                        <a:effectLst/>
-                        <a:latin typeface="Cambria" panose="02040503050406030204" pitchFamily="18" charset="0"/>
-                        <a:ea typeface="宋体" panose="02010600030101010101" pitchFamily="2" charset="-122"/>
-                        <a:cs typeface="Times New Roman" panose="02020603050405020304" pitchFamily="18" charset="0"/>
-                      </a:endParaRPr>
-                    </a:p>
-                  </a:txBody>
-                  <a:tcPr marL="68580" marR="68580" marT="0" marB="0" anchor="b"/>
-                </a:tc>
-                <a:tc>
-                  <a:txBody>
-                    <a:bodyPr/>
-                    <a:lstStyle/>
-                    <a:p>
-                      <a:pPr>
-                        <a:spcBef>
-                          <a:spcPts val="180"/>
-                        </a:spcBef>
-                        <a:spcAft>
-                          <a:spcPts val="180"/>
-                        </a:spcAft>
-                      </a:pPr>
-                      <a:r>
-                        <a:rPr lang="en-US" sz="1200">
-                          <a:effectLst/>
-                        </a:rPr>
-                        <a:t>hspice仿真结果</a:t>
-                      </a:r>
-                      <a:endParaRPr lang="zh-CN" sz="1200">
-                        <a:effectLst/>
-                        <a:latin typeface="Cambria" panose="02040503050406030204" pitchFamily="18" charset="0"/>
-                        <a:ea typeface="宋体" panose="02010600030101010101" pitchFamily="2" charset="-122"/>
-                        <a:cs typeface="Times New Roman" panose="02020603050405020304" pitchFamily="18" charset="0"/>
-                      </a:endParaRPr>
-                    </a:p>
-                  </a:txBody>
-                  <a:tcPr marL="68580" marR="68580" marT="0" marB="0" anchor="b"/>
-                </a:tc>
-                <a:extLst>
-                  <a:ext uri="{0D108BD9-81ED-4DB2-BD59-A6C34878D82A}">
-                    <a16:rowId xmlns:a16="http://schemas.microsoft.com/office/drawing/2014/main" val="3857265061"/>
-                  </a:ext>
-                </a:extLst>
-              </a:tr>
-              <a:tr h="352350">
-                <a:tc>
-                  <a:txBody>
-                    <a:bodyPr/>
-                    <a:lstStyle/>
-                    <a:p>
-                      <a:pPr>
-                        <a:spcBef>
-                          <a:spcPts val="180"/>
-                        </a:spcBef>
-                        <a:spcAft>
-                          <a:spcPts val="180"/>
-                        </a:spcAft>
-                      </a:pPr>
-                      <a:r>
-                        <a:rPr lang="en-US" sz="1200" dirty="0">
-                          <a:effectLst/>
-                        </a:rPr>
-                        <a:t>101 </a:t>
-                      </a:r>
-                      <a:r>
-                        <a:rPr lang="en-US" sz="1200" dirty="0" err="1">
-                          <a:effectLst/>
-                        </a:rPr>
-                        <a:t>节点电压</a:t>
-                      </a:r>
-                      <a:endParaRPr lang="zh-CN" sz="1200" dirty="0">
-                        <a:effectLst/>
-                        <a:latin typeface="Cambria" panose="02040503050406030204" pitchFamily="18" charset="0"/>
-                        <a:ea typeface="宋体" panose="02010600030101010101" pitchFamily="2" charset="-122"/>
-                        <a:cs typeface="Times New Roman" panose="02020603050405020304" pitchFamily="18" charset="0"/>
-                      </a:endParaRPr>
-                    </a:p>
-                  </a:txBody>
-                  <a:tcPr marL="68580" marR="68580" marT="0" marB="0"/>
-                </a:tc>
-                <a:tc>
-                  <a:txBody>
-                    <a:bodyPr/>
-                    <a:lstStyle/>
-                    <a:p>
-                      <a:pPr>
-                        <a:spcBef>
-                          <a:spcPts val="180"/>
-                        </a:spcBef>
-                        <a:spcAft>
-                          <a:spcPts val="180"/>
-                        </a:spcAft>
-                      </a:pPr>
-                      <a:r>
-                        <a:rPr lang="en-US" sz="1200">
-                          <a:effectLst/>
-                        </a:rPr>
-                        <a:t>1.5V</a:t>
-                      </a:r>
-                      <a:endParaRPr lang="zh-CN" sz="1200">
-                        <a:effectLst/>
-                        <a:latin typeface="Cambria" panose="02040503050406030204" pitchFamily="18" charset="0"/>
-                        <a:ea typeface="宋体" panose="02010600030101010101" pitchFamily="2" charset="-122"/>
-                        <a:cs typeface="Times New Roman" panose="02020603050405020304" pitchFamily="18" charset="0"/>
-                      </a:endParaRPr>
-                    </a:p>
-                  </a:txBody>
-                  <a:tcPr marL="68580" marR="68580" marT="0" marB="0"/>
-                </a:tc>
-                <a:tc>
-                  <a:txBody>
-                    <a:bodyPr/>
-                    <a:lstStyle/>
-                    <a:p>
-                      <a:pPr>
-                        <a:spcBef>
-                          <a:spcPts val="180"/>
-                        </a:spcBef>
-                        <a:spcAft>
-                          <a:spcPts val="180"/>
-                        </a:spcAft>
-                      </a:pPr>
-                      <a:r>
-                        <a:rPr lang="en-US" sz="1200">
-                          <a:effectLst/>
-                        </a:rPr>
-                        <a:t>1.5000V</a:t>
-                      </a:r>
-                      <a:endParaRPr lang="zh-CN" sz="1200">
-                        <a:effectLst/>
-                        <a:latin typeface="Cambria" panose="02040503050406030204" pitchFamily="18" charset="0"/>
-                        <a:ea typeface="宋体" panose="02010600030101010101" pitchFamily="2" charset="-122"/>
-                        <a:cs typeface="Times New Roman" panose="02020603050405020304" pitchFamily="18" charset="0"/>
-                      </a:endParaRPr>
-                    </a:p>
-                  </a:txBody>
-                  <a:tcPr marL="68580" marR="68580" marT="0" marB="0"/>
-                </a:tc>
-                <a:extLst>
-                  <a:ext uri="{0D108BD9-81ED-4DB2-BD59-A6C34878D82A}">
-                    <a16:rowId xmlns:a16="http://schemas.microsoft.com/office/drawing/2014/main" val="1697166603"/>
-                  </a:ext>
-                </a:extLst>
-              </a:tr>
-              <a:tr h="352350">
-                <a:tc>
-                  <a:txBody>
-                    <a:bodyPr/>
-                    <a:lstStyle/>
-                    <a:p>
-                      <a:pPr>
-                        <a:spcBef>
-                          <a:spcPts val="180"/>
-                        </a:spcBef>
-                        <a:spcAft>
-                          <a:spcPts val="180"/>
-                        </a:spcAft>
-                      </a:pPr>
-                      <a:r>
-                        <a:rPr lang="en-US" sz="1200" dirty="0">
-                          <a:effectLst/>
-                        </a:rPr>
-                        <a:t>118 </a:t>
-                      </a:r>
-                      <a:r>
-                        <a:rPr lang="en-US" sz="1200" dirty="0" err="1">
-                          <a:effectLst/>
-                        </a:rPr>
-                        <a:t>节点电压</a:t>
-                      </a:r>
-                      <a:endParaRPr lang="zh-CN" sz="1200" dirty="0">
-                        <a:effectLst/>
-                        <a:latin typeface="Cambria" panose="02040503050406030204" pitchFamily="18" charset="0"/>
-                        <a:ea typeface="宋体" panose="02010600030101010101" pitchFamily="2" charset="-122"/>
-                        <a:cs typeface="Times New Roman" panose="02020603050405020304" pitchFamily="18" charset="0"/>
-                      </a:endParaRPr>
-                    </a:p>
-                  </a:txBody>
-                  <a:tcPr marL="68580" marR="68580" marT="0" marB="0"/>
-                </a:tc>
-                <a:tc>
-                  <a:txBody>
-                    <a:bodyPr/>
-                    <a:lstStyle/>
-                    <a:p>
-                      <a:pPr>
-                        <a:spcBef>
-                          <a:spcPts val="180"/>
-                        </a:spcBef>
-                        <a:spcAft>
-                          <a:spcPts val="180"/>
-                        </a:spcAft>
-                      </a:pPr>
-                      <a:r>
-                        <a:rPr lang="en-US" sz="1200">
-                          <a:effectLst/>
-                        </a:rPr>
-                        <a:t>-1.9756e-19V</a:t>
-                      </a:r>
-                      <a:endParaRPr lang="zh-CN" sz="1200">
-                        <a:effectLst/>
-                        <a:latin typeface="Cambria" panose="02040503050406030204" pitchFamily="18" charset="0"/>
-                        <a:ea typeface="宋体" panose="02010600030101010101" pitchFamily="2" charset="-122"/>
-                        <a:cs typeface="Times New Roman" panose="02020603050405020304" pitchFamily="18" charset="0"/>
-                      </a:endParaRPr>
-                    </a:p>
-                  </a:txBody>
-                  <a:tcPr marL="68580" marR="68580" marT="0" marB="0"/>
-                </a:tc>
-                <a:tc>
-                  <a:txBody>
-                    <a:bodyPr/>
-                    <a:lstStyle/>
-                    <a:p>
-                      <a:pPr>
-                        <a:spcBef>
-                          <a:spcPts val="180"/>
-                        </a:spcBef>
-                        <a:spcAft>
-                          <a:spcPts val="180"/>
-                        </a:spcAft>
-                      </a:pPr>
-                      <a:r>
-                        <a:rPr lang="en-US" sz="1200">
-                          <a:effectLst/>
-                        </a:rPr>
-                        <a:t>13.9329nV</a:t>
-                      </a:r>
-                      <a:endParaRPr lang="zh-CN" sz="1200">
-                        <a:effectLst/>
-                        <a:latin typeface="Cambria" panose="02040503050406030204" pitchFamily="18" charset="0"/>
-                        <a:ea typeface="宋体" panose="02010600030101010101" pitchFamily="2" charset="-122"/>
-                        <a:cs typeface="Times New Roman" panose="02020603050405020304" pitchFamily="18" charset="0"/>
-                      </a:endParaRPr>
-                    </a:p>
-                  </a:txBody>
-                  <a:tcPr marL="68580" marR="68580" marT="0" marB="0"/>
-                </a:tc>
-                <a:extLst>
-                  <a:ext uri="{0D108BD9-81ED-4DB2-BD59-A6C34878D82A}">
-                    <a16:rowId xmlns:a16="http://schemas.microsoft.com/office/drawing/2014/main" val="4125087868"/>
-                  </a:ext>
-                </a:extLst>
-              </a:tr>
-              <a:tr h="352350">
-                <a:tc>
-                  <a:txBody>
-                    <a:bodyPr/>
-                    <a:lstStyle/>
-                    <a:p>
-                      <a:pPr>
-                        <a:spcBef>
-                          <a:spcPts val="180"/>
-                        </a:spcBef>
-                        <a:spcAft>
-                          <a:spcPts val="180"/>
-                        </a:spcAft>
-                      </a:pPr>
-                      <a:r>
-                        <a:rPr lang="en-US" sz="1200" dirty="0">
-                          <a:effectLst/>
-                        </a:rPr>
-                        <a:t>M1 </a:t>
-                      </a:r>
-                      <a:r>
-                        <a:rPr lang="en-US" sz="1200" dirty="0" err="1">
-                          <a:effectLst/>
-                        </a:rPr>
-                        <a:t>元件电流</a:t>
-                      </a:r>
-                      <a:endParaRPr lang="zh-CN" sz="1200" dirty="0">
-                        <a:effectLst/>
-                        <a:latin typeface="Cambria" panose="02040503050406030204" pitchFamily="18" charset="0"/>
-                        <a:ea typeface="宋体" panose="02010600030101010101" pitchFamily="2" charset="-122"/>
-                        <a:cs typeface="Times New Roman" panose="02020603050405020304" pitchFamily="18" charset="0"/>
-                      </a:endParaRPr>
-                    </a:p>
-                  </a:txBody>
-                  <a:tcPr marL="68580" marR="68580" marT="0" marB="0"/>
-                </a:tc>
-                <a:tc>
-                  <a:txBody>
-                    <a:bodyPr/>
-                    <a:lstStyle/>
-                    <a:p>
-                      <a:pPr>
-                        <a:spcBef>
-                          <a:spcPts val="180"/>
-                        </a:spcBef>
-                        <a:spcAft>
-                          <a:spcPts val="180"/>
-                        </a:spcAft>
-                      </a:pPr>
-                      <a:r>
-                        <a:rPr lang="en-US" sz="1200">
-                          <a:effectLst/>
-                        </a:rPr>
-                        <a:t>-3.2451e-05A</a:t>
-                      </a:r>
-                      <a:endParaRPr lang="zh-CN" sz="1200">
-                        <a:effectLst/>
-                        <a:latin typeface="Cambria" panose="02040503050406030204" pitchFamily="18" charset="0"/>
-                        <a:ea typeface="宋体" panose="02010600030101010101" pitchFamily="2" charset="-122"/>
-                        <a:cs typeface="Times New Roman" panose="02020603050405020304" pitchFamily="18" charset="0"/>
-                      </a:endParaRPr>
-                    </a:p>
-                  </a:txBody>
-                  <a:tcPr marL="68580" marR="68580" marT="0" marB="0"/>
-                </a:tc>
-                <a:tc>
-                  <a:txBody>
-                    <a:bodyPr/>
-                    <a:lstStyle/>
-                    <a:p>
-                      <a:pPr>
-                        <a:spcBef>
-                          <a:spcPts val="180"/>
-                        </a:spcBef>
-                        <a:spcAft>
-                          <a:spcPts val="180"/>
-                        </a:spcAft>
-                      </a:pPr>
-                      <a:r>
-                        <a:rPr lang="en-US" sz="1200">
-                          <a:effectLst/>
-                        </a:rPr>
-                        <a:t>-32.4839uA</a:t>
-                      </a:r>
-                      <a:endParaRPr lang="zh-CN" sz="1200">
-                        <a:effectLst/>
-                        <a:latin typeface="Cambria" panose="02040503050406030204" pitchFamily="18" charset="0"/>
-                        <a:ea typeface="宋体" panose="02010600030101010101" pitchFamily="2" charset="-122"/>
-                        <a:cs typeface="Times New Roman" panose="02020603050405020304" pitchFamily="18" charset="0"/>
-                      </a:endParaRPr>
-                    </a:p>
-                  </a:txBody>
-                  <a:tcPr marL="68580" marR="68580" marT="0" marB="0"/>
-                </a:tc>
-                <a:extLst>
-                  <a:ext uri="{0D108BD9-81ED-4DB2-BD59-A6C34878D82A}">
-                    <a16:rowId xmlns:a16="http://schemas.microsoft.com/office/drawing/2014/main" val="1287115945"/>
-                  </a:ext>
-                </a:extLst>
-              </a:tr>
-              <a:tr h="352350">
-                <a:tc>
-                  <a:txBody>
-                    <a:bodyPr/>
-                    <a:lstStyle/>
-                    <a:p>
-                      <a:pPr>
-                        <a:spcBef>
-                          <a:spcPts val="180"/>
-                        </a:spcBef>
-                        <a:spcAft>
-                          <a:spcPts val="180"/>
-                        </a:spcAft>
-                      </a:pPr>
-                      <a:r>
-                        <a:rPr lang="en-US" sz="1200" dirty="0">
-                          <a:effectLst/>
-                        </a:rPr>
-                        <a:t>M2 </a:t>
-                      </a:r>
-                      <a:r>
-                        <a:rPr lang="en-US" sz="1200" dirty="0" err="1">
-                          <a:effectLst/>
-                        </a:rPr>
-                        <a:t>元件电流</a:t>
-                      </a:r>
-                      <a:endParaRPr lang="zh-CN" sz="1200" dirty="0">
-                        <a:effectLst/>
-                        <a:latin typeface="Cambria" panose="02040503050406030204" pitchFamily="18" charset="0"/>
-                        <a:ea typeface="宋体" panose="02010600030101010101" pitchFamily="2" charset="-122"/>
-                        <a:cs typeface="Times New Roman" panose="02020603050405020304" pitchFamily="18" charset="0"/>
-                      </a:endParaRPr>
-                    </a:p>
-                  </a:txBody>
-                  <a:tcPr marL="68580" marR="68580" marT="0" marB="0"/>
-                </a:tc>
-                <a:tc>
-                  <a:txBody>
-                    <a:bodyPr/>
-                    <a:lstStyle/>
-                    <a:p>
-                      <a:pPr>
-                        <a:spcBef>
-                          <a:spcPts val="180"/>
-                        </a:spcBef>
-                        <a:spcAft>
-                          <a:spcPts val="180"/>
-                        </a:spcAft>
-                      </a:pPr>
-                      <a:r>
-                        <a:rPr lang="en-US" sz="1200">
-                          <a:effectLst/>
-                        </a:rPr>
-                        <a:t>3.2451e-05A</a:t>
-                      </a:r>
-                      <a:endParaRPr lang="zh-CN" sz="1200">
-                        <a:effectLst/>
-                        <a:latin typeface="Cambria" panose="02040503050406030204" pitchFamily="18" charset="0"/>
-                        <a:ea typeface="宋体" panose="02010600030101010101" pitchFamily="2" charset="-122"/>
-                        <a:cs typeface="Times New Roman" panose="02020603050405020304" pitchFamily="18" charset="0"/>
-                      </a:endParaRPr>
-                    </a:p>
-                  </a:txBody>
-                  <a:tcPr marL="68580" marR="68580" marT="0" marB="0"/>
-                </a:tc>
-                <a:tc>
-                  <a:txBody>
-                    <a:bodyPr/>
-                    <a:lstStyle/>
-                    <a:p>
-                      <a:pPr>
-                        <a:spcBef>
-                          <a:spcPts val="180"/>
-                        </a:spcBef>
-                        <a:spcAft>
-                          <a:spcPts val="180"/>
-                        </a:spcAft>
-                      </a:pPr>
-                      <a:r>
-                        <a:rPr lang="en-US" sz="1200">
-                          <a:effectLst/>
-                        </a:rPr>
-                        <a:t>32.4839uA</a:t>
-                      </a:r>
-                      <a:endParaRPr lang="zh-CN" sz="1200">
-                        <a:effectLst/>
-                        <a:latin typeface="Cambria" panose="02040503050406030204" pitchFamily="18" charset="0"/>
-                        <a:ea typeface="宋体" panose="02010600030101010101" pitchFamily="2" charset="-122"/>
-                        <a:cs typeface="Times New Roman" panose="02020603050405020304" pitchFamily="18" charset="0"/>
-                      </a:endParaRPr>
-                    </a:p>
-                  </a:txBody>
-                  <a:tcPr marL="68580" marR="68580" marT="0" marB="0"/>
-                </a:tc>
-                <a:extLst>
-                  <a:ext uri="{0D108BD9-81ED-4DB2-BD59-A6C34878D82A}">
-                    <a16:rowId xmlns:a16="http://schemas.microsoft.com/office/drawing/2014/main" val="2940391890"/>
-                  </a:ext>
-                </a:extLst>
-              </a:tr>
-              <a:tr h="352350">
-                <a:tc>
-                  <a:txBody>
-                    <a:bodyPr/>
-                    <a:lstStyle/>
-                    <a:p>
-                      <a:pPr>
-                        <a:spcBef>
-                          <a:spcPts val="180"/>
-                        </a:spcBef>
-                        <a:spcAft>
-                          <a:spcPts val="180"/>
-                        </a:spcAft>
-                      </a:pPr>
-                      <a:r>
-                        <a:rPr lang="en-US" sz="1200" dirty="0">
-                          <a:effectLst/>
-                        </a:rPr>
-                        <a:t>M3 </a:t>
-                      </a:r>
-                      <a:r>
-                        <a:rPr lang="en-US" sz="1200" dirty="0" err="1">
-                          <a:effectLst/>
-                        </a:rPr>
-                        <a:t>元件电流</a:t>
-                      </a:r>
-                      <a:endParaRPr lang="zh-CN" sz="1200" dirty="0">
-                        <a:effectLst/>
-                        <a:latin typeface="Cambria" panose="02040503050406030204" pitchFamily="18" charset="0"/>
-                        <a:ea typeface="宋体" panose="02010600030101010101" pitchFamily="2" charset="-122"/>
-                        <a:cs typeface="Times New Roman" panose="02020603050405020304" pitchFamily="18" charset="0"/>
-                      </a:endParaRPr>
-                    </a:p>
-                  </a:txBody>
-                  <a:tcPr marL="68580" marR="68580" marT="0" marB="0"/>
-                </a:tc>
-                <a:tc>
-                  <a:txBody>
-                    <a:bodyPr/>
-                    <a:lstStyle/>
-                    <a:p>
-                      <a:pPr>
-                        <a:spcBef>
-                          <a:spcPts val="180"/>
-                        </a:spcBef>
-                        <a:spcAft>
-                          <a:spcPts val="180"/>
-                        </a:spcAft>
-                      </a:pPr>
-                      <a:r>
-                        <a:rPr lang="en-US" sz="1200">
-                          <a:effectLst/>
-                        </a:rPr>
-                        <a:t>0</a:t>
-                      </a:r>
-                      <a:endParaRPr lang="zh-CN" sz="1200">
-                        <a:effectLst/>
-                        <a:latin typeface="Cambria" panose="02040503050406030204" pitchFamily="18" charset="0"/>
-                        <a:ea typeface="宋体" panose="02010600030101010101" pitchFamily="2" charset="-122"/>
-                        <a:cs typeface="Times New Roman" panose="02020603050405020304" pitchFamily="18" charset="0"/>
-                      </a:endParaRPr>
-                    </a:p>
-                  </a:txBody>
-                  <a:tcPr marL="68580" marR="68580" marT="0" marB="0"/>
-                </a:tc>
-                <a:tc>
-                  <a:txBody>
-                    <a:bodyPr/>
-                    <a:lstStyle/>
-                    <a:p>
-                      <a:pPr>
-                        <a:spcBef>
-                          <a:spcPts val="180"/>
-                        </a:spcBef>
-                        <a:spcAft>
-                          <a:spcPts val="180"/>
-                        </a:spcAft>
-                      </a:pPr>
-                      <a:r>
-                        <a:rPr lang="en-US" sz="1200">
-                          <a:effectLst/>
-                        </a:rPr>
-                        <a:t>0</a:t>
-                      </a:r>
-                      <a:endParaRPr lang="zh-CN" sz="1200">
-                        <a:effectLst/>
-                        <a:latin typeface="Cambria" panose="02040503050406030204" pitchFamily="18" charset="0"/>
-                        <a:ea typeface="宋体" panose="02010600030101010101" pitchFamily="2" charset="-122"/>
-                        <a:cs typeface="Times New Roman" panose="02020603050405020304" pitchFamily="18" charset="0"/>
-                      </a:endParaRPr>
-                    </a:p>
-                  </a:txBody>
-                  <a:tcPr marL="68580" marR="68580" marT="0" marB="0"/>
-                </a:tc>
-                <a:extLst>
-                  <a:ext uri="{0D108BD9-81ED-4DB2-BD59-A6C34878D82A}">
-                    <a16:rowId xmlns:a16="http://schemas.microsoft.com/office/drawing/2014/main" val="2100844461"/>
-                  </a:ext>
-                </a:extLst>
-              </a:tr>
-              <a:tr h="352350">
-                <a:tc>
-                  <a:txBody>
-                    <a:bodyPr/>
-                    <a:lstStyle/>
-                    <a:p>
-                      <a:pPr>
-                        <a:spcBef>
-                          <a:spcPts val="180"/>
-                        </a:spcBef>
-                        <a:spcAft>
-                          <a:spcPts val="180"/>
-                        </a:spcAft>
-                      </a:pPr>
-                      <a:r>
-                        <a:rPr lang="en-US" sz="1200" dirty="0">
-                          <a:effectLst/>
-                        </a:rPr>
-                        <a:t>M4 </a:t>
-                      </a:r>
-                      <a:r>
-                        <a:rPr lang="en-US" sz="1200" dirty="0" err="1">
-                          <a:effectLst/>
-                        </a:rPr>
-                        <a:t>元件电流</a:t>
-                      </a:r>
-                      <a:endParaRPr lang="zh-CN" sz="1200" dirty="0">
-                        <a:effectLst/>
-                        <a:latin typeface="Cambria" panose="02040503050406030204" pitchFamily="18" charset="0"/>
-                        <a:ea typeface="宋体" panose="02010600030101010101" pitchFamily="2" charset="-122"/>
-                        <a:cs typeface="Times New Roman" panose="02020603050405020304" pitchFamily="18" charset="0"/>
-                      </a:endParaRPr>
-                    </a:p>
-                  </a:txBody>
-                  <a:tcPr marL="68580" marR="68580" marT="0" marB="0"/>
-                </a:tc>
-                <a:tc>
-                  <a:txBody>
-                    <a:bodyPr/>
-                    <a:lstStyle/>
-                    <a:p>
-                      <a:pPr>
-                        <a:spcBef>
-                          <a:spcPts val="180"/>
-                        </a:spcBef>
-                        <a:spcAft>
-                          <a:spcPts val="180"/>
-                        </a:spcAft>
-                      </a:pPr>
-                      <a:r>
-                        <a:rPr lang="en-US" sz="1200" dirty="0">
-                          <a:effectLst/>
-                        </a:rPr>
-                        <a:t>-3.4578e-13A</a:t>
-                      </a:r>
-                      <a:endParaRPr lang="zh-CN" sz="1200" dirty="0">
-                        <a:effectLst/>
-                        <a:latin typeface="Cambria" panose="02040503050406030204" pitchFamily="18" charset="0"/>
-                        <a:ea typeface="宋体" panose="02010600030101010101" pitchFamily="2" charset="-122"/>
-                        <a:cs typeface="Times New Roman" panose="02020603050405020304" pitchFamily="18" charset="0"/>
-                      </a:endParaRPr>
-                    </a:p>
-                  </a:txBody>
-                  <a:tcPr marL="68580" marR="68580" marT="0" marB="0"/>
-                </a:tc>
-                <a:tc>
-                  <a:txBody>
-                    <a:bodyPr/>
-                    <a:lstStyle/>
-                    <a:p>
-                      <a:pPr>
-                        <a:spcBef>
-                          <a:spcPts val="180"/>
-                        </a:spcBef>
-                        <a:spcAft>
-                          <a:spcPts val="180"/>
-                        </a:spcAft>
-                      </a:pPr>
-                      <a:r>
-                        <a:rPr lang="en-US" sz="1200" dirty="0">
-                          <a:effectLst/>
-                        </a:rPr>
-                        <a:t>6.0300pA</a:t>
-                      </a:r>
-                      <a:endParaRPr lang="zh-CN" sz="1200" dirty="0">
-                        <a:effectLst/>
-                        <a:latin typeface="Cambria" panose="02040503050406030204" pitchFamily="18" charset="0"/>
-                        <a:ea typeface="宋体" panose="02010600030101010101" pitchFamily="2" charset="-122"/>
-                        <a:cs typeface="Times New Roman" panose="02020603050405020304" pitchFamily="18" charset="0"/>
-                      </a:endParaRPr>
-                    </a:p>
-                  </a:txBody>
-                  <a:tcPr marL="68580" marR="68580" marT="0" marB="0"/>
-                </a:tc>
-                <a:extLst>
-                  <a:ext uri="{0D108BD9-81ED-4DB2-BD59-A6C34878D82A}">
-                    <a16:rowId xmlns:a16="http://schemas.microsoft.com/office/drawing/2014/main" val="3131930875"/>
-                  </a:ext>
-                </a:extLst>
-              </a:tr>
-            </a:tbl>
-          </a:graphicData>
-        </a:graphic>
-      </p:graphicFrame>
-    </p:spTree>
-    <p:extLst>
-      <p:ext uri="{BB962C8B-B14F-4D97-AF65-F5344CB8AC3E}">
-        <p14:creationId xmlns:p14="http://schemas.microsoft.com/office/powerpoint/2010/main" val="2584552202"/>
-      </p:ext>
-    </p:extLst>
-  </p:cSld>
-  <p:clrMapOvr>
-    <a:masterClrMapping/>
-  </p:clrMapOvr>
-  <mc:AlternateContent xmlns:mc="http://schemas.openxmlformats.org/markup-compatibility/2006" xmlns:p14="http://schemas.microsoft.com/office/powerpoint/2010/main">
-    <mc:Choice Requires="p14">
-      <p:transition spd="slow">
-        <p14:gallery dir="l"/>
-      </p:transition>
-    </mc:Choice>
-    <mc:Fallback xmlns="">
-      <p:transition spd="slow">
-        <p:fade/>
-      </p:transition>
-    </mc:Fallback>
-  </mc:AlternateContent>
-</p:sld>
-</file>
-
-<file path=ppt/slides/slide17.xml><?xml version="1.0" encoding="utf-8"?>
-<p:sld xmlns:a="http://schemas.openxmlformats.org/drawingml/2006/main" xmlns:r="http://schemas.openxmlformats.org/officeDocument/2006/relationships" xmlns:p="http://schemas.openxmlformats.org/presentationml/2006/main">
-  <p:cSld>
-    <p:spTree>
-      <p:nvGrpSpPr>
-        <p:cNvPr id="1" name=""/>
-        <p:cNvGrpSpPr/>
-        <p:nvPr/>
-      </p:nvGrpSpPr>
-      <p:grpSpPr>
-        <a:xfrm>
-          <a:off x="0" y="0"/>
-          <a:ext cx="0" cy="0"/>
-          <a:chOff x="0" y="0"/>
-          <a:chExt cx="0" cy="0"/>
-        </a:xfrm>
-      </p:grpSpPr>
-      <p:sp>
-        <p:nvSpPr>
-          <p:cNvPr id="7" name="文本框 6"/>
-          <p:cNvSpPr txBox="1"/>
-          <p:nvPr/>
-        </p:nvSpPr>
-        <p:spPr>
-          <a:xfrm>
-            <a:off x="659130" y="1088009"/>
-            <a:ext cx="7680198" cy="461665"/>
-          </a:xfrm>
-          <a:prstGeom prst="rect">
-            <a:avLst/>
-          </a:prstGeom>
-          <a:noFill/>
-        </p:spPr>
-        <p:txBody>
-          <a:bodyPr wrap="square" rtlCol="0">
-            <a:spAutoFit/>
-          </a:bodyPr>
-          <a:lstStyle/>
-          <a:p>
-            <a:pPr>
-              <a:spcBef>
-                <a:spcPts val="900"/>
-              </a:spcBef>
-              <a:spcAft>
-                <a:spcPts val="900"/>
-              </a:spcAft>
-            </a:pPr>
-            <a:r>
-              <a:rPr lang="en-US" altLang="zh-CN" sz="2400" dirty="0">
-                <a:solidFill>
-                  <a:schemeClr val="accent1">
-                    <a:lumMod val="50000"/>
-                  </a:schemeClr>
-                </a:solidFill>
-                <a:effectLst/>
-                <a:latin typeface="Cambria" panose="02040503050406030204" pitchFamily="18" charset="0"/>
-                <a:ea typeface="宋体" panose="02010600030101010101" pitchFamily="2" charset="-122"/>
-                <a:cs typeface="Times New Roman" panose="02020603050405020304" pitchFamily="18" charset="0"/>
-              </a:rPr>
-              <a:t>DC</a:t>
-            </a:r>
-            <a:r>
-              <a:rPr lang="zh-CN" altLang="en-US" sz="2400" dirty="0">
-                <a:solidFill>
-                  <a:schemeClr val="accent1">
-                    <a:lumMod val="50000"/>
-                  </a:schemeClr>
-                </a:solidFill>
-                <a:latin typeface="Cambria" panose="02040503050406030204" pitchFamily="18" charset="0"/>
-                <a:ea typeface="宋体" panose="02010600030101010101" pitchFamily="2" charset="-122"/>
-                <a:cs typeface="Times New Roman" panose="02020603050405020304" pitchFamily="18" charset="0"/>
-              </a:rPr>
-              <a:t>扫描</a:t>
-            </a:r>
-            <a:r>
-              <a:rPr lang="zh-CN" altLang="en-US" sz="2400" dirty="0">
-                <a:solidFill>
-                  <a:schemeClr val="accent1">
-                    <a:lumMod val="50000"/>
-                  </a:schemeClr>
-                </a:solidFill>
-                <a:effectLst/>
-                <a:latin typeface="Cambria" panose="02040503050406030204" pitchFamily="18" charset="0"/>
-                <a:ea typeface="宋体" panose="02010600030101010101" pitchFamily="2" charset="-122"/>
-                <a:cs typeface="Times New Roman" panose="02020603050405020304" pitchFamily="18" charset="0"/>
-              </a:rPr>
-              <a:t>测试结果</a:t>
-            </a:r>
-            <a:endParaRPr lang="en-US" altLang="zh-CN" sz="2000" dirty="0">
-              <a:solidFill>
-                <a:schemeClr val="accent1">
-                  <a:lumMod val="75000"/>
-                </a:schemeClr>
-              </a:solidFill>
-              <a:effectLst/>
-              <a:latin typeface="Cambria" panose="02040503050406030204" pitchFamily="18" charset="0"/>
-              <a:ea typeface="宋体" panose="02010600030101010101" pitchFamily="2" charset="-122"/>
-              <a:cs typeface="Times New Roman" panose="02020603050405020304" pitchFamily="18" charset="0"/>
-            </a:endParaRPr>
-          </a:p>
-        </p:txBody>
-      </p:sp>
-      <p:sp>
-        <p:nvSpPr>
-          <p:cNvPr id="5" name="文本框 4"/>
-          <p:cNvSpPr txBox="1"/>
-          <p:nvPr/>
-        </p:nvSpPr>
-        <p:spPr>
-          <a:xfrm>
-            <a:off x="956945" y="214630"/>
-            <a:ext cx="2188420" cy="584775"/>
-          </a:xfrm>
-          <a:prstGeom prst="rect">
-            <a:avLst/>
-          </a:prstGeom>
-          <a:noFill/>
-        </p:spPr>
-        <p:txBody>
-          <a:bodyPr wrap="none" rtlCol="0">
-            <a:spAutoFit/>
-          </a:bodyPr>
-          <a:lstStyle/>
-          <a:p>
-            <a:r>
-              <a:rPr lang="zh-CN" altLang="en-US" sz="3200" dirty="0">
-                <a:solidFill>
-                  <a:schemeClr val="accent5">
-                    <a:lumMod val="75000"/>
-                  </a:schemeClr>
-                </a:solidFill>
-                <a:effectLst>
-                  <a:outerShdw blurRad="38100" dist="38100" dir="2700000" algn="tl">
-                    <a:srgbClr val="000000">
-                      <a:alpha val="43137"/>
-                    </a:srgbClr>
-                  </a:outerShdw>
-                </a:effectLst>
-                <a:cs typeface="+mn-ea"/>
-              </a:rPr>
-              <a:t>测试用例 </a:t>
-            </a:r>
-            <a:r>
-              <a:rPr lang="en-US" altLang="zh-CN" sz="3200" dirty="0">
-                <a:solidFill>
-                  <a:schemeClr val="accent5">
-                    <a:lumMod val="75000"/>
-                  </a:schemeClr>
-                </a:solidFill>
-                <a:effectLst>
-                  <a:outerShdw blurRad="38100" dist="38100" dir="2700000" algn="tl">
-                    <a:srgbClr val="000000">
-                      <a:alpha val="43137"/>
-                    </a:srgbClr>
-                  </a:outerShdw>
-                </a:effectLst>
-                <a:cs typeface="+mn-ea"/>
-              </a:rPr>
-              <a:t>1</a:t>
-            </a:r>
-            <a:endParaRPr lang="zh-CN" altLang="en-US" sz="3200" dirty="0">
-              <a:solidFill>
-                <a:schemeClr val="accent5">
-                  <a:lumMod val="75000"/>
-                </a:schemeClr>
-              </a:solidFill>
-              <a:effectLst>
-                <a:outerShdw blurRad="38100" dist="38100" dir="2700000" algn="tl">
-                  <a:srgbClr val="000000">
-                    <a:alpha val="43137"/>
-                  </a:srgbClr>
-                </a:outerShdw>
-              </a:effectLst>
-              <a:cs typeface="+mn-ea"/>
-            </a:endParaRPr>
-          </a:p>
-        </p:txBody>
-      </p:sp>
-      <p:pic>
-        <p:nvPicPr>
-          <p:cNvPr id="6" name="Picture" descr="转移特性" title="fig:">
-            <a:extLst>
-              <a:ext uri="{FF2B5EF4-FFF2-40B4-BE49-F238E27FC236}">
-                <a16:creationId xmlns:a16="http://schemas.microsoft.com/office/drawing/2014/main" id="{67899E4D-3995-4639-A520-ADE5E2B63571}"/>
-              </a:ext>
-            </a:extLst>
-          </p:cNvPr>
-          <p:cNvPicPr/>
-          <p:nvPr/>
-        </p:nvPicPr>
-        <p:blipFill>
-          <a:blip r:embed="rId3"/>
-          <a:stretch>
-            <a:fillRect/>
-          </a:stretch>
-        </p:blipFill>
-        <p:spPr bwMode="auto">
-          <a:xfrm>
-            <a:off x="4299857" y="1549675"/>
-            <a:ext cx="4185013" cy="2732876"/>
-          </a:xfrm>
-          <a:prstGeom prst="rect">
-            <a:avLst/>
-          </a:prstGeom>
-          <a:noFill/>
-          <a:ln w="9525">
-            <a:noFill/>
-            <a:headEnd/>
-            <a:tailEnd/>
-          </a:ln>
-        </p:spPr>
-      </p:pic>
-      <p:pic>
-        <p:nvPicPr>
-          <p:cNvPr id="8" name="Picture" descr="转移特性" title="fig:">
-            <a:extLst>
-              <a:ext uri="{FF2B5EF4-FFF2-40B4-BE49-F238E27FC236}">
-                <a16:creationId xmlns:a16="http://schemas.microsoft.com/office/drawing/2014/main" id="{403113A0-F5D4-4EA3-A81C-30955C8514C4}"/>
-              </a:ext>
-            </a:extLst>
-          </p:cNvPr>
-          <p:cNvPicPr/>
-          <p:nvPr/>
-        </p:nvPicPr>
-        <p:blipFill>
-          <a:blip r:embed="rId4"/>
-          <a:stretch>
-            <a:fillRect/>
-          </a:stretch>
-        </p:blipFill>
-        <p:spPr bwMode="auto">
-          <a:xfrm>
-            <a:off x="659130" y="1549673"/>
-            <a:ext cx="3640727" cy="2732877"/>
-          </a:xfrm>
-          <a:prstGeom prst="rect">
-            <a:avLst/>
-          </a:prstGeom>
-          <a:noFill/>
-          <a:ln w="9525">
-            <a:noFill/>
-            <a:headEnd/>
-            <a:tailEnd/>
-          </a:ln>
-        </p:spPr>
-      </p:pic>
-    </p:spTree>
-    <p:extLst>
-      <p:ext uri="{BB962C8B-B14F-4D97-AF65-F5344CB8AC3E}">
-        <p14:creationId xmlns:p14="http://schemas.microsoft.com/office/powerpoint/2010/main" val="1664665626"/>
-      </p:ext>
-    </p:extLst>
-  </p:cSld>
-  <p:clrMapOvr>
-    <a:masterClrMapping/>
-  </p:clrMapOvr>
-  <mc:AlternateContent xmlns:mc="http://schemas.openxmlformats.org/markup-compatibility/2006" xmlns:p14="http://schemas.microsoft.com/office/powerpoint/2010/main">
-    <mc:Choice Requires="p14">
-      <p:transition spd="slow">
-        <p14:gallery dir="l"/>
-      </p:transition>
-    </mc:Choice>
-    <mc:Fallback xmlns="">
-      <p:transition spd="slow">
-        <p:fade/>
-      </p:transition>
-    </mc:Fallback>
-  </mc:AlternateContent>
-</p:sld>
-</file>
-
-<file path=ppt/slides/slide18.xml><?xml version="1.0" encoding="utf-8"?>
-<p:sld xmlns:a="http://schemas.openxmlformats.org/drawingml/2006/main" xmlns:r="http://schemas.openxmlformats.org/officeDocument/2006/relationships" xmlns:p="http://schemas.openxmlformats.org/presentationml/2006/main">
-  <p:cSld>
-    <p:spTree>
-      <p:nvGrpSpPr>
-        <p:cNvPr id="1" name=""/>
-        <p:cNvGrpSpPr/>
-        <p:nvPr/>
-      </p:nvGrpSpPr>
-      <p:grpSpPr>
-        <a:xfrm>
-          <a:off x="0" y="0"/>
-          <a:ext cx="0" cy="0"/>
-          <a:chOff x="0" y="0"/>
-          <a:chExt cx="0" cy="0"/>
-        </a:xfrm>
-      </p:grpSpPr>
-      <p:sp>
-        <p:nvSpPr>
-          <p:cNvPr id="7" name="文本框 6"/>
-          <p:cNvSpPr txBox="1"/>
-          <p:nvPr/>
-        </p:nvSpPr>
-        <p:spPr>
-          <a:xfrm>
-            <a:off x="659130" y="1088009"/>
-            <a:ext cx="7680198" cy="461665"/>
-          </a:xfrm>
-          <a:prstGeom prst="rect">
-            <a:avLst/>
-          </a:prstGeom>
-          <a:noFill/>
-        </p:spPr>
-        <p:txBody>
-          <a:bodyPr wrap="square" rtlCol="0">
-            <a:spAutoFit/>
-          </a:bodyPr>
-          <a:lstStyle/>
-          <a:p>
-            <a:pPr>
-              <a:spcBef>
-                <a:spcPts val="900"/>
-              </a:spcBef>
-              <a:spcAft>
-                <a:spcPts val="900"/>
-              </a:spcAft>
-            </a:pPr>
-            <a:r>
-              <a:rPr lang="en-US" altLang="zh-CN" sz="2400" dirty="0">
-                <a:solidFill>
-                  <a:schemeClr val="accent1">
-                    <a:lumMod val="50000"/>
-                  </a:schemeClr>
-                </a:solidFill>
-                <a:latin typeface="Cambria" panose="02040503050406030204" pitchFamily="18" charset="0"/>
-                <a:ea typeface="宋体" panose="02010600030101010101" pitchFamily="2" charset="-122"/>
-                <a:cs typeface="Times New Roman" panose="02020603050405020304" pitchFamily="18" charset="0"/>
-              </a:rPr>
-              <a:t>AC</a:t>
-            </a:r>
-            <a:r>
-              <a:rPr lang="zh-CN" altLang="en-US" sz="2400" dirty="0">
-                <a:solidFill>
-                  <a:schemeClr val="accent1">
-                    <a:lumMod val="50000"/>
-                  </a:schemeClr>
-                </a:solidFill>
-                <a:latin typeface="微软雅黑" panose="020B0503020204020204" pitchFamily="34" charset="-122"/>
-                <a:ea typeface="微软雅黑" panose="020B0503020204020204" pitchFamily="34" charset="-122"/>
-                <a:cs typeface="Times New Roman" panose="02020603050405020304" pitchFamily="18" charset="0"/>
-              </a:rPr>
-              <a:t>扫描</a:t>
-            </a:r>
-            <a:r>
-              <a:rPr lang="zh-CN" altLang="en-US" sz="2400" dirty="0">
-                <a:solidFill>
-                  <a:schemeClr val="accent1">
-                    <a:lumMod val="50000"/>
-                  </a:schemeClr>
-                </a:solidFill>
-                <a:effectLst/>
-                <a:latin typeface="微软雅黑" panose="020B0503020204020204" pitchFamily="34" charset="-122"/>
-                <a:ea typeface="微软雅黑" panose="020B0503020204020204" pitchFamily="34" charset="-122"/>
-                <a:cs typeface="Times New Roman" panose="02020603050405020304" pitchFamily="18" charset="0"/>
-              </a:rPr>
-              <a:t>测试结果</a:t>
-            </a:r>
-            <a:endParaRPr lang="en-US" altLang="zh-CN" sz="2000" dirty="0">
-              <a:solidFill>
-                <a:schemeClr val="accent1">
-                  <a:lumMod val="75000"/>
-                </a:schemeClr>
-              </a:solidFill>
-              <a:effectLst/>
-              <a:latin typeface="微软雅黑" panose="020B0503020204020204" pitchFamily="34" charset="-122"/>
-              <a:ea typeface="微软雅黑" panose="020B0503020204020204" pitchFamily="34" charset="-122"/>
-              <a:cs typeface="Times New Roman" panose="02020603050405020304" pitchFamily="18" charset="0"/>
-            </a:endParaRPr>
-          </a:p>
-        </p:txBody>
-      </p:sp>
-      <p:sp>
-        <p:nvSpPr>
-          <p:cNvPr id="5" name="文本框 4"/>
-          <p:cNvSpPr txBox="1"/>
-          <p:nvPr/>
-        </p:nvSpPr>
-        <p:spPr>
-          <a:xfrm>
-            <a:off x="956945" y="214630"/>
-            <a:ext cx="2188420" cy="584775"/>
-          </a:xfrm>
-          <a:prstGeom prst="rect">
-            <a:avLst/>
-          </a:prstGeom>
-          <a:noFill/>
-        </p:spPr>
-        <p:txBody>
-          <a:bodyPr wrap="none" rtlCol="0">
-            <a:spAutoFit/>
-          </a:bodyPr>
-          <a:lstStyle/>
-          <a:p>
-            <a:r>
-              <a:rPr lang="zh-CN" altLang="en-US" sz="3200" dirty="0">
-                <a:solidFill>
-                  <a:schemeClr val="accent5">
-                    <a:lumMod val="75000"/>
-                  </a:schemeClr>
-                </a:solidFill>
-                <a:effectLst>
-                  <a:outerShdw blurRad="38100" dist="38100" dir="2700000" algn="tl">
-                    <a:srgbClr val="000000">
-                      <a:alpha val="43137"/>
-                    </a:srgbClr>
-                  </a:outerShdw>
-                </a:effectLst>
-                <a:cs typeface="+mn-ea"/>
-              </a:rPr>
-              <a:t>测试用例 </a:t>
-            </a:r>
-            <a:r>
-              <a:rPr lang="en-US" altLang="zh-CN" sz="3200" dirty="0">
-                <a:solidFill>
-                  <a:schemeClr val="accent5">
-                    <a:lumMod val="75000"/>
-                  </a:schemeClr>
-                </a:solidFill>
-                <a:effectLst>
-                  <a:outerShdw blurRad="38100" dist="38100" dir="2700000" algn="tl">
-                    <a:srgbClr val="000000">
-                      <a:alpha val="43137"/>
-                    </a:srgbClr>
-                  </a:outerShdw>
-                </a:effectLst>
-                <a:cs typeface="+mn-ea"/>
-              </a:rPr>
-              <a:t>1</a:t>
-            </a:r>
-            <a:endParaRPr lang="zh-CN" altLang="en-US" sz="3200" dirty="0">
-              <a:solidFill>
-                <a:schemeClr val="accent5">
-                  <a:lumMod val="75000"/>
-                </a:schemeClr>
-              </a:solidFill>
-              <a:effectLst>
-                <a:outerShdw blurRad="38100" dist="38100" dir="2700000" algn="tl">
-                  <a:srgbClr val="000000">
-                    <a:alpha val="43137"/>
-                  </a:srgbClr>
-                </a:outerShdw>
-              </a:effectLst>
-              <a:cs typeface="+mn-ea"/>
-            </a:endParaRPr>
-          </a:p>
-        </p:txBody>
-      </p:sp>
-    </p:spTree>
-    <p:extLst>
-      <p:ext uri="{BB962C8B-B14F-4D97-AF65-F5344CB8AC3E}">
-        <p14:creationId xmlns:p14="http://schemas.microsoft.com/office/powerpoint/2010/main" val="671099562"/>
-      </p:ext>
-    </p:extLst>
-  </p:cSld>
-  <p:clrMapOvr>
-    <a:masterClrMapping/>
-  </p:clrMapOvr>
-  <mc:AlternateContent xmlns:mc="http://schemas.openxmlformats.org/markup-compatibility/2006" xmlns:p14="http://schemas.microsoft.com/office/powerpoint/2010/main">
-    <mc:Choice Requires="p14">
-      <p:transition spd="slow">
-        <p14:gallery dir="l"/>
-      </p:transition>
-    </mc:Choice>
-    <mc:Fallback xmlns="">
-      <p:transition spd="slow">
-        <p:fade/>
-      </p:transition>
-    </mc:Fallback>
-  </mc:AlternateContent>
-</p:sld>
-</file>
-
-<file path=ppt/slides/slide19.xml><?xml version="1.0" encoding="utf-8"?>
-<p:sld xmlns:a="http://schemas.openxmlformats.org/drawingml/2006/main" xmlns:r="http://schemas.openxmlformats.org/officeDocument/2006/relationships" xmlns:p="http://schemas.openxmlformats.org/presentationml/2006/main">
-  <p:cSld>
-    <p:spTree>
-      <p:nvGrpSpPr>
-        <p:cNvPr id="1" name=""/>
-        <p:cNvGrpSpPr/>
-        <p:nvPr/>
-      </p:nvGrpSpPr>
-      <p:grpSpPr>
-        <a:xfrm>
-          <a:off x="0" y="0"/>
-          <a:ext cx="0" cy="0"/>
-          <a:chOff x="0" y="0"/>
-          <a:chExt cx="0" cy="0"/>
-        </a:xfrm>
-      </p:grpSpPr>
-      <p:sp>
-        <p:nvSpPr>
-          <p:cNvPr id="7" name="文本框 6"/>
-          <p:cNvSpPr txBox="1"/>
-          <p:nvPr/>
-        </p:nvSpPr>
-        <p:spPr>
-          <a:xfrm>
-            <a:off x="659130" y="1088009"/>
-            <a:ext cx="7680198" cy="461665"/>
-          </a:xfrm>
-          <a:prstGeom prst="rect">
-            <a:avLst/>
-          </a:prstGeom>
-          <a:noFill/>
-        </p:spPr>
-        <p:txBody>
-          <a:bodyPr wrap="square" rtlCol="0">
-            <a:spAutoFit/>
-          </a:bodyPr>
-          <a:lstStyle/>
-          <a:p>
-            <a:pPr>
-              <a:spcBef>
-                <a:spcPts val="900"/>
-              </a:spcBef>
-              <a:spcAft>
-                <a:spcPts val="900"/>
-              </a:spcAft>
-            </a:pPr>
-            <a:r>
-              <a:rPr lang="en-US" altLang="zh-CN" sz="2400" dirty="0">
-                <a:solidFill>
-                  <a:schemeClr val="accent1">
-                    <a:lumMod val="50000"/>
-                  </a:schemeClr>
-                </a:solidFill>
-                <a:effectLst/>
-                <a:latin typeface="Cambria" panose="02040503050406030204" pitchFamily="18" charset="0"/>
-                <a:ea typeface="宋体" panose="02010600030101010101" pitchFamily="2" charset="-122"/>
-                <a:cs typeface="Times New Roman" panose="02020603050405020304" pitchFamily="18" charset="0"/>
-              </a:rPr>
-              <a:t>Trans</a:t>
-            </a:r>
-            <a:r>
-              <a:rPr lang="zh-CN" altLang="en-US" sz="2400" dirty="0">
-                <a:solidFill>
-                  <a:schemeClr val="accent1">
-                    <a:lumMod val="50000"/>
-                  </a:schemeClr>
-                </a:solidFill>
-                <a:effectLst/>
-                <a:latin typeface="微软雅黑" panose="020B0503020204020204" pitchFamily="34" charset="-122"/>
-                <a:ea typeface="微软雅黑" panose="020B0503020204020204" pitchFamily="34" charset="-122"/>
-                <a:cs typeface="Times New Roman" panose="02020603050405020304" pitchFamily="18" charset="0"/>
-              </a:rPr>
-              <a:t>测试结果</a:t>
-            </a:r>
-            <a:endParaRPr lang="en-US" altLang="zh-CN" sz="2000" dirty="0">
-              <a:solidFill>
-                <a:schemeClr val="accent1">
-                  <a:lumMod val="75000"/>
-                </a:schemeClr>
-              </a:solidFill>
-              <a:effectLst/>
-              <a:latin typeface="微软雅黑" panose="020B0503020204020204" pitchFamily="34" charset="-122"/>
-              <a:ea typeface="微软雅黑" panose="020B0503020204020204" pitchFamily="34" charset="-122"/>
-              <a:cs typeface="Times New Roman" panose="02020603050405020304" pitchFamily="18" charset="0"/>
-            </a:endParaRPr>
-          </a:p>
-        </p:txBody>
-      </p:sp>
-      <p:sp>
-        <p:nvSpPr>
-          <p:cNvPr id="5" name="文本框 4"/>
-          <p:cNvSpPr txBox="1"/>
-          <p:nvPr/>
-        </p:nvSpPr>
-        <p:spPr>
-          <a:xfrm>
-            <a:off x="956945" y="214630"/>
-            <a:ext cx="2188420" cy="584775"/>
-          </a:xfrm>
-          <a:prstGeom prst="rect">
-            <a:avLst/>
-          </a:prstGeom>
-          <a:noFill/>
-        </p:spPr>
-        <p:txBody>
-          <a:bodyPr wrap="none" rtlCol="0">
-            <a:spAutoFit/>
-          </a:bodyPr>
-          <a:lstStyle/>
-          <a:p>
-            <a:r>
-              <a:rPr lang="zh-CN" altLang="en-US" sz="3200" dirty="0">
-                <a:solidFill>
-                  <a:schemeClr val="accent5">
-                    <a:lumMod val="75000"/>
-                  </a:schemeClr>
-                </a:solidFill>
-                <a:effectLst>
-                  <a:outerShdw blurRad="38100" dist="38100" dir="2700000" algn="tl">
-                    <a:srgbClr val="000000">
-                      <a:alpha val="43137"/>
-                    </a:srgbClr>
-                  </a:outerShdw>
-                </a:effectLst>
-                <a:cs typeface="+mn-ea"/>
-              </a:rPr>
-              <a:t>测试用例 </a:t>
-            </a:r>
-            <a:r>
-              <a:rPr lang="en-US" altLang="zh-CN" sz="3200" dirty="0">
-                <a:solidFill>
-                  <a:schemeClr val="accent5">
-                    <a:lumMod val="75000"/>
-                  </a:schemeClr>
-                </a:solidFill>
-                <a:effectLst>
-                  <a:outerShdw blurRad="38100" dist="38100" dir="2700000" algn="tl">
-                    <a:srgbClr val="000000">
-                      <a:alpha val="43137"/>
-                    </a:srgbClr>
-                  </a:outerShdw>
-                </a:effectLst>
-                <a:cs typeface="+mn-ea"/>
-              </a:rPr>
-              <a:t>1</a:t>
-            </a:r>
-            <a:endParaRPr lang="zh-CN" altLang="en-US" sz="3200" dirty="0">
-              <a:solidFill>
-                <a:schemeClr val="accent5">
-                  <a:lumMod val="75000"/>
-                </a:schemeClr>
-              </a:solidFill>
-              <a:effectLst>
-                <a:outerShdw blurRad="38100" dist="38100" dir="2700000" algn="tl">
-                  <a:srgbClr val="000000">
-                    <a:alpha val="43137"/>
-                  </a:srgbClr>
-                </a:outerShdw>
-              </a:effectLst>
-              <a:cs typeface="+mn-ea"/>
-            </a:endParaRPr>
-          </a:p>
-        </p:txBody>
-      </p:sp>
-    </p:spTree>
-    <p:extLst>
-      <p:ext uri="{BB962C8B-B14F-4D97-AF65-F5344CB8AC3E}">
-        <p14:creationId xmlns:p14="http://schemas.microsoft.com/office/powerpoint/2010/main" val="2725893619"/>
-      </p:ext>
-    </p:extLst>
-  </p:cSld>
-  <p:clrMapOvr>
-    <a:masterClrMapping/>
-  </p:clrMapOvr>
-  <mc:AlternateContent xmlns:mc="http://schemas.openxmlformats.org/markup-compatibility/2006" xmlns:p14="http://schemas.microsoft.com/office/powerpoint/2010/main">
-    <mc:Choice Requires="p14">
-      <p:transition spd="slow">
-        <p14:gallery dir="l"/>
-      </p:transition>
-    </mc:Choice>
-    <mc:Fallback xmlns="">
-      <p:transition spd="slow">
-        <p:fade/>
-      </p:transition>
-    </mc:Fallback>
-  </mc:AlternateContent>
 </p:sld>
 </file>
 
@@ -12033,6 +12381,1656 @@
 </file>
 
 <file path=ppt/slides/slide20.xml><?xml version="1.0" encoding="utf-8"?>
+<p:sld xmlns:a="http://schemas.openxmlformats.org/drawingml/2006/main" xmlns:r="http://schemas.openxmlformats.org/officeDocument/2006/relationships" xmlns:p="http://schemas.openxmlformats.org/presentationml/2006/main">
+  <p:cSld>
+    <p:spTree>
+      <p:nvGrpSpPr>
+        <p:cNvPr id="1" name=""/>
+        <p:cNvGrpSpPr/>
+        <p:nvPr/>
+      </p:nvGrpSpPr>
+      <p:grpSpPr>
+        <a:xfrm>
+          <a:off x="0" y="0"/>
+          <a:ext cx="0" cy="0"/>
+          <a:chOff x="0" y="0"/>
+          <a:chExt cx="0" cy="0"/>
+        </a:xfrm>
+      </p:grpSpPr>
+      <p:sp>
+        <p:nvSpPr>
+          <p:cNvPr id="7" name="文本框 6"/>
+          <p:cNvSpPr txBox="1"/>
+          <p:nvPr/>
+        </p:nvSpPr>
+        <p:spPr>
+          <a:xfrm>
+            <a:off x="659130" y="1088009"/>
+            <a:ext cx="7680198" cy="461665"/>
+          </a:xfrm>
+          <a:prstGeom prst="rect">
+            <a:avLst/>
+          </a:prstGeom>
+          <a:noFill/>
+        </p:spPr>
+        <p:txBody>
+          <a:bodyPr wrap="square" rtlCol="0">
+            <a:spAutoFit/>
+          </a:bodyPr>
+          <a:lstStyle/>
+          <a:p>
+            <a:pPr>
+              <a:spcBef>
+                <a:spcPts val="900"/>
+              </a:spcBef>
+              <a:spcAft>
+                <a:spcPts val="900"/>
+              </a:spcAft>
+            </a:pPr>
+            <a:r>
+              <a:rPr lang="zh-CN" altLang="en-US" sz="2400" dirty="0">
+                <a:solidFill>
+                  <a:schemeClr val="accent1">
+                    <a:lumMod val="50000"/>
+                  </a:schemeClr>
+                </a:solidFill>
+                <a:effectLst/>
+                <a:latin typeface="Cambria" panose="02040503050406030204" pitchFamily="18" charset="0"/>
+                <a:ea typeface="宋体" panose="02010600030101010101" pitchFamily="2" charset="-122"/>
+                <a:cs typeface="Times New Roman" panose="02020603050405020304" pitchFamily="18" charset="0"/>
+              </a:rPr>
+              <a:t>电路图</a:t>
+            </a:r>
+            <a:endParaRPr lang="en-US" altLang="zh-CN" sz="2000" dirty="0">
+              <a:solidFill>
+                <a:schemeClr val="accent1">
+                  <a:lumMod val="75000"/>
+                </a:schemeClr>
+              </a:solidFill>
+              <a:effectLst/>
+              <a:latin typeface="Cambria" panose="02040503050406030204" pitchFamily="18" charset="0"/>
+              <a:ea typeface="宋体" panose="02010600030101010101" pitchFamily="2" charset="-122"/>
+              <a:cs typeface="Times New Roman" panose="02020603050405020304" pitchFamily="18" charset="0"/>
+            </a:endParaRPr>
+          </a:p>
+        </p:txBody>
+      </p:sp>
+      <p:sp>
+        <p:nvSpPr>
+          <p:cNvPr id="5" name="文本框 4"/>
+          <p:cNvSpPr txBox="1"/>
+          <p:nvPr/>
+        </p:nvSpPr>
+        <p:spPr>
+          <a:xfrm>
+            <a:off x="956945" y="214630"/>
+            <a:ext cx="4086375" cy="584775"/>
+          </a:xfrm>
+          <a:prstGeom prst="rect">
+            <a:avLst/>
+          </a:prstGeom>
+          <a:noFill/>
+        </p:spPr>
+        <p:txBody>
+          <a:bodyPr wrap="none" rtlCol="0">
+            <a:spAutoFit/>
+          </a:bodyPr>
+          <a:lstStyle/>
+          <a:p>
+            <a:r>
+              <a:rPr lang="zh-CN" altLang="en-US" sz="3200" dirty="0">
+                <a:solidFill>
+                  <a:schemeClr val="accent5">
+                    <a:lumMod val="75000"/>
+                  </a:schemeClr>
+                </a:solidFill>
+                <a:effectLst>
+                  <a:outerShdw blurRad="38100" dist="38100" dir="2700000" algn="tl">
+                    <a:srgbClr val="000000">
+                      <a:alpha val="43137"/>
+                    </a:srgbClr>
+                  </a:outerShdw>
+                </a:effectLst>
+                <a:cs typeface="+mn-ea"/>
+              </a:rPr>
+              <a:t>测试用例 </a:t>
+            </a:r>
+            <a:r>
+              <a:rPr lang="en-US" altLang="zh-CN" sz="3200" dirty="0">
+                <a:solidFill>
+                  <a:schemeClr val="accent5">
+                    <a:lumMod val="75000"/>
+                  </a:schemeClr>
+                </a:solidFill>
+                <a:effectLst>
+                  <a:outerShdw blurRad="38100" dist="38100" dir="2700000" algn="tl">
+                    <a:srgbClr val="000000">
+                      <a:alpha val="43137"/>
+                    </a:srgbClr>
+                  </a:outerShdw>
+                </a:effectLst>
+                <a:cs typeface="+mn-ea"/>
+              </a:rPr>
+              <a:t>1 </a:t>
+            </a:r>
+            <a:r>
+              <a:rPr lang="zh-CN" altLang="zh-CN" sz="1800" dirty="0">
+                <a:effectLst/>
+                <a:ea typeface="Cambria" panose="02040503050406030204" pitchFamily="18" charset="0"/>
+                <a:cs typeface="Times New Roman" panose="02020603050405020304" pitchFamily="18" charset="0"/>
+              </a:rPr>
+              <a:t> </a:t>
+            </a:r>
+            <a:r>
+              <a:rPr lang="en-US" altLang="zh-CN" sz="3200" dirty="0" err="1">
+                <a:solidFill>
+                  <a:schemeClr val="accent5">
+                    <a:lumMod val="75000"/>
+                  </a:schemeClr>
+                </a:solidFill>
+                <a:effectLst>
+                  <a:outerShdw blurRad="38100" dist="38100" dir="2700000" algn="tl">
+                    <a:srgbClr val="000000">
+                      <a:alpha val="43137"/>
+                    </a:srgbClr>
+                  </a:outerShdw>
+                </a:effectLst>
+                <a:cs typeface="+mn-ea"/>
+              </a:rPr>
+              <a:t>buffer.sp</a:t>
+            </a:r>
+            <a:endParaRPr lang="zh-CN" altLang="en-US" sz="3200" dirty="0">
+              <a:solidFill>
+                <a:schemeClr val="accent5">
+                  <a:lumMod val="75000"/>
+                </a:schemeClr>
+              </a:solidFill>
+              <a:effectLst>
+                <a:outerShdw blurRad="38100" dist="38100" dir="2700000" algn="tl">
+                  <a:srgbClr val="000000">
+                    <a:alpha val="43137"/>
+                  </a:srgbClr>
+                </a:outerShdw>
+              </a:effectLst>
+              <a:cs typeface="+mn-ea"/>
+            </a:endParaRPr>
+          </a:p>
+        </p:txBody>
+      </p:sp>
+      <p:pic>
+        <p:nvPicPr>
+          <p:cNvPr id="4" name="Picture" descr="电路图" title="fig:">
+            <a:extLst>
+              <a:ext uri="{FF2B5EF4-FFF2-40B4-BE49-F238E27FC236}">
+                <a16:creationId xmlns:a16="http://schemas.microsoft.com/office/drawing/2014/main" id="{DCEE4F59-0A11-46C9-9C84-E0B6D6B08280}"/>
+              </a:ext>
+            </a:extLst>
+          </p:cNvPr>
+          <p:cNvPicPr/>
+          <p:nvPr/>
+        </p:nvPicPr>
+        <p:blipFill>
+          <a:blip r:embed="rId3"/>
+          <a:stretch>
+            <a:fillRect/>
+          </a:stretch>
+        </p:blipFill>
+        <p:spPr bwMode="auto">
+          <a:xfrm>
+            <a:off x="659130" y="1549675"/>
+            <a:ext cx="3912870" cy="2505816"/>
+          </a:xfrm>
+          <a:prstGeom prst="rect">
+            <a:avLst/>
+          </a:prstGeom>
+          <a:noFill/>
+          <a:ln w="9525">
+            <a:noFill/>
+            <a:headEnd/>
+            <a:tailEnd/>
+          </a:ln>
+        </p:spPr>
+      </p:pic>
+      <p:graphicFrame>
+        <p:nvGraphicFramePr>
+          <p:cNvPr id="6" name="表格 5">
+            <a:extLst>
+              <a:ext uri="{FF2B5EF4-FFF2-40B4-BE49-F238E27FC236}">
+                <a16:creationId xmlns:a16="http://schemas.microsoft.com/office/drawing/2014/main" id="{70C3FC6A-AFFD-4094-BA8A-1B6D984D01E3}"/>
+              </a:ext>
+            </a:extLst>
+          </p:cNvPr>
+          <p:cNvGraphicFramePr>
+            <a:graphicFrameLocks noGrp="1"/>
+          </p:cNvGraphicFramePr>
+          <p:nvPr>
+            <p:extLst>
+              <p:ext uri="{D42A27DB-BD31-4B8C-83A1-F6EECF244321}">
+                <p14:modId xmlns:p14="http://schemas.microsoft.com/office/powerpoint/2010/main" val="334501022"/>
+              </p:ext>
+            </p:extLst>
+          </p:nvPr>
+        </p:nvGraphicFramePr>
+        <p:xfrm>
+          <a:off x="4572000" y="1546515"/>
+          <a:ext cx="4376928" cy="2508976"/>
+        </p:xfrm>
+        <a:graphic>
+          <a:graphicData uri="http://schemas.openxmlformats.org/drawingml/2006/table">
+            <a:tbl>
+              <a:tblPr firstRow="1" bandRow="1" bandCol="1">
+                <a:tableStyleId>{5C22544A-7EE6-4342-B048-85BDC9FD1C3A}</a:tableStyleId>
+              </a:tblPr>
+              <a:tblGrid>
+                <a:gridCol w="1458976">
+                  <a:extLst>
+                    <a:ext uri="{9D8B030D-6E8A-4147-A177-3AD203B41FA5}">
+                      <a16:colId xmlns:a16="http://schemas.microsoft.com/office/drawing/2014/main" val="1640402969"/>
+                    </a:ext>
+                  </a:extLst>
+                </a:gridCol>
+                <a:gridCol w="1458976">
+                  <a:extLst>
+                    <a:ext uri="{9D8B030D-6E8A-4147-A177-3AD203B41FA5}">
+                      <a16:colId xmlns:a16="http://schemas.microsoft.com/office/drawing/2014/main" val="760492728"/>
+                    </a:ext>
+                  </a:extLst>
+                </a:gridCol>
+                <a:gridCol w="1458976">
+                  <a:extLst>
+                    <a:ext uri="{9D8B030D-6E8A-4147-A177-3AD203B41FA5}">
+                      <a16:colId xmlns:a16="http://schemas.microsoft.com/office/drawing/2014/main" val="3969790338"/>
+                    </a:ext>
+                  </a:extLst>
+                </a:gridCol>
+              </a:tblGrid>
+              <a:tr h="394876">
+                <a:tc>
+                  <a:txBody>
+                    <a:bodyPr/>
+                    <a:lstStyle/>
+                    <a:p>
+                      <a:pPr>
+                        <a:spcBef>
+                          <a:spcPts val="180"/>
+                        </a:spcBef>
+                        <a:spcAft>
+                          <a:spcPts val="180"/>
+                        </a:spcAft>
+                      </a:pPr>
+                      <a:r>
+                        <a:rPr lang="en-US" sz="1200" dirty="0" err="1">
+                          <a:effectLst/>
+                        </a:rPr>
+                        <a:t>测试项目</a:t>
+                      </a:r>
+                      <a:endParaRPr lang="zh-CN" sz="1200" dirty="0">
+                        <a:effectLst/>
+                        <a:latin typeface="Cambria" panose="02040503050406030204" pitchFamily="18" charset="0"/>
+                        <a:ea typeface="宋体" panose="02010600030101010101" pitchFamily="2" charset="-122"/>
+                        <a:cs typeface="Times New Roman" panose="02020603050405020304" pitchFamily="18" charset="0"/>
+                      </a:endParaRPr>
+                    </a:p>
+                  </a:txBody>
+                  <a:tcPr marL="68580" marR="68580" marT="0" marB="0" anchor="b"/>
+                </a:tc>
+                <a:tc>
+                  <a:txBody>
+                    <a:bodyPr/>
+                    <a:lstStyle/>
+                    <a:p>
+                      <a:pPr>
+                        <a:spcBef>
+                          <a:spcPts val="180"/>
+                        </a:spcBef>
+                        <a:spcAft>
+                          <a:spcPts val="180"/>
+                        </a:spcAft>
+                      </a:pPr>
+                      <a:r>
+                        <a:rPr lang="en-US" sz="1200" dirty="0" err="1">
+                          <a:effectLst/>
+                        </a:rPr>
+                        <a:t>项目测试结果</a:t>
+                      </a:r>
+                      <a:endParaRPr lang="zh-CN" sz="1200" dirty="0">
+                        <a:effectLst/>
+                        <a:latin typeface="Cambria" panose="02040503050406030204" pitchFamily="18" charset="0"/>
+                        <a:ea typeface="宋体" panose="02010600030101010101" pitchFamily="2" charset="-122"/>
+                        <a:cs typeface="Times New Roman" panose="02020603050405020304" pitchFamily="18" charset="0"/>
+                      </a:endParaRPr>
+                    </a:p>
+                  </a:txBody>
+                  <a:tcPr marL="68580" marR="68580" marT="0" marB="0" anchor="b"/>
+                </a:tc>
+                <a:tc>
+                  <a:txBody>
+                    <a:bodyPr/>
+                    <a:lstStyle/>
+                    <a:p>
+                      <a:pPr>
+                        <a:spcBef>
+                          <a:spcPts val="180"/>
+                        </a:spcBef>
+                        <a:spcAft>
+                          <a:spcPts val="180"/>
+                        </a:spcAft>
+                      </a:pPr>
+                      <a:r>
+                        <a:rPr lang="en-US" sz="1200">
+                          <a:effectLst/>
+                        </a:rPr>
+                        <a:t>hspice仿真结果</a:t>
+                      </a:r>
+                      <a:endParaRPr lang="zh-CN" sz="1200">
+                        <a:effectLst/>
+                        <a:latin typeface="Cambria" panose="02040503050406030204" pitchFamily="18" charset="0"/>
+                        <a:ea typeface="宋体" panose="02010600030101010101" pitchFamily="2" charset="-122"/>
+                        <a:cs typeface="Times New Roman" panose="02020603050405020304" pitchFamily="18" charset="0"/>
+                      </a:endParaRPr>
+                    </a:p>
+                  </a:txBody>
+                  <a:tcPr marL="68580" marR="68580" marT="0" marB="0" anchor="b"/>
+                </a:tc>
+                <a:extLst>
+                  <a:ext uri="{0D108BD9-81ED-4DB2-BD59-A6C34878D82A}">
+                    <a16:rowId xmlns:a16="http://schemas.microsoft.com/office/drawing/2014/main" val="3857265061"/>
+                  </a:ext>
+                </a:extLst>
+              </a:tr>
+              <a:tr h="352350">
+                <a:tc>
+                  <a:txBody>
+                    <a:bodyPr/>
+                    <a:lstStyle/>
+                    <a:p>
+                      <a:pPr>
+                        <a:spcBef>
+                          <a:spcPts val="180"/>
+                        </a:spcBef>
+                        <a:spcAft>
+                          <a:spcPts val="180"/>
+                        </a:spcAft>
+                      </a:pPr>
+                      <a:r>
+                        <a:rPr lang="en-US" sz="1200" dirty="0">
+                          <a:effectLst/>
+                        </a:rPr>
+                        <a:t>101 </a:t>
+                      </a:r>
+                      <a:r>
+                        <a:rPr lang="en-US" sz="1200" dirty="0" err="1">
+                          <a:effectLst/>
+                        </a:rPr>
+                        <a:t>节点电压</a:t>
+                      </a:r>
+                      <a:endParaRPr lang="zh-CN" sz="1200" dirty="0">
+                        <a:effectLst/>
+                        <a:latin typeface="Cambria" panose="02040503050406030204" pitchFamily="18" charset="0"/>
+                        <a:ea typeface="宋体" panose="02010600030101010101" pitchFamily="2" charset="-122"/>
+                        <a:cs typeface="Times New Roman" panose="02020603050405020304" pitchFamily="18" charset="0"/>
+                      </a:endParaRPr>
+                    </a:p>
+                  </a:txBody>
+                  <a:tcPr marL="68580" marR="68580" marT="0" marB="0"/>
+                </a:tc>
+                <a:tc>
+                  <a:txBody>
+                    <a:bodyPr/>
+                    <a:lstStyle/>
+                    <a:p>
+                      <a:pPr>
+                        <a:spcBef>
+                          <a:spcPts val="180"/>
+                        </a:spcBef>
+                        <a:spcAft>
+                          <a:spcPts val="180"/>
+                        </a:spcAft>
+                      </a:pPr>
+                      <a:r>
+                        <a:rPr lang="en-US" sz="1200">
+                          <a:effectLst/>
+                        </a:rPr>
+                        <a:t>1.5V</a:t>
+                      </a:r>
+                      <a:endParaRPr lang="zh-CN" sz="1200">
+                        <a:effectLst/>
+                        <a:latin typeface="Cambria" panose="02040503050406030204" pitchFamily="18" charset="0"/>
+                        <a:ea typeface="宋体" panose="02010600030101010101" pitchFamily="2" charset="-122"/>
+                        <a:cs typeface="Times New Roman" panose="02020603050405020304" pitchFamily="18" charset="0"/>
+                      </a:endParaRPr>
+                    </a:p>
+                  </a:txBody>
+                  <a:tcPr marL="68580" marR="68580" marT="0" marB="0"/>
+                </a:tc>
+                <a:tc>
+                  <a:txBody>
+                    <a:bodyPr/>
+                    <a:lstStyle/>
+                    <a:p>
+                      <a:pPr>
+                        <a:spcBef>
+                          <a:spcPts val="180"/>
+                        </a:spcBef>
+                        <a:spcAft>
+                          <a:spcPts val="180"/>
+                        </a:spcAft>
+                      </a:pPr>
+                      <a:r>
+                        <a:rPr lang="en-US" sz="1200">
+                          <a:effectLst/>
+                        </a:rPr>
+                        <a:t>1.5000V</a:t>
+                      </a:r>
+                      <a:endParaRPr lang="zh-CN" sz="1200">
+                        <a:effectLst/>
+                        <a:latin typeface="Cambria" panose="02040503050406030204" pitchFamily="18" charset="0"/>
+                        <a:ea typeface="宋体" panose="02010600030101010101" pitchFamily="2" charset="-122"/>
+                        <a:cs typeface="Times New Roman" panose="02020603050405020304" pitchFamily="18" charset="0"/>
+                      </a:endParaRPr>
+                    </a:p>
+                  </a:txBody>
+                  <a:tcPr marL="68580" marR="68580" marT="0" marB="0"/>
+                </a:tc>
+                <a:extLst>
+                  <a:ext uri="{0D108BD9-81ED-4DB2-BD59-A6C34878D82A}">
+                    <a16:rowId xmlns:a16="http://schemas.microsoft.com/office/drawing/2014/main" val="1697166603"/>
+                  </a:ext>
+                </a:extLst>
+              </a:tr>
+              <a:tr h="352350">
+                <a:tc>
+                  <a:txBody>
+                    <a:bodyPr/>
+                    <a:lstStyle/>
+                    <a:p>
+                      <a:pPr>
+                        <a:spcBef>
+                          <a:spcPts val="180"/>
+                        </a:spcBef>
+                        <a:spcAft>
+                          <a:spcPts val="180"/>
+                        </a:spcAft>
+                      </a:pPr>
+                      <a:r>
+                        <a:rPr lang="en-US" sz="1200" dirty="0">
+                          <a:effectLst/>
+                        </a:rPr>
+                        <a:t>118 </a:t>
+                      </a:r>
+                      <a:r>
+                        <a:rPr lang="en-US" sz="1200" dirty="0" err="1">
+                          <a:effectLst/>
+                        </a:rPr>
+                        <a:t>节点电压</a:t>
+                      </a:r>
+                      <a:endParaRPr lang="zh-CN" sz="1200" dirty="0">
+                        <a:effectLst/>
+                        <a:latin typeface="Cambria" panose="02040503050406030204" pitchFamily="18" charset="0"/>
+                        <a:ea typeface="宋体" panose="02010600030101010101" pitchFamily="2" charset="-122"/>
+                        <a:cs typeface="Times New Roman" panose="02020603050405020304" pitchFamily="18" charset="0"/>
+                      </a:endParaRPr>
+                    </a:p>
+                  </a:txBody>
+                  <a:tcPr marL="68580" marR="68580" marT="0" marB="0"/>
+                </a:tc>
+                <a:tc>
+                  <a:txBody>
+                    <a:bodyPr/>
+                    <a:lstStyle/>
+                    <a:p>
+                      <a:pPr>
+                        <a:spcBef>
+                          <a:spcPts val="180"/>
+                        </a:spcBef>
+                        <a:spcAft>
+                          <a:spcPts val="180"/>
+                        </a:spcAft>
+                      </a:pPr>
+                      <a:r>
+                        <a:rPr lang="en-US" sz="1200">
+                          <a:effectLst/>
+                        </a:rPr>
+                        <a:t>-1.9756e-19V</a:t>
+                      </a:r>
+                      <a:endParaRPr lang="zh-CN" sz="1200">
+                        <a:effectLst/>
+                        <a:latin typeface="Cambria" panose="02040503050406030204" pitchFamily="18" charset="0"/>
+                        <a:ea typeface="宋体" panose="02010600030101010101" pitchFamily="2" charset="-122"/>
+                        <a:cs typeface="Times New Roman" panose="02020603050405020304" pitchFamily="18" charset="0"/>
+                      </a:endParaRPr>
+                    </a:p>
+                  </a:txBody>
+                  <a:tcPr marL="68580" marR="68580" marT="0" marB="0"/>
+                </a:tc>
+                <a:tc>
+                  <a:txBody>
+                    <a:bodyPr/>
+                    <a:lstStyle/>
+                    <a:p>
+                      <a:pPr>
+                        <a:spcBef>
+                          <a:spcPts val="180"/>
+                        </a:spcBef>
+                        <a:spcAft>
+                          <a:spcPts val="180"/>
+                        </a:spcAft>
+                      </a:pPr>
+                      <a:r>
+                        <a:rPr lang="en-US" sz="1200">
+                          <a:effectLst/>
+                        </a:rPr>
+                        <a:t>13.9329nV</a:t>
+                      </a:r>
+                      <a:endParaRPr lang="zh-CN" sz="1200">
+                        <a:effectLst/>
+                        <a:latin typeface="Cambria" panose="02040503050406030204" pitchFamily="18" charset="0"/>
+                        <a:ea typeface="宋体" panose="02010600030101010101" pitchFamily="2" charset="-122"/>
+                        <a:cs typeface="Times New Roman" panose="02020603050405020304" pitchFamily="18" charset="0"/>
+                      </a:endParaRPr>
+                    </a:p>
+                  </a:txBody>
+                  <a:tcPr marL="68580" marR="68580" marT="0" marB="0"/>
+                </a:tc>
+                <a:extLst>
+                  <a:ext uri="{0D108BD9-81ED-4DB2-BD59-A6C34878D82A}">
+                    <a16:rowId xmlns:a16="http://schemas.microsoft.com/office/drawing/2014/main" val="4125087868"/>
+                  </a:ext>
+                </a:extLst>
+              </a:tr>
+              <a:tr h="352350">
+                <a:tc>
+                  <a:txBody>
+                    <a:bodyPr/>
+                    <a:lstStyle/>
+                    <a:p>
+                      <a:pPr>
+                        <a:spcBef>
+                          <a:spcPts val="180"/>
+                        </a:spcBef>
+                        <a:spcAft>
+                          <a:spcPts val="180"/>
+                        </a:spcAft>
+                      </a:pPr>
+                      <a:r>
+                        <a:rPr lang="en-US" sz="1200" dirty="0">
+                          <a:effectLst/>
+                        </a:rPr>
+                        <a:t>M1 </a:t>
+                      </a:r>
+                      <a:r>
+                        <a:rPr lang="en-US" sz="1200" dirty="0" err="1">
+                          <a:effectLst/>
+                        </a:rPr>
+                        <a:t>元件电流</a:t>
+                      </a:r>
+                      <a:endParaRPr lang="zh-CN" sz="1200" dirty="0">
+                        <a:effectLst/>
+                        <a:latin typeface="Cambria" panose="02040503050406030204" pitchFamily="18" charset="0"/>
+                        <a:ea typeface="宋体" panose="02010600030101010101" pitchFamily="2" charset="-122"/>
+                        <a:cs typeface="Times New Roman" panose="02020603050405020304" pitchFamily="18" charset="0"/>
+                      </a:endParaRPr>
+                    </a:p>
+                  </a:txBody>
+                  <a:tcPr marL="68580" marR="68580" marT="0" marB="0"/>
+                </a:tc>
+                <a:tc>
+                  <a:txBody>
+                    <a:bodyPr/>
+                    <a:lstStyle/>
+                    <a:p>
+                      <a:pPr>
+                        <a:spcBef>
+                          <a:spcPts val="180"/>
+                        </a:spcBef>
+                        <a:spcAft>
+                          <a:spcPts val="180"/>
+                        </a:spcAft>
+                      </a:pPr>
+                      <a:r>
+                        <a:rPr lang="en-US" sz="1200">
+                          <a:effectLst/>
+                        </a:rPr>
+                        <a:t>-3.2451e-05A</a:t>
+                      </a:r>
+                      <a:endParaRPr lang="zh-CN" sz="1200">
+                        <a:effectLst/>
+                        <a:latin typeface="Cambria" panose="02040503050406030204" pitchFamily="18" charset="0"/>
+                        <a:ea typeface="宋体" panose="02010600030101010101" pitchFamily="2" charset="-122"/>
+                        <a:cs typeface="Times New Roman" panose="02020603050405020304" pitchFamily="18" charset="0"/>
+                      </a:endParaRPr>
+                    </a:p>
+                  </a:txBody>
+                  <a:tcPr marL="68580" marR="68580" marT="0" marB="0"/>
+                </a:tc>
+                <a:tc>
+                  <a:txBody>
+                    <a:bodyPr/>
+                    <a:lstStyle/>
+                    <a:p>
+                      <a:pPr>
+                        <a:spcBef>
+                          <a:spcPts val="180"/>
+                        </a:spcBef>
+                        <a:spcAft>
+                          <a:spcPts val="180"/>
+                        </a:spcAft>
+                      </a:pPr>
+                      <a:r>
+                        <a:rPr lang="en-US" sz="1200">
+                          <a:effectLst/>
+                        </a:rPr>
+                        <a:t>-32.4839uA</a:t>
+                      </a:r>
+                      <a:endParaRPr lang="zh-CN" sz="1200">
+                        <a:effectLst/>
+                        <a:latin typeface="Cambria" panose="02040503050406030204" pitchFamily="18" charset="0"/>
+                        <a:ea typeface="宋体" panose="02010600030101010101" pitchFamily="2" charset="-122"/>
+                        <a:cs typeface="Times New Roman" panose="02020603050405020304" pitchFamily="18" charset="0"/>
+                      </a:endParaRPr>
+                    </a:p>
+                  </a:txBody>
+                  <a:tcPr marL="68580" marR="68580" marT="0" marB="0"/>
+                </a:tc>
+                <a:extLst>
+                  <a:ext uri="{0D108BD9-81ED-4DB2-BD59-A6C34878D82A}">
+                    <a16:rowId xmlns:a16="http://schemas.microsoft.com/office/drawing/2014/main" val="1287115945"/>
+                  </a:ext>
+                </a:extLst>
+              </a:tr>
+              <a:tr h="352350">
+                <a:tc>
+                  <a:txBody>
+                    <a:bodyPr/>
+                    <a:lstStyle/>
+                    <a:p>
+                      <a:pPr>
+                        <a:spcBef>
+                          <a:spcPts val="180"/>
+                        </a:spcBef>
+                        <a:spcAft>
+                          <a:spcPts val="180"/>
+                        </a:spcAft>
+                      </a:pPr>
+                      <a:r>
+                        <a:rPr lang="en-US" sz="1200" dirty="0">
+                          <a:effectLst/>
+                        </a:rPr>
+                        <a:t>M2 </a:t>
+                      </a:r>
+                      <a:r>
+                        <a:rPr lang="en-US" sz="1200" dirty="0" err="1">
+                          <a:effectLst/>
+                        </a:rPr>
+                        <a:t>元件电流</a:t>
+                      </a:r>
+                      <a:endParaRPr lang="zh-CN" sz="1200" dirty="0">
+                        <a:effectLst/>
+                        <a:latin typeface="Cambria" panose="02040503050406030204" pitchFamily="18" charset="0"/>
+                        <a:ea typeface="宋体" panose="02010600030101010101" pitchFamily="2" charset="-122"/>
+                        <a:cs typeface="Times New Roman" panose="02020603050405020304" pitchFamily="18" charset="0"/>
+                      </a:endParaRPr>
+                    </a:p>
+                  </a:txBody>
+                  <a:tcPr marL="68580" marR="68580" marT="0" marB="0"/>
+                </a:tc>
+                <a:tc>
+                  <a:txBody>
+                    <a:bodyPr/>
+                    <a:lstStyle/>
+                    <a:p>
+                      <a:pPr>
+                        <a:spcBef>
+                          <a:spcPts val="180"/>
+                        </a:spcBef>
+                        <a:spcAft>
+                          <a:spcPts val="180"/>
+                        </a:spcAft>
+                      </a:pPr>
+                      <a:r>
+                        <a:rPr lang="en-US" sz="1200">
+                          <a:effectLst/>
+                        </a:rPr>
+                        <a:t>3.2451e-05A</a:t>
+                      </a:r>
+                      <a:endParaRPr lang="zh-CN" sz="1200">
+                        <a:effectLst/>
+                        <a:latin typeface="Cambria" panose="02040503050406030204" pitchFamily="18" charset="0"/>
+                        <a:ea typeface="宋体" panose="02010600030101010101" pitchFamily="2" charset="-122"/>
+                        <a:cs typeface="Times New Roman" panose="02020603050405020304" pitchFamily="18" charset="0"/>
+                      </a:endParaRPr>
+                    </a:p>
+                  </a:txBody>
+                  <a:tcPr marL="68580" marR="68580" marT="0" marB="0"/>
+                </a:tc>
+                <a:tc>
+                  <a:txBody>
+                    <a:bodyPr/>
+                    <a:lstStyle/>
+                    <a:p>
+                      <a:pPr>
+                        <a:spcBef>
+                          <a:spcPts val="180"/>
+                        </a:spcBef>
+                        <a:spcAft>
+                          <a:spcPts val="180"/>
+                        </a:spcAft>
+                      </a:pPr>
+                      <a:r>
+                        <a:rPr lang="en-US" sz="1200">
+                          <a:effectLst/>
+                        </a:rPr>
+                        <a:t>32.4839uA</a:t>
+                      </a:r>
+                      <a:endParaRPr lang="zh-CN" sz="1200">
+                        <a:effectLst/>
+                        <a:latin typeface="Cambria" panose="02040503050406030204" pitchFamily="18" charset="0"/>
+                        <a:ea typeface="宋体" panose="02010600030101010101" pitchFamily="2" charset="-122"/>
+                        <a:cs typeface="Times New Roman" panose="02020603050405020304" pitchFamily="18" charset="0"/>
+                      </a:endParaRPr>
+                    </a:p>
+                  </a:txBody>
+                  <a:tcPr marL="68580" marR="68580" marT="0" marB="0"/>
+                </a:tc>
+                <a:extLst>
+                  <a:ext uri="{0D108BD9-81ED-4DB2-BD59-A6C34878D82A}">
+                    <a16:rowId xmlns:a16="http://schemas.microsoft.com/office/drawing/2014/main" val="2940391890"/>
+                  </a:ext>
+                </a:extLst>
+              </a:tr>
+              <a:tr h="352350">
+                <a:tc>
+                  <a:txBody>
+                    <a:bodyPr/>
+                    <a:lstStyle/>
+                    <a:p>
+                      <a:pPr>
+                        <a:spcBef>
+                          <a:spcPts val="180"/>
+                        </a:spcBef>
+                        <a:spcAft>
+                          <a:spcPts val="180"/>
+                        </a:spcAft>
+                      </a:pPr>
+                      <a:r>
+                        <a:rPr lang="en-US" sz="1200" dirty="0">
+                          <a:effectLst/>
+                        </a:rPr>
+                        <a:t>M3 </a:t>
+                      </a:r>
+                      <a:r>
+                        <a:rPr lang="en-US" sz="1200" dirty="0" err="1">
+                          <a:effectLst/>
+                        </a:rPr>
+                        <a:t>元件电流</a:t>
+                      </a:r>
+                      <a:endParaRPr lang="zh-CN" sz="1200" dirty="0">
+                        <a:effectLst/>
+                        <a:latin typeface="Cambria" panose="02040503050406030204" pitchFamily="18" charset="0"/>
+                        <a:ea typeface="宋体" panose="02010600030101010101" pitchFamily="2" charset="-122"/>
+                        <a:cs typeface="Times New Roman" panose="02020603050405020304" pitchFamily="18" charset="0"/>
+                      </a:endParaRPr>
+                    </a:p>
+                  </a:txBody>
+                  <a:tcPr marL="68580" marR="68580" marT="0" marB="0"/>
+                </a:tc>
+                <a:tc>
+                  <a:txBody>
+                    <a:bodyPr/>
+                    <a:lstStyle/>
+                    <a:p>
+                      <a:pPr>
+                        <a:spcBef>
+                          <a:spcPts val="180"/>
+                        </a:spcBef>
+                        <a:spcAft>
+                          <a:spcPts val="180"/>
+                        </a:spcAft>
+                      </a:pPr>
+                      <a:r>
+                        <a:rPr lang="en-US" sz="1200">
+                          <a:effectLst/>
+                        </a:rPr>
+                        <a:t>0</a:t>
+                      </a:r>
+                      <a:endParaRPr lang="zh-CN" sz="1200">
+                        <a:effectLst/>
+                        <a:latin typeface="Cambria" panose="02040503050406030204" pitchFamily="18" charset="0"/>
+                        <a:ea typeface="宋体" panose="02010600030101010101" pitchFamily="2" charset="-122"/>
+                        <a:cs typeface="Times New Roman" panose="02020603050405020304" pitchFamily="18" charset="0"/>
+                      </a:endParaRPr>
+                    </a:p>
+                  </a:txBody>
+                  <a:tcPr marL="68580" marR="68580" marT="0" marB="0"/>
+                </a:tc>
+                <a:tc>
+                  <a:txBody>
+                    <a:bodyPr/>
+                    <a:lstStyle/>
+                    <a:p>
+                      <a:pPr>
+                        <a:spcBef>
+                          <a:spcPts val="180"/>
+                        </a:spcBef>
+                        <a:spcAft>
+                          <a:spcPts val="180"/>
+                        </a:spcAft>
+                      </a:pPr>
+                      <a:r>
+                        <a:rPr lang="en-US" sz="1200">
+                          <a:effectLst/>
+                        </a:rPr>
+                        <a:t>0</a:t>
+                      </a:r>
+                      <a:endParaRPr lang="zh-CN" sz="1200">
+                        <a:effectLst/>
+                        <a:latin typeface="Cambria" panose="02040503050406030204" pitchFamily="18" charset="0"/>
+                        <a:ea typeface="宋体" panose="02010600030101010101" pitchFamily="2" charset="-122"/>
+                        <a:cs typeface="Times New Roman" panose="02020603050405020304" pitchFamily="18" charset="0"/>
+                      </a:endParaRPr>
+                    </a:p>
+                  </a:txBody>
+                  <a:tcPr marL="68580" marR="68580" marT="0" marB="0"/>
+                </a:tc>
+                <a:extLst>
+                  <a:ext uri="{0D108BD9-81ED-4DB2-BD59-A6C34878D82A}">
+                    <a16:rowId xmlns:a16="http://schemas.microsoft.com/office/drawing/2014/main" val="2100844461"/>
+                  </a:ext>
+                </a:extLst>
+              </a:tr>
+              <a:tr h="352350">
+                <a:tc>
+                  <a:txBody>
+                    <a:bodyPr/>
+                    <a:lstStyle/>
+                    <a:p>
+                      <a:pPr>
+                        <a:spcBef>
+                          <a:spcPts val="180"/>
+                        </a:spcBef>
+                        <a:spcAft>
+                          <a:spcPts val="180"/>
+                        </a:spcAft>
+                      </a:pPr>
+                      <a:r>
+                        <a:rPr lang="en-US" sz="1200" dirty="0">
+                          <a:effectLst/>
+                        </a:rPr>
+                        <a:t>M4 </a:t>
+                      </a:r>
+                      <a:r>
+                        <a:rPr lang="en-US" sz="1200" dirty="0" err="1">
+                          <a:effectLst/>
+                        </a:rPr>
+                        <a:t>元件电流</a:t>
+                      </a:r>
+                      <a:endParaRPr lang="zh-CN" sz="1200" dirty="0">
+                        <a:effectLst/>
+                        <a:latin typeface="Cambria" panose="02040503050406030204" pitchFamily="18" charset="0"/>
+                        <a:ea typeface="宋体" panose="02010600030101010101" pitchFamily="2" charset="-122"/>
+                        <a:cs typeface="Times New Roman" panose="02020603050405020304" pitchFamily="18" charset="0"/>
+                      </a:endParaRPr>
+                    </a:p>
+                  </a:txBody>
+                  <a:tcPr marL="68580" marR="68580" marT="0" marB="0"/>
+                </a:tc>
+                <a:tc>
+                  <a:txBody>
+                    <a:bodyPr/>
+                    <a:lstStyle/>
+                    <a:p>
+                      <a:pPr>
+                        <a:spcBef>
+                          <a:spcPts val="180"/>
+                        </a:spcBef>
+                        <a:spcAft>
+                          <a:spcPts val="180"/>
+                        </a:spcAft>
+                      </a:pPr>
+                      <a:r>
+                        <a:rPr lang="en-US" sz="1200" dirty="0">
+                          <a:effectLst/>
+                        </a:rPr>
+                        <a:t>-3.4578e-13A</a:t>
+                      </a:r>
+                      <a:endParaRPr lang="zh-CN" sz="1200" dirty="0">
+                        <a:effectLst/>
+                        <a:latin typeface="Cambria" panose="02040503050406030204" pitchFamily="18" charset="0"/>
+                        <a:ea typeface="宋体" panose="02010600030101010101" pitchFamily="2" charset="-122"/>
+                        <a:cs typeface="Times New Roman" panose="02020603050405020304" pitchFamily="18" charset="0"/>
+                      </a:endParaRPr>
+                    </a:p>
+                  </a:txBody>
+                  <a:tcPr marL="68580" marR="68580" marT="0" marB="0"/>
+                </a:tc>
+                <a:tc>
+                  <a:txBody>
+                    <a:bodyPr/>
+                    <a:lstStyle/>
+                    <a:p>
+                      <a:pPr>
+                        <a:spcBef>
+                          <a:spcPts val="180"/>
+                        </a:spcBef>
+                        <a:spcAft>
+                          <a:spcPts val="180"/>
+                        </a:spcAft>
+                      </a:pPr>
+                      <a:r>
+                        <a:rPr lang="en-US" sz="1200" dirty="0">
+                          <a:effectLst/>
+                        </a:rPr>
+                        <a:t>6.0300pA</a:t>
+                      </a:r>
+                      <a:endParaRPr lang="zh-CN" sz="1200" dirty="0">
+                        <a:effectLst/>
+                        <a:latin typeface="Cambria" panose="02040503050406030204" pitchFamily="18" charset="0"/>
+                        <a:ea typeface="宋体" panose="02010600030101010101" pitchFamily="2" charset="-122"/>
+                        <a:cs typeface="Times New Roman" panose="02020603050405020304" pitchFamily="18" charset="0"/>
+                      </a:endParaRPr>
+                    </a:p>
+                  </a:txBody>
+                  <a:tcPr marL="68580" marR="68580" marT="0" marB="0"/>
+                </a:tc>
+                <a:extLst>
+                  <a:ext uri="{0D108BD9-81ED-4DB2-BD59-A6C34878D82A}">
+                    <a16:rowId xmlns:a16="http://schemas.microsoft.com/office/drawing/2014/main" val="3131930875"/>
+                  </a:ext>
+                </a:extLst>
+              </a:tr>
+            </a:tbl>
+          </a:graphicData>
+        </a:graphic>
+      </p:graphicFrame>
+    </p:spTree>
+    <p:extLst>
+      <p:ext uri="{BB962C8B-B14F-4D97-AF65-F5344CB8AC3E}">
+        <p14:creationId xmlns:p14="http://schemas.microsoft.com/office/powerpoint/2010/main" val="2584552202"/>
+      </p:ext>
+    </p:extLst>
+  </p:cSld>
+  <p:clrMapOvr>
+    <a:masterClrMapping/>
+  </p:clrMapOvr>
+  <mc:AlternateContent xmlns:mc="http://schemas.openxmlformats.org/markup-compatibility/2006" xmlns:p14="http://schemas.microsoft.com/office/powerpoint/2010/main">
+    <mc:Choice Requires="p14">
+      <p:transition spd="slow">
+        <p14:gallery dir="l"/>
+      </p:transition>
+    </mc:Choice>
+    <mc:Fallback xmlns="">
+      <p:transition spd="slow">
+        <p:fade/>
+      </p:transition>
+    </mc:Fallback>
+  </mc:AlternateContent>
+</p:sld>
+</file>
+
+<file path=ppt/slides/slide21.xml><?xml version="1.0" encoding="utf-8"?>
+<p:sld xmlns:a="http://schemas.openxmlformats.org/drawingml/2006/main" xmlns:r="http://schemas.openxmlformats.org/officeDocument/2006/relationships" xmlns:p="http://schemas.openxmlformats.org/presentationml/2006/main">
+  <p:cSld>
+    <p:spTree>
+      <p:nvGrpSpPr>
+        <p:cNvPr id="1" name=""/>
+        <p:cNvGrpSpPr/>
+        <p:nvPr/>
+      </p:nvGrpSpPr>
+      <p:grpSpPr>
+        <a:xfrm>
+          <a:off x="0" y="0"/>
+          <a:ext cx="0" cy="0"/>
+          <a:chOff x="0" y="0"/>
+          <a:chExt cx="0" cy="0"/>
+        </a:xfrm>
+      </p:grpSpPr>
+      <p:sp>
+        <p:nvSpPr>
+          <p:cNvPr id="7" name="文本框 6"/>
+          <p:cNvSpPr txBox="1"/>
+          <p:nvPr/>
+        </p:nvSpPr>
+        <p:spPr>
+          <a:xfrm>
+            <a:off x="659130" y="1088009"/>
+            <a:ext cx="7680198" cy="461665"/>
+          </a:xfrm>
+          <a:prstGeom prst="rect">
+            <a:avLst/>
+          </a:prstGeom>
+          <a:noFill/>
+        </p:spPr>
+        <p:txBody>
+          <a:bodyPr wrap="square" rtlCol="0">
+            <a:spAutoFit/>
+          </a:bodyPr>
+          <a:lstStyle/>
+          <a:p>
+            <a:pPr>
+              <a:spcBef>
+                <a:spcPts val="900"/>
+              </a:spcBef>
+              <a:spcAft>
+                <a:spcPts val="900"/>
+              </a:spcAft>
+            </a:pPr>
+            <a:r>
+              <a:rPr lang="en-US" altLang="zh-CN" sz="2400" dirty="0">
+                <a:solidFill>
+                  <a:schemeClr val="accent1">
+                    <a:lumMod val="50000"/>
+                  </a:schemeClr>
+                </a:solidFill>
+                <a:effectLst/>
+                <a:latin typeface="Cambria" panose="02040503050406030204" pitchFamily="18" charset="0"/>
+                <a:ea typeface="宋体" panose="02010600030101010101" pitchFamily="2" charset="-122"/>
+                <a:cs typeface="Times New Roman" panose="02020603050405020304" pitchFamily="18" charset="0"/>
+              </a:rPr>
+              <a:t>DC</a:t>
+            </a:r>
+            <a:r>
+              <a:rPr lang="zh-CN" altLang="en-US" sz="2400" dirty="0">
+                <a:solidFill>
+                  <a:schemeClr val="accent1">
+                    <a:lumMod val="50000"/>
+                  </a:schemeClr>
+                </a:solidFill>
+                <a:latin typeface="Cambria" panose="02040503050406030204" pitchFamily="18" charset="0"/>
+                <a:ea typeface="宋体" panose="02010600030101010101" pitchFamily="2" charset="-122"/>
+                <a:cs typeface="Times New Roman" panose="02020603050405020304" pitchFamily="18" charset="0"/>
+              </a:rPr>
+              <a:t>扫描</a:t>
+            </a:r>
+            <a:r>
+              <a:rPr lang="zh-CN" altLang="en-US" sz="2400" dirty="0">
+                <a:solidFill>
+                  <a:schemeClr val="accent1">
+                    <a:lumMod val="50000"/>
+                  </a:schemeClr>
+                </a:solidFill>
+                <a:effectLst/>
+                <a:latin typeface="Cambria" panose="02040503050406030204" pitchFamily="18" charset="0"/>
+                <a:ea typeface="宋体" panose="02010600030101010101" pitchFamily="2" charset="-122"/>
+                <a:cs typeface="Times New Roman" panose="02020603050405020304" pitchFamily="18" charset="0"/>
+              </a:rPr>
+              <a:t>测试结果</a:t>
+            </a:r>
+            <a:endParaRPr lang="en-US" altLang="zh-CN" sz="2000" dirty="0">
+              <a:solidFill>
+                <a:schemeClr val="accent1">
+                  <a:lumMod val="75000"/>
+                </a:schemeClr>
+              </a:solidFill>
+              <a:effectLst/>
+              <a:latin typeface="Cambria" panose="02040503050406030204" pitchFamily="18" charset="0"/>
+              <a:ea typeface="宋体" panose="02010600030101010101" pitchFamily="2" charset="-122"/>
+              <a:cs typeface="Times New Roman" panose="02020603050405020304" pitchFamily="18" charset="0"/>
+            </a:endParaRPr>
+          </a:p>
+        </p:txBody>
+      </p:sp>
+      <p:sp>
+        <p:nvSpPr>
+          <p:cNvPr id="5" name="文本框 4"/>
+          <p:cNvSpPr txBox="1"/>
+          <p:nvPr/>
+        </p:nvSpPr>
+        <p:spPr>
+          <a:xfrm>
+            <a:off x="956945" y="214630"/>
+            <a:ext cx="2188420" cy="584775"/>
+          </a:xfrm>
+          <a:prstGeom prst="rect">
+            <a:avLst/>
+          </a:prstGeom>
+          <a:noFill/>
+        </p:spPr>
+        <p:txBody>
+          <a:bodyPr wrap="none" rtlCol="0">
+            <a:spAutoFit/>
+          </a:bodyPr>
+          <a:lstStyle/>
+          <a:p>
+            <a:r>
+              <a:rPr lang="zh-CN" altLang="en-US" sz="3200" dirty="0">
+                <a:solidFill>
+                  <a:schemeClr val="accent5">
+                    <a:lumMod val="75000"/>
+                  </a:schemeClr>
+                </a:solidFill>
+                <a:effectLst>
+                  <a:outerShdw blurRad="38100" dist="38100" dir="2700000" algn="tl">
+                    <a:srgbClr val="000000">
+                      <a:alpha val="43137"/>
+                    </a:srgbClr>
+                  </a:outerShdw>
+                </a:effectLst>
+                <a:cs typeface="+mn-ea"/>
+              </a:rPr>
+              <a:t>测试用例 </a:t>
+            </a:r>
+            <a:r>
+              <a:rPr lang="en-US" altLang="zh-CN" sz="3200" dirty="0">
+                <a:solidFill>
+                  <a:schemeClr val="accent5">
+                    <a:lumMod val="75000"/>
+                  </a:schemeClr>
+                </a:solidFill>
+                <a:effectLst>
+                  <a:outerShdw blurRad="38100" dist="38100" dir="2700000" algn="tl">
+                    <a:srgbClr val="000000">
+                      <a:alpha val="43137"/>
+                    </a:srgbClr>
+                  </a:outerShdw>
+                </a:effectLst>
+                <a:cs typeface="+mn-ea"/>
+              </a:rPr>
+              <a:t>1</a:t>
+            </a:r>
+            <a:endParaRPr lang="zh-CN" altLang="en-US" sz="3200" dirty="0">
+              <a:solidFill>
+                <a:schemeClr val="accent5">
+                  <a:lumMod val="75000"/>
+                </a:schemeClr>
+              </a:solidFill>
+              <a:effectLst>
+                <a:outerShdw blurRad="38100" dist="38100" dir="2700000" algn="tl">
+                  <a:srgbClr val="000000">
+                    <a:alpha val="43137"/>
+                  </a:srgbClr>
+                </a:outerShdw>
+              </a:effectLst>
+              <a:cs typeface="+mn-ea"/>
+            </a:endParaRPr>
+          </a:p>
+        </p:txBody>
+      </p:sp>
+      <p:pic>
+        <p:nvPicPr>
+          <p:cNvPr id="6" name="Picture" descr="转移特性" title="fig:">
+            <a:extLst>
+              <a:ext uri="{FF2B5EF4-FFF2-40B4-BE49-F238E27FC236}">
+                <a16:creationId xmlns:a16="http://schemas.microsoft.com/office/drawing/2014/main" id="{67899E4D-3995-4639-A520-ADE5E2B63571}"/>
+              </a:ext>
+            </a:extLst>
+          </p:cNvPr>
+          <p:cNvPicPr/>
+          <p:nvPr/>
+        </p:nvPicPr>
+        <p:blipFill>
+          <a:blip r:embed="rId3"/>
+          <a:stretch>
+            <a:fillRect/>
+          </a:stretch>
+        </p:blipFill>
+        <p:spPr bwMode="auto">
+          <a:xfrm>
+            <a:off x="4299857" y="1549675"/>
+            <a:ext cx="4185013" cy="2732876"/>
+          </a:xfrm>
+          <a:prstGeom prst="rect">
+            <a:avLst/>
+          </a:prstGeom>
+          <a:noFill/>
+          <a:ln w="9525">
+            <a:noFill/>
+            <a:headEnd/>
+            <a:tailEnd/>
+          </a:ln>
+        </p:spPr>
+      </p:pic>
+      <p:pic>
+        <p:nvPicPr>
+          <p:cNvPr id="8" name="Picture" descr="转移特性" title="fig:">
+            <a:extLst>
+              <a:ext uri="{FF2B5EF4-FFF2-40B4-BE49-F238E27FC236}">
+                <a16:creationId xmlns:a16="http://schemas.microsoft.com/office/drawing/2014/main" id="{403113A0-F5D4-4EA3-A81C-30955C8514C4}"/>
+              </a:ext>
+            </a:extLst>
+          </p:cNvPr>
+          <p:cNvPicPr/>
+          <p:nvPr/>
+        </p:nvPicPr>
+        <p:blipFill>
+          <a:blip r:embed="rId4"/>
+          <a:stretch>
+            <a:fillRect/>
+          </a:stretch>
+        </p:blipFill>
+        <p:spPr bwMode="auto">
+          <a:xfrm>
+            <a:off x="659130" y="1549673"/>
+            <a:ext cx="3640727" cy="2732877"/>
+          </a:xfrm>
+          <a:prstGeom prst="rect">
+            <a:avLst/>
+          </a:prstGeom>
+          <a:noFill/>
+          <a:ln w="9525">
+            <a:noFill/>
+            <a:headEnd/>
+            <a:tailEnd/>
+          </a:ln>
+        </p:spPr>
+      </p:pic>
+    </p:spTree>
+    <p:extLst>
+      <p:ext uri="{BB962C8B-B14F-4D97-AF65-F5344CB8AC3E}">
+        <p14:creationId xmlns:p14="http://schemas.microsoft.com/office/powerpoint/2010/main" val="1664665626"/>
+      </p:ext>
+    </p:extLst>
+  </p:cSld>
+  <p:clrMapOvr>
+    <a:masterClrMapping/>
+  </p:clrMapOvr>
+  <mc:AlternateContent xmlns:mc="http://schemas.openxmlformats.org/markup-compatibility/2006" xmlns:p14="http://schemas.microsoft.com/office/powerpoint/2010/main">
+    <mc:Choice Requires="p14">
+      <p:transition spd="slow">
+        <p14:gallery dir="l"/>
+      </p:transition>
+    </mc:Choice>
+    <mc:Fallback xmlns="">
+      <p:transition spd="slow">
+        <p:fade/>
+      </p:transition>
+    </mc:Fallback>
+  </mc:AlternateContent>
+</p:sld>
+</file>
+
+<file path=ppt/slides/slide22.xml><?xml version="1.0" encoding="utf-8"?>
+<p:sld xmlns:a="http://schemas.openxmlformats.org/drawingml/2006/main" xmlns:r="http://schemas.openxmlformats.org/officeDocument/2006/relationships" xmlns:p="http://schemas.openxmlformats.org/presentationml/2006/main">
+  <p:cSld>
+    <p:spTree>
+      <p:nvGrpSpPr>
+        <p:cNvPr id="1" name=""/>
+        <p:cNvGrpSpPr/>
+        <p:nvPr/>
+      </p:nvGrpSpPr>
+      <p:grpSpPr>
+        <a:xfrm>
+          <a:off x="0" y="0"/>
+          <a:ext cx="0" cy="0"/>
+          <a:chOff x="0" y="0"/>
+          <a:chExt cx="0" cy="0"/>
+        </a:xfrm>
+      </p:grpSpPr>
+      <p:sp>
+        <p:nvSpPr>
+          <p:cNvPr id="7" name="文本框 6"/>
+          <p:cNvSpPr txBox="1"/>
+          <p:nvPr/>
+        </p:nvSpPr>
+        <p:spPr>
+          <a:xfrm>
+            <a:off x="659130" y="1088009"/>
+            <a:ext cx="7680198" cy="461665"/>
+          </a:xfrm>
+          <a:prstGeom prst="rect">
+            <a:avLst/>
+          </a:prstGeom>
+          <a:noFill/>
+        </p:spPr>
+        <p:txBody>
+          <a:bodyPr wrap="square" rtlCol="0">
+            <a:spAutoFit/>
+          </a:bodyPr>
+          <a:lstStyle/>
+          <a:p>
+            <a:pPr>
+              <a:spcBef>
+                <a:spcPts val="900"/>
+              </a:spcBef>
+              <a:spcAft>
+                <a:spcPts val="900"/>
+              </a:spcAft>
+            </a:pPr>
+            <a:r>
+              <a:rPr lang="en-US" altLang="zh-CN" sz="2400" dirty="0">
+                <a:solidFill>
+                  <a:schemeClr val="accent1">
+                    <a:lumMod val="50000"/>
+                  </a:schemeClr>
+                </a:solidFill>
+                <a:latin typeface="Cambria" panose="02040503050406030204" pitchFamily="18" charset="0"/>
+                <a:ea typeface="宋体" panose="02010600030101010101" pitchFamily="2" charset="-122"/>
+                <a:cs typeface="Times New Roman" panose="02020603050405020304" pitchFamily="18" charset="0"/>
+              </a:rPr>
+              <a:t>AC</a:t>
+            </a:r>
+            <a:r>
+              <a:rPr lang="zh-CN" altLang="en-US" sz="2400" dirty="0">
+                <a:solidFill>
+                  <a:schemeClr val="accent1">
+                    <a:lumMod val="50000"/>
+                  </a:schemeClr>
+                </a:solidFill>
+                <a:latin typeface="微软雅黑" panose="020B0503020204020204" pitchFamily="34" charset="-122"/>
+                <a:ea typeface="微软雅黑" panose="020B0503020204020204" pitchFamily="34" charset="-122"/>
+                <a:cs typeface="Times New Roman" panose="02020603050405020304" pitchFamily="18" charset="0"/>
+              </a:rPr>
+              <a:t>扫描</a:t>
+            </a:r>
+            <a:r>
+              <a:rPr lang="zh-CN" altLang="en-US" sz="2400" dirty="0">
+                <a:solidFill>
+                  <a:schemeClr val="accent1">
+                    <a:lumMod val="50000"/>
+                  </a:schemeClr>
+                </a:solidFill>
+                <a:effectLst/>
+                <a:latin typeface="微软雅黑" panose="020B0503020204020204" pitchFamily="34" charset="-122"/>
+                <a:ea typeface="微软雅黑" panose="020B0503020204020204" pitchFamily="34" charset="-122"/>
+                <a:cs typeface="Times New Roman" panose="02020603050405020304" pitchFamily="18" charset="0"/>
+              </a:rPr>
+              <a:t>测试结果</a:t>
+            </a:r>
+            <a:endParaRPr lang="en-US" altLang="zh-CN" sz="2000" dirty="0">
+              <a:solidFill>
+                <a:schemeClr val="accent1">
+                  <a:lumMod val="75000"/>
+                </a:schemeClr>
+              </a:solidFill>
+              <a:effectLst/>
+              <a:latin typeface="微软雅黑" panose="020B0503020204020204" pitchFamily="34" charset="-122"/>
+              <a:ea typeface="微软雅黑" panose="020B0503020204020204" pitchFamily="34" charset="-122"/>
+              <a:cs typeface="Times New Roman" panose="02020603050405020304" pitchFamily="18" charset="0"/>
+            </a:endParaRPr>
+          </a:p>
+        </p:txBody>
+      </p:sp>
+      <p:sp>
+        <p:nvSpPr>
+          <p:cNvPr id="5" name="文本框 4"/>
+          <p:cNvSpPr txBox="1"/>
+          <p:nvPr/>
+        </p:nvSpPr>
+        <p:spPr>
+          <a:xfrm>
+            <a:off x="956945" y="214630"/>
+            <a:ext cx="2188420" cy="584775"/>
+          </a:xfrm>
+          <a:prstGeom prst="rect">
+            <a:avLst/>
+          </a:prstGeom>
+          <a:noFill/>
+        </p:spPr>
+        <p:txBody>
+          <a:bodyPr wrap="none" rtlCol="0">
+            <a:spAutoFit/>
+          </a:bodyPr>
+          <a:lstStyle/>
+          <a:p>
+            <a:r>
+              <a:rPr lang="zh-CN" altLang="en-US" sz="3200" dirty="0">
+                <a:solidFill>
+                  <a:schemeClr val="accent5">
+                    <a:lumMod val="75000"/>
+                  </a:schemeClr>
+                </a:solidFill>
+                <a:effectLst>
+                  <a:outerShdw blurRad="38100" dist="38100" dir="2700000" algn="tl">
+                    <a:srgbClr val="000000">
+                      <a:alpha val="43137"/>
+                    </a:srgbClr>
+                  </a:outerShdw>
+                </a:effectLst>
+                <a:cs typeface="+mn-ea"/>
+              </a:rPr>
+              <a:t>测试用例 </a:t>
+            </a:r>
+            <a:r>
+              <a:rPr lang="en-US" altLang="zh-CN" sz="3200" dirty="0">
+                <a:solidFill>
+                  <a:schemeClr val="accent5">
+                    <a:lumMod val="75000"/>
+                  </a:schemeClr>
+                </a:solidFill>
+                <a:effectLst>
+                  <a:outerShdw blurRad="38100" dist="38100" dir="2700000" algn="tl">
+                    <a:srgbClr val="000000">
+                      <a:alpha val="43137"/>
+                    </a:srgbClr>
+                  </a:outerShdw>
+                </a:effectLst>
+                <a:cs typeface="+mn-ea"/>
+              </a:rPr>
+              <a:t>1</a:t>
+            </a:r>
+            <a:endParaRPr lang="zh-CN" altLang="en-US" sz="3200" dirty="0">
+              <a:solidFill>
+                <a:schemeClr val="accent5">
+                  <a:lumMod val="75000"/>
+                </a:schemeClr>
+              </a:solidFill>
+              <a:effectLst>
+                <a:outerShdw blurRad="38100" dist="38100" dir="2700000" algn="tl">
+                  <a:srgbClr val="000000">
+                    <a:alpha val="43137"/>
+                  </a:srgbClr>
+                </a:outerShdw>
+              </a:effectLst>
+              <a:cs typeface="+mn-ea"/>
+            </a:endParaRPr>
+          </a:p>
+        </p:txBody>
+      </p:sp>
+    </p:spTree>
+    <p:extLst>
+      <p:ext uri="{BB962C8B-B14F-4D97-AF65-F5344CB8AC3E}">
+        <p14:creationId xmlns:p14="http://schemas.microsoft.com/office/powerpoint/2010/main" val="671099562"/>
+      </p:ext>
+    </p:extLst>
+  </p:cSld>
+  <p:clrMapOvr>
+    <a:masterClrMapping/>
+  </p:clrMapOvr>
+  <mc:AlternateContent xmlns:mc="http://schemas.openxmlformats.org/markup-compatibility/2006" xmlns:p14="http://schemas.microsoft.com/office/powerpoint/2010/main">
+    <mc:Choice Requires="p14">
+      <p:transition spd="slow">
+        <p14:gallery dir="l"/>
+      </p:transition>
+    </mc:Choice>
+    <mc:Fallback xmlns="">
+      <p:transition spd="slow">
+        <p:fade/>
+      </p:transition>
+    </mc:Fallback>
+  </mc:AlternateContent>
+</p:sld>
+</file>
+
+<file path=ppt/slides/slide23.xml><?xml version="1.0" encoding="utf-8"?>
+<p:sld xmlns:a="http://schemas.openxmlformats.org/drawingml/2006/main" xmlns:r="http://schemas.openxmlformats.org/officeDocument/2006/relationships" xmlns:p="http://schemas.openxmlformats.org/presentationml/2006/main">
+  <p:cSld>
+    <p:spTree>
+      <p:nvGrpSpPr>
+        <p:cNvPr id="1" name=""/>
+        <p:cNvGrpSpPr/>
+        <p:nvPr/>
+      </p:nvGrpSpPr>
+      <p:grpSpPr>
+        <a:xfrm>
+          <a:off x="0" y="0"/>
+          <a:ext cx="0" cy="0"/>
+          <a:chOff x="0" y="0"/>
+          <a:chExt cx="0" cy="0"/>
+        </a:xfrm>
+      </p:grpSpPr>
+      <p:sp>
+        <p:nvSpPr>
+          <p:cNvPr id="7" name="文本框 6"/>
+          <p:cNvSpPr txBox="1"/>
+          <p:nvPr/>
+        </p:nvSpPr>
+        <p:spPr>
+          <a:xfrm>
+            <a:off x="659130" y="1088009"/>
+            <a:ext cx="7680198" cy="461665"/>
+          </a:xfrm>
+          <a:prstGeom prst="rect">
+            <a:avLst/>
+          </a:prstGeom>
+          <a:noFill/>
+        </p:spPr>
+        <p:txBody>
+          <a:bodyPr wrap="square" rtlCol="0">
+            <a:spAutoFit/>
+          </a:bodyPr>
+          <a:lstStyle/>
+          <a:p>
+            <a:pPr>
+              <a:spcBef>
+                <a:spcPts val="900"/>
+              </a:spcBef>
+              <a:spcAft>
+                <a:spcPts val="900"/>
+              </a:spcAft>
+            </a:pPr>
+            <a:r>
+              <a:rPr lang="en-US" altLang="zh-CN" sz="2400" dirty="0">
+                <a:solidFill>
+                  <a:schemeClr val="accent1">
+                    <a:lumMod val="50000"/>
+                  </a:schemeClr>
+                </a:solidFill>
+                <a:effectLst/>
+                <a:latin typeface="Cambria" panose="02040503050406030204" pitchFamily="18" charset="0"/>
+                <a:ea typeface="宋体" panose="02010600030101010101" pitchFamily="2" charset="-122"/>
+                <a:cs typeface="Times New Roman" panose="02020603050405020304" pitchFamily="18" charset="0"/>
+              </a:rPr>
+              <a:t>Trans</a:t>
+            </a:r>
+            <a:r>
+              <a:rPr lang="zh-CN" altLang="en-US" sz="2400" dirty="0">
+                <a:solidFill>
+                  <a:schemeClr val="accent1">
+                    <a:lumMod val="50000"/>
+                  </a:schemeClr>
+                </a:solidFill>
+                <a:effectLst/>
+                <a:latin typeface="微软雅黑" panose="020B0503020204020204" pitchFamily="34" charset="-122"/>
+                <a:ea typeface="微软雅黑" panose="020B0503020204020204" pitchFamily="34" charset="-122"/>
+                <a:cs typeface="Times New Roman" panose="02020603050405020304" pitchFamily="18" charset="0"/>
+              </a:rPr>
+              <a:t>测试结果</a:t>
+            </a:r>
+            <a:endParaRPr lang="en-US" altLang="zh-CN" sz="2000" dirty="0">
+              <a:solidFill>
+                <a:schemeClr val="accent1">
+                  <a:lumMod val="75000"/>
+                </a:schemeClr>
+              </a:solidFill>
+              <a:effectLst/>
+              <a:latin typeface="微软雅黑" panose="020B0503020204020204" pitchFamily="34" charset="-122"/>
+              <a:ea typeface="微软雅黑" panose="020B0503020204020204" pitchFamily="34" charset="-122"/>
+              <a:cs typeface="Times New Roman" panose="02020603050405020304" pitchFamily="18" charset="0"/>
+            </a:endParaRPr>
+          </a:p>
+        </p:txBody>
+      </p:sp>
+      <p:sp>
+        <p:nvSpPr>
+          <p:cNvPr id="5" name="文本框 4"/>
+          <p:cNvSpPr txBox="1"/>
+          <p:nvPr/>
+        </p:nvSpPr>
+        <p:spPr>
+          <a:xfrm>
+            <a:off x="956945" y="214630"/>
+            <a:ext cx="2188420" cy="584775"/>
+          </a:xfrm>
+          <a:prstGeom prst="rect">
+            <a:avLst/>
+          </a:prstGeom>
+          <a:noFill/>
+        </p:spPr>
+        <p:txBody>
+          <a:bodyPr wrap="none" rtlCol="0">
+            <a:spAutoFit/>
+          </a:bodyPr>
+          <a:lstStyle/>
+          <a:p>
+            <a:r>
+              <a:rPr lang="zh-CN" altLang="en-US" sz="3200" dirty="0">
+                <a:solidFill>
+                  <a:schemeClr val="accent5">
+                    <a:lumMod val="75000"/>
+                  </a:schemeClr>
+                </a:solidFill>
+                <a:effectLst>
+                  <a:outerShdw blurRad="38100" dist="38100" dir="2700000" algn="tl">
+                    <a:srgbClr val="000000">
+                      <a:alpha val="43137"/>
+                    </a:srgbClr>
+                  </a:outerShdw>
+                </a:effectLst>
+                <a:cs typeface="+mn-ea"/>
+              </a:rPr>
+              <a:t>测试用例 </a:t>
+            </a:r>
+            <a:r>
+              <a:rPr lang="en-US" altLang="zh-CN" sz="3200" dirty="0">
+                <a:solidFill>
+                  <a:schemeClr val="accent5">
+                    <a:lumMod val="75000"/>
+                  </a:schemeClr>
+                </a:solidFill>
+                <a:effectLst>
+                  <a:outerShdw blurRad="38100" dist="38100" dir="2700000" algn="tl">
+                    <a:srgbClr val="000000">
+                      <a:alpha val="43137"/>
+                    </a:srgbClr>
+                  </a:outerShdw>
+                </a:effectLst>
+                <a:cs typeface="+mn-ea"/>
+              </a:rPr>
+              <a:t>1</a:t>
+            </a:r>
+            <a:endParaRPr lang="zh-CN" altLang="en-US" sz="3200" dirty="0">
+              <a:solidFill>
+                <a:schemeClr val="accent5">
+                  <a:lumMod val="75000"/>
+                </a:schemeClr>
+              </a:solidFill>
+              <a:effectLst>
+                <a:outerShdw blurRad="38100" dist="38100" dir="2700000" algn="tl">
+                  <a:srgbClr val="000000">
+                    <a:alpha val="43137"/>
+                  </a:srgbClr>
+                </a:outerShdw>
+              </a:effectLst>
+              <a:cs typeface="+mn-ea"/>
+            </a:endParaRPr>
+          </a:p>
+        </p:txBody>
+      </p:sp>
+    </p:spTree>
+    <p:extLst>
+      <p:ext uri="{BB962C8B-B14F-4D97-AF65-F5344CB8AC3E}">
+        <p14:creationId xmlns:p14="http://schemas.microsoft.com/office/powerpoint/2010/main" val="2725893619"/>
+      </p:ext>
+    </p:extLst>
+  </p:cSld>
+  <p:clrMapOvr>
+    <a:masterClrMapping/>
+  </p:clrMapOvr>
+  <mc:AlternateContent xmlns:mc="http://schemas.openxmlformats.org/markup-compatibility/2006" xmlns:p14="http://schemas.microsoft.com/office/powerpoint/2010/main">
+    <mc:Choice Requires="p14">
+      <p:transition spd="slow">
+        <p14:gallery dir="l"/>
+      </p:transition>
+    </mc:Choice>
+    <mc:Fallback xmlns="">
+      <p:transition spd="slow">
+        <p:fade/>
+      </p:transition>
+    </mc:Fallback>
+  </mc:AlternateContent>
+</p:sld>
+</file>
+
+<file path=ppt/slides/slide24.xml><?xml version="1.0" encoding="utf-8"?>
 <p:sld xmlns:a="http://schemas.openxmlformats.org/drawingml/2006/main" xmlns:r="http://schemas.openxmlformats.org/officeDocument/2006/relationships" xmlns:p="http://schemas.openxmlformats.org/presentationml/2006/main">
   <p:cSld>
     <p:spTree>
@@ -13581,7 +15579,7 @@
 </p:sld>
 </file>
 
-<file path=ppt/slides/slide21.xml><?xml version="1.0" encoding="utf-8"?>
+<file path=ppt/slides/slide25.xml><?xml version="1.0" encoding="utf-8"?>
 <p:sld xmlns:a="http://schemas.openxmlformats.org/drawingml/2006/main" xmlns:r="http://schemas.openxmlformats.org/officeDocument/2006/relationships" xmlns:p="http://schemas.openxmlformats.org/presentationml/2006/main">
   <p:cSld>
     <p:spTree>
@@ -13784,7 +15782,7 @@
 </p:sld>
 </file>
 
-<file path=ppt/slides/slide22.xml><?xml version="1.0" encoding="utf-8"?>
+<file path=ppt/slides/slide26.xml><?xml version="1.0" encoding="utf-8"?>
 <p:sld xmlns:a="http://schemas.openxmlformats.org/drawingml/2006/main" xmlns:r="http://schemas.openxmlformats.org/officeDocument/2006/relationships" xmlns:p="http://schemas.openxmlformats.org/presentationml/2006/main">
   <p:cSld>
     <p:spTree>
@@ -13986,7 +15984,7 @@
 </p:sld>
 </file>
 
-<file path=ppt/slides/slide23.xml><?xml version="1.0" encoding="utf-8"?>
+<file path=ppt/slides/slide27.xml><?xml version="1.0" encoding="utf-8"?>
 <p:sld xmlns:a="http://schemas.openxmlformats.org/drawingml/2006/main" xmlns:r="http://schemas.openxmlformats.org/officeDocument/2006/relationships" xmlns:p="http://schemas.openxmlformats.org/presentationml/2006/main">
   <p:cSld>
     <p:spTree>
@@ -14176,7 +16174,7 @@
 </p:sld>
 </file>
 
-<file path=ppt/slides/slide24.xml><?xml version="1.0" encoding="utf-8"?>
+<file path=ppt/slides/slide28.xml><?xml version="1.0" encoding="utf-8"?>
 <p:sld xmlns:a="http://schemas.openxmlformats.org/drawingml/2006/main" xmlns:r="http://schemas.openxmlformats.org/officeDocument/2006/relationships" xmlns:p="http://schemas.openxmlformats.org/presentationml/2006/main">
   <p:cSld>
     <p:spTree>
@@ -15937,7 +17935,7 @@
 </p:sld>
 </file>
 
-<file path=ppt/slides/slide25.xml><?xml version="1.0" encoding="utf-8"?>
+<file path=ppt/slides/slide29.xml><?xml version="1.0" encoding="utf-8"?>
 <p:sld xmlns:a="http://schemas.openxmlformats.org/drawingml/2006/main" xmlns:r="http://schemas.openxmlformats.org/officeDocument/2006/relationships" xmlns:p="http://schemas.openxmlformats.org/presentationml/2006/main">
   <p:cSld>
     <p:spTree>
@@ -16137,1251 +18135,6 @@
       </p:transition>
     </mc:Fallback>
   </mc:AlternateContent>
-</p:sld>
-</file>
-
-<file path=ppt/slides/slide26.xml><?xml version="1.0" encoding="utf-8"?>
-<p:sld xmlns:a="http://schemas.openxmlformats.org/drawingml/2006/main" xmlns:r="http://schemas.openxmlformats.org/officeDocument/2006/relationships" xmlns:p="http://schemas.openxmlformats.org/presentationml/2006/main">
-  <p:cSld>
-    <p:spTree>
-      <p:nvGrpSpPr>
-        <p:cNvPr id="1" name=""/>
-        <p:cNvGrpSpPr/>
-        <p:nvPr/>
-      </p:nvGrpSpPr>
-      <p:grpSpPr>
-        <a:xfrm>
-          <a:off x="0" y="0"/>
-          <a:ext cx="0" cy="0"/>
-          <a:chOff x="0" y="0"/>
-          <a:chExt cx="0" cy="0"/>
-        </a:xfrm>
-      </p:grpSpPr>
-      <p:sp>
-        <p:nvSpPr>
-          <p:cNvPr id="7" name="文本框 6"/>
-          <p:cNvSpPr txBox="1"/>
-          <p:nvPr/>
-        </p:nvSpPr>
-        <p:spPr>
-          <a:xfrm>
-            <a:off x="659130" y="1088009"/>
-            <a:ext cx="7680198" cy="461665"/>
-          </a:xfrm>
-          <a:prstGeom prst="rect">
-            <a:avLst/>
-          </a:prstGeom>
-          <a:noFill/>
-        </p:spPr>
-        <p:txBody>
-          <a:bodyPr wrap="square" rtlCol="0">
-            <a:spAutoFit/>
-          </a:bodyPr>
-          <a:lstStyle/>
-          <a:p>
-            <a:pPr>
-              <a:spcBef>
-                <a:spcPts val="900"/>
-              </a:spcBef>
-              <a:spcAft>
-                <a:spcPts val="900"/>
-              </a:spcAft>
-            </a:pPr>
-            <a:r>
-              <a:rPr lang="en-US" altLang="zh-CN" sz="2400" dirty="0">
-                <a:solidFill>
-                  <a:schemeClr val="accent1">
-                    <a:lumMod val="50000"/>
-                  </a:schemeClr>
-                </a:solidFill>
-                <a:latin typeface="Cambria" panose="02040503050406030204" pitchFamily="18" charset="0"/>
-                <a:ea typeface="宋体" panose="02010600030101010101" pitchFamily="2" charset="-122"/>
-                <a:cs typeface="Times New Roman" panose="02020603050405020304" pitchFamily="18" charset="0"/>
-              </a:rPr>
-              <a:t>AC</a:t>
-            </a:r>
-            <a:r>
-              <a:rPr lang="zh-CN" altLang="en-US" sz="2400" dirty="0">
-                <a:solidFill>
-                  <a:schemeClr val="accent1">
-                    <a:lumMod val="50000"/>
-                  </a:schemeClr>
-                </a:solidFill>
-                <a:latin typeface="微软雅黑" panose="020B0503020204020204" pitchFamily="34" charset="-122"/>
-                <a:ea typeface="微软雅黑" panose="020B0503020204020204" pitchFamily="34" charset="-122"/>
-                <a:cs typeface="Times New Roman" panose="02020603050405020304" pitchFamily="18" charset="0"/>
-              </a:rPr>
-              <a:t>扫描</a:t>
-            </a:r>
-            <a:r>
-              <a:rPr lang="zh-CN" altLang="en-US" sz="2400" dirty="0">
-                <a:solidFill>
-                  <a:schemeClr val="accent1">
-                    <a:lumMod val="50000"/>
-                  </a:schemeClr>
-                </a:solidFill>
-                <a:effectLst/>
-                <a:latin typeface="微软雅黑" panose="020B0503020204020204" pitchFamily="34" charset="-122"/>
-                <a:ea typeface="微软雅黑" panose="020B0503020204020204" pitchFamily="34" charset="-122"/>
-                <a:cs typeface="Times New Roman" panose="02020603050405020304" pitchFamily="18" charset="0"/>
-              </a:rPr>
-              <a:t>测试结果</a:t>
-            </a:r>
-            <a:endParaRPr lang="en-US" altLang="zh-CN" sz="2000" dirty="0">
-              <a:solidFill>
-                <a:schemeClr val="accent1">
-                  <a:lumMod val="75000"/>
-                </a:schemeClr>
-              </a:solidFill>
-              <a:effectLst/>
-              <a:latin typeface="微软雅黑" panose="020B0503020204020204" pitchFamily="34" charset="-122"/>
-              <a:ea typeface="微软雅黑" panose="020B0503020204020204" pitchFamily="34" charset="-122"/>
-              <a:cs typeface="Times New Roman" panose="02020603050405020304" pitchFamily="18" charset="0"/>
-            </a:endParaRPr>
-          </a:p>
-        </p:txBody>
-      </p:sp>
-      <p:sp>
-        <p:nvSpPr>
-          <p:cNvPr id="5" name="文本框 4"/>
-          <p:cNvSpPr txBox="1"/>
-          <p:nvPr/>
-        </p:nvSpPr>
-        <p:spPr>
-          <a:xfrm>
-            <a:off x="956945" y="214630"/>
-            <a:ext cx="2188420" cy="584775"/>
-          </a:xfrm>
-          <a:prstGeom prst="rect">
-            <a:avLst/>
-          </a:prstGeom>
-          <a:noFill/>
-        </p:spPr>
-        <p:txBody>
-          <a:bodyPr wrap="none" rtlCol="0">
-            <a:spAutoFit/>
-          </a:bodyPr>
-          <a:lstStyle/>
-          <a:p>
-            <a:r>
-              <a:rPr lang="zh-CN" altLang="en-US" sz="3200" dirty="0">
-                <a:solidFill>
-                  <a:schemeClr val="accent5">
-                    <a:lumMod val="75000"/>
-                  </a:schemeClr>
-                </a:solidFill>
-                <a:effectLst>
-                  <a:outerShdw blurRad="38100" dist="38100" dir="2700000" algn="tl">
-                    <a:srgbClr val="000000">
-                      <a:alpha val="43137"/>
-                    </a:srgbClr>
-                  </a:outerShdw>
-                </a:effectLst>
-                <a:cs typeface="+mn-ea"/>
-              </a:rPr>
-              <a:t>测试用例 </a:t>
-            </a:r>
-            <a:r>
-              <a:rPr lang="en-US" altLang="zh-CN" sz="3200" dirty="0">
-                <a:solidFill>
-                  <a:schemeClr val="accent5">
-                    <a:lumMod val="75000"/>
-                  </a:schemeClr>
-                </a:solidFill>
-                <a:effectLst>
-                  <a:outerShdw blurRad="38100" dist="38100" dir="2700000" algn="tl">
-                    <a:srgbClr val="000000">
-                      <a:alpha val="43137"/>
-                    </a:srgbClr>
-                  </a:outerShdw>
-                </a:effectLst>
-                <a:cs typeface="+mn-ea"/>
-              </a:rPr>
-              <a:t>2</a:t>
-            </a:r>
-            <a:endParaRPr lang="zh-CN" altLang="en-US" sz="3200" dirty="0">
-              <a:solidFill>
-                <a:schemeClr val="accent5">
-                  <a:lumMod val="75000"/>
-                </a:schemeClr>
-              </a:solidFill>
-              <a:effectLst>
-                <a:outerShdw blurRad="38100" dist="38100" dir="2700000" algn="tl">
-                  <a:srgbClr val="000000">
-                    <a:alpha val="43137"/>
-                  </a:srgbClr>
-                </a:outerShdw>
-              </a:effectLst>
-              <a:cs typeface="+mn-ea"/>
-            </a:endParaRPr>
-          </a:p>
-        </p:txBody>
-      </p:sp>
-    </p:spTree>
-    <p:extLst>
-      <p:ext uri="{BB962C8B-B14F-4D97-AF65-F5344CB8AC3E}">
-        <p14:creationId xmlns:p14="http://schemas.microsoft.com/office/powerpoint/2010/main" val="1496962158"/>
-      </p:ext>
-    </p:extLst>
-  </p:cSld>
-  <p:clrMapOvr>
-    <a:masterClrMapping/>
-  </p:clrMapOvr>
-  <mc:AlternateContent xmlns:mc="http://schemas.openxmlformats.org/markup-compatibility/2006" xmlns:p14="http://schemas.microsoft.com/office/powerpoint/2010/main">
-    <mc:Choice Requires="p14">
-      <p:transition spd="slow">
-        <p14:gallery dir="l"/>
-      </p:transition>
-    </mc:Choice>
-    <mc:Fallback xmlns="">
-      <p:transition spd="slow">
-        <p:fade/>
-      </p:transition>
-    </mc:Fallback>
-  </mc:AlternateContent>
-</p:sld>
-</file>
-
-<file path=ppt/slides/slide27.xml><?xml version="1.0" encoding="utf-8"?>
-<p:sld xmlns:a="http://schemas.openxmlformats.org/drawingml/2006/main" xmlns:r="http://schemas.openxmlformats.org/officeDocument/2006/relationships" xmlns:p="http://schemas.openxmlformats.org/presentationml/2006/main">
-  <p:cSld>
-    <p:spTree>
-      <p:nvGrpSpPr>
-        <p:cNvPr id="1" name=""/>
-        <p:cNvGrpSpPr/>
-        <p:nvPr/>
-      </p:nvGrpSpPr>
-      <p:grpSpPr>
-        <a:xfrm>
-          <a:off x="0" y="0"/>
-          <a:ext cx="0" cy="0"/>
-          <a:chOff x="0" y="0"/>
-          <a:chExt cx="0" cy="0"/>
-        </a:xfrm>
-      </p:grpSpPr>
-      <p:sp>
-        <p:nvSpPr>
-          <p:cNvPr id="7" name="文本框 6"/>
-          <p:cNvSpPr txBox="1"/>
-          <p:nvPr/>
-        </p:nvSpPr>
-        <p:spPr>
-          <a:xfrm>
-            <a:off x="659130" y="1088009"/>
-            <a:ext cx="7680198" cy="461665"/>
-          </a:xfrm>
-          <a:prstGeom prst="rect">
-            <a:avLst/>
-          </a:prstGeom>
-          <a:noFill/>
-        </p:spPr>
-        <p:txBody>
-          <a:bodyPr wrap="square" rtlCol="0">
-            <a:spAutoFit/>
-          </a:bodyPr>
-          <a:lstStyle/>
-          <a:p>
-            <a:pPr>
-              <a:spcBef>
-                <a:spcPts val="900"/>
-              </a:spcBef>
-              <a:spcAft>
-                <a:spcPts val="900"/>
-              </a:spcAft>
-            </a:pPr>
-            <a:r>
-              <a:rPr lang="en-US" altLang="zh-CN" sz="2400" dirty="0">
-                <a:solidFill>
-                  <a:schemeClr val="accent1">
-                    <a:lumMod val="50000"/>
-                  </a:schemeClr>
-                </a:solidFill>
-                <a:effectLst/>
-                <a:latin typeface="Cambria" panose="02040503050406030204" pitchFamily="18" charset="0"/>
-                <a:ea typeface="宋体" panose="02010600030101010101" pitchFamily="2" charset="-122"/>
-                <a:cs typeface="Times New Roman" panose="02020603050405020304" pitchFamily="18" charset="0"/>
-              </a:rPr>
-              <a:t>Trans</a:t>
-            </a:r>
-            <a:r>
-              <a:rPr lang="zh-CN" altLang="en-US" sz="2400" dirty="0">
-                <a:solidFill>
-                  <a:schemeClr val="accent1">
-                    <a:lumMod val="50000"/>
-                  </a:schemeClr>
-                </a:solidFill>
-                <a:effectLst/>
-                <a:latin typeface="微软雅黑" panose="020B0503020204020204" pitchFamily="34" charset="-122"/>
-                <a:ea typeface="微软雅黑" panose="020B0503020204020204" pitchFamily="34" charset="-122"/>
-                <a:cs typeface="Times New Roman" panose="02020603050405020304" pitchFamily="18" charset="0"/>
-              </a:rPr>
-              <a:t>测试结果</a:t>
-            </a:r>
-            <a:endParaRPr lang="en-US" altLang="zh-CN" sz="2000" dirty="0">
-              <a:solidFill>
-                <a:schemeClr val="accent1">
-                  <a:lumMod val="75000"/>
-                </a:schemeClr>
-              </a:solidFill>
-              <a:effectLst/>
-              <a:latin typeface="微软雅黑" panose="020B0503020204020204" pitchFamily="34" charset="-122"/>
-              <a:ea typeface="微软雅黑" panose="020B0503020204020204" pitchFamily="34" charset="-122"/>
-              <a:cs typeface="Times New Roman" panose="02020603050405020304" pitchFamily="18" charset="0"/>
-            </a:endParaRPr>
-          </a:p>
-        </p:txBody>
-      </p:sp>
-      <p:sp>
-        <p:nvSpPr>
-          <p:cNvPr id="5" name="文本框 4"/>
-          <p:cNvSpPr txBox="1"/>
-          <p:nvPr/>
-        </p:nvSpPr>
-        <p:spPr>
-          <a:xfrm>
-            <a:off x="956945" y="214630"/>
-            <a:ext cx="2188420" cy="584775"/>
-          </a:xfrm>
-          <a:prstGeom prst="rect">
-            <a:avLst/>
-          </a:prstGeom>
-          <a:noFill/>
-        </p:spPr>
-        <p:txBody>
-          <a:bodyPr wrap="none" rtlCol="0">
-            <a:spAutoFit/>
-          </a:bodyPr>
-          <a:lstStyle/>
-          <a:p>
-            <a:r>
-              <a:rPr lang="zh-CN" altLang="en-US" sz="3200" dirty="0">
-                <a:solidFill>
-                  <a:schemeClr val="accent5">
-                    <a:lumMod val="75000"/>
-                  </a:schemeClr>
-                </a:solidFill>
-                <a:effectLst>
-                  <a:outerShdw blurRad="38100" dist="38100" dir="2700000" algn="tl">
-                    <a:srgbClr val="000000">
-                      <a:alpha val="43137"/>
-                    </a:srgbClr>
-                  </a:outerShdw>
-                </a:effectLst>
-                <a:cs typeface="+mn-ea"/>
-              </a:rPr>
-              <a:t>测试用例 </a:t>
-            </a:r>
-            <a:r>
-              <a:rPr lang="en-US" altLang="zh-CN" sz="3200" dirty="0">
-                <a:solidFill>
-                  <a:schemeClr val="accent5">
-                    <a:lumMod val="75000"/>
-                  </a:schemeClr>
-                </a:solidFill>
-                <a:effectLst>
-                  <a:outerShdw blurRad="38100" dist="38100" dir="2700000" algn="tl">
-                    <a:srgbClr val="000000">
-                      <a:alpha val="43137"/>
-                    </a:srgbClr>
-                  </a:outerShdw>
-                </a:effectLst>
-                <a:cs typeface="+mn-ea"/>
-              </a:rPr>
-              <a:t>2</a:t>
-            </a:r>
-            <a:endParaRPr lang="zh-CN" altLang="en-US" sz="3200" dirty="0">
-              <a:solidFill>
-                <a:schemeClr val="accent5">
-                  <a:lumMod val="75000"/>
-                </a:schemeClr>
-              </a:solidFill>
-              <a:effectLst>
-                <a:outerShdw blurRad="38100" dist="38100" dir="2700000" algn="tl">
-                  <a:srgbClr val="000000">
-                    <a:alpha val="43137"/>
-                  </a:srgbClr>
-                </a:outerShdw>
-              </a:effectLst>
-              <a:cs typeface="+mn-ea"/>
-            </a:endParaRPr>
-          </a:p>
-        </p:txBody>
-      </p:sp>
-    </p:spTree>
-    <p:extLst>
-      <p:ext uri="{BB962C8B-B14F-4D97-AF65-F5344CB8AC3E}">
-        <p14:creationId xmlns:p14="http://schemas.microsoft.com/office/powerpoint/2010/main" val="274521176"/>
-      </p:ext>
-    </p:extLst>
-  </p:cSld>
-  <p:clrMapOvr>
-    <a:masterClrMapping/>
-  </p:clrMapOvr>
-  <mc:AlternateContent xmlns:mc="http://schemas.openxmlformats.org/markup-compatibility/2006" xmlns:p14="http://schemas.microsoft.com/office/powerpoint/2010/main">
-    <mc:Choice Requires="p14">
-      <p:transition spd="slow">
-        <p14:gallery dir="l"/>
-      </p:transition>
-    </mc:Choice>
-    <mc:Fallback xmlns="">
-      <p:transition spd="slow">
-        <p:fade/>
-      </p:transition>
-    </mc:Fallback>
-  </mc:AlternateContent>
-</p:sld>
-</file>
-
-<file path=ppt/slides/slide28.xml><?xml version="1.0" encoding="utf-8"?>
-<p:sld xmlns:a="http://schemas.openxmlformats.org/drawingml/2006/main" xmlns:r="http://schemas.openxmlformats.org/officeDocument/2006/relationships" xmlns:p="http://schemas.openxmlformats.org/presentationml/2006/main">
-  <p:cSld>
-    <p:bg>
-      <p:bgPr>
-        <a:blipFill dpi="0" rotWithShape="1">
-          <a:blip r:embed="rId3">
-            <a:lum/>
-          </a:blip>
-          <a:srcRect/>
-          <a:stretch>
-            <a:fillRect/>
-          </a:stretch>
-        </a:blipFill>
-        <a:effectLst/>
-      </p:bgPr>
-    </p:bg>
-    <p:spTree>
-      <p:nvGrpSpPr>
-        <p:cNvPr id="1" name=""/>
-        <p:cNvGrpSpPr/>
-        <p:nvPr/>
-      </p:nvGrpSpPr>
-      <p:grpSpPr>
-        <a:xfrm>
-          <a:off x="0" y="0"/>
-          <a:ext cx="0" cy="0"/>
-          <a:chOff x="0" y="0"/>
-          <a:chExt cx="0" cy="0"/>
-        </a:xfrm>
-      </p:grpSpPr>
-      <p:sp>
-        <p:nvSpPr>
-          <p:cNvPr id="3" name="椭圆 2">
-            <a:extLst>
-              <a:ext uri="{FF2B5EF4-FFF2-40B4-BE49-F238E27FC236}">
-                <a16:creationId xmlns:a16="http://schemas.microsoft.com/office/drawing/2014/main" id="{5ED28513-3E4E-440C-B297-C8181D1DEB17}"/>
-              </a:ext>
-            </a:extLst>
-          </p:cNvPr>
-          <p:cNvSpPr/>
-          <p:nvPr/>
-        </p:nvSpPr>
-        <p:spPr>
-          <a:xfrm>
-            <a:off x="3819635" y="1089058"/>
-            <a:ext cx="1500028" cy="1500028"/>
-          </a:xfrm>
-          <a:prstGeom prst="ellipse">
-            <a:avLst/>
-          </a:prstGeom>
-          <a:solidFill>
-            <a:srgbClr val="1B4367"/>
-          </a:solidFill>
-          <a:ln>
-            <a:noFill/>
-          </a:ln>
-        </p:spPr>
-        <p:style>
-          <a:lnRef idx="2">
-            <a:schemeClr val="accent1">
-              <a:shade val="50000"/>
-            </a:schemeClr>
-          </a:lnRef>
-          <a:fillRef idx="1">
-            <a:schemeClr val="accent1"/>
-          </a:fillRef>
-          <a:effectRef idx="0">
-            <a:schemeClr val="accent1"/>
-          </a:effectRef>
-          <a:fontRef idx="minor">
-            <a:schemeClr val="lt1"/>
-          </a:fontRef>
-        </p:style>
-        <p:txBody>
-          <a:bodyPr rtlCol="0" anchor="ctr"/>
-          <a:lstStyle/>
-          <a:p>
-            <a:pPr algn="ctr"/>
-            <a:endParaRPr lang="zh-CN" altLang="en-US" dirty="0"/>
-          </a:p>
-        </p:txBody>
-      </p:sp>
-      <p:sp>
-        <p:nvSpPr>
-          <p:cNvPr id="4" name="文本框 11">
-            <a:extLst>
-              <a:ext uri="{FF2B5EF4-FFF2-40B4-BE49-F238E27FC236}">
-                <a16:creationId xmlns:a16="http://schemas.microsoft.com/office/drawing/2014/main" id="{A96BE81F-1C76-4468-B80C-5C62BF03E6B6}"/>
-              </a:ext>
-            </a:extLst>
-          </p:cNvPr>
-          <p:cNvSpPr txBox="1"/>
-          <p:nvPr/>
-        </p:nvSpPr>
-        <p:spPr>
-          <a:xfrm>
-            <a:off x="2483768" y="2709756"/>
-            <a:ext cx="4171762" cy="591185"/>
-          </a:xfrm>
-          <a:prstGeom prst="rect">
-            <a:avLst/>
-          </a:prstGeom>
-          <a:noFill/>
-        </p:spPr>
-        <p:txBody>
-          <a:bodyPr wrap="square" lIns="68580" tIns="34290" rIns="68580" bIns="34290" rtlCol="0">
-            <a:spAutoFit/>
-          </a:bodyPr>
-          <a:lstStyle/>
-          <a:p>
-            <a:pPr algn="ctr"/>
-            <a:r>
-              <a:rPr lang="zh-CN" altLang="en-US" sz="3400" dirty="0">
-                <a:solidFill>
-                  <a:srgbClr val="1B4367"/>
-                </a:solidFill>
-                <a:effectLst>
-                  <a:outerShdw blurRad="38100" dist="38100" dir="2700000" algn="tl">
-                    <a:srgbClr val="000000">
-                      <a:alpha val="43137"/>
-                    </a:srgbClr>
-                  </a:outerShdw>
-                </a:effectLst>
-                <a:cs typeface="+mn-ea"/>
-                <a:sym typeface="+mn-lt"/>
-              </a:rPr>
-              <a:t>参考资料</a:t>
-            </a:r>
-          </a:p>
-        </p:txBody>
-      </p:sp>
-      <p:sp>
-        <p:nvSpPr>
-          <p:cNvPr id="5" name="文本框 11">
-            <a:extLst>
-              <a:ext uri="{FF2B5EF4-FFF2-40B4-BE49-F238E27FC236}">
-                <a16:creationId xmlns:a16="http://schemas.microsoft.com/office/drawing/2014/main" id="{6AA57CDC-2405-4508-B74D-7065F26C6F88}"/>
-              </a:ext>
-            </a:extLst>
-          </p:cNvPr>
-          <p:cNvSpPr txBox="1"/>
-          <p:nvPr/>
-        </p:nvSpPr>
-        <p:spPr>
-          <a:xfrm>
-            <a:off x="3705856" y="1751572"/>
-            <a:ext cx="1732894" cy="837565"/>
-          </a:xfrm>
-          <a:prstGeom prst="rect">
-            <a:avLst/>
-          </a:prstGeom>
-          <a:noFill/>
-        </p:spPr>
-        <p:txBody>
-          <a:bodyPr wrap="square" lIns="68580" tIns="34290" rIns="68580" bIns="34290" rtlCol="0">
-            <a:spAutoFit/>
-          </a:bodyPr>
-          <a:lstStyle/>
-          <a:p>
-            <a:pPr algn="ctr">
-              <a:lnSpc>
-                <a:spcPts val="3000"/>
-              </a:lnSpc>
-            </a:pPr>
-            <a:r>
-              <a:rPr lang="en-US" altLang="zh-CN" sz="5400" dirty="0">
-                <a:solidFill>
-                  <a:schemeClr val="bg1"/>
-                </a:solidFill>
-                <a:cs typeface="+mn-ea"/>
-                <a:sym typeface="+mn-lt"/>
-              </a:rPr>
-              <a:t>05</a:t>
-            </a:r>
-            <a:endParaRPr lang="zh-CN" altLang="en-US" sz="5400" dirty="0">
-              <a:solidFill>
-                <a:schemeClr val="bg1"/>
-              </a:solidFill>
-              <a:cs typeface="+mn-ea"/>
-              <a:sym typeface="+mn-lt"/>
-            </a:endParaRPr>
-          </a:p>
-          <a:p>
-            <a:pPr algn="ctr">
-              <a:lnSpc>
-                <a:spcPts val="3000"/>
-              </a:lnSpc>
-            </a:pPr>
-            <a:r>
-              <a:rPr lang="en-US" altLang="zh-CN" sz="2400" dirty="0">
-                <a:solidFill>
-                  <a:schemeClr val="bg1"/>
-                </a:solidFill>
-                <a:cs typeface="+mn-ea"/>
-                <a:sym typeface="+mn-lt"/>
-              </a:rPr>
-              <a:t> </a:t>
-            </a:r>
-          </a:p>
-        </p:txBody>
-      </p:sp>
-    </p:spTree>
-  </p:cSld>
-  <p:clrMapOvr>
-    <a:masterClrMapping/>
-  </p:clrMapOvr>
-  <mc:AlternateContent xmlns:mc="http://schemas.openxmlformats.org/markup-compatibility/2006" xmlns:p14="http://schemas.microsoft.com/office/powerpoint/2010/main">
-    <mc:Choice Requires="p14">
-      <p:transition p14:dur="250">
-        <p:fade/>
-      </p:transition>
-    </mc:Choice>
-    <mc:Fallback xmlns="">
-      <p:transition>
-        <p:fade/>
-      </p:transition>
-    </mc:Fallback>
-  </mc:AlternateContent>
-  <p:timing>
-    <p:tnLst>
-      <p:par>
-        <p:cTn id="1" dur="indefinite" restart="never" nodeType="tmRoot">
-          <p:childTnLst>
-            <p:seq concurrent="1" nextAc="seek">
-              <p:cTn id="2" dur="indefinite" nodeType="mainSeq">
-                <p:childTnLst>
-                  <p:par>
-                    <p:cTn id="3" fill="hold">
-                      <p:stCondLst>
-                        <p:cond delay="indefinite"/>
-                        <p:cond evt="onBegin" delay="0">
-                          <p:tn val="2"/>
-                        </p:cond>
-                      </p:stCondLst>
-                      <p:childTnLst>
-                        <p:par>
-                          <p:cTn id="4" fill="hold">
-                            <p:stCondLst>
-                              <p:cond delay="0"/>
-                            </p:stCondLst>
-                            <p:childTnLst>
-                              <p:par>
-                                <p:cTn id="5" presetID="21" presetClass="entr" presetSubtype="1" fill="hold" grpId="0" nodeType="afterEffect">
-                                  <p:stCondLst>
-                                    <p:cond delay="0"/>
-                                  </p:stCondLst>
-                                  <p:childTnLst>
-                                    <p:set>
-                                      <p:cBhvr>
-                                        <p:cTn id="6" dur="1" fill="hold">
-                                          <p:stCondLst>
-                                            <p:cond delay="0"/>
-                                          </p:stCondLst>
-                                        </p:cTn>
-                                        <p:tgtEl>
-                                          <p:spTgt spid="3"/>
-                                        </p:tgtEl>
-                                        <p:attrNameLst>
-                                          <p:attrName>style.visibility</p:attrName>
-                                        </p:attrNameLst>
-                                      </p:cBhvr>
-                                      <p:to>
-                                        <p:strVal val="visible"/>
-                                      </p:to>
-                                    </p:set>
-                                    <p:animEffect transition="in" filter="wheel(1)">
-                                      <p:cBhvr>
-                                        <p:cTn id="7" dur="600"/>
-                                        <p:tgtEl>
-                                          <p:spTgt spid="3"/>
-                                        </p:tgtEl>
-                                      </p:cBhvr>
-                                    </p:animEffect>
-                                  </p:childTnLst>
-                                </p:cTn>
-                              </p:par>
-                            </p:childTnLst>
-                          </p:cTn>
-                        </p:par>
-                        <p:par>
-                          <p:cTn id="8" fill="hold">
-                            <p:stCondLst>
-                              <p:cond delay="600"/>
-                            </p:stCondLst>
-                            <p:childTnLst>
-                              <p:par>
-                                <p:cTn id="9" presetID="53" presetClass="entr" presetSubtype="16" fill="hold" grpId="0" nodeType="afterEffect">
-                                  <p:stCondLst>
-                                    <p:cond delay="0"/>
-                                  </p:stCondLst>
-                                  <p:childTnLst>
-                                    <p:set>
-                                      <p:cBhvr>
-                                        <p:cTn id="10" dur="1" fill="hold">
-                                          <p:stCondLst>
-                                            <p:cond delay="0"/>
-                                          </p:stCondLst>
-                                        </p:cTn>
-                                        <p:tgtEl>
-                                          <p:spTgt spid="5"/>
-                                        </p:tgtEl>
-                                        <p:attrNameLst>
-                                          <p:attrName>style.visibility</p:attrName>
-                                        </p:attrNameLst>
-                                      </p:cBhvr>
-                                      <p:to>
-                                        <p:strVal val="visible"/>
-                                      </p:to>
-                                    </p:set>
-                                    <p:anim calcmode="lin" valueType="num">
-                                      <p:cBhvr>
-                                        <p:cTn id="11" dur="500" fill="hold"/>
-                                        <p:tgtEl>
-                                          <p:spTgt spid="5"/>
-                                        </p:tgtEl>
-                                        <p:attrNameLst>
-                                          <p:attrName>ppt_w</p:attrName>
-                                        </p:attrNameLst>
-                                      </p:cBhvr>
-                                      <p:tavLst>
-                                        <p:tav tm="0">
-                                          <p:val>
-                                            <p:fltVal val="0"/>
-                                          </p:val>
-                                        </p:tav>
-                                        <p:tav tm="100000">
-                                          <p:val>
-                                            <p:strVal val="#ppt_w"/>
-                                          </p:val>
-                                        </p:tav>
-                                      </p:tavLst>
-                                    </p:anim>
-                                    <p:anim calcmode="lin" valueType="num">
-                                      <p:cBhvr>
-                                        <p:cTn id="12" dur="500" fill="hold"/>
-                                        <p:tgtEl>
-                                          <p:spTgt spid="5"/>
-                                        </p:tgtEl>
-                                        <p:attrNameLst>
-                                          <p:attrName>ppt_h</p:attrName>
-                                        </p:attrNameLst>
-                                      </p:cBhvr>
-                                      <p:tavLst>
-                                        <p:tav tm="0">
-                                          <p:val>
-                                            <p:fltVal val="0"/>
-                                          </p:val>
-                                        </p:tav>
-                                        <p:tav tm="100000">
-                                          <p:val>
-                                            <p:strVal val="#ppt_h"/>
-                                          </p:val>
-                                        </p:tav>
-                                      </p:tavLst>
-                                    </p:anim>
-                                    <p:animEffect transition="in" filter="fade">
-                                      <p:cBhvr>
-                                        <p:cTn id="13" dur="500"/>
-                                        <p:tgtEl>
-                                          <p:spTgt spid="5"/>
-                                        </p:tgtEl>
-                                      </p:cBhvr>
-                                    </p:animEffect>
-                                  </p:childTnLst>
-                                </p:cTn>
-                              </p:par>
-                            </p:childTnLst>
-                          </p:cTn>
-                        </p:par>
-                        <p:par>
-                          <p:cTn id="14" fill="hold">
-                            <p:stCondLst>
-                              <p:cond delay="1100"/>
-                            </p:stCondLst>
-                            <p:childTnLst>
-                              <p:par>
-                                <p:cTn id="15" presetID="41" presetClass="entr" presetSubtype="0" fill="hold" grpId="0" nodeType="afterEffect">
-                                  <p:stCondLst>
-                                    <p:cond delay="0"/>
-                                  </p:stCondLst>
-                                  <p:iterate type="lt">
-                                    <p:tmPct val="10000"/>
-                                  </p:iterate>
-                                  <p:childTnLst>
-                                    <p:set>
-                                      <p:cBhvr>
-                                        <p:cTn id="16" dur="1" fill="hold">
-                                          <p:stCondLst>
-                                            <p:cond delay="0"/>
-                                          </p:stCondLst>
-                                        </p:cTn>
-                                        <p:tgtEl>
-                                          <p:spTgt spid="4"/>
-                                        </p:tgtEl>
-                                        <p:attrNameLst>
-                                          <p:attrName>style.visibility</p:attrName>
-                                        </p:attrNameLst>
-                                      </p:cBhvr>
-                                      <p:to>
-                                        <p:strVal val="visible"/>
-                                      </p:to>
-                                    </p:set>
-                                    <p:anim calcmode="lin" valueType="num">
-                                      <p:cBhvr>
-                                        <p:cTn id="17" dur="500" fill="hold"/>
-                                        <p:tgtEl>
-                                          <p:spTgt spid="4"/>
-                                        </p:tgtEl>
-                                        <p:attrNameLst>
-                                          <p:attrName>ppt_x</p:attrName>
-                                        </p:attrNameLst>
-                                      </p:cBhvr>
-                                      <p:tavLst>
-                                        <p:tav tm="0">
-                                          <p:val>
-                                            <p:strVal val="#ppt_x"/>
-                                          </p:val>
-                                        </p:tav>
-                                        <p:tav tm="50000">
-                                          <p:val>
-                                            <p:strVal val="#ppt_x+.1"/>
-                                          </p:val>
-                                        </p:tav>
-                                        <p:tav tm="100000">
-                                          <p:val>
-                                            <p:strVal val="#ppt_x"/>
-                                          </p:val>
-                                        </p:tav>
-                                      </p:tavLst>
-                                    </p:anim>
-                                    <p:anim calcmode="lin" valueType="num">
-                                      <p:cBhvr>
-                                        <p:cTn id="18" dur="500" fill="hold"/>
-                                        <p:tgtEl>
-                                          <p:spTgt spid="4"/>
-                                        </p:tgtEl>
-                                        <p:attrNameLst>
-                                          <p:attrName>ppt_y</p:attrName>
-                                        </p:attrNameLst>
-                                      </p:cBhvr>
-                                      <p:tavLst>
-                                        <p:tav tm="0">
-                                          <p:val>
-                                            <p:strVal val="#ppt_y"/>
-                                          </p:val>
-                                        </p:tav>
-                                        <p:tav tm="100000">
-                                          <p:val>
-                                            <p:strVal val="#ppt_y"/>
-                                          </p:val>
-                                        </p:tav>
-                                      </p:tavLst>
-                                    </p:anim>
-                                    <p:anim calcmode="lin" valueType="num">
-                                      <p:cBhvr>
-                                        <p:cTn id="19" dur="500" fill="hold"/>
-                                        <p:tgtEl>
-                                          <p:spTgt spid="4"/>
-                                        </p:tgtEl>
-                                        <p:attrNameLst>
-                                          <p:attrName>ppt_h</p:attrName>
-                                        </p:attrNameLst>
-                                      </p:cBhvr>
-                                      <p:tavLst>
-                                        <p:tav tm="0">
-                                          <p:val>
-                                            <p:strVal val="#ppt_h/10"/>
-                                          </p:val>
-                                        </p:tav>
-                                        <p:tav tm="50000">
-                                          <p:val>
-                                            <p:strVal val="#ppt_h+.01"/>
-                                          </p:val>
-                                        </p:tav>
-                                        <p:tav tm="100000">
-                                          <p:val>
-                                            <p:strVal val="#ppt_h"/>
-                                          </p:val>
-                                        </p:tav>
-                                      </p:tavLst>
-                                    </p:anim>
-                                    <p:anim calcmode="lin" valueType="num">
-                                      <p:cBhvr>
-                                        <p:cTn id="20" dur="500" fill="hold"/>
-                                        <p:tgtEl>
-                                          <p:spTgt spid="4"/>
-                                        </p:tgtEl>
-                                        <p:attrNameLst>
-                                          <p:attrName>ppt_w</p:attrName>
-                                        </p:attrNameLst>
-                                      </p:cBhvr>
-                                      <p:tavLst>
-                                        <p:tav tm="0">
-                                          <p:val>
-                                            <p:strVal val="#ppt_w/10"/>
-                                          </p:val>
-                                        </p:tav>
-                                        <p:tav tm="50000">
-                                          <p:val>
-                                            <p:strVal val="#ppt_w+.01"/>
-                                          </p:val>
-                                        </p:tav>
-                                        <p:tav tm="100000">
-                                          <p:val>
-                                            <p:strVal val="#ppt_w"/>
-                                          </p:val>
-                                        </p:tav>
-                                      </p:tavLst>
-                                    </p:anim>
-                                    <p:animEffect transition="in" filter="fade">
-                                      <p:cBhvr>
-                                        <p:cTn id="21" dur="500" tmFilter="0,0; .5, 1; 1, 1"/>
-                                        <p:tgtEl>
-                                          <p:spTgt spid="4"/>
-                                        </p:tgtEl>
-                                      </p:cBhvr>
-                                    </p:animEffect>
-                                  </p:childTnLst>
-                                </p:cTn>
-                              </p:par>
-                            </p:childTnLst>
-                          </p:cTn>
-                        </p:par>
-                      </p:childTnLst>
-                    </p:cTn>
-                  </p:par>
-                </p:childTnLst>
-              </p:cTn>
-              <p:prevCondLst>
-                <p:cond evt="onPrev" delay="0">
-                  <p:tgtEl>
-                    <p:sldTgt/>
-                  </p:tgtEl>
-                </p:cond>
-              </p:prevCondLst>
-              <p:nextCondLst>
-                <p:cond evt="onNext" delay="0">
-                  <p:tgtEl>
-                    <p:sldTgt/>
-                  </p:tgtEl>
-                </p:cond>
-              </p:nextCondLst>
-            </p:seq>
-          </p:childTnLst>
-        </p:cTn>
-      </p:par>
-    </p:tnLst>
-    <p:bldLst>
-      <p:bldP spid="3" grpId="0" bldLvl="0" animBg="1"/>
-      <p:bldP spid="4" grpId="0"/>
-      <p:bldP spid="5" grpId="0"/>
-    </p:bldLst>
-  </p:timing>
-</p:sld>
-</file>
-
-<file path=ppt/slides/slide29.xml><?xml version="1.0" encoding="utf-8"?>
-<p:sld xmlns:a="http://schemas.openxmlformats.org/drawingml/2006/main" xmlns:r="http://schemas.openxmlformats.org/officeDocument/2006/relationships" xmlns:p="http://schemas.openxmlformats.org/presentationml/2006/main">
-  <p:cSld>
-    <p:spTree>
-      <p:nvGrpSpPr>
-        <p:cNvPr id="1" name=""/>
-        <p:cNvGrpSpPr/>
-        <p:nvPr/>
-      </p:nvGrpSpPr>
-      <p:grpSpPr>
-        <a:xfrm>
-          <a:off x="0" y="0"/>
-          <a:ext cx="0" cy="0"/>
-          <a:chOff x="0" y="0"/>
-          <a:chExt cx="0" cy="0"/>
-        </a:xfrm>
-      </p:grpSpPr>
-      <p:sp>
-        <p:nvSpPr>
-          <p:cNvPr id="28" name="TextBox 1957"/>
-          <p:cNvSpPr/>
-          <p:nvPr/>
-        </p:nvSpPr>
-        <p:spPr>
-          <a:xfrm>
-            <a:off x="956945" y="1357630"/>
-            <a:ext cx="7423150" cy="1177245"/>
-          </a:xfrm>
-          <a:prstGeom prst="rect">
-            <a:avLst/>
-          </a:prstGeom>
-          <a:noFill/>
-          <a:ln w="9525">
-            <a:noFill/>
-            <a:miter/>
-          </a:ln>
-        </p:spPr>
-        <p:txBody>
-          <a:bodyPr wrap="square" lIns="68580" tIns="34290" rIns="68580" bIns="34290">
-            <a:spAutoFit/>
-          </a:bodyPr>
-          <a:lstStyle/>
-          <a:p>
-            <a:pPr lvl="0"/>
-            <a:endParaRPr lang="zh-CN" altLang="en-US" sz="2400" dirty="0">
-              <a:solidFill>
-                <a:schemeClr val="accent1">
-                  <a:lumMod val="75000"/>
-                </a:schemeClr>
-              </a:solidFill>
-              <a:effectLst>
-                <a:outerShdw blurRad="38100" dist="38100" dir="2700000" algn="tl">
-                  <a:srgbClr val="000000">
-                    <a:alpha val="43137"/>
-                  </a:srgbClr>
-                </a:outerShdw>
-              </a:effectLst>
-              <a:cs typeface="+mn-ea"/>
-              <a:sym typeface="+mn-lt"/>
-            </a:endParaRPr>
-          </a:p>
-          <a:p>
-            <a:pPr lvl="0"/>
-            <a:endParaRPr lang="zh-CN" altLang="en-US" sz="2400" dirty="0">
-              <a:solidFill>
-                <a:schemeClr val="accent1">
-                  <a:lumMod val="75000"/>
-                </a:schemeClr>
-              </a:solidFill>
-              <a:effectLst>
-                <a:outerShdw blurRad="38100" dist="38100" dir="2700000" algn="tl">
-                  <a:srgbClr val="000000">
-                    <a:alpha val="43137"/>
-                  </a:srgbClr>
-                </a:outerShdw>
-              </a:effectLst>
-              <a:cs typeface="+mn-ea"/>
-              <a:sym typeface="+mn-lt"/>
-            </a:endParaRPr>
-          </a:p>
-          <a:p>
-            <a:pPr lvl="0"/>
-            <a:endParaRPr lang="zh-CN" altLang="en-US" sz="2400" dirty="0">
-              <a:solidFill>
-                <a:schemeClr val="accent1">
-                  <a:lumMod val="75000"/>
-                </a:schemeClr>
-              </a:solidFill>
-              <a:effectLst>
-                <a:outerShdw blurRad="38100" dist="38100" dir="2700000" algn="tl">
-                  <a:srgbClr val="000000">
-                    <a:alpha val="43137"/>
-                  </a:srgbClr>
-                </a:outerShdw>
-              </a:effectLst>
-              <a:cs typeface="+mn-ea"/>
-              <a:sym typeface="+mn-lt"/>
-            </a:endParaRPr>
-          </a:p>
-        </p:txBody>
-      </p:sp>
-      <p:sp>
-        <p:nvSpPr>
-          <p:cNvPr id="3" name="文本框 2"/>
-          <p:cNvSpPr txBox="1"/>
-          <p:nvPr/>
-        </p:nvSpPr>
-        <p:spPr>
-          <a:xfrm>
-            <a:off x="956945" y="214630"/>
-            <a:ext cx="1808480" cy="583565"/>
-          </a:xfrm>
-          <a:prstGeom prst="rect">
-            <a:avLst/>
-          </a:prstGeom>
-          <a:noFill/>
-        </p:spPr>
-        <p:txBody>
-          <a:bodyPr wrap="none" rtlCol="0">
-            <a:spAutoFit/>
-          </a:bodyPr>
-          <a:lstStyle/>
-          <a:p>
-            <a:r>
-              <a:rPr lang="zh-CN" altLang="en-US" sz="3200" dirty="0">
-                <a:solidFill>
-                  <a:schemeClr val="accent5">
-                    <a:lumMod val="75000"/>
-                  </a:schemeClr>
-                </a:solidFill>
-                <a:effectLst>
-                  <a:outerShdw blurRad="38100" dist="38100" dir="2700000" algn="tl">
-                    <a:srgbClr val="000000">
-                      <a:alpha val="43137"/>
-                    </a:srgbClr>
-                  </a:outerShdw>
-                </a:effectLst>
-                <a:cs typeface="+mn-ea"/>
-              </a:rPr>
-              <a:t>参考资料</a:t>
-            </a:r>
-          </a:p>
-        </p:txBody>
-      </p:sp>
-    </p:spTree>
-  </p:cSld>
-  <p:clrMapOvr>
-    <a:masterClrMapping/>
-  </p:clrMapOvr>
-  <mc:AlternateContent xmlns:mc="http://schemas.openxmlformats.org/markup-compatibility/2006" xmlns:p14="http://schemas.microsoft.com/office/powerpoint/2010/main">
-    <mc:Choice Requires="p14">
-      <p:transition spd="slow">
-        <p14:switch dir="r"/>
-      </p:transition>
-    </mc:Choice>
-    <mc:Fallback xmlns="">
-      <p:transition spd="slow">
-        <p:fade/>
-      </p:transition>
-    </mc:Fallback>
-  </mc:AlternateContent>
-  <p:timing>
-    <p:tnLst>
-      <p:par>
-        <p:cTn id="1" dur="indefinite" restart="never" nodeType="tmRoot">
-          <p:childTnLst>
-            <p:seq concurrent="1" nextAc="seek">
-              <p:cTn id="2" dur="indefinite" nodeType="mainSeq">
-                <p:childTnLst>
-                  <p:par>
-                    <p:cTn id="3" fill="hold">
-                      <p:stCondLst>
-                        <p:cond delay="indefinite"/>
-                        <p:cond evt="onBegin" delay="0">
-                          <p:tn val="2"/>
-                        </p:cond>
-                      </p:stCondLst>
-                      <p:childTnLst>
-                        <p:par>
-                          <p:cTn id="4" fill="hold">
-                            <p:stCondLst>
-                              <p:cond delay="0"/>
-                            </p:stCondLst>
-                            <p:childTnLst>
-                              <p:par>
-                                <p:cTn id="5" presetID="2" presetClass="entr" presetSubtype="2" fill="hold" grpId="0" nodeType="afterEffect" nodePh="1">
-                                  <p:stCondLst>
-                                    <p:cond delay="0"/>
-                                  </p:stCondLst>
-                                  <p:endCondLst>
-                                    <p:cond evt="begin" delay="0">
-                                      <p:tn val="5"/>
-                                    </p:cond>
-                                  </p:endCondLst>
-                                  <p:childTnLst>
-                                    <p:set>
-                                      <p:cBhvr>
-                                        <p:cTn id="6" dur="1" fill="hold">
-                                          <p:stCondLst>
-                                            <p:cond delay="0"/>
-                                          </p:stCondLst>
-                                        </p:cTn>
-                                        <p:tgtEl>
-                                          <p:spTgt spid="28"/>
-                                        </p:tgtEl>
-                                        <p:attrNameLst>
-                                          <p:attrName>style.visibility</p:attrName>
-                                        </p:attrNameLst>
-                                      </p:cBhvr>
-                                      <p:to>
-                                        <p:strVal val="visible"/>
-                                      </p:to>
-                                    </p:set>
-                                    <p:anim calcmode="lin" valueType="num">
-                                      <p:cBhvr additive="base">
-                                        <p:cTn id="7" dur="500" fill="hold"/>
-                                        <p:tgtEl>
-                                          <p:spTgt spid="28"/>
-                                        </p:tgtEl>
-                                        <p:attrNameLst>
-                                          <p:attrName>ppt_x</p:attrName>
-                                        </p:attrNameLst>
-                                      </p:cBhvr>
-                                      <p:tavLst>
-                                        <p:tav tm="0">
-                                          <p:val>
-                                            <p:strVal val="1+#ppt_w/2"/>
-                                          </p:val>
-                                        </p:tav>
-                                        <p:tav tm="100000">
-                                          <p:val>
-                                            <p:strVal val="#ppt_x"/>
-                                          </p:val>
-                                        </p:tav>
-                                      </p:tavLst>
-                                    </p:anim>
-                                    <p:anim calcmode="lin" valueType="num">
-                                      <p:cBhvr additive="base">
-                                        <p:cTn id="8" dur="500" fill="hold"/>
-                                        <p:tgtEl>
-                                          <p:spTgt spid="28"/>
-                                        </p:tgtEl>
-                                        <p:attrNameLst>
-                                          <p:attrName>ppt_y</p:attrName>
-                                        </p:attrNameLst>
-                                      </p:cBhvr>
-                                      <p:tavLst>
-                                        <p:tav tm="0">
-                                          <p:val>
-                                            <p:strVal val="#ppt_y"/>
-                                          </p:val>
-                                        </p:tav>
-                                        <p:tav tm="100000">
-                                          <p:val>
-                                            <p:strVal val="#ppt_y"/>
-                                          </p:val>
-                                        </p:tav>
-                                      </p:tavLst>
-                                    </p:anim>
-                                  </p:childTnLst>
-                                </p:cTn>
-                              </p:par>
-                            </p:childTnLst>
-                          </p:cTn>
-                        </p:par>
-                      </p:childTnLst>
-                    </p:cTn>
-                  </p:par>
-                </p:childTnLst>
-              </p:cTn>
-              <p:prevCondLst>
-                <p:cond evt="onPrev" delay="0">
-                  <p:tgtEl>
-                    <p:sldTgt/>
-                  </p:tgtEl>
-                </p:cond>
-              </p:prevCondLst>
-              <p:nextCondLst>
-                <p:cond evt="onNext" delay="0">
-                  <p:tgtEl>
-                    <p:sldTgt/>
-                  </p:tgtEl>
-                </p:cond>
-              </p:nextCondLst>
-            </p:seq>
-          </p:childTnLst>
-        </p:cTn>
-      </p:par>
-    </p:tnLst>
-    <p:bldLst>
-      <p:bldP spid="28" grpId="0"/>
-    </p:bldLst>
-  </p:timing>
 </p:sld>
 </file>
 
@@ -17925,6 +18678,1251 @@
 </file>
 
 <file path=ppt/slides/slide30.xml><?xml version="1.0" encoding="utf-8"?>
+<p:sld xmlns:a="http://schemas.openxmlformats.org/drawingml/2006/main" xmlns:r="http://schemas.openxmlformats.org/officeDocument/2006/relationships" xmlns:p="http://schemas.openxmlformats.org/presentationml/2006/main">
+  <p:cSld>
+    <p:spTree>
+      <p:nvGrpSpPr>
+        <p:cNvPr id="1" name=""/>
+        <p:cNvGrpSpPr/>
+        <p:nvPr/>
+      </p:nvGrpSpPr>
+      <p:grpSpPr>
+        <a:xfrm>
+          <a:off x="0" y="0"/>
+          <a:ext cx="0" cy="0"/>
+          <a:chOff x="0" y="0"/>
+          <a:chExt cx="0" cy="0"/>
+        </a:xfrm>
+      </p:grpSpPr>
+      <p:sp>
+        <p:nvSpPr>
+          <p:cNvPr id="7" name="文本框 6"/>
+          <p:cNvSpPr txBox="1"/>
+          <p:nvPr/>
+        </p:nvSpPr>
+        <p:spPr>
+          <a:xfrm>
+            <a:off x="659130" y="1088009"/>
+            <a:ext cx="7680198" cy="461665"/>
+          </a:xfrm>
+          <a:prstGeom prst="rect">
+            <a:avLst/>
+          </a:prstGeom>
+          <a:noFill/>
+        </p:spPr>
+        <p:txBody>
+          <a:bodyPr wrap="square" rtlCol="0">
+            <a:spAutoFit/>
+          </a:bodyPr>
+          <a:lstStyle/>
+          <a:p>
+            <a:pPr>
+              <a:spcBef>
+                <a:spcPts val="900"/>
+              </a:spcBef>
+              <a:spcAft>
+                <a:spcPts val="900"/>
+              </a:spcAft>
+            </a:pPr>
+            <a:r>
+              <a:rPr lang="en-US" altLang="zh-CN" sz="2400" dirty="0">
+                <a:solidFill>
+                  <a:schemeClr val="accent1">
+                    <a:lumMod val="50000"/>
+                  </a:schemeClr>
+                </a:solidFill>
+                <a:latin typeface="Cambria" panose="02040503050406030204" pitchFamily="18" charset="0"/>
+                <a:ea typeface="宋体" panose="02010600030101010101" pitchFamily="2" charset="-122"/>
+                <a:cs typeface="Times New Roman" panose="02020603050405020304" pitchFamily="18" charset="0"/>
+              </a:rPr>
+              <a:t>AC</a:t>
+            </a:r>
+            <a:r>
+              <a:rPr lang="zh-CN" altLang="en-US" sz="2400" dirty="0">
+                <a:solidFill>
+                  <a:schemeClr val="accent1">
+                    <a:lumMod val="50000"/>
+                  </a:schemeClr>
+                </a:solidFill>
+                <a:latin typeface="微软雅黑" panose="020B0503020204020204" pitchFamily="34" charset="-122"/>
+                <a:ea typeface="微软雅黑" panose="020B0503020204020204" pitchFamily="34" charset="-122"/>
+                <a:cs typeface="Times New Roman" panose="02020603050405020304" pitchFamily="18" charset="0"/>
+              </a:rPr>
+              <a:t>扫描</a:t>
+            </a:r>
+            <a:r>
+              <a:rPr lang="zh-CN" altLang="en-US" sz="2400" dirty="0">
+                <a:solidFill>
+                  <a:schemeClr val="accent1">
+                    <a:lumMod val="50000"/>
+                  </a:schemeClr>
+                </a:solidFill>
+                <a:effectLst/>
+                <a:latin typeface="微软雅黑" panose="020B0503020204020204" pitchFamily="34" charset="-122"/>
+                <a:ea typeface="微软雅黑" panose="020B0503020204020204" pitchFamily="34" charset="-122"/>
+                <a:cs typeface="Times New Roman" panose="02020603050405020304" pitchFamily="18" charset="0"/>
+              </a:rPr>
+              <a:t>测试结果</a:t>
+            </a:r>
+            <a:endParaRPr lang="en-US" altLang="zh-CN" sz="2000" dirty="0">
+              <a:solidFill>
+                <a:schemeClr val="accent1">
+                  <a:lumMod val="75000"/>
+                </a:schemeClr>
+              </a:solidFill>
+              <a:effectLst/>
+              <a:latin typeface="微软雅黑" panose="020B0503020204020204" pitchFamily="34" charset="-122"/>
+              <a:ea typeface="微软雅黑" panose="020B0503020204020204" pitchFamily="34" charset="-122"/>
+              <a:cs typeface="Times New Roman" panose="02020603050405020304" pitchFamily="18" charset="0"/>
+            </a:endParaRPr>
+          </a:p>
+        </p:txBody>
+      </p:sp>
+      <p:sp>
+        <p:nvSpPr>
+          <p:cNvPr id="5" name="文本框 4"/>
+          <p:cNvSpPr txBox="1"/>
+          <p:nvPr/>
+        </p:nvSpPr>
+        <p:spPr>
+          <a:xfrm>
+            <a:off x="956945" y="214630"/>
+            <a:ext cx="2188420" cy="584775"/>
+          </a:xfrm>
+          <a:prstGeom prst="rect">
+            <a:avLst/>
+          </a:prstGeom>
+          <a:noFill/>
+        </p:spPr>
+        <p:txBody>
+          <a:bodyPr wrap="none" rtlCol="0">
+            <a:spAutoFit/>
+          </a:bodyPr>
+          <a:lstStyle/>
+          <a:p>
+            <a:r>
+              <a:rPr lang="zh-CN" altLang="en-US" sz="3200" dirty="0">
+                <a:solidFill>
+                  <a:schemeClr val="accent5">
+                    <a:lumMod val="75000"/>
+                  </a:schemeClr>
+                </a:solidFill>
+                <a:effectLst>
+                  <a:outerShdw blurRad="38100" dist="38100" dir="2700000" algn="tl">
+                    <a:srgbClr val="000000">
+                      <a:alpha val="43137"/>
+                    </a:srgbClr>
+                  </a:outerShdw>
+                </a:effectLst>
+                <a:cs typeface="+mn-ea"/>
+              </a:rPr>
+              <a:t>测试用例 </a:t>
+            </a:r>
+            <a:r>
+              <a:rPr lang="en-US" altLang="zh-CN" sz="3200" dirty="0">
+                <a:solidFill>
+                  <a:schemeClr val="accent5">
+                    <a:lumMod val="75000"/>
+                  </a:schemeClr>
+                </a:solidFill>
+                <a:effectLst>
+                  <a:outerShdw blurRad="38100" dist="38100" dir="2700000" algn="tl">
+                    <a:srgbClr val="000000">
+                      <a:alpha val="43137"/>
+                    </a:srgbClr>
+                  </a:outerShdw>
+                </a:effectLst>
+                <a:cs typeface="+mn-ea"/>
+              </a:rPr>
+              <a:t>2</a:t>
+            </a:r>
+            <a:endParaRPr lang="zh-CN" altLang="en-US" sz="3200" dirty="0">
+              <a:solidFill>
+                <a:schemeClr val="accent5">
+                  <a:lumMod val="75000"/>
+                </a:schemeClr>
+              </a:solidFill>
+              <a:effectLst>
+                <a:outerShdw blurRad="38100" dist="38100" dir="2700000" algn="tl">
+                  <a:srgbClr val="000000">
+                    <a:alpha val="43137"/>
+                  </a:srgbClr>
+                </a:outerShdw>
+              </a:effectLst>
+              <a:cs typeface="+mn-ea"/>
+            </a:endParaRPr>
+          </a:p>
+        </p:txBody>
+      </p:sp>
+    </p:spTree>
+    <p:extLst>
+      <p:ext uri="{BB962C8B-B14F-4D97-AF65-F5344CB8AC3E}">
+        <p14:creationId xmlns:p14="http://schemas.microsoft.com/office/powerpoint/2010/main" val="1496962158"/>
+      </p:ext>
+    </p:extLst>
+  </p:cSld>
+  <p:clrMapOvr>
+    <a:masterClrMapping/>
+  </p:clrMapOvr>
+  <mc:AlternateContent xmlns:mc="http://schemas.openxmlformats.org/markup-compatibility/2006" xmlns:p14="http://schemas.microsoft.com/office/powerpoint/2010/main">
+    <mc:Choice Requires="p14">
+      <p:transition spd="slow">
+        <p14:gallery dir="l"/>
+      </p:transition>
+    </mc:Choice>
+    <mc:Fallback xmlns="">
+      <p:transition spd="slow">
+        <p:fade/>
+      </p:transition>
+    </mc:Fallback>
+  </mc:AlternateContent>
+</p:sld>
+</file>
+
+<file path=ppt/slides/slide31.xml><?xml version="1.0" encoding="utf-8"?>
+<p:sld xmlns:a="http://schemas.openxmlformats.org/drawingml/2006/main" xmlns:r="http://schemas.openxmlformats.org/officeDocument/2006/relationships" xmlns:p="http://schemas.openxmlformats.org/presentationml/2006/main">
+  <p:cSld>
+    <p:spTree>
+      <p:nvGrpSpPr>
+        <p:cNvPr id="1" name=""/>
+        <p:cNvGrpSpPr/>
+        <p:nvPr/>
+      </p:nvGrpSpPr>
+      <p:grpSpPr>
+        <a:xfrm>
+          <a:off x="0" y="0"/>
+          <a:ext cx="0" cy="0"/>
+          <a:chOff x="0" y="0"/>
+          <a:chExt cx="0" cy="0"/>
+        </a:xfrm>
+      </p:grpSpPr>
+      <p:sp>
+        <p:nvSpPr>
+          <p:cNvPr id="7" name="文本框 6"/>
+          <p:cNvSpPr txBox="1"/>
+          <p:nvPr/>
+        </p:nvSpPr>
+        <p:spPr>
+          <a:xfrm>
+            <a:off x="659130" y="1088009"/>
+            <a:ext cx="7680198" cy="461665"/>
+          </a:xfrm>
+          <a:prstGeom prst="rect">
+            <a:avLst/>
+          </a:prstGeom>
+          <a:noFill/>
+        </p:spPr>
+        <p:txBody>
+          <a:bodyPr wrap="square" rtlCol="0">
+            <a:spAutoFit/>
+          </a:bodyPr>
+          <a:lstStyle/>
+          <a:p>
+            <a:pPr>
+              <a:spcBef>
+                <a:spcPts val="900"/>
+              </a:spcBef>
+              <a:spcAft>
+                <a:spcPts val="900"/>
+              </a:spcAft>
+            </a:pPr>
+            <a:r>
+              <a:rPr lang="en-US" altLang="zh-CN" sz="2400" dirty="0">
+                <a:solidFill>
+                  <a:schemeClr val="accent1">
+                    <a:lumMod val="50000"/>
+                  </a:schemeClr>
+                </a:solidFill>
+                <a:effectLst/>
+                <a:latin typeface="Cambria" panose="02040503050406030204" pitchFamily="18" charset="0"/>
+                <a:ea typeface="宋体" panose="02010600030101010101" pitchFamily="2" charset="-122"/>
+                <a:cs typeface="Times New Roman" panose="02020603050405020304" pitchFamily="18" charset="0"/>
+              </a:rPr>
+              <a:t>Trans</a:t>
+            </a:r>
+            <a:r>
+              <a:rPr lang="zh-CN" altLang="en-US" sz="2400" dirty="0">
+                <a:solidFill>
+                  <a:schemeClr val="accent1">
+                    <a:lumMod val="50000"/>
+                  </a:schemeClr>
+                </a:solidFill>
+                <a:effectLst/>
+                <a:latin typeface="微软雅黑" panose="020B0503020204020204" pitchFamily="34" charset="-122"/>
+                <a:ea typeface="微软雅黑" panose="020B0503020204020204" pitchFamily="34" charset="-122"/>
+                <a:cs typeface="Times New Roman" panose="02020603050405020304" pitchFamily="18" charset="0"/>
+              </a:rPr>
+              <a:t>测试结果</a:t>
+            </a:r>
+            <a:endParaRPr lang="en-US" altLang="zh-CN" sz="2000" dirty="0">
+              <a:solidFill>
+                <a:schemeClr val="accent1">
+                  <a:lumMod val="75000"/>
+                </a:schemeClr>
+              </a:solidFill>
+              <a:effectLst/>
+              <a:latin typeface="微软雅黑" panose="020B0503020204020204" pitchFamily="34" charset="-122"/>
+              <a:ea typeface="微软雅黑" panose="020B0503020204020204" pitchFamily="34" charset="-122"/>
+              <a:cs typeface="Times New Roman" panose="02020603050405020304" pitchFamily="18" charset="0"/>
+            </a:endParaRPr>
+          </a:p>
+        </p:txBody>
+      </p:sp>
+      <p:sp>
+        <p:nvSpPr>
+          <p:cNvPr id="5" name="文本框 4"/>
+          <p:cNvSpPr txBox="1"/>
+          <p:nvPr/>
+        </p:nvSpPr>
+        <p:spPr>
+          <a:xfrm>
+            <a:off x="956945" y="214630"/>
+            <a:ext cx="2188420" cy="584775"/>
+          </a:xfrm>
+          <a:prstGeom prst="rect">
+            <a:avLst/>
+          </a:prstGeom>
+          <a:noFill/>
+        </p:spPr>
+        <p:txBody>
+          <a:bodyPr wrap="none" rtlCol="0">
+            <a:spAutoFit/>
+          </a:bodyPr>
+          <a:lstStyle/>
+          <a:p>
+            <a:r>
+              <a:rPr lang="zh-CN" altLang="en-US" sz="3200" dirty="0">
+                <a:solidFill>
+                  <a:schemeClr val="accent5">
+                    <a:lumMod val="75000"/>
+                  </a:schemeClr>
+                </a:solidFill>
+                <a:effectLst>
+                  <a:outerShdw blurRad="38100" dist="38100" dir="2700000" algn="tl">
+                    <a:srgbClr val="000000">
+                      <a:alpha val="43137"/>
+                    </a:srgbClr>
+                  </a:outerShdw>
+                </a:effectLst>
+                <a:cs typeface="+mn-ea"/>
+              </a:rPr>
+              <a:t>测试用例 </a:t>
+            </a:r>
+            <a:r>
+              <a:rPr lang="en-US" altLang="zh-CN" sz="3200" dirty="0">
+                <a:solidFill>
+                  <a:schemeClr val="accent5">
+                    <a:lumMod val="75000"/>
+                  </a:schemeClr>
+                </a:solidFill>
+                <a:effectLst>
+                  <a:outerShdw blurRad="38100" dist="38100" dir="2700000" algn="tl">
+                    <a:srgbClr val="000000">
+                      <a:alpha val="43137"/>
+                    </a:srgbClr>
+                  </a:outerShdw>
+                </a:effectLst>
+                <a:cs typeface="+mn-ea"/>
+              </a:rPr>
+              <a:t>2</a:t>
+            </a:r>
+            <a:endParaRPr lang="zh-CN" altLang="en-US" sz="3200" dirty="0">
+              <a:solidFill>
+                <a:schemeClr val="accent5">
+                  <a:lumMod val="75000"/>
+                </a:schemeClr>
+              </a:solidFill>
+              <a:effectLst>
+                <a:outerShdw blurRad="38100" dist="38100" dir="2700000" algn="tl">
+                  <a:srgbClr val="000000">
+                    <a:alpha val="43137"/>
+                  </a:srgbClr>
+                </a:outerShdw>
+              </a:effectLst>
+              <a:cs typeface="+mn-ea"/>
+            </a:endParaRPr>
+          </a:p>
+        </p:txBody>
+      </p:sp>
+    </p:spTree>
+    <p:extLst>
+      <p:ext uri="{BB962C8B-B14F-4D97-AF65-F5344CB8AC3E}">
+        <p14:creationId xmlns:p14="http://schemas.microsoft.com/office/powerpoint/2010/main" val="274521176"/>
+      </p:ext>
+    </p:extLst>
+  </p:cSld>
+  <p:clrMapOvr>
+    <a:masterClrMapping/>
+  </p:clrMapOvr>
+  <mc:AlternateContent xmlns:mc="http://schemas.openxmlformats.org/markup-compatibility/2006" xmlns:p14="http://schemas.microsoft.com/office/powerpoint/2010/main">
+    <mc:Choice Requires="p14">
+      <p:transition spd="slow">
+        <p14:gallery dir="l"/>
+      </p:transition>
+    </mc:Choice>
+    <mc:Fallback xmlns="">
+      <p:transition spd="slow">
+        <p:fade/>
+      </p:transition>
+    </mc:Fallback>
+  </mc:AlternateContent>
+</p:sld>
+</file>
+
+<file path=ppt/slides/slide32.xml><?xml version="1.0" encoding="utf-8"?>
+<p:sld xmlns:a="http://schemas.openxmlformats.org/drawingml/2006/main" xmlns:r="http://schemas.openxmlformats.org/officeDocument/2006/relationships" xmlns:p="http://schemas.openxmlformats.org/presentationml/2006/main">
+  <p:cSld>
+    <p:bg>
+      <p:bgPr>
+        <a:blipFill dpi="0" rotWithShape="1">
+          <a:blip r:embed="rId3">
+            <a:lum/>
+          </a:blip>
+          <a:srcRect/>
+          <a:stretch>
+            <a:fillRect/>
+          </a:stretch>
+        </a:blipFill>
+        <a:effectLst/>
+      </p:bgPr>
+    </p:bg>
+    <p:spTree>
+      <p:nvGrpSpPr>
+        <p:cNvPr id="1" name=""/>
+        <p:cNvGrpSpPr/>
+        <p:nvPr/>
+      </p:nvGrpSpPr>
+      <p:grpSpPr>
+        <a:xfrm>
+          <a:off x="0" y="0"/>
+          <a:ext cx="0" cy="0"/>
+          <a:chOff x="0" y="0"/>
+          <a:chExt cx="0" cy="0"/>
+        </a:xfrm>
+      </p:grpSpPr>
+      <p:sp>
+        <p:nvSpPr>
+          <p:cNvPr id="3" name="椭圆 2">
+            <a:extLst>
+              <a:ext uri="{FF2B5EF4-FFF2-40B4-BE49-F238E27FC236}">
+                <a16:creationId xmlns:a16="http://schemas.microsoft.com/office/drawing/2014/main" id="{5ED28513-3E4E-440C-B297-C8181D1DEB17}"/>
+              </a:ext>
+            </a:extLst>
+          </p:cNvPr>
+          <p:cNvSpPr/>
+          <p:nvPr/>
+        </p:nvSpPr>
+        <p:spPr>
+          <a:xfrm>
+            <a:off x="3819635" y="1089058"/>
+            <a:ext cx="1500028" cy="1500028"/>
+          </a:xfrm>
+          <a:prstGeom prst="ellipse">
+            <a:avLst/>
+          </a:prstGeom>
+          <a:solidFill>
+            <a:srgbClr val="1B4367"/>
+          </a:solidFill>
+          <a:ln>
+            <a:noFill/>
+          </a:ln>
+        </p:spPr>
+        <p:style>
+          <a:lnRef idx="2">
+            <a:schemeClr val="accent1">
+              <a:shade val="50000"/>
+            </a:schemeClr>
+          </a:lnRef>
+          <a:fillRef idx="1">
+            <a:schemeClr val="accent1"/>
+          </a:fillRef>
+          <a:effectRef idx="0">
+            <a:schemeClr val="accent1"/>
+          </a:effectRef>
+          <a:fontRef idx="minor">
+            <a:schemeClr val="lt1"/>
+          </a:fontRef>
+        </p:style>
+        <p:txBody>
+          <a:bodyPr rtlCol="0" anchor="ctr"/>
+          <a:lstStyle/>
+          <a:p>
+            <a:pPr algn="ctr"/>
+            <a:endParaRPr lang="zh-CN" altLang="en-US" dirty="0"/>
+          </a:p>
+        </p:txBody>
+      </p:sp>
+      <p:sp>
+        <p:nvSpPr>
+          <p:cNvPr id="4" name="文本框 11">
+            <a:extLst>
+              <a:ext uri="{FF2B5EF4-FFF2-40B4-BE49-F238E27FC236}">
+                <a16:creationId xmlns:a16="http://schemas.microsoft.com/office/drawing/2014/main" id="{A96BE81F-1C76-4468-B80C-5C62BF03E6B6}"/>
+              </a:ext>
+            </a:extLst>
+          </p:cNvPr>
+          <p:cNvSpPr txBox="1"/>
+          <p:nvPr/>
+        </p:nvSpPr>
+        <p:spPr>
+          <a:xfrm>
+            <a:off x="2483768" y="2709756"/>
+            <a:ext cx="4171762" cy="591185"/>
+          </a:xfrm>
+          <a:prstGeom prst="rect">
+            <a:avLst/>
+          </a:prstGeom>
+          <a:noFill/>
+        </p:spPr>
+        <p:txBody>
+          <a:bodyPr wrap="square" lIns="68580" tIns="34290" rIns="68580" bIns="34290" rtlCol="0">
+            <a:spAutoFit/>
+          </a:bodyPr>
+          <a:lstStyle/>
+          <a:p>
+            <a:pPr algn="ctr"/>
+            <a:r>
+              <a:rPr lang="zh-CN" altLang="en-US" sz="3400" dirty="0">
+                <a:solidFill>
+                  <a:srgbClr val="1B4367"/>
+                </a:solidFill>
+                <a:effectLst>
+                  <a:outerShdw blurRad="38100" dist="38100" dir="2700000" algn="tl">
+                    <a:srgbClr val="000000">
+                      <a:alpha val="43137"/>
+                    </a:srgbClr>
+                  </a:outerShdw>
+                </a:effectLst>
+                <a:cs typeface="+mn-ea"/>
+                <a:sym typeface="+mn-lt"/>
+              </a:rPr>
+              <a:t>参考资料</a:t>
+            </a:r>
+          </a:p>
+        </p:txBody>
+      </p:sp>
+      <p:sp>
+        <p:nvSpPr>
+          <p:cNvPr id="5" name="文本框 11">
+            <a:extLst>
+              <a:ext uri="{FF2B5EF4-FFF2-40B4-BE49-F238E27FC236}">
+                <a16:creationId xmlns:a16="http://schemas.microsoft.com/office/drawing/2014/main" id="{6AA57CDC-2405-4508-B74D-7065F26C6F88}"/>
+              </a:ext>
+            </a:extLst>
+          </p:cNvPr>
+          <p:cNvSpPr txBox="1"/>
+          <p:nvPr/>
+        </p:nvSpPr>
+        <p:spPr>
+          <a:xfrm>
+            <a:off x="3705856" y="1751572"/>
+            <a:ext cx="1732894" cy="837565"/>
+          </a:xfrm>
+          <a:prstGeom prst="rect">
+            <a:avLst/>
+          </a:prstGeom>
+          <a:noFill/>
+        </p:spPr>
+        <p:txBody>
+          <a:bodyPr wrap="square" lIns="68580" tIns="34290" rIns="68580" bIns="34290" rtlCol="0">
+            <a:spAutoFit/>
+          </a:bodyPr>
+          <a:lstStyle/>
+          <a:p>
+            <a:pPr algn="ctr">
+              <a:lnSpc>
+                <a:spcPts val="3000"/>
+              </a:lnSpc>
+            </a:pPr>
+            <a:r>
+              <a:rPr lang="en-US" altLang="zh-CN" sz="5400" dirty="0">
+                <a:solidFill>
+                  <a:schemeClr val="bg1"/>
+                </a:solidFill>
+                <a:cs typeface="+mn-ea"/>
+                <a:sym typeface="+mn-lt"/>
+              </a:rPr>
+              <a:t>05</a:t>
+            </a:r>
+            <a:endParaRPr lang="zh-CN" altLang="en-US" sz="5400" dirty="0">
+              <a:solidFill>
+                <a:schemeClr val="bg1"/>
+              </a:solidFill>
+              <a:cs typeface="+mn-ea"/>
+              <a:sym typeface="+mn-lt"/>
+            </a:endParaRPr>
+          </a:p>
+          <a:p>
+            <a:pPr algn="ctr">
+              <a:lnSpc>
+                <a:spcPts val="3000"/>
+              </a:lnSpc>
+            </a:pPr>
+            <a:r>
+              <a:rPr lang="en-US" altLang="zh-CN" sz="2400" dirty="0">
+                <a:solidFill>
+                  <a:schemeClr val="bg1"/>
+                </a:solidFill>
+                <a:cs typeface="+mn-ea"/>
+                <a:sym typeface="+mn-lt"/>
+              </a:rPr>
+              <a:t> </a:t>
+            </a:r>
+          </a:p>
+        </p:txBody>
+      </p:sp>
+    </p:spTree>
+  </p:cSld>
+  <p:clrMapOvr>
+    <a:masterClrMapping/>
+  </p:clrMapOvr>
+  <mc:AlternateContent xmlns:mc="http://schemas.openxmlformats.org/markup-compatibility/2006" xmlns:p14="http://schemas.microsoft.com/office/powerpoint/2010/main">
+    <mc:Choice Requires="p14">
+      <p:transition p14:dur="250">
+        <p:fade/>
+      </p:transition>
+    </mc:Choice>
+    <mc:Fallback xmlns="">
+      <p:transition>
+        <p:fade/>
+      </p:transition>
+    </mc:Fallback>
+  </mc:AlternateContent>
+  <p:timing>
+    <p:tnLst>
+      <p:par>
+        <p:cTn id="1" dur="indefinite" restart="never" nodeType="tmRoot">
+          <p:childTnLst>
+            <p:seq concurrent="1" nextAc="seek">
+              <p:cTn id="2" dur="indefinite" nodeType="mainSeq">
+                <p:childTnLst>
+                  <p:par>
+                    <p:cTn id="3" fill="hold">
+                      <p:stCondLst>
+                        <p:cond delay="indefinite"/>
+                        <p:cond evt="onBegin" delay="0">
+                          <p:tn val="2"/>
+                        </p:cond>
+                      </p:stCondLst>
+                      <p:childTnLst>
+                        <p:par>
+                          <p:cTn id="4" fill="hold">
+                            <p:stCondLst>
+                              <p:cond delay="0"/>
+                            </p:stCondLst>
+                            <p:childTnLst>
+                              <p:par>
+                                <p:cTn id="5" presetID="21" presetClass="entr" presetSubtype="1" fill="hold" grpId="0" nodeType="afterEffect">
+                                  <p:stCondLst>
+                                    <p:cond delay="0"/>
+                                  </p:stCondLst>
+                                  <p:childTnLst>
+                                    <p:set>
+                                      <p:cBhvr>
+                                        <p:cTn id="6" dur="1" fill="hold">
+                                          <p:stCondLst>
+                                            <p:cond delay="0"/>
+                                          </p:stCondLst>
+                                        </p:cTn>
+                                        <p:tgtEl>
+                                          <p:spTgt spid="3"/>
+                                        </p:tgtEl>
+                                        <p:attrNameLst>
+                                          <p:attrName>style.visibility</p:attrName>
+                                        </p:attrNameLst>
+                                      </p:cBhvr>
+                                      <p:to>
+                                        <p:strVal val="visible"/>
+                                      </p:to>
+                                    </p:set>
+                                    <p:animEffect transition="in" filter="wheel(1)">
+                                      <p:cBhvr>
+                                        <p:cTn id="7" dur="600"/>
+                                        <p:tgtEl>
+                                          <p:spTgt spid="3"/>
+                                        </p:tgtEl>
+                                      </p:cBhvr>
+                                    </p:animEffect>
+                                  </p:childTnLst>
+                                </p:cTn>
+                              </p:par>
+                            </p:childTnLst>
+                          </p:cTn>
+                        </p:par>
+                        <p:par>
+                          <p:cTn id="8" fill="hold">
+                            <p:stCondLst>
+                              <p:cond delay="600"/>
+                            </p:stCondLst>
+                            <p:childTnLst>
+                              <p:par>
+                                <p:cTn id="9" presetID="53" presetClass="entr" presetSubtype="16" fill="hold" grpId="0" nodeType="afterEffect">
+                                  <p:stCondLst>
+                                    <p:cond delay="0"/>
+                                  </p:stCondLst>
+                                  <p:childTnLst>
+                                    <p:set>
+                                      <p:cBhvr>
+                                        <p:cTn id="10" dur="1" fill="hold">
+                                          <p:stCondLst>
+                                            <p:cond delay="0"/>
+                                          </p:stCondLst>
+                                        </p:cTn>
+                                        <p:tgtEl>
+                                          <p:spTgt spid="5"/>
+                                        </p:tgtEl>
+                                        <p:attrNameLst>
+                                          <p:attrName>style.visibility</p:attrName>
+                                        </p:attrNameLst>
+                                      </p:cBhvr>
+                                      <p:to>
+                                        <p:strVal val="visible"/>
+                                      </p:to>
+                                    </p:set>
+                                    <p:anim calcmode="lin" valueType="num">
+                                      <p:cBhvr>
+                                        <p:cTn id="11" dur="500" fill="hold"/>
+                                        <p:tgtEl>
+                                          <p:spTgt spid="5"/>
+                                        </p:tgtEl>
+                                        <p:attrNameLst>
+                                          <p:attrName>ppt_w</p:attrName>
+                                        </p:attrNameLst>
+                                      </p:cBhvr>
+                                      <p:tavLst>
+                                        <p:tav tm="0">
+                                          <p:val>
+                                            <p:fltVal val="0"/>
+                                          </p:val>
+                                        </p:tav>
+                                        <p:tav tm="100000">
+                                          <p:val>
+                                            <p:strVal val="#ppt_w"/>
+                                          </p:val>
+                                        </p:tav>
+                                      </p:tavLst>
+                                    </p:anim>
+                                    <p:anim calcmode="lin" valueType="num">
+                                      <p:cBhvr>
+                                        <p:cTn id="12" dur="500" fill="hold"/>
+                                        <p:tgtEl>
+                                          <p:spTgt spid="5"/>
+                                        </p:tgtEl>
+                                        <p:attrNameLst>
+                                          <p:attrName>ppt_h</p:attrName>
+                                        </p:attrNameLst>
+                                      </p:cBhvr>
+                                      <p:tavLst>
+                                        <p:tav tm="0">
+                                          <p:val>
+                                            <p:fltVal val="0"/>
+                                          </p:val>
+                                        </p:tav>
+                                        <p:tav tm="100000">
+                                          <p:val>
+                                            <p:strVal val="#ppt_h"/>
+                                          </p:val>
+                                        </p:tav>
+                                      </p:tavLst>
+                                    </p:anim>
+                                    <p:animEffect transition="in" filter="fade">
+                                      <p:cBhvr>
+                                        <p:cTn id="13" dur="500"/>
+                                        <p:tgtEl>
+                                          <p:spTgt spid="5"/>
+                                        </p:tgtEl>
+                                      </p:cBhvr>
+                                    </p:animEffect>
+                                  </p:childTnLst>
+                                </p:cTn>
+                              </p:par>
+                            </p:childTnLst>
+                          </p:cTn>
+                        </p:par>
+                        <p:par>
+                          <p:cTn id="14" fill="hold">
+                            <p:stCondLst>
+                              <p:cond delay="1100"/>
+                            </p:stCondLst>
+                            <p:childTnLst>
+                              <p:par>
+                                <p:cTn id="15" presetID="41" presetClass="entr" presetSubtype="0" fill="hold" grpId="0" nodeType="afterEffect">
+                                  <p:stCondLst>
+                                    <p:cond delay="0"/>
+                                  </p:stCondLst>
+                                  <p:iterate type="lt">
+                                    <p:tmPct val="10000"/>
+                                  </p:iterate>
+                                  <p:childTnLst>
+                                    <p:set>
+                                      <p:cBhvr>
+                                        <p:cTn id="16" dur="1" fill="hold">
+                                          <p:stCondLst>
+                                            <p:cond delay="0"/>
+                                          </p:stCondLst>
+                                        </p:cTn>
+                                        <p:tgtEl>
+                                          <p:spTgt spid="4"/>
+                                        </p:tgtEl>
+                                        <p:attrNameLst>
+                                          <p:attrName>style.visibility</p:attrName>
+                                        </p:attrNameLst>
+                                      </p:cBhvr>
+                                      <p:to>
+                                        <p:strVal val="visible"/>
+                                      </p:to>
+                                    </p:set>
+                                    <p:anim calcmode="lin" valueType="num">
+                                      <p:cBhvr>
+                                        <p:cTn id="17" dur="500" fill="hold"/>
+                                        <p:tgtEl>
+                                          <p:spTgt spid="4"/>
+                                        </p:tgtEl>
+                                        <p:attrNameLst>
+                                          <p:attrName>ppt_x</p:attrName>
+                                        </p:attrNameLst>
+                                      </p:cBhvr>
+                                      <p:tavLst>
+                                        <p:tav tm="0">
+                                          <p:val>
+                                            <p:strVal val="#ppt_x"/>
+                                          </p:val>
+                                        </p:tav>
+                                        <p:tav tm="50000">
+                                          <p:val>
+                                            <p:strVal val="#ppt_x+.1"/>
+                                          </p:val>
+                                        </p:tav>
+                                        <p:tav tm="100000">
+                                          <p:val>
+                                            <p:strVal val="#ppt_x"/>
+                                          </p:val>
+                                        </p:tav>
+                                      </p:tavLst>
+                                    </p:anim>
+                                    <p:anim calcmode="lin" valueType="num">
+                                      <p:cBhvr>
+                                        <p:cTn id="18" dur="500" fill="hold"/>
+                                        <p:tgtEl>
+                                          <p:spTgt spid="4"/>
+                                        </p:tgtEl>
+                                        <p:attrNameLst>
+                                          <p:attrName>ppt_y</p:attrName>
+                                        </p:attrNameLst>
+                                      </p:cBhvr>
+                                      <p:tavLst>
+                                        <p:tav tm="0">
+                                          <p:val>
+                                            <p:strVal val="#ppt_y"/>
+                                          </p:val>
+                                        </p:tav>
+                                        <p:tav tm="100000">
+                                          <p:val>
+                                            <p:strVal val="#ppt_y"/>
+                                          </p:val>
+                                        </p:tav>
+                                      </p:tavLst>
+                                    </p:anim>
+                                    <p:anim calcmode="lin" valueType="num">
+                                      <p:cBhvr>
+                                        <p:cTn id="19" dur="500" fill="hold"/>
+                                        <p:tgtEl>
+                                          <p:spTgt spid="4"/>
+                                        </p:tgtEl>
+                                        <p:attrNameLst>
+                                          <p:attrName>ppt_h</p:attrName>
+                                        </p:attrNameLst>
+                                      </p:cBhvr>
+                                      <p:tavLst>
+                                        <p:tav tm="0">
+                                          <p:val>
+                                            <p:strVal val="#ppt_h/10"/>
+                                          </p:val>
+                                        </p:tav>
+                                        <p:tav tm="50000">
+                                          <p:val>
+                                            <p:strVal val="#ppt_h+.01"/>
+                                          </p:val>
+                                        </p:tav>
+                                        <p:tav tm="100000">
+                                          <p:val>
+                                            <p:strVal val="#ppt_h"/>
+                                          </p:val>
+                                        </p:tav>
+                                      </p:tavLst>
+                                    </p:anim>
+                                    <p:anim calcmode="lin" valueType="num">
+                                      <p:cBhvr>
+                                        <p:cTn id="20" dur="500" fill="hold"/>
+                                        <p:tgtEl>
+                                          <p:spTgt spid="4"/>
+                                        </p:tgtEl>
+                                        <p:attrNameLst>
+                                          <p:attrName>ppt_w</p:attrName>
+                                        </p:attrNameLst>
+                                      </p:cBhvr>
+                                      <p:tavLst>
+                                        <p:tav tm="0">
+                                          <p:val>
+                                            <p:strVal val="#ppt_w/10"/>
+                                          </p:val>
+                                        </p:tav>
+                                        <p:tav tm="50000">
+                                          <p:val>
+                                            <p:strVal val="#ppt_w+.01"/>
+                                          </p:val>
+                                        </p:tav>
+                                        <p:tav tm="100000">
+                                          <p:val>
+                                            <p:strVal val="#ppt_w"/>
+                                          </p:val>
+                                        </p:tav>
+                                      </p:tavLst>
+                                    </p:anim>
+                                    <p:animEffect transition="in" filter="fade">
+                                      <p:cBhvr>
+                                        <p:cTn id="21" dur="500" tmFilter="0,0; .5, 1; 1, 1"/>
+                                        <p:tgtEl>
+                                          <p:spTgt spid="4"/>
+                                        </p:tgtEl>
+                                      </p:cBhvr>
+                                    </p:animEffect>
+                                  </p:childTnLst>
+                                </p:cTn>
+                              </p:par>
+                            </p:childTnLst>
+                          </p:cTn>
+                        </p:par>
+                      </p:childTnLst>
+                    </p:cTn>
+                  </p:par>
+                </p:childTnLst>
+              </p:cTn>
+              <p:prevCondLst>
+                <p:cond evt="onPrev" delay="0">
+                  <p:tgtEl>
+                    <p:sldTgt/>
+                  </p:tgtEl>
+                </p:cond>
+              </p:prevCondLst>
+              <p:nextCondLst>
+                <p:cond evt="onNext" delay="0">
+                  <p:tgtEl>
+                    <p:sldTgt/>
+                  </p:tgtEl>
+                </p:cond>
+              </p:nextCondLst>
+            </p:seq>
+          </p:childTnLst>
+        </p:cTn>
+      </p:par>
+    </p:tnLst>
+    <p:bldLst>
+      <p:bldP spid="3" grpId="0" bldLvl="0" animBg="1"/>
+      <p:bldP spid="4" grpId="0"/>
+      <p:bldP spid="5" grpId="0"/>
+    </p:bldLst>
+  </p:timing>
+</p:sld>
+</file>
+
+<file path=ppt/slides/slide33.xml><?xml version="1.0" encoding="utf-8"?>
+<p:sld xmlns:a="http://schemas.openxmlformats.org/drawingml/2006/main" xmlns:r="http://schemas.openxmlformats.org/officeDocument/2006/relationships" xmlns:p="http://schemas.openxmlformats.org/presentationml/2006/main">
+  <p:cSld>
+    <p:spTree>
+      <p:nvGrpSpPr>
+        <p:cNvPr id="1" name=""/>
+        <p:cNvGrpSpPr/>
+        <p:nvPr/>
+      </p:nvGrpSpPr>
+      <p:grpSpPr>
+        <a:xfrm>
+          <a:off x="0" y="0"/>
+          <a:ext cx="0" cy="0"/>
+          <a:chOff x="0" y="0"/>
+          <a:chExt cx="0" cy="0"/>
+        </a:xfrm>
+      </p:grpSpPr>
+      <p:sp>
+        <p:nvSpPr>
+          <p:cNvPr id="28" name="TextBox 1957"/>
+          <p:cNvSpPr/>
+          <p:nvPr/>
+        </p:nvSpPr>
+        <p:spPr>
+          <a:xfrm>
+            <a:off x="956945" y="1357630"/>
+            <a:ext cx="7423150" cy="1177245"/>
+          </a:xfrm>
+          <a:prstGeom prst="rect">
+            <a:avLst/>
+          </a:prstGeom>
+          <a:noFill/>
+          <a:ln w="9525">
+            <a:noFill/>
+            <a:miter/>
+          </a:ln>
+        </p:spPr>
+        <p:txBody>
+          <a:bodyPr wrap="square" lIns="68580" tIns="34290" rIns="68580" bIns="34290">
+            <a:spAutoFit/>
+          </a:bodyPr>
+          <a:lstStyle/>
+          <a:p>
+            <a:pPr lvl="0"/>
+            <a:endParaRPr lang="zh-CN" altLang="en-US" sz="2400" dirty="0">
+              <a:solidFill>
+                <a:schemeClr val="accent1">
+                  <a:lumMod val="75000"/>
+                </a:schemeClr>
+              </a:solidFill>
+              <a:effectLst>
+                <a:outerShdw blurRad="38100" dist="38100" dir="2700000" algn="tl">
+                  <a:srgbClr val="000000">
+                    <a:alpha val="43137"/>
+                  </a:srgbClr>
+                </a:outerShdw>
+              </a:effectLst>
+              <a:cs typeface="+mn-ea"/>
+              <a:sym typeface="+mn-lt"/>
+            </a:endParaRPr>
+          </a:p>
+          <a:p>
+            <a:pPr lvl="0"/>
+            <a:endParaRPr lang="zh-CN" altLang="en-US" sz="2400" dirty="0">
+              <a:solidFill>
+                <a:schemeClr val="accent1">
+                  <a:lumMod val="75000"/>
+                </a:schemeClr>
+              </a:solidFill>
+              <a:effectLst>
+                <a:outerShdw blurRad="38100" dist="38100" dir="2700000" algn="tl">
+                  <a:srgbClr val="000000">
+                    <a:alpha val="43137"/>
+                  </a:srgbClr>
+                </a:outerShdw>
+              </a:effectLst>
+              <a:cs typeface="+mn-ea"/>
+              <a:sym typeface="+mn-lt"/>
+            </a:endParaRPr>
+          </a:p>
+          <a:p>
+            <a:pPr lvl="0"/>
+            <a:endParaRPr lang="zh-CN" altLang="en-US" sz="2400" dirty="0">
+              <a:solidFill>
+                <a:schemeClr val="accent1">
+                  <a:lumMod val="75000"/>
+                </a:schemeClr>
+              </a:solidFill>
+              <a:effectLst>
+                <a:outerShdw blurRad="38100" dist="38100" dir="2700000" algn="tl">
+                  <a:srgbClr val="000000">
+                    <a:alpha val="43137"/>
+                  </a:srgbClr>
+                </a:outerShdw>
+              </a:effectLst>
+              <a:cs typeface="+mn-ea"/>
+              <a:sym typeface="+mn-lt"/>
+            </a:endParaRPr>
+          </a:p>
+        </p:txBody>
+      </p:sp>
+      <p:sp>
+        <p:nvSpPr>
+          <p:cNvPr id="3" name="文本框 2"/>
+          <p:cNvSpPr txBox="1"/>
+          <p:nvPr/>
+        </p:nvSpPr>
+        <p:spPr>
+          <a:xfrm>
+            <a:off x="956945" y="214630"/>
+            <a:ext cx="1808480" cy="583565"/>
+          </a:xfrm>
+          <a:prstGeom prst="rect">
+            <a:avLst/>
+          </a:prstGeom>
+          <a:noFill/>
+        </p:spPr>
+        <p:txBody>
+          <a:bodyPr wrap="none" rtlCol="0">
+            <a:spAutoFit/>
+          </a:bodyPr>
+          <a:lstStyle/>
+          <a:p>
+            <a:r>
+              <a:rPr lang="zh-CN" altLang="en-US" sz="3200" dirty="0">
+                <a:solidFill>
+                  <a:schemeClr val="accent5">
+                    <a:lumMod val="75000"/>
+                  </a:schemeClr>
+                </a:solidFill>
+                <a:effectLst>
+                  <a:outerShdw blurRad="38100" dist="38100" dir="2700000" algn="tl">
+                    <a:srgbClr val="000000">
+                      <a:alpha val="43137"/>
+                    </a:srgbClr>
+                  </a:outerShdw>
+                </a:effectLst>
+                <a:cs typeface="+mn-ea"/>
+              </a:rPr>
+              <a:t>参考资料</a:t>
+            </a:r>
+          </a:p>
+        </p:txBody>
+      </p:sp>
+    </p:spTree>
+  </p:cSld>
+  <p:clrMapOvr>
+    <a:masterClrMapping/>
+  </p:clrMapOvr>
+  <mc:AlternateContent xmlns:mc="http://schemas.openxmlformats.org/markup-compatibility/2006" xmlns:p14="http://schemas.microsoft.com/office/powerpoint/2010/main">
+    <mc:Choice Requires="p14">
+      <p:transition spd="slow">
+        <p14:switch dir="r"/>
+      </p:transition>
+    </mc:Choice>
+    <mc:Fallback xmlns="">
+      <p:transition spd="slow">
+        <p:fade/>
+      </p:transition>
+    </mc:Fallback>
+  </mc:AlternateContent>
+  <p:timing>
+    <p:tnLst>
+      <p:par>
+        <p:cTn id="1" dur="indefinite" restart="never" nodeType="tmRoot">
+          <p:childTnLst>
+            <p:seq concurrent="1" nextAc="seek">
+              <p:cTn id="2" dur="indefinite" nodeType="mainSeq">
+                <p:childTnLst>
+                  <p:par>
+                    <p:cTn id="3" fill="hold">
+                      <p:stCondLst>
+                        <p:cond delay="indefinite"/>
+                        <p:cond evt="onBegin" delay="0">
+                          <p:tn val="2"/>
+                        </p:cond>
+                      </p:stCondLst>
+                      <p:childTnLst>
+                        <p:par>
+                          <p:cTn id="4" fill="hold">
+                            <p:stCondLst>
+                              <p:cond delay="0"/>
+                            </p:stCondLst>
+                            <p:childTnLst>
+                              <p:par>
+                                <p:cTn id="5" presetID="2" presetClass="entr" presetSubtype="2" fill="hold" grpId="0" nodeType="afterEffect" nodePh="1">
+                                  <p:stCondLst>
+                                    <p:cond delay="0"/>
+                                  </p:stCondLst>
+                                  <p:endCondLst>
+                                    <p:cond evt="begin" delay="0">
+                                      <p:tn val="5"/>
+                                    </p:cond>
+                                  </p:endCondLst>
+                                  <p:childTnLst>
+                                    <p:set>
+                                      <p:cBhvr>
+                                        <p:cTn id="6" dur="1" fill="hold">
+                                          <p:stCondLst>
+                                            <p:cond delay="0"/>
+                                          </p:stCondLst>
+                                        </p:cTn>
+                                        <p:tgtEl>
+                                          <p:spTgt spid="28"/>
+                                        </p:tgtEl>
+                                        <p:attrNameLst>
+                                          <p:attrName>style.visibility</p:attrName>
+                                        </p:attrNameLst>
+                                      </p:cBhvr>
+                                      <p:to>
+                                        <p:strVal val="visible"/>
+                                      </p:to>
+                                    </p:set>
+                                    <p:anim calcmode="lin" valueType="num">
+                                      <p:cBhvr additive="base">
+                                        <p:cTn id="7" dur="500" fill="hold"/>
+                                        <p:tgtEl>
+                                          <p:spTgt spid="28"/>
+                                        </p:tgtEl>
+                                        <p:attrNameLst>
+                                          <p:attrName>ppt_x</p:attrName>
+                                        </p:attrNameLst>
+                                      </p:cBhvr>
+                                      <p:tavLst>
+                                        <p:tav tm="0">
+                                          <p:val>
+                                            <p:strVal val="1+#ppt_w/2"/>
+                                          </p:val>
+                                        </p:tav>
+                                        <p:tav tm="100000">
+                                          <p:val>
+                                            <p:strVal val="#ppt_x"/>
+                                          </p:val>
+                                        </p:tav>
+                                      </p:tavLst>
+                                    </p:anim>
+                                    <p:anim calcmode="lin" valueType="num">
+                                      <p:cBhvr additive="base">
+                                        <p:cTn id="8" dur="500" fill="hold"/>
+                                        <p:tgtEl>
+                                          <p:spTgt spid="28"/>
+                                        </p:tgtEl>
+                                        <p:attrNameLst>
+                                          <p:attrName>ppt_y</p:attrName>
+                                        </p:attrNameLst>
+                                      </p:cBhvr>
+                                      <p:tavLst>
+                                        <p:tav tm="0">
+                                          <p:val>
+                                            <p:strVal val="#ppt_y"/>
+                                          </p:val>
+                                        </p:tav>
+                                        <p:tav tm="100000">
+                                          <p:val>
+                                            <p:strVal val="#ppt_y"/>
+                                          </p:val>
+                                        </p:tav>
+                                      </p:tavLst>
+                                    </p:anim>
+                                  </p:childTnLst>
+                                </p:cTn>
+                              </p:par>
+                            </p:childTnLst>
+                          </p:cTn>
+                        </p:par>
+                      </p:childTnLst>
+                    </p:cTn>
+                  </p:par>
+                </p:childTnLst>
+              </p:cTn>
+              <p:prevCondLst>
+                <p:cond evt="onPrev" delay="0">
+                  <p:tgtEl>
+                    <p:sldTgt/>
+                  </p:tgtEl>
+                </p:cond>
+              </p:prevCondLst>
+              <p:nextCondLst>
+                <p:cond evt="onNext" delay="0">
+                  <p:tgtEl>
+                    <p:sldTgt/>
+                  </p:tgtEl>
+                </p:cond>
+              </p:nextCondLst>
+            </p:seq>
+          </p:childTnLst>
+        </p:cTn>
+      </p:par>
+    </p:tnLst>
+    <p:bldLst>
+      <p:bldP spid="28" grpId="0"/>
+    </p:bldLst>
+  </p:timing>
+</p:sld>
+</file>
+
+<file path=ppt/slides/slide34.xml><?xml version="1.0" encoding="utf-8"?>
 <p:sld xmlns:a="http://schemas.openxmlformats.org/drawingml/2006/main" xmlns:r="http://schemas.openxmlformats.org/officeDocument/2006/relationships" xmlns:p="http://schemas.openxmlformats.org/presentationml/2006/main">
   <p:cSld>
     <p:spTree>
